--- a/PPT/Busan_Senior_Center(BSC)의_시급한_개선을_위한_입지_분석_모델_발표.pptx
+++ b/PPT/Busan_Senior_Center(BSC)의_시급한_개선을_위한_입지_분석_모델_발표.pptx
@@ -298,7 +298,7 @@
           <a:p>
             <a:fld id="{78A1DF82-54BC-4D6A-9B8E-C3D0E147951C}" type="datetimeFigureOut">
               <a:rPr lang="ko-KR" altLang="en-US" smtClean="0"/>
-              <a:t>2021-12-02</a:t>
+              <a:t>2022-03-07</a:t>
             </a:fld>
             <a:endParaRPr lang="ko-KR" altLang="en-US"/>
           </a:p>
@@ -475,7 +475,7 @@
           <a:p>
             <a:fld id="{C1F9CF4F-CF52-4055-A1E0-4CE72C4FC77B}" type="datetimeFigureOut">
               <a:rPr lang="ko-KR" altLang="en-US" smtClean="0"/>
-              <a:t>2021-12-02</a:t>
+              <a:t>2022-03-07</a:t>
             </a:fld>
             <a:endParaRPr lang="ko-KR" altLang="en-US"/>
           </a:p>
@@ -5518,50 +5518,6 @@
           <a:chExt cx="0" cy="0"/>
         </a:xfrm>
       </p:grpSpPr>
-      <p:pic>
-        <p:nvPicPr>
-          <p:cNvPr id="3" name="object 3"/>
-          <p:cNvPicPr/>
-          <p:nvPr/>
-        </p:nvPicPr>
-        <p:blipFill>
-          <a:blip r:embed="rId3" cstate="print"/>
-          <a:stretch>
-            <a:fillRect/>
-          </a:stretch>
-        </p:blipFill>
-        <p:spPr>
-          <a:xfrm>
-            <a:off x="0" y="0"/>
-            <a:ext cx="12192000" cy="71627"/>
-          </a:xfrm>
-          <a:prstGeom prst="rect">
-            <a:avLst/>
-          </a:prstGeom>
-        </p:spPr>
-      </p:pic>
-      <p:pic>
-        <p:nvPicPr>
-          <p:cNvPr id="19" name="object 19"/>
-          <p:cNvPicPr/>
-          <p:nvPr/>
-        </p:nvPicPr>
-        <p:blipFill>
-          <a:blip r:embed="rId4" cstate="print"/>
-          <a:stretch>
-            <a:fillRect/>
-          </a:stretch>
-        </p:blipFill>
-        <p:spPr>
-          <a:xfrm>
-            <a:off x="1215402" y="818895"/>
-            <a:ext cx="2263108" cy="266700"/>
-          </a:xfrm>
-          <a:prstGeom prst="rect">
-            <a:avLst/>
-          </a:prstGeom>
-        </p:spPr>
-      </p:pic>
       <p:sp>
         <p:nvSpPr>
           <p:cNvPr id="35" name="TextBox 34">
@@ -5615,7 +5571,7 @@
         </p:nvGrpSpPr>
         <p:grpSpPr>
           <a:xfrm>
-            <a:off x="1215401" y="1648288"/>
+            <a:off x="838200" y="2610831"/>
             <a:ext cx="3591128" cy="428688"/>
             <a:chOff x="2231021" y="1625169"/>
             <a:chExt cx="1459913" cy="242669"/>
@@ -5829,42 +5785,6 @@
           </p:txBody>
         </p:sp>
       </p:grpSp>
-      <p:pic>
-        <p:nvPicPr>
-          <p:cNvPr id="43" name="그림 42">
-            <a:extLst>
-              <a:ext uri="{FF2B5EF4-FFF2-40B4-BE49-F238E27FC236}">
-                <a16:creationId xmlns:a16="http://schemas.microsoft.com/office/drawing/2014/main" id="{49AB9B04-409E-4913-8BD4-C4C5794717A0}"/>
-              </a:ext>
-            </a:extLst>
-          </p:cNvPr>
-          <p:cNvPicPr>
-            <a:picLocks noChangeAspect="1"/>
-          </p:cNvPicPr>
-          <p:nvPr/>
-        </p:nvPicPr>
-        <p:blipFill>
-          <a:blip r:embed="rId5">
-            <a:extLst>
-              <a:ext uri="{28A0092B-C50C-407E-A947-70E740481C1C}">
-                <a14:useLocalDpi xmlns:a14="http://schemas.microsoft.com/office/drawing/2010/main" val="0"/>
-              </a:ext>
-            </a:extLst>
-          </a:blip>
-          <a:stretch>
-            <a:fillRect/>
-          </a:stretch>
-        </p:blipFill>
-        <p:spPr>
-          <a:xfrm>
-            <a:off x="0" y="3359063"/>
-            <a:ext cx="12204070" cy="3498937"/>
-          </a:xfrm>
-          <a:prstGeom prst="rect">
-            <a:avLst/>
-          </a:prstGeom>
-        </p:spPr>
-      </p:pic>
       <p:sp>
         <p:nvSpPr>
           <p:cNvPr id="44" name="TextBox 43">
@@ -5879,8 +5799,8 @@
         </p:nvSpPr>
         <p:spPr>
           <a:xfrm>
-            <a:off x="1184603" y="1165922"/>
-            <a:ext cx="10062198" cy="523220"/>
+            <a:off x="838200" y="1905000"/>
+            <a:ext cx="10869600" cy="584775"/>
           </a:xfrm>
           <a:prstGeom prst="rect">
             <a:avLst/>
@@ -5899,7 +5819,7 @@
           <a:lstStyle/>
           <a:p>
             <a:r>
-              <a:rPr lang="en-US" altLang="ko-KR" sz="2800" b="1" spc="-100" dirty="0">
+              <a:rPr lang="en-US" altLang="ko-KR" sz="3200" b="1" spc="-100" dirty="0">
                 <a:solidFill>
                   <a:srgbClr val="1F3863"/>
                 </a:solidFill>
@@ -5907,18 +5827,18 @@
               <a:t>Busan Senior Centre(BSC)</a:t>
             </a:r>
             <a:r>
-              <a:rPr lang="ko-KR" altLang="en-US" sz="2800" b="1" spc="-100" dirty="0"/>
+              <a:rPr lang="ko-KR" altLang="en-US" sz="3200" b="1" spc="-100" dirty="0"/>
               <a:t>의 </a:t>
             </a:r>
             <a:r>
-              <a:rPr lang="ko-KR" altLang="en-US" sz="2800" b="1" spc="-100" dirty="0">
+              <a:rPr lang="ko-KR" altLang="en-US" sz="3200" b="1" spc="-100" dirty="0">
                 <a:solidFill>
                   <a:srgbClr val="5643E2"/>
                 </a:solidFill>
               </a:rPr>
               <a:t>시급한 개선을 위한 입지 분석 모델</a:t>
             </a:r>
-            <a:endParaRPr lang="en-US" altLang="ko-KR" sz="2800" b="1" spc="-100" dirty="0">
+            <a:endParaRPr lang="en-US" altLang="ko-KR" sz="3200" b="1" spc="-100" dirty="0">
               <a:solidFill>
                 <a:srgbClr val="5643E2"/>
               </a:solidFill>
@@ -5951,28 +5871,6 @@
           <a:chExt cx="0" cy="0"/>
         </a:xfrm>
       </p:grpSpPr>
-      <p:pic>
-        <p:nvPicPr>
-          <p:cNvPr id="8" name="object 8"/>
-          <p:cNvPicPr/>
-          <p:nvPr/>
-        </p:nvPicPr>
-        <p:blipFill>
-          <a:blip r:embed="rId3" cstate="print"/>
-          <a:stretch>
-            <a:fillRect/>
-          </a:stretch>
-        </p:blipFill>
-        <p:spPr>
-          <a:xfrm>
-            <a:off x="0" y="0"/>
-            <a:ext cx="492251" cy="617982"/>
-          </a:xfrm>
-          <a:prstGeom prst="rect">
-            <a:avLst/>
-          </a:prstGeom>
-        </p:spPr>
-      </p:pic>
       <p:grpSp>
         <p:nvGrpSpPr>
           <p:cNvPr id="7" name="그룹 6">
@@ -5987,10 +5885,10 @@
         </p:nvGrpSpPr>
         <p:grpSpPr>
           <a:xfrm>
-            <a:off x="477962" y="276353"/>
-            <a:ext cx="11338038" cy="363049"/>
-            <a:chOff x="477962" y="276353"/>
-            <a:chExt cx="11338038" cy="363049"/>
+            <a:off x="477962" y="308991"/>
+            <a:ext cx="11338038" cy="330411"/>
+            <a:chOff x="477962" y="308991"/>
+            <a:chExt cx="11338038" cy="330411"/>
           </a:xfrm>
         </p:grpSpPr>
         <p:sp>
@@ -6092,47 +5990,6 @@
             </a:p>
           </p:txBody>
         </p:sp>
-        <p:cxnSp>
-          <p:nvCxnSpPr>
-            <p:cNvPr id="73" name="직선 연결선 72">
-              <a:extLst>
-                <a:ext uri="{FF2B5EF4-FFF2-40B4-BE49-F238E27FC236}">
-                  <a16:creationId xmlns:a16="http://schemas.microsoft.com/office/drawing/2014/main" id="{4E71BF91-F188-4AD7-94AB-33C1114B3F77}"/>
-                </a:ext>
-              </a:extLst>
-            </p:cNvPr>
-            <p:cNvCxnSpPr/>
-            <p:nvPr/>
-          </p:nvCxnSpPr>
-          <p:spPr>
-            <a:xfrm>
-              <a:off x="516508" y="276353"/>
-              <a:ext cx="11160000" cy="0"/>
-            </a:xfrm>
-            <a:prstGeom prst="line">
-              <a:avLst/>
-            </a:prstGeom>
-            <a:ln w="19050">
-              <a:solidFill>
-                <a:srgbClr val="366CDD"/>
-              </a:solidFill>
-            </a:ln>
-          </p:spPr>
-          <p:style>
-            <a:lnRef idx="1">
-              <a:schemeClr val="accent5"/>
-            </a:lnRef>
-            <a:fillRef idx="0">
-              <a:schemeClr val="accent5"/>
-            </a:fillRef>
-            <a:effectRef idx="0">
-              <a:schemeClr val="accent5"/>
-            </a:effectRef>
-            <a:fontRef idx="minor">
-              <a:schemeClr val="tx1"/>
-            </a:fontRef>
-          </p:style>
-        </p:cxnSp>
       </p:grpSp>
       <p:sp>
         <p:nvSpPr>
@@ -8350,28 +8207,6 @@
           <a:chExt cx="0" cy="0"/>
         </a:xfrm>
       </p:grpSpPr>
-      <p:pic>
-        <p:nvPicPr>
-          <p:cNvPr id="8" name="object 8"/>
-          <p:cNvPicPr/>
-          <p:nvPr/>
-        </p:nvPicPr>
-        <p:blipFill>
-          <a:blip r:embed="rId3" cstate="print"/>
-          <a:stretch>
-            <a:fillRect/>
-          </a:stretch>
-        </p:blipFill>
-        <p:spPr>
-          <a:xfrm>
-            <a:off x="0" y="0"/>
-            <a:ext cx="492251" cy="617982"/>
-          </a:xfrm>
-          <a:prstGeom prst="rect">
-            <a:avLst/>
-          </a:prstGeom>
-        </p:spPr>
-      </p:pic>
       <p:grpSp>
         <p:nvGrpSpPr>
           <p:cNvPr id="82" name="그룹 81">
@@ -8492,47 +8327,6 @@
           </p:txBody>
         </p:sp>
       </p:grpSp>
-      <p:cxnSp>
-        <p:nvCxnSpPr>
-          <p:cNvPr id="73" name="직선 연결선 72">
-            <a:extLst>
-              <a:ext uri="{FF2B5EF4-FFF2-40B4-BE49-F238E27FC236}">
-                <a16:creationId xmlns:a16="http://schemas.microsoft.com/office/drawing/2014/main" id="{4E71BF91-F188-4AD7-94AB-33C1114B3F77}"/>
-              </a:ext>
-            </a:extLst>
-          </p:cNvPr>
-          <p:cNvCxnSpPr/>
-          <p:nvPr/>
-        </p:nvCxnSpPr>
-        <p:spPr>
-          <a:xfrm>
-            <a:off x="516508" y="276353"/>
-            <a:ext cx="11160000" cy="0"/>
-          </a:xfrm>
-          <a:prstGeom prst="line">
-            <a:avLst/>
-          </a:prstGeom>
-          <a:ln w="19050">
-            <a:solidFill>
-              <a:srgbClr val="366CDD"/>
-            </a:solidFill>
-          </a:ln>
-        </p:spPr>
-        <p:style>
-          <a:lnRef idx="1">
-            <a:schemeClr val="accent5"/>
-          </a:lnRef>
-          <a:fillRef idx="0">
-            <a:schemeClr val="accent5"/>
-          </a:fillRef>
-          <a:effectRef idx="0">
-            <a:schemeClr val="accent5"/>
-          </a:effectRef>
-          <a:fontRef idx="minor">
-            <a:schemeClr val="tx1"/>
-          </a:fontRef>
-        </p:style>
-      </p:cxnSp>
       <p:sp>
         <p:nvSpPr>
           <p:cNvPr id="2" name="바닥글 개체 틀 1">
@@ -9812,28 +9606,6 @@
           </a:p>
         </p:txBody>
       </p:sp>
-      <p:pic>
-        <p:nvPicPr>
-          <p:cNvPr id="8" name="object 8"/>
-          <p:cNvPicPr/>
-          <p:nvPr/>
-        </p:nvPicPr>
-        <p:blipFill>
-          <a:blip r:embed="rId3" cstate="print"/>
-          <a:stretch>
-            <a:fillRect/>
-          </a:stretch>
-        </p:blipFill>
-        <p:spPr>
-          <a:xfrm>
-            <a:off x="0" y="0"/>
-            <a:ext cx="492251" cy="617982"/>
-          </a:xfrm>
-          <a:prstGeom prst="rect">
-            <a:avLst/>
-          </a:prstGeom>
-        </p:spPr>
-      </p:pic>
       <p:grpSp>
         <p:nvGrpSpPr>
           <p:cNvPr id="74" name="그룹 73">
@@ -9848,10 +9620,10 @@
         </p:nvGrpSpPr>
         <p:grpSpPr>
           <a:xfrm>
-            <a:off x="477962" y="276353"/>
-            <a:ext cx="11363518" cy="363049"/>
-            <a:chOff x="477962" y="276353"/>
-            <a:chExt cx="11363518" cy="363049"/>
+            <a:off x="477962" y="301388"/>
+            <a:ext cx="11363518" cy="338014"/>
+            <a:chOff x="477962" y="301388"/>
+            <a:chExt cx="11363518" cy="338014"/>
           </a:xfrm>
         </p:grpSpPr>
         <p:sp>
@@ -9953,47 +9725,6 @@
             </a:p>
           </p:txBody>
         </p:sp>
-        <p:cxnSp>
-          <p:nvCxnSpPr>
-            <p:cNvPr id="77" name="직선 연결선 76">
-              <a:extLst>
-                <a:ext uri="{FF2B5EF4-FFF2-40B4-BE49-F238E27FC236}">
-                  <a16:creationId xmlns:a16="http://schemas.microsoft.com/office/drawing/2014/main" id="{15F30300-4A38-4827-B7DF-AF3F713FF304}"/>
-                </a:ext>
-              </a:extLst>
-            </p:cNvPr>
-            <p:cNvCxnSpPr/>
-            <p:nvPr/>
-          </p:nvCxnSpPr>
-          <p:spPr>
-            <a:xfrm>
-              <a:off x="516508" y="276353"/>
-              <a:ext cx="11160000" cy="0"/>
-            </a:xfrm>
-            <a:prstGeom prst="line">
-              <a:avLst/>
-            </a:prstGeom>
-            <a:ln w="19050">
-              <a:solidFill>
-                <a:srgbClr val="366CDD"/>
-              </a:solidFill>
-            </a:ln>
-          </p:spPr>
-          <p:style>
-            <a:lnRef idx="1">
-              <a:schemeClr val="accent5"/>
-            </a:lnRef>
-            <a:fillRef idx="0">
-              <a:schemeClr val="accent5"/>
-            </a:fillRef>
-            <a:effectRef idx="0">
-              <a:schemeClr val="accent5"/>
-            </a:effectRef>
-            <a:fontRef idx="minor">
-              <a:schemeClr val="tx1"/>
-            </a:fontRef>
-          </p:style>
-        </p:cxnSp>
       </p:grpSp>
       <mc:AlternateContent xmlns:mc="http://schemas.openxmlformats.org/markup-compatibility/2006" xmlns:a14="http://schemas.microsoft.com/office/drawing/2010/main">
         <mc:Choice Requires="a14">
@@ -12200,28 +11931,6 @@
           <a:chExt cx="0" cy="0"/>
         </a:xfrm>
       </p:grpSpPr>
-      <p:pic>
-        <p:nvPicPr>
-          <p:cNvPr id="8" name="object 8"/>
-          <p:cNvPicPr/>
-          <p:nvPr/>
-        </p:nvPicPr>
-        <p:blipFill>
-          <a:blip r:embed="rId3" cstate="print"/>
-          <a:stretch>
-            <a:fillRect/>
-          </a:stretch>
-        </p:blipFill>
-        <p:spPr>
-          <a:xfrm>
-            <a:off x="0" y="0"/>
-            <a:ext cx="492251" cy="617982"/>
-          </a:xfrm>
-          <a:prstGeom prst="rect">
-            <a:avLst/>
-          </a:prstGeom>
-        </p:spPr>
-      </p:pic>
       <p:grpSp>
         <p:nvGrpSpPr>
           <p:cNvPr id="74" name="그룹 73">
@@ -12236,10 +11945,10 @@
         </p:nvGrpSpPr>
         <p:grpSpPr>
           <a:xfrm>
-            <a:off x="477962" y="276353"/>
-            <a:ext cx="11237724" cy="363049"/>
-            <a:chOff x="477962" y="276353"/>
-            <a:chExt cx="11237724" cy="363049"/>
+            <a:off x="477962" y="314535"/>
+            <a:ext cx="11237724" cy="324867"/>
+            <a:chOff x="477962" y="314535"/>
+            <a:chExt cx="11237724" cy="324867"/>
           </a:xfrm>
         </p:grpSpPr>
         <p:sp>
@@ -12341,47 +12050,6 @@
             </a:p>
           </p:txBody>
         </p:sp>
-        <p:cxnSp>
-          <p:nvCxnSpPr>
-            <p:cNvPr id="77" name="직선 연결선 76">
-              <a:extLst>
-                <a:ext uri="{FF2B5EF4-FFF2-40B4-BE49-F238E27FC236}">
-                  <a16:creationId xmlns:a16="http://schemas.microsoft.com/office/drawing/2014/main" id="{15F30300-4A38-4827-B7DF-AF3F713FF304}"/>
-                </a:ext>
-              </a:extLst>
-            </p:cNvPr>
-            <p:cNvCxnSpPr/>
-            <p:nvPr/>
-          </p:nvCxnSpPr>
-          <p:spPr>
-            <a:xfrm>
-              <a:off x="516508" y="276353"/>
-              <a:ext cx="11160000" cy="0"/>
-            </a:xfrm>
-            <a:prstGeom prst="line">
-              <a:avLst/>
-            </a:prstGeom>
-            <a:ln w="19050">
-              <a:solidFill>
-                <a:srgbClr val="366CDD"/>
-              </a:solidFill>
-            </a:ln>
-          </p:spPr>
-          <p:style>
-            <a:lnRef idx="1">
-              <a:schemeClr val="accent5"/>
-            </a:lnRef>
-            <a:fillRef idx="0">
-              <a:schemeClr val="accent5"/>
-            </a:fillRef>
-            <a:effectRef idx="0">
-              <a:schemeClr val="accent5"/>
-            </a:effectRef>
-            <a:fontRef idx="minor">
-              <a:schemeClr val="tx1"/>
-            </a:fontRef>
-          </p:style>
-        </p:cxnSp>
       </p:grpSp>
       <p:sp>
         <p:nvSpPr>
@@ -14118,28 +13786,6 @@
           <a:chExt cx="0" cy="0"/>
         </a:xfrm>
       </p:grpSpPr>
-      <p:pic>
-        <p:nvPicPr>
-          <p:cNvPr id="8" name="object 8"/>
-          <p:cNvPicPr/>
-          <p:nvPr/>
-        </p:nvPicPr>
-        <p:blipFill>
-          <a:blip r:embed="rId3" cstate="print"/>
-          <a:stretch>
-            <a:fillRect/>
-          </a:stretch>
-        </p:blipFill>
-        <p:spPr>
-          <a:xfrm>
-            <a:off x="0" y="0"/>
-            <a:ext cx="492251" cy="617982"/>
-          </a:xfrm>
-          <a:prstGeom prst="rect">
-            <a:avLst/>
-          </a:prstGeom>
-        </p:spPr>
-      </p:pic>
       <p:grpSp>
         <p:nvGrpSpPr>
           <p:cNvPr id="74" name="그룹 73">
@@ -14154,10 +13800,10 @@
         </p:nvGrpSpPr>
         <p:grpSpPr>
           <a:xfrm>
-            <a:off x="477962" y="276353"/>
-            <a:ext cx="11243122" cy="363049"/>
-            <a:chOff x="477962" y="276353"/>
-            <a:chExt cx="11243122" cy="363049"/>
+            <a:off x="477962" y="308991"/>
+            <a:ext cx="11243122" cy="330411"/>
+            <a:chOff x="477962" y="308991"/>
+            <a:chExt cx="11243122" cy="330411"/>
           </a:xfrm>
         </p:grpSpPr>
         <p:sp>
@@ -14259,47 +13905,6 @@
             </a:p>
           </p:txBody>
         </p:sp>
-        <p:cxnSp>
-          <p:nvCxnSpPr>
-            <p:cNvPr id="77" name="직선 연결선 76">
-              <a:extLst>
-                <a:ext uri="{FF2B5EF4-FFF2-40B4-BE49-F238E27FC236}">
-                  <a16:creationId xmlns:a16="http://schemas.microsoft.com/office/drawing/2014/main" id="{15F30300-4A38-4827-B7DF-AF3F713FF304}"/>
-                </a:ext>
-              </a:extLst>
-            </p:cNvPr>
-            <p:cNvCxnSpPr/>
-            <p:nvPr/>
-          </p:nvCxnSpPr>
-          <p:spPr>
-            <a:xfrm>
-              <a:off x="516508" y="276353"/>
-              <a:ext cx="11160000" cy="0"/>
-            </a:xfrm>
-            <a:prstGeom prst="line">
-              <a:avLst/>
-            </a:prstGeom>
-            <a:ln w="19050">
-              <a:solidFill>
-                <a:srgbClr val="366CDD"/>
-              </a:solidFill>
-            </a:ln>
-          </p:spPr>
-          <p:style>
-            <a:lnRef idx="1">
-              <a:schemeClr val="accent5"/>
-            </a:lnRef>
-            <a:fillRef idx="0">
-              <a:schemeClr val="accent5"/>
-            </a:fillRef>
-            <a:effectRef idx="0">
-              <a:schemeClr val="accent5"/>
-            </a:effectRef>
-            <a:fontRef idx="minor">
-              <a:schemeClr val="tx1"/>
-            </a:fontRef>
-          </p:style>
-        </p:cxnSp>
       </p:grpSp>
       <p:sp>
         <p:nvSpPr>
@@ -15442,28 +15047,6 @@
           <a:chExt cx="0" cy="0"/>
         </a:xfrm>
       </p:grpSpPr>
-      <p:pic>
-        <p:nvPicPr>
-          <p:cNvPr id="34" name="object 34"/>
-          <p:cNvPicPr/>
-          <p:nvPr/>
-        </p:nvPicPr>
-        <p:blipFill>
-          <a:blip r:embed="rId3" cstate="print"/>
-          <a:stretch>
-            <a:fillRect/>
-          </a:stretch>
-        </p:blipFill>
-        <p:spPr>
-          <a:xfrm>
-            <a:off x="0" y="0"/>
-            <a:ext cx="478449" cy="608826"/>
-          </a:xfrm>
-          <a:prstGeom prst="rect">
-            <a:avLst/>
-          </a:prstGeom>
-        </p:spPr>
-      </p:pic>
       <p:grpSp>
         <p:nvGrpSpPr>
           <p:cNvPr id="53" name="그룹 52">
@@ -15478,10 +15061,10 @@
         </p:nvGrpSpPr>
         <p:grpSpPr>
           <a:xfrm>
-            <a:off x="477962" y="276353"/>
-            <a:ext cx="11339483" cy="363049"/>
-            <a:chOff x="477962" y="276353"/>
-            <a:chExt cx="11339483" cy="363049"/>
+            <a:off x="477962" y="320350"/>
+            <a:ext cx="11339483" cy="319052"/>
+            <a:chOff x="477962" y="320350"/>
+            <a:chExt cx="11339483" cy="319052"/>
           </a:xfrm>
         </p:grpSpPr>
         <p:sp>
@@ -15583,47 +15166,6 @@
             </a:p>
           </p:txBody>
         </p:sp>
-        <p:cxnSp>
-          <p:nvCxnSpPr>
-            <p:cNvPr id="56" name="직선 연결선 55">
-              <a:extLst>
-                <a:ext uri="{FF2B5EF4-FFF2-40B4-BE49-F238E27FC236}">
-                  <a16:creationId xmlns:a16="http://schemas.microsoft.com/office/drawing/2014/main" id="{7DC298AE-BC2C-4ECD-A79E-2F423AABC2B4}"/>
-                </a:ext>
-              </a:extLst>
-            </p:cNvPr>
-            <p:cNvCxnSpPr/>
-            <p:nvPr/>
-          </p:nvCxnSpPr>
-          <p:spPr>
-            <a:xfrm>
-              <a:off x="516508" y="276353"/>
-              <a:ext cx="11160000" cy="0"/>
-            </a:xfrm>
-            <a:prstGeom prst="line">
-              <a:avLst/>
-            </a:prstGeom>
-            <a:ln w="19050">
-              <a:solidFill>
-                <a:srgbClr val="366CDD"/>
-              </a:solidFill>
-            </a:ln>
-          </p:spPr>
-          <p:style>
-            <a:lnRef idx="1">
-              <a:schemeClr val="accent5"/>
-            </a:lnRef>
-            <a:fillRef idx="0">
-              <a:schemeClr val="accent5"/>
-            </a:fillRef>
-            <a:effectRef idx="0">
-              <a:schemeClr val="accent5"/>
-            </a:effectRef>
-            <a:fontRef idx="minor">
-              <a:schemeClr val="tx1"/>
-            </a:fontRef>
-          </p:style>
-        </p:cxnSp>
       </p:grpSp>
       <p:sp>
         <p:nvSpPr>
@@ -17217,28 +16759,6 @@
           <a:chExt cx="0" cy="0"/>
         </a:xfrm>
       </p:grpSpPr>
-      <p:pic>
-        <p:nvPicPr>
-          <p:cNvPr id="34" name="object 34"/>
-          <p:cNvPicPr/>
-          <p:nvPr/>
-        </p:nvPicPr>
-        <p:blipFill>
-          <a:blip r:embed="rId3" cstate="print"/>
-          <a:stretch>
-            <a:fillRect/>
-          </a:stretch>
-        </p:blipFill>
-        <p:spPr>
-          <a:xfrm>
-            <a:off x="0" y="0"/>
-            <a:ext cx="478449" cy="608826"/>
-          </a:xfrm>
-          <a:prstGeom prst="rect">
-            <a:avLst/>
-          </a:prstGeom>
-        </p:spPr>
-      </p:pic>
       <p:grpSp>
         <p:nvGrpSpPr>
           <p:cNvPr id="53" name="그룹 52">
@@ -17253,10 +16773,10 @@
         </p:nvGrpSpPr>
         <p:grpSpPr>
           <a:xfrm>
-            <a:off x="477962" y="276353"/>
-            <a:ext cx="11339483" cy="363049"/>
-            <a:chOff x="477962" y="276353"/>
-            <a:chExt cx="11339483" cy="363049"/>
+            <a:off x="477962" y="320350"/>
+            <a:ext cx="11339483" cy="319052"/>
+            <a:chOff x="477962" y="320350"/>
+            <a:chExt cx="11339483" cy="319052"/>
           </a:xfrm>
         </p:grpSpPr>
         <p:sp>
@@ -17358,47 +16878,6 @@
             </a:p>
           </p:txBody>
         </p:sp>
-        <p:cxnSp>
-          <p:nvCxnSpPr>
-            <p:cNvPr id="56" name="직선 연결선 55">
-              <a:extLst>
-                <a:ext uri="{FF2B5EF4-FFF2-40B4-BE49-F238E27FC236}">
-                  <a16:creationId xmlns:a16="http://schemas.microsoft.com/office/drawing/2014/main" id="{7DC298AE-BC2C-4ECD-A79E-2F423AABC2B4}"/>
-                </a:ext>
-              </a:extLst>
-            </p:cNvPr>
-            <p:cNvCxnSpPr/>
-            <p:nvPr/>
-          </p:nvCxnSpPr>
-          <p:spPr>
-            <a:xfrm>
-              <a:off x="516508" y="276353"/>
-              <a:ext cx="11160000" cy="0"/>
-            </a:xfrm>
-            <a:prstGeom prst="line">
-              <a:avLst/>
-            </a:prstGeom>
-            <a:ln w="19050">
-              <a:solidFill>
-                <a:srgbClr val="366CDD"/>
-              </a:solidFill>
-            </a:ln>
-          </p:spPr>
-          <p:style>
-            <a:lnRef idx="1">
-              <a:schemeClr val="accent5"/>
-            </a:lnRef>
-            <a:fillRef idx="0">
-              <a:schemeClr val="accent5"/>
-            </a:fillRef>
-            <a:effectRef idx="0">
-              <a:schemeClr val="accent5"/>
-            </a:effectRef>
-            <a:fontRef idx="minor">
-              <a:schemeClr val="tx1"/>
-            </a:fontRef>
-          </p:style>
-        </p:cxnSp>
       </p:grpSp>
       <p:sp>
         <p:nvSpPr>
@@ -17861,11 +17340,11 @@
             <p:nvPr/>
           </p:nvPicPr>
           <p:blipFill>
-            <a:blip r:embed="rId4">
+            <a:blip r:embed="rId3">
               <a:extLst>
                 <a:ext uri="{BEBA8EAE-BF5A-486C-A8C5-ECC9F3942E4B}">
                   <a14:imgProps xmlns:a14="http://schemas.microsoft.com/office/drawing/2010/main">
-                    <a14:imgLayer r:embed="rId5">
+                    <a14:imgLayer r:embed="rId4">
                       <a14:imgEffect>
                         <a14:backgroundRemoval t="10000" b="90000" l="10000" r="90000"/>
                       </a14:imgEffect>
@@ -18039,28 +17518,6 @@
           <a:chExt cx="0" cy="0"/>
         </a:xfrm>
       </p:grpSpPr>
-      <p:pic>
-        <p:nvPicPr>
-          <p:cNvPr id="34" name="object 34"/>
-          <p:cNvPicPr/>
-          <p:nvPr/>
-        </p:nvPicPr>
-        <p:blipFill>
-          <a:blip r:embed="rId3" cstate="print"/>
-          <a:stretch>
-            <a:fillRect/>
-          </a:stretch>
-        </p:blipFill>
-        <p:spPr>
-          <a:xfrm>
-            <a:off x="0" y="0"/>
-            <a:ext cx="478449" cy="608826"/>
-          </a:xfrm>
-          <a:prstGeom prst="rect">
-            <a:avLst/>
-          </a:prstGeom>
-        </p:spPr>
-      </p:pic>
       <p:grpSp>
         <p:nvGrpSpPr>
           <p:cNvPr id="53" name="그룹 52">
@@ -18075,10 +17532,10 @@
         </p:nvGrpSpPr>
         <p:grpSpPr>
           <a:xfrm>
-            <a:off x="426258" y="277324"/>
-            <a:ext cx="11339483" cy="363049"/>
-            <a:chOff x="477962" y="276353"/>
-            <a:chExt cx="11339483" cy="363049"/>
+            <a:off x="426258" y="321321"/>
+            <a:ext cx="11339483" cy="319052"/>
+            <a:chOff x="477962" y="320350"/>
+            <a:chExt cx="11339483" cy="319052"/>
           </a:xfrm>
         </p:grpSpPr>
         <p:sp>
@@ -18180,47 +17637,6 @@
             </a:p>
           </p:txBody>
         </p:sp>
-        <p:cxnSp>
-          <p:nvCxnSpPr>
-            <p:cNvPr id="56" name="직선 연결선 55">
-              <a:extLst>
-                <a:ext uri="{FF2B5EF4-FFF2-40B4-BE49-F238E27FC236}">
-                  <a16:creationId xmlns:a16="http://schemas.microsoft.com/office/drawing/2014/main" id="{7DC298AE-BC2C-4ECD-A79E-2F423AABC2B4}"/>
-                </a:ext>
-              </a:extLst>
-            </p:cNvPr>
-            <p:cNvCxnSpPr/>
-            <p:nvPr/>
-          </p:nvCxnSpPr>
-          <p:spPr>
-            <a:xfrm>
-              <a:off x="516508" y="276353"/>
-              <a:ext cx="11160000" cy="0"/>
-            </a:xfrm>
-            <a:prstGeom prst="line">
-              <a:avLst/>
-            </a:prstGeom>
-            <a:ln w="19050">
-              <a:solidFill>
-                <a:srgbClr val="366CDD"/>
-              </a:solidFill>
-            </a:ln>
-          </p:spPr>
-          <p:style>
-            <a:lnRef idx="1">
-              <a:schemeClr val="accent5"/>
-            </a:lnRef>
-            <a:fillRef idx="0">
-              <a:schemeClr val="accent5"/>
-            </a:fillRef>
-            <a:effectRef idx="0">
-              <a:schemeClr val="accent5"/>
-            </a:effectRef>
-            <a:fontRef idx="minor">
-              <a:schemeClr val="tx1"/>
-            </a:fontRef>
-          </p:style>
-        </p:cxnSp>
       </p:grpSp>
       <p:sp>
         <p:nvSpPr>
@@ -18307,7 +17723,7 @@
           <p:nvPr/>
         </p:nvPicPr>
         <p:blipFill>
-          <a:blip r:embed="rId4">
+          <a:blip r:embed="rId3">
             <a:extLst>
               <a:ext uri="{28A0092B-C50C-407E-A947-70E740481C1C}">
                 <a14:useLocalDpi xmlns:a14="http://schemas.microsoft.com/office/drawing/2010/main" val="0"/>
@@ -18700,11 +18116,11 @@
           <p:nvPr/>
         </p:nvPicPr>
         <p:blipFill>
-          <a:blip r:embed="rId5">
+          <a:blip r:embed="rId4">
             <a:extLst>
               <a:ext uri="{BEBA8EAE-BF5A-486C-A8C5-ECC9F3942E4B}">
                 <a14:imgProps xmlns:a14="http://schemas.microsoft.com/office/drawing/2010/main">
-                  <a14:imgLayer r:embed="rId6">
+                  <a14:imgLayer r:embed="rId5">
                     <a14:imgEffect>
                       <a14:backgroundRemoval t="10000" b="90000" l="10000" r="90000"/>
                     </a14:imgEffect>
@@ -19094,7 +18510,7 @@
           <p:nvPr/>
         </p:nvPicPr>
         <p:blipFill rotWithShape="1">
-          <a:blip r:embed="rId4">
+          <a:blip r:embed="rId3">
             <a:extLst>
               <a:ext uri="{28A0092B-C50C-407E-A947-70E740481C1C}">
                 <a14:useLocalDpi xmlns:a14="http://schemas.microsoft.com/office/drawing/2010/main" val="0"/>
@@ -19470,28 +18886,6 @@
           <a:chExt cx="0" cy="0"/>
         </a:xfrm>
       </p:grpSpPr>
-      <p:pic>
-        <p:nvPicPr>
-          <p:cNvPr id="34" name="object 34"/>
-          <p:cNvPicPr/>
-          <p:nvPr/>
-        </p:nvPicPr>
-        <p:blipFill>
-          <a:blip r:embed="rId3" cstate="print"/>
-          <a:stretch>
-            <a:fillRect/>
-          </a:stretch>
-        </p:blipFill>
-        <p:spPr>
-          <a:xfrm>
-            <a:off x="0" y="0"/>
-            <a:ext cx="478449" cy="608826"/>
-          </a:xfrm>
-          <a:prstGeom prst="rect">
-            <a:avLst/>
-          </a:prstGeom>
-        </p:spPr>
-      </p:pic>
       <p:sp>
         <p:nvSpPr>
           <p:cNvPr id="41" name="바닥글 개체 틀 40">
@@ -19584,10 +18978,10 @@
         </p:nvGrpSpPr>
         <p:grpSpPr>
           <a:xfrm>
-            <a:off x="477962" y="276353"/>
-            <a:ext cx="11236076" cy="363049"/>
-            <a:chOff x="477962" y="276353"/>
-            <a:chExt cx="11236076" cy="363049"/>
+            <a:off x="477962" y="329507"/>
+            <a:ext cx="11236076" cy="309895"/>
+            <a:chOff x="477962" y="329507"/>
+            <a:chExt cx="11236076" cy="309895"/>
           </a:xfrm>
         </p:grpSpPr>
         <p:sp>
@@ -19689,47 +19083,6 @@
             </a:p>
           </p:txBody>
         </p:sp>
-        <p:cxnSp>
-          <p:nvCxnSpPr>
-            <p:cNvPr id="46" name="직선 연결선 45">
-              <a:extLst>
-                <a:ext uri="{FF2B5EF4-FFF2-40B4-BE49-F238E27FC236}">
-                  <a16:creationId xmlns:a16="http://schemas.microsoft.com/office/drawing/2014/main" id="{1F353F7E-AB55-4173-A5E1-F68E0F336AC2}"/>
-                </a:ext>
-              </a:extLst>
-            </p:cNvPr>
-            <p:cNvCxnSpPr/>
-            <p:nvPr/>
-          </p:nvCxnSpPr>
-          <p:spPr>
-            <a:xfrm>
-              <a:off x="516508" y="276353"/>
-              <a:ext cx="11160000" cy="0"/>
-            </a:xfrm>
-            <a:prstGeom prst="line">
-              <a:avLst/>
-            </a:prstGeom>
-            <a:ln w="19050">
-              <a:solidFill>
-                <a:srgbClr val="366CDD"/>
-              </a:solidFill>
-            </a:ln>
-          </p:spPr>
-          <p:style>
-            <a:lnRef idx="1">
-              <a:schemeClr val="accent5"/>
-            </a:lnRef>
-            <a:fillRef idx="0">
-              <a:schemeClr val="accent5"/>
-            </a:fillRef>
-            <a:effectRef idx="0">
-              <a:schemeClr val="accent5"/>
-            </a:effectRef>
-            <a:fontRef idx="minor">
-              <a:schemeClr val="tx1"/>
-            </a:fontRef>
-          </p:style>
-        </p:cxnSp>
       </p:grpSp>
       <p:sp>
         <p:nvSpPr>
@@ -20422,28 +19775,6 @@
           <a:chExt cx="0" cy="0"/>
         </a:xfrm>
       </p:grpSpPr>
-      <p:pic>
-        <p:nvPicPr>
-          <p:cNvPr id="12" name="object 12"/>
-          <p:cNvPicPr/>
-          <p:nvPr/>
-        </p:nvPicPr>
-        <p:blipFill>
-          <a:blip r:embed="rId3" cstate="print"/>
-          <a:stretch>
-            <a:fillRect/>
-          </a:stretch>
-        </p:blipFill>
-        <p:spPr>
-          <a:xfrm>
-            <a:off x="0" y="0"/>
-            <a:ext cx="478449" cy="608826"/>
-          </a:xfrm>
-          <a:prstGeom prst="rect">
-            <a:avLst/>
-          </a:prstGeom>
-        </p:spPr>
-      </p:pic>
       <p:sp>
         <p:nvSpPr>
           <p:cNvPr id="56" name="슬라이드 번호 개체 틀 55">
@@ -20487,10 +19818,10 @@
         </p:nvGrpSpPr>
         <p:grpSpPr>
           <a:xfrm>
-            <a:off x="477962" y="276353"/>
-            <a:ext cx="11365485" cy="363049"/>
-            <a:chOff x="477962" y="276353"/>
-            <a:chExt cx="11365485" cy="363049"/>
+            <a:off x="477962" y="311027"/>
+            <a:ext cx="11365485" cy="328375"/>
+            <a:chOff x="477962" y="311027"/>
+            <a:chExt cx="11365485" cy="328375"/>
           </a:xfrm>
         </p:grpSpPr>
         <p:sp>
@@ -20592,47 +19923,6 @@
             </a:p>
           </p:txBody>
         </p:sp>
-        <p:cxnSp>
-          <p:nvCxnSpPr>
-            <p:cNvPr id="60" name="직선 연결선 59">
-              <a:extLst>
-                <a:ext uri="{FF2B5EF4-FFF2-40B4-BE49-F238E27FC236}">
-                  <a16:creationId xmlns:a16="http://schemas.microsoft.com/office/drawing/2014/main" id="{F81C1F76-95DA-4FE1-9162-849875BCCDF5}"/>
-                </a:ext>
-              </a:extLst>
-            </p:cNvPr>
-            <p:cNvCxnSpPr/>
-            <p:nvPr/>
-          </p:nvCxnSpPr>
-          <p:spPr>
-            <a:xfrm>
-              <a:off x="516508" y="276353"/>
-              <a:ext cx="11160000" cy="0"/>
-            </a:xfrm>
-            <a:prstGeom prst="line">
-              <a:avLst/>
-            </a:prstGeom>
-            <a:ln w="19050">
-              <a:solidFill>
-                <a:srgbClr val="366CDD"/>
-              </a:solidFill>
-            </a:ln>
-          </p:spPr>
-          <p:style>
-            <a:lnRef idx="1">
-              <a:schemeClr val="accent5"/>
-            </a:lnRef>
-            <a:fillRef idx="0">
-              <a:schemeClr val="accent5"/>
-            </a:fillRef>
-            <a:effectRef idx="0">
-              <a:schemeClr val="accent5"/>
-            </a:effectRef>
-            <a:fontRef idx="minor">
-              <a:schemeClr val="tx1"/>
-            </a:fontRef>
-          </p:style>
-        </p:cxnSp>
       </p:grpSp>
       <p:pic>
         <p:nvPicPr>
@@ -20649,7 +19939,7 @@
           <p:nvPr/>
         </p:nvPicPr>
         <p:blipFill>
-          <a:blip r:embed="rId4">
+          <a:blip r:embed="rId3">
             <a:extLst>
               <a:ext uri="{28A0092B-C50C-407E-A947-70E740481C1C}">
                 <a14:useLocalDpi xmlns:a14="http://schemas.microsoft.com/office/drawing/2010/main" val="0"/>
@@ -20749,7 +20039,7 @@
           <p:nvPr/>
         </p:nvPicPr>
         <p:blipFill>
-          <a:blip r:embed="rId5">
+          <a:blip r:embed="rId4">
             <a:extLst>
               <a:ext uri="{28A0092B-C50C-407E-A947-70E740481C1C}">
                 <a14:useLocalDpi xmlns:a14="http://schemas.microsoft.com/office/drawing/2010/main" val="0"/>
@@ -23530,28 +22820,6 @@
           <a:chExt cx="0" cy="0"/>
         </a:xfrm>
       </p:grpSpPr>
-      <p:pic>
-        <p:nvPicPr>
-          <p:cNvPr id="13" name="object 13"/>
-          <p:cNvPicPr/>
-          <p:nvPr/>
-        </p:nvPicPr>
-        <p:blipFill>
-          <a:blip r:embed="rId3" cstate="print"/>
-          <a:stretch>
-            <a:fillRect/>
-          </a:stretch>
-        </p:blipFill>
-        <p:spPr>
-          <a:xfrm>
-            <a:off x="0" y="0"/>
-            <a:ext cx="478449" cy="608826"/>
-          </a:xfrm>
-          <a:prstGeom prst="rect">
-            <a:avLst/>
-          </a:prstGeom>
-        </p:spPr>
-      </p:pic>
       <p:sp>
         <p:nvSpPr>
           <p:cNvPr id="33" name="바닥글 개체 틀 32">
@@ -23636,10 +22904,10 @@
         </p:nvGrpSpPr>
         <p:grpSpPr>
           <a:xfrm>
-            <a:off x="477962" y="276353"/>
-            <a:ext cx="11236076" cy="363049"/>
-            <a:chOff x="477962" y="276353"/>
-            <a:chExt cx="11236076" cy="363049"/>
+            <a:off x="477962" y="328427"/>
+            <a:ext cx="11236076" cy="310975"/>
+            <a:chOff x="477962" y="328427"/>
+            <a:chExt cx="11236076" cy="310975"/>
           </a:xfrm>
         </p:grpSpPr>
         <p:sp>
@@ -23757,47 +23025,6 @@
             </a:p>
           </p:txBody>
         </p:sp>
-        <p:cxnSp>
-          <p:nvCxnSpPr>
-            <p:cNvPr id="38" name="직선 연결선 37">
-              <a:extLst>
-                <a:ext uri="{FF2B5EF4-FFF2-40B4-BE49-F238E27FC236}">
-                  <a16:creationId xmlns:a16="http://schemas.microsoft.com/office/drawing/2014/main" id="{B2E34292-1239-4BAC-A8B7-368CCF5BCA52}"/>
-                </a:ext>
-              </a:extLst>
-            </p:cNvPr>
-            <p:cNvCxnSpPr/>
-            <p:nvPr/>
-          </p:nvCxnSpPr>
-          <p:spPr>
-            <a:xfrm>
-              <a:off x="516508" y="276353"/>
-              <a:ext cx="11160000" cy="0"/>
-            </a:xfrm>
-            <a:prstGeom prst="line">
-              <a:avLst/>
-            </a:prstGeom>
-            <a:ln w="19050">
-              <a:solidFill>
-                <a:srgbClr val="366CDD"/>
-              </a:solidFill>
-            </a:ln>
-          </p:spPr>
-          <p:style>
-            <a:lnRef idx="1">
-              <a:schemeClr val="accent5"/>
-            </a:lnRef>
-            <a:fillRef idx="0">
-              <a:schemeClr val="accent5"/>
-            </a:fillRef>
-            <a:effectRef idx="0">
-              <a:schemeClr val="accent5"/>
-            </a:effectRef>
-            <a:fontRef idx="minor">
-              <a:schemeClr val="tx1"/>
-            </a:fontRef>
-          </p:style>
-        </p:cxnSp>
       </p:grpSp>
       <p:pic>
         <p:nvPicPr>
@@ -23814,11 +23041,11 @@
           <p:nvPr/>
         </p:nvPicPr>
         <p:blipFill rotWithShape="1">
-          <a:blip r:embed="rId4">
+          <a:blip r:embed="rId3">
             <a:extLst>
               <a:ext uri="{BEBA8EAE-BF5A-486C-A8C5-ECC9F3942E4B}">
                 <a14:imgProps xmlns:a14="http://schemas.microsoft.com/office/drawing/2010/main">
-                  <a14:imgLayer r:embed="rId5">
+                  <a14:imgLayer r:embed="rId4">
                     <a14:imgEffect>
                       <a14:backgroundRemoval t="10000" b="90000" l="10000" r="90000"/>
                     </a14:imgEffect>
@@ -24029,11 +23256,11 @@
           <p:nvPr/>
         </p:nvPicPr>
         <p:blipFill>
-          <a:blip r:embed="rId6">
+          <a:blip r:embed="rId5">
             <a:extLst>
               <a:ext uri="{BEBA8EAE-BF5A-486C-A8C5-ECC9F3942E4B}">
                 <a14:imgProps xmlns:a14="http://schemas.microsoft.com/office/drawing/2010/main">
-                  <a14:imgLayer r:embed="rId7">
+                  <a14:imgLayer r:embed="rId6">
                     <a14:imgEffect>
                       <a14:backgroundRemoval t="10000" b="90000" l="10000" r="90000"/>
                     </a14:imgEffect>
@@ -24071,11 +23298,11 @@
           <p:nvPr/>
         </p:nvPicPr>
         <p:blipFill>
-          <a:blip r:embed="rId6">
+          <a:blip r:embed="rId5">
             <a:extLst>
               <a:ext uri="{BEBA8EAE-BF5A-486C-A8C5-ECC9F3942E4B}">
                 <a14:imgProps xmlns:a14="http://schemas.microsoft.com/office/drawing/2010/main">
-                  <a14:imgLayer r:embed="rId7">
+                  <a14:imgLayer r:embed="rId6">
                     <a14:imgEffect>
                       <a14:backgroundRemoval t="10000" b="90000" l="10000" r="90000"/>
                     </a14:imgEffect>
@@ -24181,28 +23408,6 @@
           <a:chExt cx="0" cy="0"/>
         </a:xfrm>
       </p:grpSpPr>
-      <p:pic>
-        <p:nvPicPr>
-          <p:cNvPr id="10" name="object 10"/>
-          <p:cNvPicPr/>
-          <p:nvPr/>
-        </p:nvPicPr>
-        <p:blipFill>
-          <a:blip r:embed="rId3" cstate="print"/>
-          <a:stretch>
-            <a:fillRect/>
-          </a:stretch>
-        </p:blipFill>
-        <p:spPr>
-          <a:xfrm>
-            <a:off x="0" y="0"/>
-            <a:ext cx="478449" cy="608826"/>
-          </a:xfrm>
-          <a:prstGeom prst="rect">
-            <a:avLst/>
-          </a:prstGeom>
-        </p:spPr>
-      </p:pic>
       <p:sp>
         <p:nvSpPr>
           <p:cNvPr id="108" name="바닥글 개체 틀 107">
@@ -24287,10 +23492,10 @@
         </p:nvGrpSpPr>
         <p:grpSpPr>
           <a:xfrm>
-            <a:off x="477962" y="276353"/>
-            <a:ext cx="11236076" cy="363049"/>
-            <a:chOff x="477962" y="276353"/>
-            <a:chExt cx="11236076" cy="363049"/>
+            <a:off x="477962" y="310538"/>
+            <a:ext cx="11236076" cy="328864"/>
+            <a:chOff x="477962" y="310538"/>
+            <a:chExt cx="11236076" cy="328864"/>
           </a:xfrm>
         </p:grpSpPr>
         <p:sp>
@@ -24421,47 +23626,6 @@
             </a:p>
           </p:txBody>
         </p:sp>
-        <p:cxnSp>
-          <p:nvCxnSpPr>
-            <p:cNvPr id="113" name="직선 연결선 112">
-              <a:extLst>
-                <a:ext uri="{FF2B5EF4-FFF2-40B4-BE49-F238E27FC236}">
-                  <a16:creationId xmlns:a16="http://schemas.microsoft.com/office/drawing/2014/main" id="{9136AD72-FE7A-4B10-A9EA-C8131407FCBB}"/>
-                </a:ext>
-              </a:extLst>
-            </p:cNvPr>
-            <p:cNvCxnSpPr/>
-            <p:nvPr/>
-          </p:nvCxnSpPr>
-          <p:spPr>
-            <a:xfrm>
-              <a:off x="516508" y="276353"/>
-              <a:ext cx="11160000" cy="0"/>
-            </a:xfrm>
-            <a:prstGeom prst="line">
-              <a:avLst/>
-            </a:prstGeom>
-            <a:ln w="19050">
-              <a:solidFill>
-                <a:srgbClr val="366CDD"/>
-              </a:solidFill>
-            </a:ln>
-          </p:spPr>
-          <p:style>
-            <a:lnRef idx="1">
-              <a:schemeClr val="accent5"/>
-            </a:lnRef>
-            <a:fillRef idx="0">
-              <a:schemeClr val="accent5"/>
-            </a:fillRef>
-            <a:effectRef idx="0">
-              <a:schemeClr val="accent5"/>
-            </a:effectRef>
-            <a:fontRef idx="minor">
-              <a:schemeClr val="tx1"/>
-            </a:fontRef>
-          </p:style>
-        </p:cxnSp>
       </p:grpSp>
       <p:pic>
         <p:nvPicPr>
@@ -24478,7 +23642,7 @@
           <p:nvPr/>
         </p:nvPicPr>
         <p:blipFill>
-          <a:blip r:embed="rId4">
+          <a:blip r:embed="rId3">
             <a:extLst>
               <a:ext uri="{28A0092B-C50C-407E-A947-70E740481C1C}">
                 <a14:useLocalDpi xmlns:a14="http://schemas.microsoft.com/office/drawing/2010/main" val="0"/>
@@ -24514,7 +23678,7 @@
           <p:nvPr/>
         </p:nvPicPr>
         <p:blipFill rotWithShape="1">
-          <a:blip r:embed="rId5">
+          <a:blip r:embed="rId4">
             <a:extLst>
               <a:ext uri="{28A0092B-C50C-407E-A947-70E740481C1C}">
                 <a14:useLocalDpi xmlns:a14="http://schemas.microsoft.com/office/drawing/2010/main" val="0"/>
@@ -24833,28 +23997,6 @@
           <a:chExt cx="0" cy="0"/>
         </a:xfrm>
       </p:grpSpPr>
-      <p:pic>
-        <p:nvPicPr>
-          <p:cNvPr id="10" name="object 10"/>
-          <p:cNvPicPr/>
-          <p:nvPr/>
-        </p:nvPicPr>
-        <p:blipFill>
-          <a:blip r:embed="rId3" cstate="print"/>
-          <a:stretch>
-            <a:fillRect/>
-          </a:stretch>
-        </p:blipFill>
-        <p:spPr>
-          <a:xfrm>
-            <a:off x="0" y="0"/>
-            <a:ext cx="478449" cy="608826"/>
-          </a:xfrm>
-          <a:prstGeom prst="rect">
-            <a:avLst/>
-          </a:prstGeom>
-        </p:spPr>
-      </p:pic>
       <p:sp>
         <p:nvSpPr>
           <p:cNvPr id="108" name="바닥글 개체 틀 107">
@@ -24939,10 +24081,10 @@
         </p:nvGrpSpPr>
         <p:grpSpPr>
           <a:xfrm>
-            <a:off x="477962" y="276353"/>
-            <a:ext cx="11264651" cy="363049"/>
-            <a:chOff x="477962" y="276353"/>
-            <a:chExt cx="11264651" cy="363049"/>
+            <a:off x="477962" y="310538"/>
+            <a:ext cx="11264651" cy="328864"/>
+            <a:chOff x="477962" y="310538"/>
+            <a:chExt cx="11264651" cy="328864"/>
           </a:xfrm>
         </p:grpSpPr>
         <p:sp>
@@ -25073,47 +24215,6 @@
             </a:p>
           </p:txBody>
         </p:sp>
-        <p:cxnSp>
-          <p:nvCxnSpPr>
-            <p:cNvPr id="113" name="직선 연결선 112">
-              <a:extLst>
-                <a:ext uri="{FF2B5EF4-FFF2-40B4-BE49-F238E27FC236}">
-                  <a16:creationId xmlns:a16="http://schemas.microsoft.com/office/drawing/2014/main" id="{9136AD72-FE7A-4B10-A9EA-C8131407FCBB}"/>
-                </a:ext>
-              </a:extLst>
-            </p:cNvPr>
-            <p:cNvCxnSpPr/>
-            <p:nvPr/>
-          </p:nvCxnSpPr>
-          <p:spPr>
-            <a:xfrm>
-              <a:off x="516508" y="276353"/>
-              <a:ext cx="11160000" cy="0"/>
-            </a:xfrm>
-            <a:prstGeom prst="line">
-              <a:avLst/>
-            </a:prstGeom>
-            <a:ln w="19050">
-              <a:solidFill>
-                <a:srgbClr val="366CDD"/>
-              </a:solidFill>
-            </a:ln>
-          </p:spPr>
-          <p:style>
-            <a:lnRef idx="1">
-              <a:schemeClr val="accent5"/>
-            </a:lnRef>
-            <a:fillRef idx="0">
-              <a:schemeClr val="accent5"/>
-            </a:fillRef>
-            <a:effectRef idx="0">
-              <a:schemeClr val="accent5"/>
-            </a:effectRef>
-            <a:fontRef idx="minor">
-              <a:schemeClr val="tx1"/>
-            </a:fontRef>
-          </p:style>
-        </p:cxnSp>
       </p:grpSp>
       <p:pic>
         <p:nvPicPr>
@@ -25130,7 +24231,7 @@
           <p:nvPr/>
         </p:nvPicPr>
         <p:blipFill>
-          <a:blip r:embed="rId4">
+          <a:blip r:embed="rId3">
             <a:extLst>
               <a:ext uri="{28A0092B-C50C-407E-A947-70E740481C1C}">
                 <a14:useLocalDpi xmlns:a14="http://schemas.microsoft.com/office/drawing/2010/main" val="0"/>
@@ -25166,7 +24267,7 @@
           <p:nvPr/>
         </p:nvPicPr>
         <p:blipFill rotWithShape="1">
-          <a:blip r:embed="rId5">
+          <a:blip r:embed="rId4">
             <a:extLst>
               <a:ext uri="{28A0092B-C50C-407E-A947-70E740481C1C}">
                 <a14:useLocalDpi xmlns:a14="http://schemas.microsoft.com/office/drawing/2010/main" val="0"/>
@@ -25489,28 +24590,6 @@
           <a:chExt cx="0" cy="0"/>
         </a:xfrm>
       </p:grpSpPr>
-      <p:pic>
-        <p:nvPicPr>
-          <p:cNvPr id="10" name="object 10"/>
-          <p:cNvPicPr/>
-          <p:nvPr/>
-        </p:nvPicPr>
-        <p:blipFill>
-          <a:blip r:embed="rId3" cstate="print"/>
-          <a:stretch>
-            <a:fillRect/>
-          </a:stretch>
-        </p:blipFill>
-        <p:spPr>
-          <a:xfrm>
-            <a:off x="0" y="0"/>
-            <a:ext cx="478449" cy="608826"/>
-          </a:xfrm>
-          <a:prstGeom prst="rect">
-            <a:avLst/>
-          </a:prstGeom>
-        </p:spPr>
-      </p:pic>
       <p:sp>
         <p:nvSpPr>
           <p:cNvPr id="108" name="바닥글 개체 틀 107">
@@ -25595,10 +24674,10 @@
         </p:nvGrpSpPr>
         <p:grpSpPr>
           <a:xfrm>
-            <a:off x="477962" y="276353"/>
-            <a:ext cx="11236076" cy="363049"/>
-            <a:chOff x="477962" y="276353"/>
-            <a:chExt cx="11236076" cy="363049"/>
+            <a:off x="477962" y="331625"/>
+            <a:ext cx="11236076" cy="307777"/>
+            <a:chOff x="477962" y="331625"/>
+            <a:chExt cx="11236076" cy="307777"/>
           </a:xfrm>
         </p:grpSpPr>
         <p:sp>
@@ -25729,47 +24808,6 @@
             </a:p>
           </p:txBody>
         </p:sp>
-        <p:cxnSp>
-          <p:nvCxnSpPr>
-            <p:cNvPr id="113" name="직선 연결선 112">
-              <a:extLst>
-                <a:ext uri="{FF2B5EF4-FFF2-40B4-BE49-F238E27FC236}">
-                  <a16:creationId xmlns:a16="http://schemas.microsoft.com/office/drawing/2014/main" id="{9136AD72-FE7A-4B10-A9EA-C8131407FCBB}"/>
-                </a:ext>
-              </a:extLst>
-            </p:cNvPr>
-            <p:cNvCxnSpPr/>
-            <p:nvPr/>
-          </p:nvCxnSpPr>
-          <p:spPr>
-            <a:xfrm>
-              <a:off x="516508" y="276353"/>
-              <a:ext cx="11160000" cy="0"/>
-            </a:xfrm>
-            <a:prstGeom prst="line">
-              <a:avLst/>
-            </a:prstGeom>
-            <a:ln w="19050">
-              <a:solidFill>
-                <a:srgbClr val="366CDD"/>
-              </a:solidFill>
-            </a:ln>
-          </p:spPr>
-          <p:style>
-            <a:lnRef idx="1">
-              <a:schemeClr val="accent5"/>
-            </a:lnRef>
-            <a:fillRef idx="0">
-              <a:schemeClr val="accent5"/>
-            </a:fillRef>
-            <a:effectRef idx="0">
-              <a:schemeClr val="accent5"/>
-            </a:effectRef>
-            <a:fontRef idx="minor">
-              <a:schemeClr val="tx1"/>
-            </a:fontRef>
-          </p:style>
-        </p:cxnSp>
       </p:grpSp>
       <p:pic>
         <p:nvPicPr>
@@ -25786,7 +24824,7 @@
           <p:nvPr/>
         </p:nvPicPr>
         <p:blipFill>
-          <a:blip r:embed="rId4">
+          <a:blip r:embed="rId3">
             <a:extLst>
               <a:ext uri="{28A0092B-C50C-407E-A947-70E740481C1C}">
                 <a14:useLocalDpi xmlns:a14="http://schemas.microsoft.com/office/drawing/2010/main" val="0"/>
@@ -25822,7 +24860,7 @@
           <p:nvPr/>
         </p:nvPicPr>
         <p:blipFill rotWithShape="1">
-          <a:blip r:embed="rId5">
+          <a:blip r:embed="rId4">
             <a:extLst>
               <a:ext uri="{28A0092B-C50C-407E-A947-70E740481C1C}">
                 <a14:useLocalDpi xmlns:a14="http://schemas.microsoft.com/office/drawing/2010/main" val="0"/>
@@ -26150,28 +25188,6 @@
           <a:chExt cx="0" cy="0"/>
         </a:xfrm>
       </p:grpSpPr>
-      <p:pic>
-        <p:nvPicPr>
-          <p:cNvPr id="10" name="object 10"/>
-          <p:cNvPicPr/>
-          <p:nvPr/>
-        </p:nvPicPr>
-        <p:blipFill>
-          <a:blip r:embed="rId3" cstate="print"/>
-          <a:stretch>
-            <a:fillRect/>
-          </a:stretch>
-        </p:blipFill>
-        <p:spPr>
-          <a:xfrm>
-            <a:off x="0" y="0"/>
-            <a:ext cx="478449" cy="608826"/>
-          </a:xfrm>
-          <a:prstGeom prst="rect">
-            <a:avLst/>
-          </a:prstGeom>
-        </p:spPr>
-      </p:pic>
       <p:sp>
         <p:nvSpPr>
           <p:cNvPr id="108" name="바닥글 개체 틀 107">
@@ -26256,10 +25272,10 @@
         </p:nvGrpSpPr>
         <p:grpSpPr>
           <a:xfrm>
-            <a:off x="477962" y="276353"/>
-            <a:ext cx="11302988" cy="363049"/>
-            <a:chOff x="477962" y="276353"/>
-            <a:chExt cx="11302988" cy="363049"/>
+            <a:off x="477962" y="317841"/>
+            <a:ext cx="11302988" cy="321561"/>
+            <a:chOff x="477962" y="317841"/>
+            <a:chExt cx="11302988" cy="321561"/>
           </a:xfrm>
         </p:grpSpPr>
         <p:sp>
@@ -26393,47 +25409,6 @@
             </a:p>
           </p:txBody>
         </p:sp>
-        <p:cxnSp>
-          <p:nvCxnSpPr>
-            <p:cNvPr id="113" name="직선 연결선 112">
-              <a:extLst>
-                <a:ext uri="{FF2B5EF4-FFF2-40B4-BE49-F238E27FC236}">
-                  <a16:creationId xmlns:a16="http://schemas.microsoft.com/office/drawing/2014/main" id="{9136AD72-FE7A-4B10-A9EA-C8131407FCBB}"/>
-                </a:ext>
-              </a:extLst>
-            </p:cNvPr>
-            <p:cNvCxnSpPr/>
-            <p:nvPr/>
-          </p:nvCxnSpPr>
-          <p:spPr>
-            <a:xfrm>
-              <a:off x="516508" y="276353"/>
-              <a:ext cx="11160000" cy="0"/>
-            </a:xfrm>
-            <a:prstGeom prst="line">
-              <a:avLst/>
-            </a:prstGeom>
-            <a:ln w="19050">
-              <a:solidFill>
-                <a:srgbClr val="366CDD"/>
-              </a:solidFill>
-            </a:ln>
-          </p:spPr>
-          <p:style>
-            <a:lnRef idx="1">
-              <a:schemeClr val="accent5"/>
-            </a:lnRef>
-            <a:fillRef idx="0">
-              <a:schemeClr val="accent5"/>
-            </a:fillRef>
-            <a:effectRef idx="0">
-              <a:schemeClr val="accent5"/>
-            </a:effectRef>
-            <a:fontRef idx="minor">
-              <a:schemeClr val="tx1"/>
-            </a:fontRef>
-          </p:style>
-        </p:cxnSp>
       </p:grpSp>
       <p:pic>
         <p:nvPicPr>
@@ -26450,7 +25425,7 @@
           <p:nvPr/>
         </p:nvPicPr>
         <p:blipFill>
-          <a:blip r:embed="rId4">
+          <a:blip r:embed="rId3">
             <a:extLst>
               <a:ext uri="{28A0092B-C50C-407E-A947-70E740481C1C}">
                 <a14:useLocalDpi xmlns:a14="http://schemas.microsoft.com/office/drawing/2010/main" val="0"/>
@@ -26486,7 +25461,7 @@
           <p:nvPr/>
         </p:nvPicPr>
         <p:blipFill rotWithShape="1">
-          <a:blip r:embed="rId5">
+          <a:blip r:embed="rId4">
             <a:extLst>
               <a:ext uri="{28A0092B-C50C-407E-A947-70E740481C1C}">
                 <a14:useLocalDpi xmlns:a14="http://schemas.microsoft.com/office/drawing/2010/main" val="0"/>
@@ -26958,28 +25933,6 @@
           <a:chExt cx="0" cy="0"/>
         </a:xfrm>
       </p:grpSpPr>
-      <p:pic>
-        <p:nvPicPr>
-          <p:cNvPr id="37" name="object 37"/>
-          <p:cNvPicPr/>
-          <p:nvPr/>
-        </p:nvPicPr>
-        <p:blipFill>
-          <a:blip r:embed="rId3" cstate="print"/>
-          <a:stretch>
-            <a:fillRect/>
-          </a:stretch>
-        </p:blipFill>
-        <p:spPr>
-          <a:xfrm>
-            <a:off x="0" y="0"/>
-            <a:ext cx="492251" cy="617982"/>
-          </a:xfrm>
-          <a:prstGeom prst="rect">
-            <a:avLst/>
-          </a:prstGeom>
-        </p:spPr>
-      </p:pic>
       <p:sp>
         <p:nvSpPr>
           <p:cNvPr id="53" name="바닥글 개체 틀 52">
@@ -27064,10 +26017,10 @@
         </p:nvGrpSpPr>
         <p:grpSpPr>
           <a:xfrm>
-            <a:off x="477962" y="276353"/>
-            <a:ext cx="11450560" cy="363049"/>
-            <a:chOff x="477962" y="276353"/>
-            <a:chExt cx="11450560" cy="363049"/>
+            <a:off x="477962" y="310825"/>
+            <a:ext cx="11450560" cy="328577"/>
+            <a:chOff x="477962" y="310825"/>
+            <a:chExt cx="11450560" cy="328577"/>
           </a:xfrm>
         </p:grpSpPr>
         <p:sp>
@@ -27166,47 +26119,6 @@
             </a:p>
           </p:txBody>
         </p:sp>
-        <p:cxnSp>
-          <p:nvCxnSpPr>
-            <p:cNvPr id="70" name="직선 연결선 69">
-              <a:extLst>
-                <a:ext uri="{FF2B5EF4-FFF2-40B4-BE49-F238E27FC236}">
-                  <a16:creationId xmlns:a16="http://schemas.microsoft.com/office/drawing/2014/main" id="{8D17F5BC-0830-441B-A394-EC68BAF49D9F}"/>
-                </a:ext>
-              </a:extLst>
-            </p:cNvPr>
-            <p:cNvCxnSpPr/>
-            <p:nvPr/>
-          </p:nvCxnSpPr>
-          <p:spPr>
-            <a:xfrm>
-              <a:off x="516508" y="276353"/>
-              <a:ext cx="11160000" cy="0"/>
-            </a:xfrm>
-            <a:prstGeom prst="line">
-              <a:avLst/>
-            </a:prstGeom>
-            <a:ln w="19050">
-              <a:solidFill>
-                <a:srgbClr val="8D80EB"/>
-              </a:solidFill>
-            </a:ln>
-          </p:spPr>
-          <p:style>
-            <a:lnRef idx="1">
-              <a:schemeClr val="accent5"/>
-            </a:lnRef>
-            <a:fillRef idx="0">
-              <a:schemeClr val="accent5"/>
-            </a:fillRef>
-            <a:effectRef idx="0">
-              <a:schemeClr val="accent5"/>
-            </a:effectRef>
-            <a:fontRef idx="minor">
-              <a:schemeClr val="tx1"/>
-            </a:fontRef>
-          </p:style>
-        </p:cxnSp>
       </p:grpSp>
       <p:sp>
         <p:nvSpPr>
@@ -27311,7 +26223,7 @@
           <p:nvPr/>
         </p:nvPicPr>
         <p:blipFill>
-          <a:blip r:embed="rId4">
+          <a:blip r:embed="rId3">
             <a:extLst>
               <a:ext uri="{28A0092B-C50C-407E-A947-70E740481C1C}">
                 <a14:useLocalDpi xmlns:a14="http://schemas.microsoft.com/office/drawing/2010/main" val="0"/>
@@ -27418,7 +26330,7 @@
           <p:nvPr/>
         </p:nvPicPr>
         <p:blipFill rotWithShape="1">
-          <a:blip r:embed="rId5">
+          <a:blip r:embed="rId4">
             <a:extLst>
               <a:ext uri="{28A0092B-C50C-407E-A947-70E740481C1C}">
                 <a14:useLocalDpi xmlns:a14="http://schemas.microsoft.com/office/drawing/2010/main" val="0"/>
@@ -27543,28 +26455,6 @@
           <a:chExt cx="0" cy="0"/>
         </a:xfrm>
       </p:grpSpPr>
-      <p:pic>
-        <p:nvPicPr>
-          <p:cNvPr id="37" name="object 37"/>
-          <p:cNvPicPr/>
-          <p:nvPr/>
-        </p:nvPicPr>
-        <p:blipFill>
-          <a:blip r:embed="rId3" cstate="print"/>
-          <a:stretch>
-            <a:fillRect/>
-          </a:stretch>
-        </p:blipFill>
-        <p:spPr>
-          <a:xfrm>
-            <a:off x="0" y="0"/>
-            <a:ext cx="492251" cy="617982"/>
-          </a:xfrm>
-          <a:prstGeom prst="rect">
-            <a:avLst/>
-          </a:prstGeom>
-        </p:spPr>
-      </p:pic>
       <p:sp>
         <p:nvSpPr>
           <p:cNvPr id="53" name="바닥글 개체 틀 52">
@@ -27649,10 +26539,10 @@
         </p:nvGrpSpPr>
         <p:grpSpPr>
           <a:xfrm>
-            <a:off x="477962" y="276353"/>
-            <a:ext cx="11450560" cy="363049"/>
-            <a:chOff x="477962" y="276353"/>
-            <a:chExt cx="11450560" cy="363049"/>
+            <a:off x="477962" y="310825"/>
+            <a:ext cx="11450560" cy="328577"/>
+            <a:chOff x="477962" y="310825"/>
+            <a:chExt cx="11450560" cy="328577"/>
           </a:xfrm>
         </p:grpSpPr>
         <p:sp>
@@ -27762,47 +26652,6 @@
             </a:p>
           </p:txBody>
         </p:sp>
-        <p:cxnSp>
-          <p:nvCxnSpPr>
-            <p:cNvPr id="70" name="직선 연결선 69">
-              <a:extLst>
-                <a:ext uri="{FF2B5EF4-FFF2-40B4-BE49-F238E27FC236}">
-                  <a16:creationId xmlns:a16="http://schemas.microsoft.com/office/drawing/2014/main" id="{8D17F5BC-0830-441B-A394-EC68BAF49D9F}"/>
-                </a:ext>
-              </a:extLst>
-            </p:cNvPr>
-            <p:cNvCxnSpPr/>
-            <p:nvPr/>
-          </p:nvCxnSpPr>
-          <p:spPr>
-            <a:xfrm>
-              <a:off x="516508" y="276353"/>
-              <a:ext cx="11160000" cy="0"/>
-            </a:xfrm>
-            <a:prstGeom prst="line">
-              <a:avLst/>
-            </a:prstGeom>
-            <a:ln w="19050">
-              <a:solidFill>
-                <a:srgbClr val="8D80EB"/>
-              </a:solidFill>
-            </a:ln>
-          </p:spPr>
-          <p:style>
-            <a:lnRef idx="1">
-              <a:schemeClr val="accent5"/>
-            </a:lnRef>
-            <a:fillRef idx="0">
-              <a:schemeClr val="accent5"/>
-            </a:fillRef>
-            <a:effectRef idx="0">
-              <a:schemeClr val="accent5"/>
-            </a:effectRef>
-            <a:fontRef idx="minor">
-              <a:schemeClr val="tx1"/>
-            </a:fontRef>
-          </p:style>
-        </p:cxnSp>
       </p:grpSp>
       <p:pic>
         <p:nvPicPr>
@@ -27819,13 +26668,13 @@
           <p:nvPr/>
         </p:nvPicPr>
         <p:blipFill>
-          <a:blip r:embed="rId4" cstate="print">
+          <a:blip r:embed="rId3" cstate="print">
             <a:extLst>
               <a:ext uri="{28A0092B-C50C-407E-A947-70E740481C1C}">
                 <a14:useLocalDpi xmlns:a14="http://schemas.microsoft.com/office/drawing/2010/main" val="0"/>
               </a:ext>
               <a:ext uri="{96DAC541-7B7A-43D3-8B79-37D633B846F1}">
-                <asvg:svgBlip xmlns:asvg="http://schemas.microsoft.com/office/drawing/2016/SVG/main" r:embed="rId5"/>
+                <asvg:svgBlip xmlns:asvg="http://schemas.microsoft.com/office/drawing/2016/SVG/main" r:embed="rId4"/>
               </a:ext>
             </a:extLst>
           </a:blip>
@@ -27858,13 +26707,13 @@
           <p:nvPr/>
         </p:nvPicPr>
         <p:blipFill>
-          <a:blip r:embed="rId6" cstate="print">
+          <a:blip r:embed="rId5" cstate="print">
             <a:extLst>
               <a:ext uri="{28A0092B-C50C-407E-A947-70E740481C1C}">
                 <a14:useLocalDpi xmlns:a14="http://schemas.microsoft.com/office/drawing/2010/main" val="0"/>
               </a:ext>
               <a:ext uri="{96DAC541-7B7A-43D3-8B79-37D633B846F1}">
-                <asvg:svgBlip xmlns:asvg="http://schemas.microsoft.com/office/drawing/2016/SVG/main" r:embed="rId7"/>
+                <asvg:svgBlip xmlns:asvg="http://schemas.microsoft.com/office/drawing/2016/SVG/main" r:embed="rId6"/>
               </a:ext>
             </a:extLst>
           </a:blip>
@@ -27897,7 +26746,7 @@
           <p:nvPr/>
         </p:nvPicPr>
         <p:blipFill>
-          <a:blip r:embed="rId8">
+          <a:blip r:embed="rId7">
             <a:extLst>
               <a:ext uri="{28A0092B-C50C-407E-A947-70E740481C1C}">
                 <a14:useLocalDpi xmlns:a14="http://schemas.microsoft.com/office/drawing/2010/main" val="0"/>
@@ -27944,7 +26793,7 @@
           <p:nvPr/>
         </p:nvPicPr>
         <p:blipFill>
-          <a:blip r:embed="rId9">
+          <a:blip r:embed="rId8">
             <a:extLst>
               <a:ext uri="{28A0092B-C50C-407E-A947-70E740481C1C}">
                 <a14:useLocalDpi xmlns:a14="http://schemas.microsoft.com/office/drawing/2010/main" val="0"/>
@@ -27991,7 +26840,7 @@
           <p:nvPr/>
         </p:nvPicPr>
         <p:blipFill>
-          <a:blip r:embed="rId10">
+          <a:blip r:embed="rId9">
             <a:extLst>
               <a:ext uri="{28A0092B-C50C-407E-A947-70E740481C1C}">
                 <a14:useLocalDpi xmlns:a14="http://schemas.microsoft.com/office/drawing/2010/main" val="0"/>
@@ -28202,28 +27051,6 @@
           <a:chExt cx="0" cy="0"/>
         </a:xfrm>
       </p:grpSpPr>
-      <p:pic>
-        <p:nvPicPr>
-          <p:cNvPr id="4" name="object 4"/>
-          <p:cNvPicPr/>
-          <p:nvPr/>
-        </p:nvPicPr>
-        <p:blipFill>
-          <a:blip r:embed="rId3" cstate="print"/>
-          <a:stretch>
-            <a:fillRect/>
-          </a:stretch>
-        </p:blipFill>
-        <p:spPr>
-          <a:xfrm>
-            <a:off x="0" y="0"/>
-            <a:ext cx="492251" cy="617982"/>
-          </a:xfrm>
-          <a:prstGeom prst="rect">
-            <a:avLst/>
-          </a:prstGeom>
-        </p:spPr>
-      </p:pic>
       <p:grpSp>
         <p:nvGrpSpPr>
           <p:cNvPr id="79" name="그룹 78">
@@ -28238,10 +27065,10 @@
         </p:nvGrpSpPr>
         <p:grpSpPr>
           <a:xfrm>
-            <a:off x="477963" y="276353"/>
-            <a:ext cx="11363517" cy="363049"/>
-            <a:chOff x="477963" y="276353"/>
-            <a:chExt cx="11363517" cy="363049"/>
+            <a:off x="455306" y="311309"/>
+            <a:ext cx="11363517" cy="307777"/>
+            <a:chOff x="477963" y="331625"/>
+            <a:chExt cx="11363517" cy="307777"/>
           </a:xfrm>
         </p:grpSpPr>
         <p:sp>
@@ -28335,47 +27162,6 @@
             </a:p>
           </p:txBody>
         </p:sp>
-        <p:cxnSp>
-          <p:nvCxnSpPr>
-            <p:cNvPr id="69" name="직선 연결선 68">
-              <a:extLst>
-                <a:ext uri="{FF2B5EF4-FFF2-40B4-BE49-F238E27FC236}">
-                  <a16:creationId xmlns:a16="http://schemas.microsoft.com/office/drawing/2014/main" id="{90CA95C3-AC2E-4FDD-82A0-4BFED3750FF8}"/>
-                </a:ext>
-              </a:extLst>
-            </p:cNvPr>
-            <p:cNvCxnSpPr/>
-            <p:nvPr/>
-          </p:nvCxnSpPr>
-          <p:spPr>
-            <a:xfrm>
-              <a:off x="516508" y="276353"/>
-              <a:ext cx="11160000" cy="0"/>
-            </a:xfrm>
-            <a:prstGeom prst="line">
-              <a:avLst/>
-            </a:prstGeom>
-            <a:ln w="19050">
-              <a:solidFill>
-                <a:srgbClr val="93E8E9"/>
-              </a:solidFill>
-            </a:ln>
-          </p:spPr>
-          <p:style>
-            <a:lnRef idx="1">
-              <a:schemeClr val="accent5"/>
-            </a:lnRef>
-            <a:fillRef idx="0">
-              <a:schemeClr val="accent5"/>
-            </a:fillRef>
-            <a:effectRef idx="0">
-              <a:schemeClr val="accent5"/>
-            </a:effectRef>
-            <a:fontRef idx="minor">
-              <a:schemeClr val="tx1"/>
-            </a:fontRef>
-          </p:style>
-        </p:cxnSp>
       </p:grpSp>
       <p:pic>
         <p:nvPicPr>
@@ -28392,7 +27178,7 @@
           <p:nvPr/>
         </p:nvPicPr>
         <p:blipFill>
-          <a:blip r:embed="rId4">
+          <a:blip r:embed="rId3">
             <a:extLst>
               <a:ext uri="{28A0092B-C50C-407E-A947-70E740481C1C}">
                 <a14:useLocalDpi xmlns:a14="http://schemas.microsoft.com/office/drawing/2010/main" val="0"/>
@@ -28791,7 +27577,7 @@
           <p:nvPr/>
         </p:nvPicPr>
         <p:blipFill>
-          <a:blip r:embed="rId5">
+          <a:blip r:embed="rId4">
             <a:extLst>
               <a:ext uri="{28A0092B-C50C-407E-A947-70E740481C1C}">
                 <a14:useLocalDpi xmlns:a14="http://schemas.microsoft.com/office/drawing/2010/main" val="0"/>
@@ -29055,28 +27841,6 @@
           <a:chExt cx="0" cy="0"/>
         </a:xfrm>
       </p:grpSpPr>
-      <p:pic>
-        <p:nvPicPr>
-          <p:cNvPr id="23" name="object 23"/>
-          <p:cNvPicPr/>
-          <p:nvPr/>
-        </p:nvPicPr>
-        <p:blipFill>
-          <a:blip r:embed="rId3" cstate="print"/>
-          <a:stretch>
-            <a:fillRect/>
-          </a:stretch>
-        </p:blipFill>
-        <p:spPr>
-          <a:xfrm>
-            <a:off x="-3809" y="6183"/>
-            <a:ext cx="492251" cy="617982"/>
-          </a:xfrm>
-          <a:prstGeom prst="rect">
-            <a:avLst/>
-          </a:prstGeom>
-        </p:spPr>
-      </p:pic>
       <p:grpSp>
         <p:nvGrpSpPr>
           <p:cNvPr id="74" name="그룹 73">
@@ -29091,10 +27855,10 @@
         </p:nvGrpSpPr>
         <p:grpSpPr>
           <a:xfrm>
-            <a:off x="477962" y="276353"/>
-            <a:ext cx="11311542" cy="363049"/>
-            <a:chOff x="477962" y="276353"/>
-            <a:chExt cx="11311542" cy="363049"/>
+            <a:off x="477962" y="331625"/>
+            <a:ext cx="11311542" cy="307777"/>
+            <a:chOff x="477962" y="331625"/>
+            <a:chExt cx="11311542" cy="307777"/>
           </a:xfrm>
         </p:grpSpPr>
         <p:sp>
@@ -29188,47 +27952,6 @@
             </a:p>
           </p:txBody>
         </p:sp>
-        <p:cxnSp>
-          <p:nvCxnSpPr>
-            <p:cNvPr id="77" name="직선 연결선 76">
-              <a:extLst>
-                <a:ext uri="{FF2B5EF4-FFF2-40B4-BE49-F238E27FC236}">
-                  <a16:creationId xmlns:a16="http://schemas.microsoft.com/office/drawing/2014/main" id="{9F5CFDA4-5FD2-40AC-935E-599D8B16936F}"/>
-                </a:ext>
-              </a:extLst>
-            </p:cNvPr>
-            <p:cNvCxnSpPr/>
-            <p:nvPr/>
-          </p:nvCxnSpPr>
-          <p:spPr>
-            <a:xfrm>
-              <a:off x="516508" y="276353"/>
-              <a:ext cx="11160000" cy="0"/>
-            </a:xfrm>
-            <a:prstGeom prst="line">
-              <a:avLst/>
-            </a:prstGeom>
-            <a:ln w="19050">
-              <a:solidFill>
-                <a:srgbClr val="93E8E9"/>
-              </a:solidFill>
-            </a:ln>
-          </p:spPr>
-          <p:style>
-            <a:lnRef idx="1">
-              <a:schemeClr val="accent5"/>
-            </a:lnRef>
-            <a:fillRef idx="0">
-              <a:schemeClr val="accent5"/>
-            </a:fillRef>
-            <a:effectRef idx="0">
-              <a:schemeClr val="accent5"/>
-            </a:effectRef>
-            <a:fontRef idx="minor">
-              <a:schemeClr val="tx1"/>
-            </a:fontRef>
-          </p:style>
-        </p:cxnSp>
       </p:grpSp>
       <p:sp>
         <p:nvSpPr>
@@ -30684,28 +29407,6 @@
           </a:extLst>
         </p:spPr>
       </p:pic>
-      <p:pic>
-        <p:nvPicPr>
-          <p:cNvPr id="23" name="object 23"/>
-          <p:cNvPicPr/>
-          <p:nvPr/>
-        </p:nvPicPr>
-        <p:blipFill>
-          <a:blip r:embed="rId4" cstate="print"/>
-          <a:stretch>
-            <a:fillRect/>
-          </a:stretch>
-        </p:blipFill>
-        <p:spPr>
-          <a:xfrm>
-            <a:off x="-3809" y="6183"/>
-            <a:ext cx="492251" cy="617982"/>
-          </a:xfrm>
-          <a:prstGeom prst="rect">
-            <a:avLst/>
-          </a:prstGeom>
-        </p:spPr>
-      </p:pic>
       <p:grpSp>
         <p:nvGrpSpPr>
           <p:cNvPr id="74" name="그룹 73">
@@ -30720,10 +29421,10 @@
         </p:nvGrpSpPr>
         <p:grpSpPr>
           <a:xfrm>
-            <a:off x="477962" y="276353"/>
-            <a:ext cx="11264651" cy="363049"/>
-            <a:chOff x="477962" y="276353"/>
-            <a:chExt cx="11264651" cy="363049"/>
+            <a:off x="477962" y="294374"/>
+            <a:ext cx="11264651" cy="345028"/>
+            <a:chOff x="477962" y="294374"/>
+            <a:chExt cx="11264651" cy="345028"/>
           </a:xfrm>
         </p:grpSpPr>
         <p:sp>
@@ -30822,47 +29523,6 @@
             </a:p>
           </p:txBody>
         </p:sp>
-        <p:cxnSp>
-          <p:nvCxnSpPr>
-            <p:cNvPr id="77" name="직선 연결선 76">
-              <a:extLst>
-                <a:ext uri="{FF2B5EF4-FFF2-40B4-BE49-F238E27FC236}">
-                  <a16:creationId xmlns:a16="http://schemas.microsoft.com/office/drawing/2014/main" id="{9F5CFDA4-5FD2-40AC-935E-599D8B16936F}"/>
-                </a:ext>
-              </a:extLst>
-            </p:cNvPr>
-            <p:cNvCxnSpPr/>
-            <p:nvPr/>
-          </p:nvCxnSpPr>
-          <p:spPr>
-            <a:xfrm>
-              <a:off x="516508" y="276353"/>
-              <a:ext cx="11160000" cy="0"/>
-            </a:xfrm>
-            <a:prstGeom prst="line">
-              <a:avLst/>
-            </a:prstGeom>
-            <a:ln w="19050">
-              <a:solidFill>
-                <a:srgbClr val="93E8E9"/>
-              </a:solidFill>
-            </a:ln>
-          </p:spPr>
-          <p:style>
-            <a:lnRef idx="1">
-              <a:schemeClr val="accent5"/>
-            </a:lnRef>
-            <a:fillRef idx="0">
-              <a:schemeClr val="accent5"/>
-            </a:fillRef>
-            <a:effectRef idx="0">
-              <a:schemeClr val="accent5"/>
-            </a:effectRef>
-            <a:fontRef idx="minor">
-              <a:schemeClr val="tx1"/>
-            </a:fontRef>
-          </p:style>
-        </p:cxnSp>
       </p:grpSp>
       <p:sp>
         <p:nvSpPr>
@@ -31167,7 +29827,7 @@
           <p:nvPr/>
         </p:nvPicPr>
         <p:blipFill>
-          <a:blip r:embed="rId5">
+          <a:blip r:embed="rId4">
             <a:duotone>
               <a:schemeClr val="accent1">
                 <a:shade val="45000"/>
@@ -31221,7 +29881,7 @@
           <p:nvPr/>
         </p:nvPicPr>
         <p:blipFill>
-          <a:blip r:embed="rId6">
+          <a:blip r:embed="rId5">
             <a:duotone>
               <a:schemeClr val="accent3">
                 <a:shade val="45000"/>
@@ -31275,7 +29935,7 @@
           <p:nvPr/>
         </p:nvPicPr>
         <p:blipFill>
-          <a:blip r:embed="rId7">
+          <a:blip r:embed="rId6">
             <a:duotone>
               <a:schemeClr val="accent2">
                 <a:shade val="45000"/>
@@ -31572,28 +30232,6 @@
           </a:p>
         </p:txBody>
       </p:sp>
-      <p:pic>
-        <p:nvPicPr>
-          <p:cNvPr id="23" name="object 23"/>
-          <p:cNvPicPr/>
-          <p:nvPr/>
-        </p:nvPicPr>
-        <p:blipFill>
-          <a:blip r:embed="rId3" cstate="print"/>
-          <a:stretch>
-            <a:fillRect/>
-          </a:stretch>
-        </p:blipFill>
-        <p:spPr>
-          <a:xfrm>
-            <a:off x="-3809" y="6183"/>
-            <a:ext cx="492251" cy="617982"/>
-          </a:xfrm>
-          <a:prstGeom prst="rect">
-            <a:avLst/>
-          </a:prstGeom>
-        </p:spPr>
-      </p:pic>
       <p:grpSp>
         <p:nvGrpSpPr>
           <p:cNvPr id="74" name="그룹 73">
@@ -31608,10 +30246,10 @@
         </p:nvGrpSpPr>
         <p:grpSpPr>
           <a:xfrm>
-            <a:off x="477962" y="276353"/>
-            <a:ext cx="11198546" cy="363049"/>
-            <a:chOff x="477962" y="276353"/>
-            <a:chExt cx="11198546" cy="363049"/>
+            <a:off x="477962" y="320449"/>
+            <a:ext cx="11198545" cy="318953"/>
+            <a:chOff x="477962" y="320449"/>
+            <a:chExt cx="11198545" cy="318953"/>
           </a:xfrm>
         </p:grpSpPr>
         <p:sp>
@@ -31705,47 +30343,6 @@
             </a:p>
           </p:txBody>
         </p:sp>
-        <p:cxnSp>
-          <p:nvCxnSpPr>
-            <p:cNvPr id="77" name="직선 연결선 76">
-              <a:extLst>
-                <a:ext uri="{FF2B5EF4-FFF2-40B4-BE49-F238E27FC236}">
-                  <a16:creationId xmlns:a16="http://schemas.microsoft.com/office/drawing/2014/main" id="{9F5CFDA4-5FD2-40AC-935E-599D8B16936F}"/>
-                </a:ext>
-              </a:extLst>
-            </p:cNvPr>
-            <p:cNvCxnSpPr/>
-            <p:nvPr/>
-          </p:nvCxnSpPr>
-          <p:spPr>
-            <a:xfrm>
-              <a:off x="516508" y="276353"/>
-              <a:ext cx="11160000" cy="0"/>
-            </a:xfrm>
-            <a:prstGeom prst="line">
-              <a:avLst/>
-            </a:prstGeom>
-            <a:ln w="19050">
-              <a:solidFill>
-                <a:srgbClr val="93E8E9"/>
-              </a:solidFill>
-            </a:ln>
-          </p:spPr>
-          <p:style>
-            <a:lnRef idx="1">
-              <a:schemeClr val="accent5"/>
-            </a:lnRef>
-            <a:fillRef idx="0">
-              <a:schemeClr val="accent5"/>
-            </a:fillRef>
-            <a:effectRef idx="0">
-              <a:schemeClr val="accent5"/>
-            </a:effectRef>
-            <a:fontRef idx="minor">
-              <a:schemeClr val="tx1"/>
-            </a:fontRef>
-          </p:style>
-        </p:cxnSp>
       </p:grpSp>
       <p:sp>
         <p:nvSpPr>
@@ -32247,28 +30844,6 @@
           <a:chExt cx="0" cy="0"/>
         </a:xfrm>
       </p:grpSpPr>
-      <p:pic>
-        <p:nvPicPr>
-          <p:cNvPr id="35" name="object 35"/>
-          <p:cNvPicPr/>
-          <p:nvPr/>
-        </p:nvPicPr>
-        <p:blipFill>
-          <a:blip r:embed="rId3" cstate="print"/>
-          <a:stretch>
-            <a:fillRect/>
-          </a:stretch>
-        </p:blipFill>
-        <p:spPr>
-          <a:xfrm>
-            <a:off x="0" y="0"/>
-            <a:ext cx="492251" cy="617982"/>
-          </a:xfrm>
-          <a:prstGeom prst="rect">
-            <a:avLst/>
-          </a:prstGeom>
-        </p:spPr>
-      </p:pic>
       <p:sp>
         <p:nvSpPr>
           <p:cNvPr id="39" name="TextBox 38">
@@ -32368,47 +30943,6 @@
           </a:p>
         </p:txBody>
       </p:sp>
-      <p:cxnSp>
-        <p:nvCxnSpPr>
-          <p:cNvPr id="41" name="직선 연결선 40">
-            <a:extLst>
-              <a:ext uri="{FF2B5EF4-FFF2-40B4-BE49-F238E27FC236}">
-                <a16:creationId xmlns:a16="http://schemas.microsoft.com/office/drawing/2014/main" id="{05B654F8-6B85-47CB-8B27-E0ECB611A8A0}"/>
-              </a:ext>
-            </a:extLst>
-          </p:cNvPr>
-          <p:cNvCxnSpPr/>
-          <p:nvPr/>
-        </p:nvCxnSpPr>
-        <p:spPr>
-          <a:xfrm>
-            <a:off x="516508" y="276353"/>
-            <a:ext cx="11160000" cy="0"/>
-          </a:xfrm>
-          <a:prstGeom prst="line">
-            <a:avLst/>
-          </a:prstGeom>
-          <a:ln w="19050">
-            <a:solidFill>
-              <a:srgbClr val="366CDD"/>
-            </a:solidFill>
-          </a:ln>
-        </p:spPr>
-        <p:style>
-          <a:lnRef idx="1">
-            <a:schemeClr val="accent5"/>
-          </a:lnRef>
-          <a:fillRef idx="0">
-            <a:schemeClr val="accent5"/>
-          </a:fillRef>
-          <a:effectRef idx="0">
-            <a:schemeClr val="accent5"/>
-          </a:effectRef>
-          <a:fontRef idx="minor">
-            <a:schemeClr val="tx1"/>
-          </a:fontRef>
-        </p:style>
-      </p:cxnSp>
       <p:pic>
         <p:nvPicPr>
           <p:cNvPr id="6" name="object 6"/>
@@ -32416,7 +30950,7 @@
           <p:nvPr/>
         </p:nvPicPr>
         <p:blipFill>
-          <a:blip r:embed="rId4" cstate="print"/>
+          <a:blip r:embed="rId3" cstate="print"/>
           <a:stretch>
             <a:fillRect/>
           </a:stretch>
@@ -33301,7 +31835,7 @@
           <p:nvPr/>
         </p:nvPicPr>
         <p:blipFill>
-          <a:blip r:embed="rId5" cstate="print"/>
+          <a:blip r:embed="rId4" cstate="print"/>
           <a:stretch>
             <a:fillRect/>
           </a:stretch>
@@ -33654,7 +32188,7 @@
           <p:nvPr/>
         </p:nvPicPr>
         <p:blipFill>
-          <a:blip r:embed="rId6" cstate="print"/>
+          <a:blip r:embed="rId5" cstate="print"/>
           <a:stretch>
             <a:fillRect/>
           </a:stretch>
@@ -33754,7 +32288,7 @@
           <p:nvPr/>
         </p:nvPicPr>
         <p:blipFill>
-          <a:blip r:embed="rId7">
+          <a:blip r:embed="rId6">
             <a:duotone>
               <a:schemeClr val="accent1">
                 <a:shade val="45000"/>
@@ -33808,7 +32342,7 @@
           <p:nvPr/>
         </p:nvPicPr>
         <p:blipFill>
-          <a:blip r:embed="rId8">
+          <a:blip r:embed="rId7">
             <a:duotone>
               <a:schemeClr val="accent1">
                 <a:shade val="45000"/>
@@ -33862,7 +32396,7 @@
           <p:nvPr/>
         </p:nvPicPr>
         <p:blipFill>
-          <a:blip r:embed="rId9">
+          <a:blip r:embed="rId8">
             <a:duotone>
               <a:schemeClr val="accent4">
                 <a:shade val="45000"/>
@@ -33916,7 +32450,7 @@
           <p:nvPr/>
         </p:nvPicPr>
         <p:blipFill>
-          <a:blip r:embed="rId10">
+          <a:blip r:embed="rId9">
             <a:duotone>
               <a:schemeClr val="accent4">
                 <a:shade val="45000"/>
@@ -33970,7 +32504,7 @@
           <p:nvPr/>
         </p:nvPicPr>
         <p:blipFill>
-          <a:blip r:embed="rId11">
+          <a:blip r:embed="rId10">
             <a:duotone>
               <a:schemeClr val="accent1">
                 <a:shade val="45000"/>
@@ -34024,7 +32558,7 @@
           <p:nvPr/>
         </p:nvPicPr>
         <p:blipFill>
-          <a:blip r:embed="rId12">
+          <a:blip r:embed="rId11">
             <a:duotone>
               <a:schemeClr val="accent1">
                 <a:shade val="45000"/>
@@ -34088,28 +32622,6 @@
           <a:chExt cx="0" cy="0"/>
         </a:xfrm>
       </p:grpSpPr>
-      <p:pic>
-        <p:nvPicPr>
-          <p:cNvPr id="35" name="object 35"/>
-          <p:cNvPicPr/>
-          <p:nvPr/>
-        </p:nvPicPr>
-        <p:blipFill>
-          <a:blip r:embed="rId3" cstate="print"/>
-          <a:stretch>
-            <a:fillRect/>
-          </a:stretch>
-        </p:blipFill>
-        <p:spPr>
-          <a:xfrm>
-            <a:off x="0" y="0"/>
-            <a:ext cx="492251" cy="617982"/>
-          </a:xfrm>
-          <a:prstGeom prst="rect">
-            <a:avLst/>
-          </a:prstGeom>
-        </p:spPr>
-      </p:pic>
       <p:sp>
         <p:nvSpPr>
           <p:cNvPr id="39" name="TextBox 38">
@@ -34217,47 +32729,6 @@
           </a:p>
         </p:txBody>
       </p:sp>
-      <p:cxnSp>
-        <p:nvCxnSpPr>
-          <p:cNvPr id="41" name="직선 연결선 40">
-            <a:extLst>
-              <a:ext uri="{FF2B5EF4-FFF2-40B4-BE49-F238E27FC236}">
-                <a16:creationId xmlns:a16="http://schemas.microsoft.com/office/drawing/2014/main" id="{05B654F8-6B85-47CB-8B27-E0ECB611A8A0}"/>
-              </a:ext>
-            </a:extLst>
-          </p:cNvPr>
-          <p:cNvCxnSpPr/>
-          <p:nvPr/>
-        </p:nvCxnSpPr>
-        <p:spPr>
-          <a:xfrm>
-            <a:off x="516508" y="276353"/>
-            <a:ext cx="11160000" cy="0"/>
-          </a:xfrm>
-          <a:prstGeom prst="line">
-            <a:avLst/>
-          </a:prstGeom>
-          <a:ln w="19050">
-            <a:solidFill>
-              <a:srgbClr val="366CDD"/>
-            </a:solidFill>
-          </a:ln>
-        </p:spPr>
-        <p:style>
-          <a:lnRef idx="1">
-            <a:schemeClr val="accent5"/>
-          </a:lnRef>
-          <a:fillRef idx="0">
-            <a:schemeClr val="accent5"/>
-          </a:fillRef>
-          <a:effectRef idx="0">
-            <a:schemeClr val="accent5"/>
-          </a:effectRef>
-          <a:fontRef idx="minor">
-            <a:schemeClr val="tx1"/>
-          </a:fontRef>
-        </p:style>
-      </p:cxnSp>
       <p:sp>
         <p:nvSpPr>
           <p:cNvPr id="2" name="바닥글 개체 틀 1">
@@ -34343,7 +32814,7 @@
           <p:nvPr/>
         </p:nvPicPr>
         <p:blipFill rotWithShape="1">
-          <a:blip r:embed="rId4">
+          <a:blip r:embed="rId3">
             <a:extLst>
               <a:ext uri="{28A0092B-C50C-407E-A947-70E740481C1C}">
                 <a14:useLocalDpi xmlns:a14="http://schemas.microsoft.com/office/drawing/2010/main" val="0"/>
@@ -34378,7 +32849,7 @@
           <p:nvPr/>
         </p:nvPicPr>
         <p:blipFill rotWithShape="1">
-          <a:blip r:embed="rId5">
+          <a:blip r:embed="rId4">
             <a:extLst>
               <a:ext uri="{28A0092B-C50C-407E-A947-70E740481C1C}">
                 <a14:useLocalDpi xmlns:a14="http://schemas.microsoft.com/office/drawing/2010/main" val="0"/>
@@ -34413,7 +32884,7 @@
           <p:nvPr/>
         </p:nvPicPr>
         <p:blipFill rotWithShape="1">
-          <a:blip r:embed="rId6">
+          <a:blip r:embed="rId5">
             <a:extLst>
               <a:ext uri="{28A0092B-C50C-407E-A947-70E740481C1C}">
                 <a14:useLocalDpi xmlns:a14="http://schemas.microsoft.com/office/drawing/2010/main" val="0"/>
@@ -34452,7 +32923,7 @@
           <p:nvPr/>
         </p:nvPicPr>
         <p:blipFill rotWithShape="1">
-          <a:blip r:embed="rId7">
+          <a:blip r:embed="rId6">
             <a:extLst>
               <a:ext uri="{28A0092B-C50C-407E-A947-70E740481C1C}">
                 <a14:useLocalDpi xmlns:a14="http://schemas.microsoft.com/office/drawing/2010/main" val="0"/>
@@ -35109,28 +33580,6 @@
           </a:p>
         </p:txBody>
       </p:sp>
-      <p:pic>
-        <p:nvPicPr>
-          <p:cNvPr id="8" name="object 8"/>
-          <p:cNvPicPr/>
-          <p:nvPr/>
-        </p:nvPicPr>
-        <p:blipFill>
-          <a:blip r:embed="rId3" cstate="print"/>
-          <a:stretch>
-            <a:fillRect/>
-          </a:stretch>
-        </p:blipFill>
-        <p:spPr>
-          <a:xfrm>
-            <a:off x="0" y="0"/>
-            <a:ext cx="492251" cy="617982"/>
-          </a:xfrm>
-          <a:prstGeom prst="rect">
-            <a:avLst/>
-          </a:prstGeom>
-        </p:spPr>
-      </p:pic>
       <p:grpSp>
         <p:nvGrpSpPr>
           <p:cNvPr id="82" name="그룹 81">
@@ -35251,47 +33700,6 @@
           </p:txBody>
         </p:sp>
       </p:grpSp>
-      <p:cxnSp>
-        <p:nvCxnSpPr>
-          <p:cNvPr id="73" name="직선 연결선 72">
-            <a:extLst>
-              <a:ext uri="{FF2B5EF4-FFF2-40B4-BE49-F238E27FC236}">
-                <a16:creationId xmlns:a16="http://schemas.microsoft.com/office/drawing/2014/main" id="{4E71BF91-F188-4AD7-94AB-33C1114B3F77}"/>
-              </a:ext>
-            </a:extLst>
-          </p:cNvPr>
-          <p:cNvCxnSpPr/>
-          <p:nvPr/>
-        </p:nvCxnSpPr>
-        <p:spPr>
-          <a:xfrm>
-            <a:off x="516508" y="276353"/>
-            <a:ext cx="11160000" cy="0"/>
-          </a:xfrm>
-          <a:prstGeom prst="line">
-            <a:avLst/>
-          </a:prstGeom>
-          <a:ln w="19050">
-            <a:solidFill>
-              <a:srgbClr val="366CDD"/>
-            </a:solidFill>
-          </a:ln>
-        </p:spPr>
-        <p:style>
-          <a:lnRef idx="1">
-            <a:schemeClr val="accent5"/>
-          </a:lnRef>
-          <a:fillRef idx="0">
-            <a:schemeClr val="accent5"/>
-          </a:fillRef>
-          <a:effectRef idx="0">
-            <a:schemeClr val="accent5"/>
-          </a:effectRef>
-          <a:fontRef idx="minor">
-            <a:schemeClr val="tx1"/>
-          </a:fontRef>
-        </p:style>
-      </p:cxnSp>
       <p:sp>
         <p:nvSpPr>
           <p:cNvPr id="2" name="바닥글 개체 틀 1">

--- a/PPT/Busan_Senior_Center(BSC)의_시급한_개선을_위한_입지_분석_모델_발표.pptx
+++ b/PPT/Busan_Senior_Center(BSC)의_시급한_개선을_위한_입지_분석_모델_발표.pptx
@@ -5,10 +5,10 @@
     <p:sldMasterId id="2147483648" r:id="rId1"/>
   </p:sldMasterIdLst>
   <p:notesMasterIdLst>
-    <p:notesMasterId r:id="rId28"/>
+    <p:notesMasterId r:id="rId29"/>
   </p:notesMasterIdLst>
   <p:handoutMasterIdLst>
-    <p:handoutMasterId r:id="rId29"/>
+    <p:handoutMasterId r:id="rId30"/>
   </p:handoutMasterIdLst>
   <p:sldIdLst>
     <p:sldId id="256" r:id="rId2"/>
@@ -26,17 +26,18 @@
     <p:sldId id="287" r:id="rId14"/>
     <p:sldId id="288" r:id="rId15"/>
     <p:sldId id="262" r:id="rId16"/>
-    <p:sldId id="308" r:id="rId17"/>
-    <p:sldId id="309" r:id="rId18"/>
-    <p:sldId id="263" r:id="rId19"/>
-    <p:sldId id="290" r:id="rId20"/>
-    <p:sldId id="265" r:id="rId21"/>
-    <p:sldId id="266" r:id="rId22"/>
-    <p:sldId id="299" r:id="rId23"/>
-    <p:sldId id="300" r:id="rId24"/>
-    <p:sldId id="301" r:id="rId25"/>
-    <p:sldId id="310" r:id="rId26"/>
-    <p:sldId id="280" r:id="rId27"/>
+    <p:sldId id="263" r:id="rId17"/>
+    <p:sldId id="290" r:id="rId18"/>
+    <p:sldId id="265" r:id="rId19"/>
+    <p:sldId id="266" r:id="rId20"/>
+    <p:sldId id="299" r:id="rId21"/>
+    <p:sldId id="300" r:id="rId22"/>
+    <p:sldId id="301" r:id="rId23"/>
+    <p:sldId id="310" r:id="rId24"/>
+    <p:sldId id="313" r:id="rId25"/>
+    <p:sldId id="311" r:id="rId26"/>
+    <p:sldId id="312" r:id="rId27"/>
+    <p:sldId id="314" r:id="rId28"/>
   </p:sldIdLst>
   <p:sldSz cx="12192000" cy="6858000"/>
   <p:notesSz cx="12192000" cy="6858000"/>
@@ -136,56 +137,6 @@
     </a:lvl9pPr>
   </p:defaultTextStyle>
   <p:extLst>
-    <p:ext uri="{521415D9-36F7-43E2-AB2F-B90AF26B5E84}">
-      <p14:sectionLst xmlns:p14="http://schemas.microsoft.com/office/powerpoint/2010/main">
-        <p14:section name="제목 및 분석 배경" id="{20670B06-E396-4163-8BAD-8C754EF258B3}">
-          <p14:sldIdLst>
-            <p14:sldId id="256"/>
-            <p14:sldId id="257"/>
-            <p14:sldId id="258"/>
-            <p14:sldId id="259"/>
-            <p14:sldId id="304"/>
-            <p14:sldId id="303"/>
-            <p14:sldId id="260"/>
-            <p14:sldId id="306"/>
-          </p14:sldIdLst>
-        </p14:section>
-        <p14:section name="적절한 경로당 수" id="{AF21D422-979E-41E2-8ACB-29DFFAE97267}">
-          <p14:sldIdLst>
-            <p14:sldId id="307"/>
-            <p14:sldId id="284"/>
-            <p14:sldId id="289"/>
-          </p14:sldIdLst>
-        </p14:section>
-        <p14:section name="미래 고령 인구 예측" id="{9061AAD3-DFFB-49AD-987C-581E88F84790}">
-          <p14:sldIdLst>
-            <p14:sldId id="292"/>
-            <p14:sldId id="287"/>
-            <p14:sldId id="288"/>
-            <p14:sldId id="262"/>
-          </p14:sldIdLst>
-        </p14:section>
-        <p14:section name="예측 모델 평가" id="{1EF67511-07D8-4915-8A63-9B06B63B16AB}">
-          <p14:sldIdLst>
-            <p14:sldId id="308"/>
-            <p14:sldId id="309"/>
-          </p14:sldIdLst>
-        </p14:section>
-        <p14:section name="후보지 선정" id="{EF052DCE-FA9C-48B3-A0DD-F418C65724E8}">
-          <p14:sldIdLst>
-            <p14:sldId id="263"/>
-            <p14:sldId id="290"/>
-            <p14:sldId id="265"/>
-            <p14:sldId id="266"/>
-            <p14:sldId id="299"/>
-            <p14:sldId id="300"/>
-            <p14:sldId id="301"/>
-            <p14:sldId id="310"/>
-            <p14:sldId id="280"/>
-          </p14:sldIdLst>
-        </p14:section>
-      </p14:sectionLst>
-    </p:ext>
     <p:ext uri="{EFAFB233-063F-42B5-8137-9DF3F51BA10A}">
       <p15:sldGuideLst xmlns:p15="http://schemas.microsoft.com/office/powerpoint/2012/main">
         <p15:guide id="1" orient="horz" pos="2160" userDrawn="1">
@@ -298,7 +249,7 @@
           <a:p>
             <a:fld id="{78A1DF82-54BC-4D6A-9B8E-C3D0E147951C}" type="datetimeFigureOut">
               <a:rPr lang="ko-KR" altLang="en-US" smtClean="0"/>
-              <a:t>2022-03-07</a:t>
+              <a:t>2022-03-23</a:t>
             </a:fld>
             <a:endParaRPr lang="ko-KR" altLang="en-US"/>
           </a:p>
@@ -475,7 +426,7 @@
           <a:p>
             <a:fld id="{C1F9CF4F-CF52-4055-A1E0-4CE72C4FC77B}" type="datetimeFigureOut">
               <a:rPr lang="ko-KR" altLang="en-US" smtClean="0"/>
-              <a:t>2022-03-07</a:t>
+              <a:t>2022-03-23</a:t>
             </a:fld>
             <a:endParaRPr lang="ko-KR" altLang="en-US"/>
           </a:p>
@@ -786,70 +737,6 @@
           <a:bodyPr/>
           <a:lstStyle/>
           <a:p>
-            <a:r>
-              <a:rPr lang="ko-KR" altLang="en-US" b="1" dirty="0"/>
-              <a:t>안녕하십니까 </a:t>
-            </a:r>
-            <a:r>
-              <a:rPr lang="en-US" altLang="ko-KR" b="1" dirty="0"/>
-              <a:t>BSC</a:t>
-            </a:r>
-            <a:r>
-              <a:rPr lang="ko-KR" altLang="en-US" b="1" dirty="0"/>
-              <a:t>팀 </a:t>
-            </a:r>
-            <a:r>
-              <a:rPr lang="en-US" altLang="ko-KR" b="1" dirty="0"/>
-              <a:t>18</a:t>
-            </a:r>
-            <a:r>
-              <a:rPr lang="ko-KR" altLang="en-US" b="1" dirty="0"/>
-              <a:t>학번</a:t>
-            </a:r>
-            <a:r>
-              <a:rPr lang="en-US" altLang="ko-KR" b="1" dirty="0"/>
-              <a:t> </a:t>
-            </a:r>
-            <a:r>
-              <a:rPr lang="ko-KR" altLang="en-US" b="1" dirty="0"/>
-              <a:t>박정현 </a:t>
-            </a:r>
-            <a:r>
-              <a:rPr lang="en-US" altLang="ko-KR" b="1" dirty="0"/>
-              <a:t>18</a:t>
-            </a:r>
-            <a:r>
-              <a:rPr lang="ko-KR" altLang="en-US" b="1" dirty="0"/>
-              <a:t>학번</a:t>
-            </a:r>
-            <a:r>
-              <a:rPr lang="en-US" altLang="ko-KR" b="1" dirty="0"/>
-              <a:t> </a:t>
-            </a:r>
-            <a:r>
-              <a:rPr lang="ko-KR" altLang="en-US" b="1" dirty="0" err="1"/>
-              <a:t>김대로</a:t>
-            </a:r>
-            <a:r>
-              <a:rPr lang="ko-KR" altLang="en-US" b="1" dirty="0"/>
-              <a:t> 입니다</a:t>
-            </a:r>
-            <a:r>
-              <a:rPr lang="en-US" altLang="ko-KR" b="1" dirty="0"/>
-              <a:t>. </a:t>
-            </a:r>
-          </a:p>
-          <a:p>
-            <a:r>
-              <a:rPr lang="ko-KR" altLang="en-US" b="1" dirty="0"/>
-              <a:t>저희 프로젝트는 부산 시니어 센터의 시급한 개선을 위한 입지 분석 모델 제작입니다</a:t>
-            </a:r>
-            <a:r>
-              <a:rPr lang="en-US" altLang="ko-KR" b="1" dirty="0"/>
-              <a:t>.</a:t>
-            </a:r>
-          </a:p>
-          <a:p>
             <a:endParaRPr lang="ko-KR" altLang="en-US" b="1" dirty="0"/>
           </a:p>
         </p:txBody>
@@ -934,113 +821,7 @@
           <a:bodyPr/>
           <a:lstStyle/>
           <a:p>
-            <a:r>
-              <a:rPr lang="ko-KR" altLang="en-US" b="1" dirty="0"/>
-              <a:t>행정 구 단위 전체 노인 중 경로당 이용 비율과 행정 구 단위경로당 </a:t>
-            </a:r>
-            <a:r>
-              <a:rPr lang="en-US" altLang="ko-KR" b="1" dirty="0"/>
-              <a:t>1</a:t>
-            </a:r>
-            <a:r>
-              <a:rPr lang="ko-KR" altLang="en-US" b="1" dirty="0"/>
-              <a:t>개당 이용 등록자 수를 이용하여 행정 구 단위 </a:t>
-            </a:r>
-            <a:r>
-              <a:rPr lang="en-US" altLang="ko-KR" b="1" dirty="0"/>
-              <a:t>1</a:t>
-            </a:r>
-            <a:r>
-              <a:rPr lang="ko-KR" altLang="en-US" b="1" dirty="0"/>
-              <a:t>명당 필요한 경로당 수를 산출합니다</a:t>
-            </a:r>
-            <a:r>
-              <a:rPr lang="en-US" altLang="ko-KR" b="1" dirty="0"/>
-              <a:t>.</a:t>
-            </a:r>
-          </a:p>
-          <a:p>
-            <a:r>
-              <a:rPr lang="ko-KR" altLang="en-US" b="1" dirty="0"/>
-              <a:t>행정 구 전체 노인 중 경로당 이용 비율은 백분율이라 </a:t>
-            </a:r>
-            <a:r>
-              <a:rPr lang="en-US" altLang="ko-KR" b="1" dirty="0"/>
-              <a:t>100</a:t>
-            </a:r>
-            <a:r>
-              <a:rPr lang="ko-KR" altLang="en-US" b="1" dirty="0"/>
-              <a:t>을 나누어 숫자로 표현합니다</a:t>
-            </a:r>
-            <a:r>
-              <a:rPr lang="en-US" altLang="ko-KR" b="1" dirty="0"/>
-              <a:t>.</a:t>
-            </a:r>
-          </a:p>
-          <a:p>
-            <a:r>
-              <a:rPr lang="ko-KR" altLang="en-US" b="1" dirty="0"/>
-              <a:t>예를 들어 사하구는 행정 구 단위 전체 경로당 이용자 비율과 행정 구 단위 경로당 </a:t>
-            </a:r>
-            <a:r>
-              <a:rPr lang="en-US" altLang="ko-KR" b="1" dirty="0"/>
-              <a:t>1</a:t>
-            </a:r>
-            <a:r>
-              <a:rPr lang="ko-KR" altLang="en-US" b="1" dirty="0"/>
-              <a:t>개당 이용 등록자 수를 통해 행정 구 단위 </a:t>
-            </a:r>
-            <a:r>
-              <a:rPr lang="en-US" altLang="ko-KR" b="1" dirty="0"/>
-              <a:t>1</a:t>
-            </a:r>
-            <a:r>
-              <a:rPr lang="ko-KR" altLang="en-US" b="1" dirty="0"/>
-              <a:t>명당 필요한 경로당을 산출하면</a:t>
-            </a:r>
-            <a:endParaRPr lang="en-US" altLang="ko-KR" b="1" dirty="0"/>
-          </a:p>
-          <a:p>
-            <a:r>
-              <a:rPr lang="ko-KR" altLang="en-US" b="1" dirty="0"/>
-              <a:t>사하구 노인 </a:t>
-            </a:r>
-            <a:r>
-              <a:rPr lang="en-US" altLang="ko-KR" b="1" dirty="0"/>
-              <a:t>1</a:t>
-            </a:r>
-            <a:r>
-              <a:rPr lang="ko-KR" altLang="en-US" b="1" dirty="0"/>
-              <a:t>명당 약 </a:t>
-            </a:r>
-            <a:r>
-              <a:rPr lang="en-US" altLang="ko-KR" b="1" dirty="0"/>
-              <a:t>0.0035</a:t>
-            </a:r>
-            <a:r>
-              <a:rPr lang="ko-KR" altLang="en-US" b="1" dirty="0"/>
-              <a:t>개의 경로당이 필요한 것을 알 수 있습니다</a:t>
-            </a:r>
-            <a:r>
-              <a:rPr lang="en-US" altLang="ko-KR" b="1" dirty="0"/>
-              <a:t>.</a:t>
-            </a:r>
-          </a:p>
-          <a:p>
-            <a:r>
-              <a:rPr lang="ko-KR" altLang="en-US" b="1" dirty="0"/>
-              <a:t>이 값과 행정 동 고령인구 수를 곱하면 행정 동 단위 적절한 경로당 수를 도출 할 수 있습니다</a:t>
-            </a:r>
-            <a:r>
-              <a:rPr lang="en-US" altLang="ko-KR" b="1" dirty="0"/>
-              <a:t>.</a:t>
-            </a:r>
-          </a:p>
-          <a:p>
-            <a:r>
-              <a:rPr lang="ko-KR" altLang="en-US" b="1" dirty="0"/>
-              <a:t> </a:t>
-            </a:r>
+            <a:endParaRPr lang="ko-KR" altLang="en-US" dirty="0"/>
           </a:p>
         </p:txBody>
       </p:sp>
@@ -1124,32 +905,7 @@
           <a:bodyPr/>
           <a:lstStyle/>
           <a:p>
-            <a:r>
-              <a:rPr lang="ko-KR" altLang="en-US" b="1" dirty="0"/>
-              <a:t>예측할 미래 경로당이 시급하게 필요한 지역임을 파악하기 위해 현재 필요한 경로당 수를 도출 </a:t>
-            </a:r>
-            <a:r>
-              <a:rPr lang="ko-KR" altLang="en-US" b="1" dirty="0" err="1"/>
-              <a:t>해야합니다</a:t>
-            </a:r>
-            <a:r>
-              <a:rPr lang="en-US" altLang="ko-KR" b="1" dirty="0"/>
-              <a:t>.</a:t>
-            </a:r>
-          </a:p>
-          <a:p>
-            <a:r>
-              <a:rPr lang="ko-KR" altLang="en-US" b="1" dirty="0"/>
-              <a:t>결과 값이 음수를 취하는 이유는 필요한 경로당 수의 의미를 부각하기 </a:t>
-            </a:r>
-            <a:r>
-              <a:rPr lang="ko-KR" altLang="en-US" b="1" dirty="0" err="1"/>
-              <a:t>위함입니다</a:t>
-            </a:r>
-            <a:r>
-              <a:rPr lang="en-US" altLang="ko-KR" b="1" dirty="0"/>
-              <a:t>.</a:t>
-            </a:r>
+            <a:endParaRPr lang="en-US" altLang="ko-KR" dirty="0"/>
           </a:p>
         </p:txBody>
       </p:sp>
@@ -1233,73 +989,7 @@
           <a:bodyPr/>
           <a:lstStyle/>
           <a:p>
-            <a:r>
-              <a:rPr lang="en-US" altLang="ko-KR" b="1" dirty="0"/>
-              <a:t>2001~2020</a:t>
-            </a:r>
-            <a:r>
-              <a:rPr lang="ko-KR" altLang="en-US" b="1" dirty="0"/>
-              <a:t>인구 증가율 데이터를 통해 전년대비 증가율을 분석합니다</a:t>
-            </a:r>
-            <a:r>
-              <a:rPr lang="en-US" altLang="ko-KR" b="1" dirty="0"/>
-              <a:t>.</a:t>
-            </a:r>
-          </a:p>
-          <a:p>
-            <a:r>
-              <a:rPr lang="ko-KR" altLang="en-US" b="1" dirty="0"/>
-              <a:t>이를 수식화 하여 미래 고령인구 비율을 산출합니다</a:t>
-            </a:r>
-            <a:r>
-              <a:rPr lang="en-US" altLang="ko-KR" b="1" dirty="0"/>
-              <a:t>.</a:t>
-            </a:r>
-          </a:p>
-          <a:p>
-            <a:endParaRPr lang="en-US" altLang="ko-KR" b="1" dirty="0"/>
-          </a:p>
-          <a:p>
-            <a:r>
-              <a:rPr lang="ko-KR" altLang="en-US" b="1" dirty="0"/>
-              <a:t>식에 사용되는 데이터는 </a:t>
-            </a:r>
-            <a:r>
-              <a:rPr lang="en-US" altLang="ko-KR" b="1" dirty="0"/>
-              <a:t>2001</a:t>
-            </a:r>
-            <a:r>
-              <a:rPr lang="ko-KR" altLang="en-US" b="1" dirty="0"/>
-              <a:t>년</a:t>
-            </a:r>
-            <a:r>
-              <a:rPr lang="en-US" altLang="ko-KR" b="1" dirty="0"/>
-              <a:t>,2020</a:t>
-            </a:r>
-            <a:r>
-              <a:rPr lang="ko-KR" altLang="en-US" b="1" dirty="0"/>
-              <a:t>년 고령인구 증가율</a:t>
-            </a:r>
-            <a:r>
-              <a:rPr lang="en-US" altLang="ko-KR" b="1" dirty="0"/>
-              <a:t>,</a:t>
-            </a:r>
-            <a:r>
-              <a:rPr lang="ko-KR" altLang="en-US" b="1" dirty="0"/>
-              <a:t> </a:t>
-            </a:r>
-            <a:r>
-              <a:rPr lang="en-US" altLang="ko-KR" b="1" dirty="0"/>
-              <a:t>2001</a:t>
-            </a:r>
-            <a:r>
-              <a:rPr lang="ko-KR" altLang="en-US" b="1" dirty="0"/>
-              <a:t>년 고령인구 비율 예측 년도와 기준년도 차이입니다</a:t>
-            </a:r>
-            <a:r>
-              <a:rPr lang="en-US" altLang="ko-KR" b="1" dirty="0"/>
-              <a:t>.</a:t>
-            </a:r>
+            <a:endParaRPr lang="en-US" altLang="ko-KR" dirty="0"/>
           </a:p>
         </p:txBody>
       </p:sp>
@@ -1383,25 +1073,7 @@
           <a:bodyPr/>
           <a:lstStyle/>
           <a:p>
-            <a:r>
-              <a:rPr lang="ko-KR" altLang="en-US" b="1" dirty="0"/>
-              <a:t>도출한 미래 고령 인구 비율을 이용해 미래 증가된 고령인구 수를 산출합니다</a:t>
-            </a:r>
-            <a:r>
-              <a:rPr lang="en-US" altLang="ko-KR" b="1" dirty="0"/>
-              <a:t>.</a:t>
-            </a:r>
-          </a:p>
-          <a:p>
-            <a:r>
-              <a:rPr lang="ko-KR" altLang="en-US" b="1" dirty="0"/>
-              <a:t>이 값은 미래 증가할 고령인구 수를 산출할 때 사용됩니다</a:t>
-            </a:r>
-            <a:r>
-              <a:rPr lang="en-US" altLang="ko-KR" b="1" dirty="0"/>
-              <a:t>.</a:t>
-            </a:r>
-            <a:endParaRPr lang="ko-KR" altLang="en-US" b="1" dirty="0"/>
+            <a:endParaRPr lang="ko-KR" altLang="en-US" dirty="0"/>
           </a:p>
         </p:txBody>
       </p:sp>
@@ -1485,25 +1157,7 @@
           <a:bodyPr/>
           <a:lstStyle/>
           <a:p>
-            <a:r>
-              <a:rPr lang="ko-KR" altLang="en-US" b="1" dirty="0"/>
-              <a:t>미래 증가할 고령 인구 수를 이용해 행정 동 단위 증가할 고령 인구 수를 산출 합니다</a:t>
-            </a:r>
-            <a:endParaRPr lang="en-US" altLang="ko-KR" b="1" dirty="0"/>
-          </a:p>
-          <a:p>
-            <a:r>
-              <a:rPr lang="ko-KR" altLang="en-US" b="1" dirty="0"/>
-              <a:t>행정 동 단위 고령인구 </a:t>
-            </a:r>
-            <a:r>
-              <a:rPr lang="en-US" altLang="ko-KR" b="1" dirty="0"/>
-              <a:t>/ </a:t>
-            </a:r>
-            <a:r>
-              <a:rPr lang="ko-KR" altLang="en-US" b="1" dirty="0"/>
-              <a:t>부산 고령인구 * 미래 증가할 고령인구</a:t>
-            </a:r>
+            <a:endParaRPr lang="ko-KR" altLang="en-US" dirty="0"/>
           </a:p>
         </p:txBody>
       </p:sp>
@@ -1587,43 +1241,7 @@
           <a:bodyPr/>
           <a:lstStyle/>
           <a:p>
-            <a:r>
-              <a:rPr lang="ko-KR" altLang="en-US" b="1" dirty="0"/>
-              <a:t>행정동 단위 증가할 고령인구 수 와 행정 동 단위 </a:t>
-            </a:r>
-            <a:r>
-              <a:rPr lang="en-US" altLang="ko-KR" b="1" dirty="0"/>
-              <a:t>1</a:t>
-            </a:r>
-            <a:r>
-              <a:rPr lang="ko-KR" altLang="en-US" b="1" dirty="0"/>
-              <a:t>명당 필요한 경로당 수를 이용해 증설할 경로당 수 산출합니다</a:t>
-            </a:r>
-            <a:r>
-              <a:rPr lang="en-US" altLang="ko-KR" b="1" dirty="0"/>
-              <a:t>.</a:t>
-            </a:r>
-          </a:p>
-          <a:p>
-            <a:r>
-              <a:rPr lang="ko-KR" altLang="en-US" b="1" dirty="0"/>
-              <a:t>마지막으로 필요한 경로당 수를 구하기 위해 증설할 경로당 수와 현재 경로당 수를 더합니다</a:t>
-            </a:r>
-            <a:r>
-              <a:rPr lang="en-US" altLang="ko-KR" b="1" dirty="0"/>
-              <a:t>.</a:t>
-            </a:r>
-          </a:p>
-          <a:p>
-            <a:r>
-              <a:rPr lang="ko-KR" altLang="en-US" b="1" dirty="0"/>
-              <a:t>이때 실질적으로 필요한 경로당 수를 의미하는 수치는 양수 값 입니다</a:t>
-            </a:r>
-            <a:r>
-              <a:rPr lang="en-US" altLang="ko-KR" b="1" dirty="0"/>
-              <a:t>.</a:t>
-            </a:r>
-            <a:endParaRPr lang="ko-KR" altLang="en-US" b="1" dirty="0"/>
+            <a:endParaRPr lang="ko-KR" altLang="en-US" dirty="0"/>
           </a:p>
         </p:txBody>
       </p:sp>
@@ -1707,41 +1325,7 @@
           <a:bodyPr/>
           <a:lstStyle/>
           <a:p>
-            <a:r>
-              <a:rPr lang="ko-KR" altLang="en-US" b="1" dirty="0"/>
-              <a:t>미래 예측 수식을 평가하기 위해 </a:t>
-            </a:r>
-            <a:r>
-              <a:rPr lang="en-US" altLang="ko-KR" b="1" dirty="0"/>
-              <a:t>2015</a:t>
-            </a:r>
-            <a:r>
-              <a:rPr lang="ko-KR" altLang="en-US" b="1" dirty="0"/>
-              <a:t>년 기준으로 </a:t>
-            </a:r>
-            <a:r>
-              <a:rPr lang="en-US" altLang="ko-KR" b="1" dirty="0"/>
-              <a:t>2021</a:t>
-            </a:r>
-            <a:r>
-              <a:rPr lang="ko-KR" altLang="en-US" b="1" dirty="0"/>
-              <a:t>년을 예측하였습니다</a:t>
-            </a:r>
-            <a:r>
-              <a:rPr lang="en-US" altLang="ko-KR" b="1" dirty="0"/>
-              <a:t>.</a:t>
-            </a:r>
-          </a:p>
-          <a:p>
-            <a:r>
-              <a:rPr lang="ko-KR" altLang="en-US" b="1" dirty="0"/>
-              <a:t>이용률을 고려한 경로당 수를 도출했기 때문에 예측 값과 현재의 적절한 경로당 수를 비교합니다</a:t>
-            </a:r>
-            <a:r>
-              <a:rPr lang="en-US" altLang="ko-KR" b="1" dirty="0"/>
-              <a:t>.</a:t>
-            </a:r>
-            <a:endParaRPr lang="ko-KR" altLang="en-US" b="1" dirty="0"/>
+            <a:endParaRPr lang="en-US" altLang="ko-KR" dirty="0"/>
           </a:p>
         </p:txBody>
       </p:sp>
@@ -1771,7 +1355,7 @@
     </p:spTree>
     <p:extLst>
       <p:ext uri="{BB962C8B-B14F-4D97-AF65-F5344CB8AC3E}">
-        <p14:creationId xmlns:p14="http://schemas.microsoft.com/office/powerpoint/2010/main" val="182508794"/>
+        <p14:creationId xmlns:p14="http://schemas.microsoft.com/office/powerpoint/2010/main" val="3862460605"/>
       </p:ext>
     </p:extLst>
   </p:cSld>
@@ -1825,108 +1409,7 @@
           <a:bodyPr/>
           <a:lstStyle/>
           <a:p>
-            <a:r>
-              <a:rPr lang="ko-KR" altLang="en-US" b="1" dirty="0"/>
-              <a:t>예측 결과를 보시면 </a:t>
-            </a:r>
-            <a:r>
-              <a:rPr lang="en-US" altLang="ko-KR" b="1" dirty="0"/>
-              <a:t>2015</a:t>
-            </a:r>
-            <a:r>
-              <a:rPr lang="ko-KR" altLang="en-US" b="1" dirty="0"/>
-              <a:t>년에서 </a:t>
-            </a:r>
-            <a:r>
-              <a:rPr lang="en-US" altLang="ko-KR" b="1" dirty="0"/>
-              <a:t>2021</a:t>
-            </a:r>
-            <a:r>
-              <a:rPr lang="ko-KR" altLang="en-US" b="1" dirty="0"/>
-              <a:t>년을 예측한 결과 미래 적절한 경로당 수는 </a:t>
-            </a:r>
-            <a:r>
-              <a:rPr lang="en-US" altLang="ko-KR" b="1" dirty="0"/>
-              <a:t>2893</a:t>
-            </a:r>
-            <a:r>
-              <a:rPr lang="ko-KR" altLang="en-US" b="1" dirty="0"/>
-              <a:t>개였고 </a:t>
-            </a:r>
-            <a:endParaRPr lang="en-US" altLang="ko-KR" b="1" dirty="0"/>
-          </a:p>
-          <a:p>
-            <a:r>
-              <a:rPr lang="ko-KR" altLang="en-US" b="1" dirty="0"/>
-              <a:t>실제 적절한 경로당 수를 구한 결과는 </a:t>
-            </a:r>
-            <a:r>
-              <a:rPr lang="en-US" altLang="ko-KR" b="1" dirty="0"/>
-              <a:t>2703</a:t>
-            </a:r>
-            <a:r>
-              <a:rPr lang="ko-KR" altLang="en-US" b="1" dirty="0"/>
-              <a:t>개 였습니다 </a:t>
-            </a:r>
-            <a:r>
-              <a:rPr lang="en-US" altLang="ko-KR" b="1" dirty="0"/>
-              <a:t>100% </a:t>
-            </a:r>
-            <a:r>
-              <a:rPr lang="ko-KR" altLang="en-US" b="1" dirty="0"/>
-              <a:t>동일한 수치는 아니지만 백분율 오차를 계산한 결과 약 </a:t>
-            </a:r>
-            <a:r>
-              <a:rPr lang="en-US" altLang="ko-KR" b="1" dirty="0"/>
-              <a:t>5%</a:t>
-            </a:r>
-            <a:r>
-              <a:rPr lang="ko-KR" altLang="en-US" b="1" dirty="0"/>
-              <a:t>의 오차가 있었음을 알 수 있었습니다</a:t>
-            </a:r>
-            <a:r>
-              <a:rPr lang="en-US" altLang="ko-KR" b="1" dirty="0"/>
-              <a:t>.</a:t>
-            </a:r>
-          </a:p>
-          <a:p>
-            <a:endParaRPr lang="en-US" altLang="ko-KR" b="1" dirty="0"/>
-          </a:p>
-          <a:p>
-            <a:pPr algn="l"/>
-            <a:r>
-              <a:rPr lang="ko-KR" altLang="en-US" b="1" spc="-100" dirty="0">
-                <a:solidFill>
-                  <a:srgbClr val="676767"/>
-                </a:solidFill>
-              </a:rPr>
-              <a:t>따라서 우리의 수식은 </a:t>
-            </a:r>
-            <a:r>
-              <a:rPr lang="ko-KR" altLang="en-US" b="1" spc="-100" dirty="0">
-                <a:solidFill>
-                  <a:srgbClr val="5643E2"/>
-                </a:solidFill>
-              </a:rPr>
-              <a:t>복잡하지 않고 신뢰할 수 있는 결과</a:t>
-            </a:r>
-            <a:r>
-              <a:rPr lang="ko-KR" altLang="en-US" b="1" spc="-100" dirty="0">
-                <a:solidFill>
-                  <a:srgbClr val="676767"/>
-                </a:solidFill>
-              </a:rPr>
-              <a:t>를 반환합니다</a:t>
-            </a:r>
-            <a:r>
-              <a:rPr lang="en-US" altLang="ko-KR" b="1" spc="-100" dirty="0">
-                <a:solidFill>
-                  <a:srgbClr val="676767"/>
-                </a:solidFill>
-              </a:rPr>
-              <a:t>.</a:t>
-            </a:r>
-            <a:endParaRPr lang="en-US" altLang="ko-KR" b="1" dirty="0"/>
+            <a:endParaRPr lang="en-US" altLang="ko-KR" dirty="0"/>
           </a:p>
         </p:txBody>
       </p:sp>
@@ -1956,7 +1439,7 @@
     </p:spTree>
     <p:extLst>
       <p:ext uri="{BB962C8B-B14F-4D97-AF65-F5344CB8AC3E}">
-        <p14:creationId xmlns:p14="http://schemas.microsoft.com/office/powerpoint/2010/main" val="2453842084"/>
+        <p14:creationId xmlns:p14="http://schemas.microsoft.com/office/powerpoint/2010/main" val="2928400266"/>
       </p:ext>
     </p:extLst>
   </p:cSld>
@@ -2010,43 +1493,7 @@
           <a:bodyPr/>
           <a:lstStyle/>
           <a:p>
-            <a:r>
-              <a:rPr lang="ko-KR" altLang="en-US" b="1" dirty="0"/>
-              <a:t>경로당을 미리 증설하여 증가하는 고령 인구와 </a:t>
-            </a:r>
-            <a:endParaRPr lang="en-US" altLang="ko-KR" b="1" dirty="0"/>
-          </a:p>
-          <a:p>
-            <a:r>
-              <a:rPr lang="ko-KR" altLang="en-US" b="1" dirty="0"/>
-              <a:t>지역별 이용률에 맞는 수요와 공급을 즉각적으로 만족하기 위해</a:t>
-            </a:r>
-            <a:endParaRPr lang="en-US" altLang="ko-KR" b="1" dirty="0"/>
-          </a:p>
-          <a:p>
-            <a:r>
-              <a:rPr lang="ko-KR" altLang="en-US" b="1" dirty="0"/>
-              <a:t>미래 필요한 경로당 수 상위 </a:t>
-            </a:r>
-            <a:r>
-              <a:rPr lang="en-US" altLang="ko-KR" b="1" dirty="0"/>
-              <a:t>4</a:t>
-            </a:r>
-            <a:r>
-              <a:rPr lang="ko-KR" altLang="en-US" b="1" dirty="0"/>
-              <a:t>개 행정 동을 </a:t>
-            </a:r>
-            <a:endParaRPr lang="en-US" altLang="ko-KR" b="1" dirty="0"/>
-          </a:p>
-          <a:p>
-            <a:r>
-              <a:rPr lang="ko-KR" altLang="en-US" b="1" dirty="0"/>
-              <a:t>경로당이 시급하게 필요한 후보지로 선정</a:t>
-            </a:r>
-            <a:endParaRPr lang="en-US" altLang="ko-KR" b="1" dirty="0"/>
-          </a:p>
-          <a:p>
-            <a:endParaRPr lang="en-US" altLang="ko-KR" dirty="0"/>
+            <a:endParaRPr lang="ko-KR" altLang="en-US" dirty="0"/>
           </a:p>
         </p:txBody>
       </p:sp>
@@ -2076,7 +1523,7 @@
     </p:spTree>
     <p:extLst>
       <p:ext uri="{BB962C8B-B14F-4D97-AF65-F5344CB8AC3E}">
-        <p14:creationId xmlns:p14="http://schemas.microsoft.com/office/powerpoint/2010/main" val="3862460605"/>
+        <p14:creationId xmlns:p14="http://schemas.microsoft.com/office/powerpoint/2010/main" val="3093898885"/>
       </p:ext>
     </p:extLst>
   </p:cSld>
@@ -2130,118 +1577,7 @@
           <a:bodyPr/>
           <a:lstStyle/>
           <a:p>
-            <a:r>
-              <a:rPr lang="ko-KR" altLang="en-US" b="1" dirty="0"/>
-              <a:t>왼쪽의 차트는 상위 </a:t>
-            </a:r>
-            <a:r>
-              <a:rPr lang="en-US" altLang="ko-KR" b="1" dirty="0"/>
-              <a:t>4</a:t>
-            </a:r>
-            <a:r>
-              <a:rPr lang="ko-KR" altLang="en-US" b="1" dirty="0"/>
-              <a:t>개의 행정 동 후보지 이다</a:t>
-            </a:r>
-            <a:r>
-              <a:rPr lang="en-US" altLang="ko-KR" b="1" dirty="0"/>
-              <a:t>. </a:t>
-            </a:r>
-          </a:p>
-          <a:p>
-            <a:r>
-              <a:rPr lang="ko-KR" altLang="en-US" b="1" dirty="0"/>
-              <a:t>차트의 검은색 숫자는 현재 필요한 경로당 숫자이며 흰색 숫자는 </a:t>
-            </a:r>
-            <a:r>
-              <a:rPr lang="en-US" altLang="ko-KR" b="1" dirty="0"/>
-              <a:t>2030</a:t>
-            </a:r>
-            <a:r>
-              <a:rPr lang="ko-KR" altLang="en-US" b="1" dirty="0"/>
-              <a:t>년 증설될 경로당 수 이다</a:t>
-            </a:r>
-            <a:r>
-              <a:rPr lang="en-US" altLang="ko-KR" b="1" dirty="0"/>
-              <a:t>.</a:t>
-            </a:r>
-          </a:p>
-          <a:p>
-            <a:endParaRPr lang="en-US" altLang="ko-KR" b="1" dirty="0"/>
-          </a:p>
-          <a:p>
-            <a:r>
-              <a:rPr lang="ko-KR" altLang="en-US" b="1" dirty="0"/>
-              <a:t>명지</a:t>
-            </a:r>
-            <a:r>
-              <a:rPr lang="en-US" altLang="ko-KR" b="1" dirty="0"/>
-              <a:t>1</a:t>
-            </a:r>
-            <a:r>
-              <a:rPr lang="ko-KR" altLang="en-US" b="1" dirty="0"/>
-              <a:t>동 </a:t>
-            </a:r>
-            <a:r>
-              <a:rPr lang="ko-KR" altLang="en-US" b="1" dirty="0" err="1"/>
-              <a:t>녹산동은</a:t>
-            </a:r>
-            <a:r>
-              <a:rPr lang="ko-KR" altLang="en-US" b="1" dirty="0"/>
-              <a:t> 강서구이다 강서구는 고령인구 밀집은 중위권이지만 이용률이 가장 높은 </a:t>
-            </a:r>
-            <a:r>
-              <a:rPr lang="ko-KR" altLang="en-US" b="1" dirty="0" err="1"/>
-              <a:t>지역이였다</a:t>
-            </a:r>
-            <a:r>
-              <a:rPr lang="en-US" altLang="ko-KR" b="1" dirty="0"/>
-              <a:t>.</a:t>
-            </a:r>
-          </a:p>
-          <a:p>
-            <a:r>
-              <a:rPr lang="ko-KR" altLang="en-US" b="1" dirty="0" err="1"/>
-              <a:t>기장읍</a:t>
-            </a:r>
-            <a:r>
-              <a:rPr lang="ko-KR" altLang="en-US" b="1" dirty="0"/>
-              <a:t> </a:t>
-            </a:r>
-            <a:r>
-              <a:rPr lang="ko-KR" altLang="en-US" b="1" dirty="0" err="1"/>
-              <a:t>정관읍은</a:t>
-            </a:r>
-            <a:r>
-              <a:rPr lang="ko-KR" altLang="en-US" b="1" dirty="0"/>
-              <a:t> 기장군에 속한다</a:t>
-            </a:r>
-            <a:r>
-              <a:rPr lang="en-US" altLang="ko-KR" b="1" dirty="0"/>
-              <a:t>. </a:t>
-            </a:r>
-            <a:r>
-              <a:rPr lang="ko-KR" altLang="en-US" b="1" dirty="0"/>
-              <a:t>특히 기장군은 고령인구 밀집 지역이면서도 경로당 이용률이 </a:t>
-            </a:r>
-            <a:r>
-              <a:rPr lang="en-US" altLang="ko-KR" b="1" dirty="0"/>
-              <a:t>2</a:t>
-            </a:r>
-            <a:r>
-              <a:rPr lang="ko-KR" altLang="en-US" b="1" dirty="0"/>
-              <a:t>번째로 높은 </a:t>
-            </a:r>
-            <a:r>
-              <a:rPr lang="ko-KR" altLang="en-US" b="1" dirty="0" err="1"/>
-              <a:t>지역이였다</a:t>
-            </a:r>
-            <a:r>
-              <a:rPr lang="en-US" altLang="ko-KR" b="1" dirty="0"/>
-              <a:t>.</a:t>
-            </a:r>
-          </a:p>
-          <a:p>
-            <a:endParaRPr lang="en-US" altLang="ko-KR" b="1" dirty="0"/>
+            <a:endParaRPr lang="en-US" altLang="ko-KR" dirty="0"/>
           </a:p>
         </p:txBody>
       </p:sp>
@@ -2271,7 +1607,7 @@
     </p:spTree>
     <p:extLst>
       <p:ext uri="{BB962C8B-B14F-4D97-AF65-F5344CB8AC3E}">
-        <p14:creationId xmlns:p14="http://schemas.microsoft.com/office/powerpoint/2010/main" val="2928400266"/>
+        <p14:creationId xmlns:p14="http://schemas.microsoft.com/office/powerpoint/2010/main" val="2231417233"/>
       </p:ext>
     </p:extLst>
   </p:cSld>
@@ -2325,19 +1661,7 @@
           <a:bodyPr/>
           <a:lstStyle/>
           <a:p>
-            <a:r>
-              <a:rPr lang="ko-KR" altLang="en-US" b="1" dirty="0"/>
-              <a:t>저희는 왼쪽의 어르신과 같이 행복한 노후를 위하여 </a:t>
-            </a:r>
-            <a:r>
-              <a:rPr lang="en-US" altLang="ko-KR" b="1" dirty="0"/>
-              <a:t>5</a:t>
-            </a:r>
-            <a:r>
-              <a:rPr lang="ko-KR" altLang="en-US" b="1" dirty="0"/>
-              <a:t>가지 콘텐츠를 준비하였습니다</a:t>
-            </a:r>
-            <a:endParaRPr lang="en-US" altLang="ko-KR" b="1" dirty="0"/>
+            <a:endParaRPr lang="en-US" altLang="ko-KR" dirty="0"/>
           </a:p>
         </p:txBody>
       </p:sp>
@@ -2421,44 +1745,7 @@
           <a:bodyPr/>
           <a:lstStyle/>
           <a:p>
-            <a:r>
-              <a:rPr lang="ko-KR" altLang="en-US" b="1" dirty="0"/>
-              <a:t>노인의 이동 수단과 시간을 고려 했을 때 </a:t>
-            </a:r>
-            <a:endParaRPr lang="en-US" altLang="ko-KR" b="1" dirty="0"/>
-          </a:p>
-          <a:p>
-            <a:r>
-              <a:rPr lang="ko-KR" altLang="en-US" b="1" dirty="0"/>
-              <a:t>노인들의 </a:t>
-            </a:r>
-            <a:r>
-              <a:rPr lang="ko-KR" altLang="en-US" b="1" dirty="0" err="1"/>
-              <a:t>슬세권이라고</a:t>
-            </a:r>
-            <a:r>
-              <a:rPr lang="ko-KR" altLang="en-US" b="1" dirty="0"/>
-              <a:t> 할 수 있는</a:t>
-            </a:r>
-            <a:endParaRPr lang="en-US" altLang="ko-KR" b="1" dirty="0"/>
-          </a:p>
-          <a:p>
-            <a:r>
-              <a:rPr lang="ko-KR" altLang="en-US" b="1" dirty="0"/>
-              <a:t>걸어서 </a:t>
-            </a:r>
-            <a:r>
-              <a:rPr lang="en-US" altLang="ko-KR" b="1" dirty="0"/>
-              <a:t>10</a:t>
-            </a:r>
-            <a:r>
-              <a:rPr lang="ko-KR" altLang="en-US" b="1" dirty="0"/>
-              <a:t>분 이내의 위치가 최적의 입지라고 선정</a:t>
-            </a:r>
-            <a:endParaRPr lang="en-US" altLang="ko-KR" b="1" dirty="0"/>
-          </a:p>
-          <a:p>
-            <a:endParaRPr lang="ko-KR" altLang="en-US" b="1" dirty="0"/>
+            <a:endParaRPr lang="ko-KR" altLang="en-US" dirty="0"/>
           </a:p>
         </p:txBody>
       </p:sp>
@@ -2488,7 +1775,7 @@
     </p:spTree>
     <p:extLst>
       <p:ext uri="{BB962C8B-B14F-4D97-AF65-F5344CB8AC3E}">
-        <p14:creationId xmlns:p14="http://schemas.microsoft.com/office/powerpoint/2010/main" val="3093898885"/>
+        <p14:creationId xmlns:p14="http://schemas.microsoft.com/office/powerpoint/2010/main" val="1500277180"/>
       </p:ext>
     </p:extLst>
   </p:cSld>
@@ -2542,80 +1829,7 @@
           <a:bodyPr/>
           <a:lstStyle/>
           <a:p>
-            <a:r>
-              <a:rPr lang="ko-KR" altLang="en-US" b="1" dirty="0"/>
-              <a:t>지금까지 저의는 지역의 고령인구 밀집도</a:t>
-            </a:r>
-            <a:r>
-              <a:rPr lang="en-US" altLang="ko-KR" b="1" dirty="0"/>
-              <a:t>, </a:t>
-            </a:r>
-            <a:r>
-              <a:rPr lang="ko-KR" altLang="en-US" b="1" dirty="0"/>
-              <a:t>경로당 이용비율을 분석하여 필요한 경로당 수를 구했다면 </a:t>
-            </a:r>
-            <a:endParaRPr lang="en-US" altLang="ko-KR" b="1" dirty="0"/>
-          </a:p>
-          <a:p>
-            <a:r>
-              <a:rPr lang="ko-KR" altLang="en-US" b="1" dirty="0"/>
-              <a:t>이제 그 경로당이 어느 위치에 설치 되어야 하는지 접근성을 통해 알 수 있습니다</a:t>
-            </a:r>
-            <a:r>
-              <a:rPr lang="en-US" altLang="ko-KR" b="1" dirty="0"/>
-              <a:t>.</a:t>
-            </a:r>
-          </a:p>
-          <a:p>
-            <a:r>
-              <a:rPr lang="ko-KR" altLang="en-US" b="1" dirty="0"/>
-              <a:t>왼쪽 사진은 보행자 도로 기준 도시 네트워크의 주거지 밀집 지역을 파악한 것 입니다</a:t>
-            </a:r>
-            <a:r>
-              <a:rPr lang="en-US" altLang="ko-KR" b="1" dirty="0"/>
-              <a:t>. </a:t>
-            </a:r>
-          </a:p>
-          <a:p>
-            <a:r>
-              <a:rPr lang="ko-KR" altLang="en-US" b="1" dirty="0"/>
-              <a:t>따라서 이것을 이동 거리에 따른 영역 시각화를 통해 점으로 나타낸 결과</a:t>
-            </a:r>
-            <a:endParaRPr lang="en-US" altLang="ko-KR" b="1" dirty="0"/>
-          </a:p>
-          <a:p>
-            <a:r>
-              <a:rPr lang="ko-KR" altLang="en-US" b="1" dirty="0"/>
-              <a:t>노란 점은</a:t>
-            </a:r>
-            <a:r>
-              <a:rPr lang="en-US" altLang="ko-KR" b="1" dirty="0"/>
-              <a:t>5</a:t>
-            </a:r>
-            <a:r>
-              <a:rPr lang="ko-KR" altLang="en-US" b="1" dirty="0"/>
-              <a:t>분 거리 주황색은</a:t>
-            </a:r>
-            <a:r>
-              <a:rPr lang="en-US" altLang="ko-KR" b="1" dirty="0"/>
-              <a:t>10</a:t>
-            </a:r>
-            <a:r>
-              <a:rPr lang="ko-KR" altLang="en-US" b="1" dirty="0"/>
-              <a:t>분 거리 뒤로 갈 수록 </a:t>
-            </a:r>
-            <a:r>
-              <a:rPr lang="en-US" altLang="ko-KR" b="1" dirty="0"/>
-              <a:t>5</a:t>
-            </a:r>
-            <a:r>
-              <a:rPr lang="ko-KR" altLang="en-US" b="1" dirty="0"/>
-              <a:t>분 씩 증가하는 결과를 얻을 수 있었습니다</a:t>
-            </a:r>
-            <a:r>
-              <a:rPr lang="en-US" altLang="ko-KR" b="1" dirty="0"/>
-              <a:t>.</a:t>
-            </a:r>
+            <a:endParaRPr lang="ko-KR" altLang="en-US" dirty="0"/>
           </a:p>
         </p:txBody>
       </p:sp>
@@ -2645,7 +1859,7 @@
     </p:spTree>
     <p:extLst>
       <p:ext uri="{BB962C8B-B14F-4D97-AF65-F5344CB8AC3E}">
-        <p14:creationId xmlns:p14="http://schemas.microsoft.com/office/powerpoint/2010/main" val="2231417233"/>
+        <p14:creationId xmlns:p14="http://schemas.microsoft.com/office/powerpoint/2010/main" val="3287065531"/>
       </p:ext>
     </p:extLst>
   </p:cSld>
@@ -2699,19 +1913,7 @@
           <a:bodyPr/>
           <a:lstStyle/>
           <a:p>
-            <a:r>
-              <a:rPr lang="ko-KR" altLang="en-US" b="1" dirty="0" err="1"/>
-              <a:t>정관읍에</a:t>
-            </a:r>
-            <a:r>
-              <a:rPr lang="ko-KR" altLang="en-US" b="1" dirty="0"/>
-              <a:t> 대한 경로당 접근성을 분석한 결과입니다</a:t>
-            </a:r>
-            <a:r>
-              <a:rPr lang="en-US" altLang="ko-KR" b="1" dirty="0"/>
-              <a:t>.</a:t>
-            </a:r>
-            <a:endParaRPr lang="ko-KR" altLang="en-US" b="1" dirty="0"/>
+            <a:endParaRPr lang="en-US" altLang="ko-KR" dirty="0"/>
           </a:p>
         </p:txBody>
       </p:sp>
@@ -2741,7 +1943,7 @@
     </p:spTree>
     <p:extLst>
       <p:ext uri="{BB962C8B-B14F-4D97-AF65-F5344CB8AC3E}">
-        <p14:creationId xmlns:p14="http://schemas.microsoft.com/office/powerpoint/2010/main" val="1500277180"/>
+        <p14:creationId xmlns:p14="http://schemas.microsoft.com/office/powerpoint/2010/main" val="387510797"/>
       </p:ext>
     </p:extLst>
   </p:cSld>
@@ -2795,19 +1997,11 @@
           <a:bodyPr/>
           <a:lstStyle/>
           <a:p>
-            <a:r>
-              <a:rPr lang="ko-KR" altLang="en-US" b="1" dirty="0" err="1"/>
-              <a:t>녹산동에</a:t>
-            </a:r>
-            <a:r>
-              <a:rPr lang="ko-KR" altLang="en-US" b="1" dirty="0"/>
-              <a:t> 대한 경로당 중심성을 분석한 결과입니다</a:t>
-            </a:r>
-            <a:r>
-              <a:rPr lang="en-US" altLang="ko-KR" b="1" dirty="0"/>
-              <a:t>.</a:t>
-            </a:r>
-            <a:endParaRPr lang="ko-KR" altLang="en-US" b="1" dirty="0"/>
+            <a:pPr marL="0" indent="0" algn="l">
+              <a:buFont typeface="+mj-lt"/>
+              <a:buNone/>
+            </a:pPr>
+            <a:endParaRPr lang="en-US" altLang="ko-KR" dirty="0"/>
           </a:p>
         </p:txBody>
       </p:sp>
@@ -2837,433 +2031,7 @@
     </p:spTree>
     <p:extLst>
       <p:ext uri="{BB962C8B-B14F-4D97-AF65-F5344CB8AC3E}">
-        <p14:creationId xmlns:p14="http://schemas.microsoft.com/office/powerpoint/2010/main" val="3287065531"/>
-      </p:ext>
-    </p:extLst>
-  </p:cSld>
-  <p:clrMapOvr>
-    <a:masterClrMapping/>
-  </p:clrMapOvr>
-</p:notes>
-</file>
-
-<file path=ppt/notesSlides/notesSlide24.xml><?xml version="1.0" encoding="utf-8"?>
-<p:notes xmlns:a="http://schemas.openxmlformats.org/drawingml/2006/main" xmlns:r="http://schemas.openxmlformats.org/officeDocument/2006/relationships" xmlns:p="http://schemas.openxmlformats.org/presentationml/2006/main">
-  <p:cSld>
-    <p:spTree>
-      <p:nvGrpSpPr>
-        <p:cNvPr id="1" name=""/>
-        <p:cNvGrpSpPr/>
-        <p:nvPr/>
-      </p:nvGrpSpPr>
-      <p:grpSpPr>
-        <a:xfrm>
-          <a:off x="0" y="0"/>
-          <a:ext cx="0" cy="0"/>
-          <a:chOff x="0" y="0"/>
-          <a:chExt cx="0" cy="0"/>
-        </a:xfrm>
-      </p:grpSpPr>
-      <p:sp>
-        <p:nvSpPr>
-          <p:cNvPr id="2" name="슬라이드 이미지 개체 틀 1"/>
-          <p:cNvSpPr>
-            <a:spLocks noGrp="1" noRot="1" noChangeAspect="1"/>
-          </p:cNvSpPr>
-          <p:nvPr>
-            <p:ph type="sldImg"/>
-          </p:nvPr>
-        </p:nvSpPr>
-        <p:spPr/>
-      </p:sp>
-      <p:sp>
-        <p:nvSpPr>
-          <p:cNvPr id="3" name="슬라이드 노트 개체 틀 2"/>
-          <p:cNvSpPr>
-            <a:spLocks noGrp="1"/>
-          </p:cNvSpPr>
-          <p:nvPr>
-            <p:ph type="body" idx="1"/>
-          </p:nvPr>
-        </p:nvSpPr>
-        <p:spPr/>
-        <p:txBody>
-          <a:bodyPr/>
-          <a:lstStyle/>
-          <a:p>
-            <a:r>
-              <a:rPr lang="ko-KR" altLang="en-US" b="1" dirty="0"/>
-              <a:t>명지</a:t>
-            </a:r>
-            <a:r>
-              <a:rPr lang="en-US" altLang="ko-KR" b="1" dirty="0"/>
-              <a:t>1</a:t>
-            </a:r>
-            <a:r>
-              <a:rPr lang="ko-KR" altLang="en-US" b="1" dirty="0"/>
-              <a:t>동에 대한 경로당 접근성을 분석한 결과입니다</a:t>
-            </a:r>
-            <a:r>
-              <a:rPr lang="en-US" altLang="ko-KR" b="1" dirty="0"/>
-              <a:t>.</a:t>
-            </a:r>
-            <a:r>
-              <a:rPr lang="ko-KR" altLang="en-US" b="1" dirty="0"/>
-              <a:t> </a:t>
-            </a:r>
-            <a:endParaRPr lang="en-US" altLang="ko-KR" b="1" dirty="0"/>
-          </a:p>
-          <a:p>
-            <a:r>
-              <a:rPr lang="ko-KR" altLang="en-US" b="1" dirty="0"/>
-              <a:t>빨간색 동그라미로 표시한 지점이 경로당의 최적 입지라는 의미 입니다</a:t>
-            </a:r>
-            <a:r>
-              <a:rPr lang="en-US" altLang="ko-KR" b="1" dirty="0"/>
-              <a:t>.</a:t>
-            </a:r>
-          </a:p>
-        </p:txBody>
-      </p:sp>
-      <p:sp>
-        <p:nvSpPr>
-          <p:cNvPr id="4" name="슬라이드 번호 개체 틀 3"/>
-          <p:cNvSpPr>
-            <a:spLocks noGrp="1"/>
-          </p:cNvSpPr>
-          <p:nvPr>
-            <p:ph type="sldNum" sz="quarter" idx="5"/>
-          </p:nvPr>
-        </p:nvSpPr>
-        <p:spPr/>
-        <p:txBody>
-          <a:bodyPr/>
-          <a:lstStyle/>
-          <a:p>
-            <a:fld id="{FA4B9F3D-845C-4D02-8EED-6030F7FBFD8D}" type="slidenum">
-              <a:rPr lang="ko-KR" altLang="en-US" smtClean="0"/>
-              <a:t>23</a:t>
-            </a:fld>
-            <a:endParaRPr lang="ko-KR" altLang="en-US"/>
-          </a:p>
-        </p:txBody>
-      </p:sp>
-    </p:spTree>
-    <p:extLst>
-      <p:ext uri="{BB962C8B-B14F-4D97-AF65-F5344CB8AC3E}">
-        <p14:creationId xmlns:p14="http://schemas.microsoft.com/office/powerpoint/2010/main" val="387510797"/>
-      </p:ext>
-    </p:extLst>
-  </p:cSld>
-  <p:clrMapOvr>
-    <a:masterClrMapping/>
-  </p:clrMapOvr>
-</p:notes>
-</file>
-
-<file path=ppt/notesSlides/notesSlide25.xml><?xml version="1.0" encoding="utf-8"?>
-<p:notes xmlns:a="http://schemas.openxmlformats.org/drawingml/2006/main" xmlns:r="http://schemas.openxmlformats.org/officeDocument/2006/relationships" xmlns:p="http://schemas.openxmlformats.org/presentationml/2006/main">
-  <p:cSld>
-    <p:spTree>
-      <p:nvGrpSpPr>
-        <p:cNvPr id="1" name=""/>
-        <p:cNvGrpSpPr/>
-        <p:nvPr/>
-      </p:nvGrpSpPr>
-      <p:grpSpPr>
-        <a:xfrm>
-          <a:off x="0" y="0"/>
-          <a:ext cx="0" cy="0"/>
-          <a:chOff x="0" y="0"/>
-          <a:chExt cx="0" cy="0"/>
-        </a:xfrm>
-      </p:grpSpPr>
-      <p:sp>
-        <p:nvSpPr>
-          <p:cNvPr id="2" name="슬라이드 이미지 개체 틀 1"/>
-          <p:cNvSpPr>
-            <a:spLocks noGrp="1" noRot="1" noChangeAspect="1"/>
-          </p:cNvSpPr>
-          <p:nvPr>
-            <p:ph type="sldImg"/>
-          </p:nvPr>
-        </p:nvSpPr>
-        <p:spPr/>
-      </p:sp>
-      <p:sp>
-        <p:nvSpPr>
-          <p:cNvPr id="3" name="슬라이드 노트 개체 틀 2"/>
-          <p:cNvSpPr>
-            <a:spLocks noGrp="1"/>
-          </p:cNvSpPr>
-          <p:nvPr>
-            <p:ph type="body" idx="1"/>
-          </p:nvPr>
-        </p:nvSpPr>
-        <p:spPr/>
-        <p:txBody>
-          <a:bodyPr/>
-          <a:lstStyle/>
-          <a:p>
-            <a:pPr algn="l"/>
-            <a:r>
-              <a:rPr lang="ko-KR" altLang="en-US" b="1" dirty="0"/>
-              <a:t>부산 강서구 </a:t>
-            </a:r>
-            <a:r>
-              <a:rPr lang="ko-KR" altLang="en-US" b="1" dirty="0" err="1"/>
-              <a:t>녹산동</a:t>
-            </a:r>
-            <a:r>
-              <a:rPr lang="ko-KR" altLang="en-US" b="1" dirty="0"/>
-              <a:t> 거리 네트워크에 대해 주거지 중심 </a:t>
-            </a:r>
-            <a:r>
-              <a:rPr lang="ko-KR" altLang="en-US" b="1" dirty="0" err="1"/>
-              <a:t>중심성</a:t>
-            </a:r>
-            <a:r>
-              <a:rPr lang="ko-KR" altLang="en-US" b="1" dirty="0"/>
-              <a:t> 표현이 완벽하지 못하여 </a:t>
-            </a:r>
-            <a:r>
-              <a:rPr lang="ko-KR" altLang="en-US" b="1" dirty="0">
-                <a:solidFill>
-                  <a:srgbClr val="5643E2"/>
-                </a:solidFill>
-              </a:rPr>
-              <a:t>임의로 주거지 밀집 지역의 위도</a:t>
-            </a:r>
-            <a:r>
-              <a:rPr lang="en-US" altLang="ko-KR" b="1" dirty="0">
-                <a:solidFill>
-                  <a:srgbClr val="5643E2"/>
-                </a:solidFill>
-              </a:rPr>
-              <a:t>,</a:t>
-            </a:r>
-            <a:r>
-              <a:rPr lang="ko-KR" altLang="en-US" b="1" dirty="0">
-                <a:solidFill>
-                  <a:srgbClr val="5643E2"/>
-                </a:solidFill>
-              </a:rPr>
-              <a:t>경도 데이터를 이동거리에 따른 영역표시를 했습니다</a:t>
-            </a:r>
-            <a:r>
-              <a:rPr lang="en-US" altLang="ko-KR" b="1" dirty="0">
-                <a:solidFill>
-                  <a:srgbClr val="5643E2"/>
-                </a:solidFill>
-              </a:rPr>
-              <a:t>.</a:t>
-            </a:r>
-          </a:p>
-          <a:p>
-            <a:pPr algn="l"/>
-            <a:r>
-              <a:rPr lang="ko-KR" altLang="en-US" b="1" dirty="0">
-                <a:solidFill>
-                  <a:srgbClr val="5643E2"/>
-                </a:solidFill>
-              </a:rPr>
-              <a:t>또한 이동시간을 산출할 때 고도에 대한 노인의 이동속도는 고려하지 못 했습니다 이는 향후 구글 </a:t>
-            </a:r>
-            <a:r>
-              <a:rPr lang="en-US" altLang="ko-KR" b="1" dirty="0">
-                <a:solidFill>
-                  <a:srgbClr val="5643E2"/>
-                </a:solidFill>
-              </a:rPr>
-              <a:t>API </a:t>
-            </a:r>
-            <a:r>
-              <a:rPr lang="ko-KR" altLang="en-US" b="1" dirty="0">
-                <a:solidFill>
-                  <a:srgbClr val="5643E2"/>
-                </a:solidFill>
-              </a:rPr>
-              <a:t>또는 오픈 </a:t>
-            </a:r>
-            <a:r>
-              <a:rPr lang="en-US" altLang="ko-KR" b="1" dirty="0">
-                <a:solidFill>
-                  <a:srgbClr val="5643E2"/>
-                </a:solidFill>
-              </a:rPr>
-              <a:t>API</a:t>
-            </a:r>
-            <a:r>
-              <a:rPr lang="ko-KR" altLang="en-US" b="1" dirty="0">
-                <a:solidFill>
-                  <a:srgbClr val="5643E2"/>
-                </a:solidFill>
-              </a:rPr>
-              <a:t>를 사용할 계획입니다</a:t>
-            </a:r>
-            <a:r>
-              <a:rPr lang="en-US" altLang="ko-KR" b="1" dirty="0">
-                <a:solidFill>
-                  <a:srgbClr val="5643E2"/>
-                </a:solidFill>
-              </a:rPr>
-              <a:t>.</a:t>
-            </a:r>
-          </a:p>
-          <a:p>
-            <a:pPr marL="0" indent="0" algn="l">
-              <a:buFont typeface="+mj-lt"/>
-              <a:buNone/>
-            </a:pPr>
-            <a:endParaRPr lang="en-US" altLang="ko-KR" b="1" dirty="0"/>
-          </a:p>
-        </p:txBody>
-      </p:sp>
-      <p:sp>
-        <p:nvSpPr>
-          <p:cNvPr id="4" name="슬라이드 번호 개체 틀 3"/>
-          <p:cNvSpPr>
-            <a:spLocks noGrp="1"/>
-          </p:cNvSpPr>
-          <p:nvPr>
-            <p:ph type="sldNum" sz="quarter" idx="5"/>
-          </p:nvPr>
-        </p:nvSpPr>
-        <p:spPr/>
-        <p:txBody>
-          <a:bodyPr/>
-          <a:lstStyle/>
-          <a:p>
-            <a:fld id="{FA4B9F3D-845C-4D02-8EED-6030F7FBFD8D}" type="slidenum">
-              <a:rPr lang="ko-KR" altLang="en-US" smtClean="0"/>
-              <a:t>24</a:t>
-            </a:fld>
-            <a:endParaRPr lang="ko-KR" altLang="en-US"/>
-          </a:p>
-        </p:txBody>
-      </p:sp>
-    </p:spTree>
-    <p:extLst>
-      <p:ext uri="{BB962C8B-B14F-4D97-AF65-F5344CB8AC3E}">
         <p14:creationId xmlns:p14="http://schemas.microsoft.com/office/powerpoint/2010/main" val="973777700"/>
-      </p:ext>
-    </p:extLst>
-  </p:cSld>
-  <p:clrMapOvr>
-    <a:masterClrMapping/>
-  </p:clrMapOvr>
-</p:notes>
-</file>
-
-<file path=ppt/notesSlides/notesSlide26.xml><?xml version="1.0" encoding="utf-8"?>
-<p:notes xmlns:a="http://schemas.openxmlformats.org/drawingml/2006/main" xmlns:r="http://schemas.openxmlformats.org/officeDocument/2006/relationships" xmlns:p="http://schemas.openxmlformats.org/presentationml/2006/main">
-  <p:cSld>
-    <p:spTree>
-      <p:nvGrpSpPr>
-        <p:cNvPr id="1" name=""/>
-        <p:cNvGrpSpPr/>
-        <p:nvPr/>
-      </p:nvGrpSpPr>
-      <p:grpSpPr>
-        <a:xfrm>
-          <a:off x="0" y="0"/>
-          <a:ext cx="0" cy="0"/>
-          <a:chOff x="0" y="0"/>
-          <a:chExt cx="0" cy="0"/>
-        </a:xfrm>
-      </p:grpSpPr>
-      <p:sp>
-        <p:nvSpPr>
-          <p:cNvPr id="2" name="슬라이드 이미지 개체 틀 1"/>
-          <p:cNvSpPr>
-            <a:spLocks noGrp="1" noRot="1" noChangeAspect="1"/>
-          </p:cNvSpPr>
-          <p:nvPr>
-            <p:ph type="sldImg"/>
-          </p:nvPr>
-        </p:nvSpPr>
-        <p:spPr/>
-      </p:sp>
-      <p:sp>
-        <p:nvSpPr>
-          <p:cNvPr id="3" name="슬라이드 노트 개체 틀 2"/>
-          <p:cNvSpPr>
-            <a:spLocks noGrp="1"/>
-          </p:cNvSpPr>
-          <p:nvPr>
-            <p:ph type="body" idx="1"/>
-          </p:nvPr>
-        </p:nvSpPr>
-        <p:spPr/>
-        <p:txBody>
-          <a:bodyPr/>
-          <a:lstStyle/>
-          <a:p>
-            <a:r>
-              <a:rPr lang="ko-KR" altLang="en-US" b="1" dirty="0"/>
-              <a:t>이상으로 발표를 마치며 프로젝트를 진행하며 사용한 툴</a:t>
-            </a:r>
-            <a:r>
-              <a:rPr lang="en-US" altLang="ko-KR" b="1" dirty="0"/>
-              <a:t>, </a:t>
-            </a:r>
-            <a:r>
-              <a:rPr lang="ko-KR" altLang="en-US" b="1" dirty="0"/>
-              <a:t>데이터는 다음과 같습니다</a:t>
-            </a:r>
-            <a:r>
-              <a:rPr lang="en-US" altLang="ko-KR" b="1" dirty="0"/>
-              <a:t>.</a:t>
-            </a:r>
-          </a:p>
-          <a:p>
-            <a:r>
-              <a:rPr lang="ko-KR" altLang="en-US" b="1" dirty="0"/>
-              <a:t>발표를 </a:t>
-            </a:r>
-            <a:r>
-              <a:rPr lang="ko-KR" altLang="en-US" b="1" dirty="0" err="1"/>
-              <a:t>시청해주셔서</a:t>
-            </a:r>
-            <a:r>
-              <a:rPr lang="ko-KR" altLang="en-US" b="1" dirty="0"/>
-              <a:t> 감사합니다</a:t>
-            </a:r>
-            <a:r>
-              <a:rPr lang="en-US" altLang="ko-KR" b="1" dirty="0"/>
-              <a:t>.</a:t>
-            </a:r>
-            <a:endParaRPr lang="ko-KR" altLang="en-US" b="1" dirty="0"/>
-          </a:p>
-        </p:txBody>
-      </p:sp>
-      <p:sp>
-        <p:nvSpPr>
-          <p:cNvPr id="4" name="슬라이드 번호 개체 틀 3"/>
-          <p:cNvSpPr>
-            <a:spLocks noGrp="1"/>
-          </p:cNvSpPr>
-          <p:nvPr>
-            <p:ph type="sldNum" sz="quarter" idx="5"/>
-          </p:nvPr>
-        </p:nvSpPr>
-        <p:spPr/>
-        <p:txBody>
-          <a:bodyPr/>
-          <a:lstStyle/>
-          <a:p>
-            <a:fld id="{FA4B9F3D-845C-4D02-8EED-6030F7FBFD8D}" type="slidenum">
-              <a:rPr lang="ko-KR" altLang="en-US" smtClean="0"/>
-              <a:t>25</a:t>
-            </a:fld>
-            <a:endParaRPr lang="ko-KR" altLang="en-US"/>
-          </a:p>
-        </p:txBody>
-      </p:sp>
-    </p:spTree>
-    <p:extLst>
-      <p:ext uri="{BB962C8B-B14F-4D97-AF65-F5344CB8AC3E}">
-        <p14:creationId xmlns:p14="http://schemas.microsoft.com/office/powerpoint/2010/main" val="1658694008"/>
       </p:ext>
     </p:extLst>
   </p:cSld>
@@ -3317,81 +2085,7 @@
           <a:bodyPr/>
           <a:lstStyle/>
           <a:p>
-            <a:r>
-              <a:rPr lang="ko-KR" altLang="en-US" b="1" dirty="0"/>
-              <a:t>이런 꽉 찬 모습의 경로당이 많이 활성화 된다면 어떨까요</a:t>
-            </a:r>
-            <a:r>
-              <a:rPr lang="en-US" altLang="ko-KR" b="1" dirty="0"/>
-              <a:t>?</a:t>
-            </a:r>
-          </a:p>
-          <a:p>
-            <a:r>
-              <a:rPr lang="ko-KR" altLang="en-US" b="1" dirty="0"/>
-              <a:t>우리나라는 오른쪽의 차트와 같이 </a:t>
-            </a:r>
-            <a:r>
-              <a:rPr lang="en-US" altLang="ko-KR" b="1" dirty="0"/>
-              <a:t>OECD</a:t>
-            </a:r>
-            <a:r>
-              <a:rPr lang="ko-KR" altLang="en-US" b="1" dirty="0"/>
-              <a:t>국가 중 고령화가 가장 빠르게 진행중인 나라입니다</a:t>
-            </a:r>
-            <a:endParaRPr lang="en-US" altLang="ko-KR" b="1" dirty="0"/>
-          </a:p>
-          <a:p>
-            <a:r>
-              <a:rPr lang="ko-KR" altLang="en-US" b="1" dirty="0"/>
-              <a:t>통계청 발표에 따르면 </a:t>
-            </a:r>
-            <a:r>
-              <a:rPr lang="en-US" altLang="ko-KR" b="1" dirty="0"/>
-              <a:t>2060</a:t>
-            </a:r>
-            <a:r>
-              <a:rPr lang="ko-KR" altLang="en-US" b="1" dirty="0"/>
-              <a:t>년에는 국내 인구 </a:t>
-            </a:r>
-            <a:r>
-              <a:rPr lang="en-US" altLang="ko-KR" b="1" dirty="0"/>
-              <a:t>41%</a:t>
-            </a:r>
-            <a:r>
-              <a:rPr lang="ko-KR" altLang="en-US" b="1" dirty="0"/>
-              <a:t>가</a:t>
-            </a:r>
-            <a:r>
-              <a:rPr lang="en-US" altLang="ko-KR" b="1" dirty="0"/>
-              <a:t> </a:t>
-            </a:r>
-            <a:r>
-              <a:rPr lang="ko-KR" altLang="en-US" b="1" dirty="0"/>
-              <a:t>고령화 될 것이라 기대하고 있습니다</a:t>
-            </a:r>
-            <a:r>
-              <a:rPr lang="en-US" altLang="ko-KR" b="1" dirty="0"/>
-              <a:t>.</a:t>
-            </a:r>
-          </a:p>
-          <a:p>
-            <a:r>
-              <a:rPr lang="ko-KR" altLang="en-US" b="1" dirty="0"/>
-              <a:t>이런 비정상적인 인구 구조로 인해 보다 체계적인 노인 복지 정책이 시급하게</a:t>
-            </a:r>
-            <a:r>
-              <a:rPr lang="en-US" altLang="ko-KR" b="1" dirty="0"/>
-              <a:t> </a:t>
-            </a:r>
-            <a:r>
-              <a:rPr lang="ko-KR" altLang="en-US" b="1" dirty="0"/>
-              <a:t>요구됩니다</a:t>
-            </a:r>
-            <a:r>
-              <a:rPr lang="en-US" altLang="ko-KR" b="1" dirty="0"/>
-              <a:t>.</a:t>
-            </a:r>
+            <a:endParaRPr lang="en-US" altLang="ko-KR" dirty="0"/>
           </a:p>
         </p:txBody>
       </p:sp>
@@ -3475,116 +2169,7 @@
           <a:bodyPr/>
           <a:lstStyle/>
           <a:p>
-            <a:r>
-              <a:rPr lang="ko-KR" altLang="en-US" b="1" dirty="0"/>
-              <a:t>경로당의 기존 설치 기준은 설비와 관련된 사항만 고려하여 고령인구</a:t>
-            </a:r>
-            <a:r>
-              <a:rPr lang="en-US" altLang="ko-KR" b="1" dirty="0"/>
-              <a:t>, </a:t>
-            </a:r>
-            <a:r>
-              <a:rPr lang="ko-KR" altLang="en-US" b="1" dirty="0"/>
-              <a:t>이용률</a:t>
-            </a:r>
-            <a:r>
-              <a:rPr lang="en-US" altLang="ko-KR" b="1" dirty="0"/>
-              <a:t>, </a:t>
-            </a:r>
-            <a:r>
-              <a:rPr lang="ko-KR" altLang="en-US" b="1" dirty="0"/>
-              <a:t>접근성을 전혀 고려하지 않았습니다</a:t>
-            </a:r>
-            <a:r>
-              <a:rPr lang="en-US" altLang="ko-KR" b="1" dirty="0"/>
-              <a:t>.</a:t>
-            </a:r>
-          </a:p>
-          <a:p>
-            <a:r>
-              <a:rPr lang="ko-KR" altLang="en-US" b="1" dirty="0"/>
-              <a:t>이러한 점은 노인이 경로당을 방문하기 위해 이동시간과</a:t>
-            </a:r>
-            <a:r>
-              <a:rPr lang="en-US" altLang="ko-KR" b="1" dirty="0"/>
-              <a:t> </a:t>
-            </a:r>
-            <a:r>
-              <a:rPr lang="ko-KR" altLang="en-US" b="1" dirty="0"/>
-              <a:t>비용적인 측면에서 이점을 제공하지 않습니다</a:t>
-            </a:r>
-            <a:r>
-              <a:rPr lang="en-US" altLang="ko-KR" b="1" dirty="0"/>
-              <a:t>. </a:t>
-            </a:r>
-          </a:p>
-          <a:p>
-            <a:r>
-              <a:rPr lang="ko-KR" altLang="en-US" b="1" dirty="0"/>
-              <a:t>현행 경로당 설치 기준은 다음과 같습니다</a:t>
-            </a:r>
-            <a:r>
-              <a:rPr lang="en-US" altLang="ko-KR" b="1" dirty="0"/>
-              <a:t>. </a:t>
-            </a:r>
-            <a:r>
-              <a:rPr lang="ko-KR" altLang="en-US" b="1" dirty="0"/>
-              <a:t>이용 정원 </a:t>
-            </a:r>
-            <a:r>
-              <a:rPr lang="en-US" altLang="ko-KR" b="1" dirty="0"/>
-              <a:t>20</a:t>
-            </a:r>
-            <a:r>
-              <a:rPr lang="ko-KR" altLang="en-US" b="1" dirty="0"/>
-              <a:t>명 이상</a:t>
-            </a:r>
-            <a:r>
-              <a:rPr lang="en-US" altLang="ko-KR" b="1" dirty="0"/>
-              <a:t>, </a:t>
-            </a:r>
-            <a:r>
-              <a:rPr lang="ko-KR" altLang="en-US" b="1" dirty="0"/>
-              <a:t>거실 또는 휴게실 </a:t>
-            </a:r>
-            <a:r>
-              <a:rPr lang="en-US" altLang="ko-KR" b="1" dirty="0"/>
-              <a:t>6</a:t>
-            </a:r>
-            <a:r>
-              <a:rPr lang="ko-KR" altLang="en-US" b="1" dirty="0"/>
-              <a:t>평이상</a:t>
-            </a:r>
-            <a:r>
-              <a:rPr lang="en-US" altLang="ko-KR" b="1" dirty="0"/>
-              <a:t>, </a:t>
-            </a:r>
-            <a:r>
-              <a:rPr lang="ko-KR" altLang="en-US" b="1" dirty="0"/>
-              <a:t>건축법에 의한 노유자 시설을 만족한다면 구청장의 허가를 통해 설치가 가능합니다</a:t>
-            </a:r>
-            <a:r>
-              <a:rPr lang="en-US" altLang="ko-KR" b="1" dirty="0"/>
-              <a:t>.</a:t>
-            </a:r>
-          </a:p>
-          <a:p>
-            <a:r>
-              <a:rPr lang="ko-KR" altLang="en-US" b="1" dirty="0"/>
-              <a:t>보다 체계적인 노인복지정책이 시급하게 요구되는 지금</a:t>
-            </a:r>
-            <a:r>
-              <a:rPr lang="en-US" altLang="ko-KR" b="1" dirty="0"/>
-              <a:t>,</a:t>
-            </a:r>
-            <a:r>
-              <a:rPr lang="ko-KR" altLang="en-US" b="1" dirty="0"/>
-              <a:t> 모순된 기준이라서 개선의 필요가 있다고 생각했습니다</a:t>
-            </a:r>
-            <a:r>
-              <a:rPr lang="en-US" altLang="ko-KR" b="1" dirty="0"/>
-              <a:t>.</a:t>
-            </a:r>
+            <a:endParaRPr lang="en-US" altLang="ko-KR" dirty="0"/>
           </a:p>
         </p:txBody>
       </p:sp>
@@ -3668,31 +2253,7 @@
           <a:bodyPr/>
           <a:lstStyle/>
           <a:p>
-            <a:r>
-              <a:rPr lang="ko-KR" altLang="en-US" b="1" dirty="0"/>
-              <a:t>저희 부산 시니어 센터 입지 분석 모델은 기존과 다른 미래의 고령인구 수</a:t>
-            </a:r>
-            <a:r>
-              <a:rPr lang="en-US" altLang="ko-KR" b="1" dirty="0"/>
-              <a:t>, </a:t>
-            </a:r>
-            <a:r>
-              <a:rPr lang="ko-KR" altLang="en-US" b="1" dirty="0"/>
-              <a:t>경로당 이용률</a:t>
-            </a:r>
-            <a:r>
-              <a:rPr lang="en-US" altLang="ko-KR" b="1" dirty="0"/>
-              <a:t>, </a:t>
-            </a:r>
-            <a:r>
-              <a:rPr lang="ko-KR" altLang="en-US" b="1" dirty="0"/>
-              <a:t>주거지 기준 접근성의 삼박자를 갖춘 최적의 시니어 센터 입지 분석 및 제안합니다</a:t>
-            </a:r>
-            <a:r>
-              <a:rPr lang="en-US" altLang="ko-KR" b="1" dirty="0"/>
-              <a:t>.</a:t>
-            </a:r>
-            <a:endParaRPr lang="ko-KR" altLang="en-US" b="1" dirty="0"/>
+            <a:endParaRPr lang="ko-KR" altLang="en-US" dirty="0"/>
           </a:p>
         </p:txBody>
       </p:sp>
@@ -3776,82 +2337,7 @@
           <a:bodyPr/>
           <a:lstStyle/>
           <a:p>
-            <a:r>
-              <a:rPr lang="en-US" altLang="ko-KR" b="1" dirty="0"/>
-              <a:t>OpenStreetMap</a:t>
-            </a:r>
-            <a:r>
-              <a:rPr lang="ko-KR" altLang="en-US" b="1" dirty="0"/>
-              <a:t>과 그래프 네트워크 분석을 통한 시니어 센터 입지 분석 프레임워크를 제시하기 위해 크게 </a:t>
-            </a:r>
-            <a:r>
-              <a:rPr lang="en-US" altLang="ko-KR" b="1" dirty="0"/>
-              <a:t>4</a:t>
-            </a:r>
-            <a:r>
-              <a:rPr lang="ko-KR" altLang="en-US" b="1" dirty="0"/>
-              <a:t>가지의 단계로 구성됩니다</a:t>
-            </a:r>
-            <a:endParaRPr lang="en-US" altLang="ko-KR" b="1" dirty="0"/>
-          </a:p>
-          <a:p>
-            <a:endParaRPr lang="en-US" altLang="ko-KR" b="1" dirty="0"/>
-          </a:p>
-          <a:p>
-            <a:r>
-              <a:rPr lang="ko-KR" altLang="en-US" b="1" dirty="0"/>
-              <a:t>첫째 고령인구 밀집지역 및 경로당 수를 분석하여 행정 구역 단위 고령인구 수와</a:t>
-            </a:r>
-            <a:r>
-              <a:rPr lang="en-US" altLang="ko-KR" b="1" dirty="0"/>
-              <a:t> </a:t>
-            </a:r>
-            <a:r>
-              <a:rPr lang="ko-KR" altLang="en-US" b="1" dirty="0"/>
-              <a:t>경로당 수를 파악합니다</a:t>
-            </a:r>
-            <a:endParaRPr lang="en-US" altLang="ko-KR" b="1" dirty="0"/>
-          </a:p>
-          <a:p>
-            <a:endParaRPr lang="en-US" altLang="ko-KR" b="1" dirty="0"/>
-          </a:p>
-          <a:p>
-            <a:r>
-              <a:rPr lang="ko-KR" altLang="en-US" b="1" dirty="0"/>
-              <a:t>둘째 기존 경로당의 이용률을 분석하여 노인 </a:t>
-            </a:r>
-            <a:r>
-              <a:rPr lang="en-US" altLang="ko-KR" b="1" dirty="0"/>
-              <a:t>1</a:t>
-            </a:r>
-            <a:r>
-              <a:rPr lang="ko-KR" altLang="en-US" b="1" dirty="0"/>
-              <a:t>명당 필요한 경로당 수를 파악합니다</a:t>
-            </a:r>
-            <a:endParaRPr lang="en-US" altLang="ko-KR" b="1" dirty="0"/>
-          </a:p>
-          <a:p>
-            <a:endParaRPr lang="en-US" altLang="ko-KR" b="1" dirty="0"/>
-          </a:p>
-          <a:p>
-            <a:r>
-              <a:rPr lang="ko-KR" altLang="en-US" b="1" dirty="0"/>
-              <a:t>셋째 미래 증가할 고령인구 및  증가 할 인구에 따른 경로당 수를 도출합니다</a:t>
-            </a:r>
-            <a:endParaRPr lang="en-US" altLang="ko-KR" b="1" dirty="0"/>
-          </a:p>
-          <a:p>
-            <a:endParaRPr lang="en-US" altLang="ko-KR" b="1" dirty="0"/>
-          </a:p>
-          <a:p>
-            <a:r>
-              <a:rPr lang="ko-KR" altLang="en-US" b="1" dirty="0"/>
-              <a:t>마지막으로 이동 수단과 이동 거리에 따른 시설 접근성을 파악 합니다</a:t>
-            </a:r>
-            <a:endParaRPr lang="en-US" altLang="ko-KR" b="1" dirty="0"/>
-          </a:p>
-          <a:p>
-            <a:endParaRPr lang="en-US" altLang="ko-KR" b="1" dirty="0"/>
+            <a:endParaRPr lang="en-US" altLang="ko-KR" dirty="0"/>
           </a:p>
         </p:txBody>
       </p:sp>
@@ -3935,38 +2421,7 @@
           <a:bodyPr/>
           <a:lstStyle/>
           <a:p>
-            <a:r>
-              <a:rPr lang="ko-KR" altLang="en-US" b="1" dirty="0"/>
-              <a:t>저희는 수집한 부산광역시 인구 데이터를 이용하여 행정 구</a:t>
-            </a:r>
-            <a:r>
-              <a:rPr lang="en-US" altLang="ko-KR" b="1" dirty="0"/>
-              <a:t>, </a:t>
-            </a:r>
-            <a:r>
-              <a:rPr lang="ko-KR" altLang="en-US" b="1" dirty="0"/>
-              <a:t>동 단위로 분리하여 고령인구 밀집 지역을 파악합니다</a:t>
-            </a:r>
-            <a:endParaRPr lang="en-US" altLang="ko-KR" b="1" dirty="0"/>
-          </a:p>
-          <a:p>
-            <a:r>
-              <a:rPr lang="ko-KR" altLang="en-US" b="1" dirty="0"/>
-              <a:t>또한 부산 광역시 경로당 데이터를 통해 각 경로당의 주소를 추출하고</a:t>
-            </a:r>
-            <a:r>
-              <a:rPr lang="en-US" altLang="ko-KR" b="1" dirty="0"/>
-              <a:t> </a:t>
-            </a:r>
-            <a:r>
-              <a:rPr lang="ko-KR" altLang="en-US" b="1" dirty="0"/>
-              <a:t>이를 바탕으로 행정동 단위 경로당 수를 파악하였습니다</a:t>
-            </a:r>
-            <a:r>
-              <a:rPr lang="en-US" altLang="ko-KR" b="1" dirty="0"/>
-              <a:t>.</a:t>
-            </a:r>
-            <a:endParaRPr lang="ko-KR" altLang="en-US" b="1" dirty="0"/>
+            <a:endParaRPr lang="ko-KR" altLang="en-US" dirty="0"/>
           </a:p>
         </p:txBody>
       </p:sp>
@@ -4050,86 +2505,7 @@
           <a:bodyPr/>
           <a:lstStyle/>
           <a:p>
-            <a:r>
-              <a:rPr lang="ko-KR" altLang="en-US" b="1" dirty="0"/>
-              <a:t>저희는 시니어 센터가 시급하게 필요한 지역의 주거지 중심 접근성 분석을 통해 경로당의 접근성을 만족 시킬 수 있는 최적의 입지를 산출 하였습니다</a:t>
-            </a:r>
-            <a:r>
-              <a:rPr lang="en-US" altLang="ko-KR" b="1" dirty="0"/>
-              <a:t>.</a:t>
-            </a:r>
-          </a:p>
-          <a:p>
-            <a:r>
-              <a:rPr lang="ko-KR" altLang="en-US" b="1" dirty="0"/>
-              <a:t>표시된 지점은 주거지가 가장 많이 밀집된 지역에 따른 이동 시간에 대한 영역을 의미합니다</a:t>
-            </a:r>
-            <a:r>
-              <a:rPr lang="en-US" altLang="ko-KR" b="1" dirty="0"/>
-              <a:t>.</a:t>
-            </a:r>
-          </a:p>
-          <a:p>
-            <a:r>
-              <a:rPr lang="ko-KR" altLang="en-US" b="1" dirty="0"/>
-              <a:t>노란색 점은 주거지 주변 도보 </a:t>
-            </a:r>
-            <a:r>
-              <a:rPr lang="en-US" altLang="ko-KR" b="1" dirty="0"/>
-              <a:t>5</a:t>
-            </a:r>
-            <a:r>
-              <a:rPr lang="ko-KR" altLang="en-US" b="1" dirty="0"/>
-              <a:t>분 이내의 거리를 뜻하고</a:t>
-            </a:r>
-            <a:endParaRPr lang="en-US" altLang="ko-KR" b="1" dirty="0"/>
-          </a:p>
-          <a:p>
-            <a:r>
-              <a:rPr lang="ko-KR" altLang="en-US" b="1" dirty="0"/>
-              <a:t>주황색 점은 </a:t>
-            </a:r>
-            <a:r>
-              <a:rPr lang="en-US" altLang="ko-KR" b="1" dirty="0"/>
-              <a:t>10</a:t>
-            </a:r>
-            <a:r>
-              <a:rPr lang="ko-KR" altLang="en-US" b="1" dirty="0"/>
-              <a:t>분 이며 더 진해 질수록 </a:t>
-            </a:r>
-            <a:r>
-              <a:rPr lang="en-US" altLang="ko-KR" b="1" dirty="0"/>
-              <a:t>5</a:t>
-            </a:r>
-            <a:r>
-              <a:rPr lang="ko-KR" altLang="en-US" b="1" dirty="0"/>
-              <a:t>분 증가하는 의미를 가지고 있습니다</a:t>
-            </a:r>
-            <a:r>
-              <a:rPr lang="en-US" altLang="ko-KR" b="1" dirty="0"/>
-              <a:t>.</a:t>
-            </a:r>
-          </a:p>
-          <a:p>
-            <a:r>
-              <a:rPr lang="ko-KR" altLang="en-US" b="1" dirty="0"/>
-              <a:t>즉</a:t>
-            </a:r>
-            <a:r>
-              <a:rPr lang="en-US" altLang="ko-KR" b="1" dirty="0"/>
-              <a:t>, </a:t>
-            </a:r>
-            <a:r>
-              <a:rPr lang="ko-KR" altLang="en-US" b="1" dirty="0"/>
-              <a:t>노란색과 주황색이 노인들이 가장 이용하기 편리한 곳을 의미합니다</a:t>
-            </a:r>
-            <a:r>
-              <a:rPr lang="en-US" altLang="ko-KR" b="1" dirty="0"/>
-              <a:t>.</a:t>
-            </a:r>
-          </a:p>
-          <a:p>
-            <a:endParaRPr lang="en-US" altLang="ko-KR" b="1" dirty="0"/>
+            <a:endParaRPr lang="en-US" altLang="ko-KR" dirty="0"/>
           </a:p>
         </p:txBody>
       </p:sp>
@@ -4213,33 +2589,7 @@
           <a:bodyPr/>
           <a:lstStyle/>
           <a:p>
-            <a:r>
-              <a:rPr lang="ko-KR" altLang="en-US" b="1" dirty="0"/>
-              <a:t>각 행정 동 단위 설치된 경로당 수에 대해 증설의 필요성 분석을 위해 적절한 경로당 수를 파악해야 합니다</a:t>
-            </a:r>
-            <a:endParaRPr lang="en-US" altLang="ko-KR" b="1" dirty="0"/>
-          </a:p>
-          <a:p>
-            <a:endParaRPr lang="en-US" altLang="ko-KR" b="1" dirty="0"/>
-          </a:p>
-          <a:p>
-            <a:r>
-              <a:rPr lang="ko-KR" altLang="en-US" b="1" dirty="0"/>
-              <a:t>현재 설치된 경로당 기준 적절한 경로당 수가 많다면 필요한 경로당 수가 있다는 뜻을 의미하며 반대로 적다면 필요한 경로당 수가 없다는 의미입니다</a:t>
-            </a:r>
-            <a:r>
-              <a:rPr lang="en-US" altLang="ko-KR" b="1" dirty="0"/>
-              <a:t>.</a:t>
-            </a:r>
-          </a:p>
-          <a:p>
-            <a:endParaRPr lang="en-US" altLang="ko-KR" b="1" dirty="0"/>
-          </a:p>
-          <a:p>
-            <a:r>
-              <a:rPr lang="ko-KR" altLang="en-US" b="1" dirty="0"/>
-              <a:t>또한 적절한 경로당 수와 현재의 경로당 수의 차이가 클 수록 필요한 경로당의 수가 많고 이는 경로당 설치가 우선적으로 진행될 지역이라는 의미를 가집니다</a:t>
-            </a:r>
+            <a:endParaRPr lang="ko-KR" altLang="en-US" dirty="0"/>
           </a:p>
         </p:txBody>
       </p:sp>
@@ -16743,2133 +15093,6 @@
 </file>
 
 <file path=ppt/slides/slide16.xml><?xml version="1.0" encoding="utf-8"?>
-<p:sld xmlns:a="http://schemas.openxmlformats.org/drawingml/2006/main" xmlns:r="http://schemas.openxmlformats.org/officeDocument/2006/relationships" xmlns:p="http://schemas.openxmlformats.org/presentationml/2006/main">
-  <p:cSld>
-    <p:spTree>
-      <p:nvGrpSpPr>
-        <p:cNvPr id="1" name=""/>
-        <p:cNvGrpSpPr/>
-        <p:nvPr/>
-      </p:nvGrpSpPr>
-      <p:grpSpPr>
-        <a:xfrm>
-          <a:off x="0" y="0"/>
-          <a:ext cx="0" cy="0"/>
-          <a:chOff x="0" y="0"/>
-          <a:chExt cx="0" cy="0"/>
-        </a:xfrm>
-      </p:grpSpPr>
-      <p:grpSp>
-        <p:nvGrpSpPr>
-          <p:cNvPr id="53" name="그룹 52">
-            <a:extLst>
-              <a:ext uri="{FF2B5EF4-FFF2-40B4-BE49-F238E27FC236}">
-                <a16:creationId xmlns:a16="http://schemas.microsoft.com/office/drawing/2014/main" id="{3B41160F-8A74-4224-AE0C-F02EDD834366}"/>
-              </a:ext>
-            </a:extLst>
-          </p:cNvPr>
-          <p:cNvGrpSpPr/>
-          <p:nvPr/>
-        </p:nvGrpSpPr>
-        <p:grpSpPr>
-          <a:xfrm>
-            <a:off x="477962" y="320350"/>
-            <a:ext cx="11339483" cy="319052"/>
-            <a:chOff x="477962" y="320350"/>
-            <a:chExt cx="11339483" cy="319052"/>
-          </a:xfrm>
-        </p:grpSpPr>
-        <p:sp>
-          <p:nvSpPr>
-            <p:cNvPr id="54" name="TextBox 53">
-              <a:extLst>
-                <a:ext uri="{FF2B5EF4-FFF2-40B4-BE49-F238E27FC236}">
-                  <a16:creationId xmlns:a16="http://schemas.microsoft.com/office/drawing/2014/main" id="{61ECB29E-9213-4C84-8697-F933E966F697}"/>
-                </a:ext>
-              </a:extLst>
-            </p:cNvPr>
-            <p:cNvSpPr txBox="1"/>
-            <p:nvPr/>
-          </p:nvSpPr>
-          <p:spPr>
-            <a:xfrm>
-              <a:off x="477962" y="331625"/>
-              <a:ext cx="3332037" cy="307777"/>
-            </a:xfrm>
-            <a:prstGeom prst="rect">
-              <a:avLst/>
-            </a:prstGeom>
-            <a:noFill/>
-          </p:spPr>
-          <p:txBody>
-            <a:bodyPr wrap="square" rtlCol="0">
-              <a:spAutoFit/>
-            </a:bodyPr>
-            <a:lstStyle/>
-            <a:p>
-              <a:r>
-                <a:rPr lang="ko-KR" altLang="en-US" sz="1400" spc="-100">
-                  <a:solidFill>
-                    <a:srgbClr val="366CDD"/>
-                  </a:solidFill>
-                </a:rPr>
-                <a:t>예측 수식 </a:t>
-              </a:r>
-              <a:r>
-                <a:rPr lang="ko-KR" altLang="en-US" sz="1400" spc="-100" dirty="0">
-                  <a:solidFill>
-                    <a:srgbClr val="366CDD"/>
-                  </a:solidFill>
-                </a:rPr>
-                <a:t>평가</a:t>
-              </a:r>
-            </a:p>
-          </p:txBody>
-        </p:sp>
-        <p:sp>
-          <p:nvSpPr>
-            <p:cNvPr id="55" name="TextBox 54">
-              <a:extLst>
-                <a:ext uri="{FF2B5EF4-FFF2-40B4-BE49-F238E27FC236}">
-                  <a16:creationId xmlns:a16="http://schemas.microsoft.com/office/drawing/2014/main" id="{2E912AF3-995F-41D1-9775-205596E20957}"/>
-                </a:ext>
-              </a:extLst>
-            </p:cNvPr>
-            <p:cNvSpPr txBox="1"/>
-            <p:nvPr/>
-          </p:nvSpPr>
-          <p:spPr>
-            <a:xfrm>
-              <a:off x="10134600" y="320350"/>
-              <a:ext cx="1682845" cy="276999"/>
-            </a:xfrm>
-            <a:prstGeom prst="rect">
-              <a:avLst/>
-            </a:prstGeom>
-            <a:noFill/>
-          </p:spPr>
-          <p:txBody>
-            <a:bodyPr wrap="square" rtlCol="0">
-              <a:spAutoFit/>
-            </a:bodyPr>
-            <a:lstStyle/>
-            <a:p>
-              <a:r>
-                <a:rPr lang="ko-KR" altLang="en-US" sz="1200" spc="-100" dirty="0">
-                  <a:solidFill>
-                    <a:srgbClr val="366CDD"/>
-                  </a:solidFill>
-                </a:rPr>
-                <a:t>동아대학교 </a:t>
-              </a:r>
-              <a:r>
-                <a:rPr lang="en-US" altLang="ko-KR" sz="1200" spc="-100" dirty="0" err="1">
-                  <a:solidFill>
-                    <a:srgbClr val="366CDD"/>
-                  </a:solidFill>
-                </a:rPr>
-                <a:t>Dev_Day</a:t>
-              </a:r>
-              <a:endParaRPr lang="ko-KR" altLang="en-US" sz="1200" spc="-100" dirty="0">
-                <a:solidFill>
-                  <a:srgbClr val="366CDD"/>
-                </a:solidFill>
-              </a:endParaRPr>
-            </a:p>
-          </p:txBody>
-        </p:sp>
-      </p:grpSp>
-      <p:sp>
-        <p:nvSpPr>
-          <p:cNvPr id="65" name="바닥글 개체 틀 64">
-            <a:extLst>
-              <a:ext uri="{FF2B5EF4-FFF2-40B4-BE49-F238E27FC236}">
-                <a16:creationId xmlns:a16="http://schemas.microsoft.com/office/drawing/2014/main" id="{7273F5CE-B239-4804-A538-6F015CE1B6BA}"/>
-              </a:ext>
-            </a:extLst>
-          </p:cNvPr>
-          <p:cNvSpPr>
-            <a:spLocks noGrp="1"/>
-          </p:cNvSpPr>
-          <p:nvPr>
-            <p:ph type="ftr" sz="quarter" idx="5"/>
-          </p:nvPr>
-        </p:nvSpPr>
-        <p:spPr>
-          <a:xfrm>
-            <a:off x="4145280" y="6595205"/>
-            <a:ext cx="3901440" cy="169277"/>
-          </a:xfrm>
-          <a:prstGeom prst="rect">
-            <a:avLst/>
-          </a:prstGeom>
-        </p:spPr>
-        <p:txBody>
-          <a:bodyPr/>
-          <a:lstStyle/>
-          <a:p>
-            <a:r>
-              <a:rPr lang="en-US" altLang="ko-KR" spc="-100"/>
-              <a:t>Busan Senior Centre(BSC)</a:t>
-            </a:r>
-            <a:r>
-              <a:rPr lang="ko-KR" altLang="en-US" spc="-100"/>
-              <a:t>의 시급한 개선을 위한 입지 분석 모델</a:t>
-            </a:r>
-            <a:endParaRPr lang="en-US" spc="-100"/>
-          </a:p>
-        </p:txBody>
-      </p:sp>
-      <p:sp>
-        <p:nvSpPr>
-          <p:cNvPr id="66" name="슬라이드 번호 개체 틀 65">
-            <a:extLst>
-              <a:ext uri="{FF2B5EF4-FFF2-40B4-BE49-F238E27FC236}">
-                <a16:creationId xmlns:a16="http://schemas.microsoft.com/office/drawing/2014/main" id="{38F008A1-EED9-498D-AFAA-CFC3DED57F32}"/>
-              </a:ext>
-            </a:extLst>
-          </p:cNvPr>
-          <p:cNvSpPr>
-            <a:spLocks noGrp="1"/>
-          </p:cNvSpPr>
-          <p:nvPr>
-            <p:ph type="sldNum" sz="quarter" idx="7"/>
-          </p:nvPr>
-        </p:nvSpPr>
-        <p:spPr/>
-        <p:txBody>
-          <a:bodyPr/>
-          <a:lstStyle/>
-          <a:p>
-            <a:fld id="{B6F15528-21DE-4FAA-801E-634DDDAF4B2B}" type="slidenum">
-              <a:rPr lang="en-US" altLang="ko-KR" spc="-100" smtClean="0"/>
-              <a:t>15</a:t>
-            </a:fld>
-            <a:endParaRPr lang="ko-KR" altLang="en-US" spc="-100"/>
-          </a:p>
-        </p:txBody>
-      </p:sp>
-      <p:sp>
-        <p:nvSpPr>
-          <p:cNvPr id="4" name="TextBox 3">
-            <a:extLst>
-              <a:ext uri="{FF2B5EF4-FFF2-40B4-BE49-F238E27FC236}">
-                <a16:creationId xmlns:a16="http://schemas.microsoft.com/office/drawing/2014/main" id="{25E465AF-47FA-4D75-B1F9-0613A5771CC0}"/>
-              </a:ext>
-            </a:extLst>
-          </p:cNvPr>
-          <p:cNvSpPr txBox="1"/>
-          <p:nvPr/>
-        </p:nvSpPr>
-        <p:spPr>
-          <a:xfrm>
-            <a:off x="304798" y="1076948"/>
-            <a:ext cx="11582400" cy="830997"/>
-          </a:xfrm>
-          <a:prstGeom prst="rect">
-            <a:avLst/>
-          </a:prstGeom>
-          <a:noFill/>
-        </p:spPr>
-        <p:txBody>
-          <a:bodyPr wrap="square" rtlCol="0">
-            <a:spAutoFit/>
-          </a:bodyPr>
-          <a:lstStyle/>
-          <a:p>
-            <a:pPr algn="ctr"/>
-            <a:r>
-              <a:rPr lang="ko-KR" altLang="en-US" sz="2400" spc="-100" dirty="0">
-                <a:solidFill>
-                  <a:srgbClr val="525252"/>
-                </a:solidFill>
-              </a:rPr>
-              <a:t>미래 예측 수식을 평가하기 위해</a:t>
-            </a:r>
-            <a:r>
-              <a:rPr lang="ko-KR" altLang="en-US" sz="2400" spc="-100" dirty="0"/>
-              <a:t> </a:t>
-            </a:r>
-            <a:r>
-              <a:rPr lang="en-US" altLang="ko-KR" sz="2400" b="1" spc="-100" dirty="0">
-                <a:solidFill>
-                  <a:srgbClr val="5643E2"/>
-                </a:solidFill>
-              </a:rPr>
-              <a:t>2015</a:t>
-            </a:r>
-            <a:r>
-              <a:rPr lang="ko-KR" altLang="en-US" sz="2400" b="1" spc="-100" dirty="0">
-                <a:solidFill>
-                  <a:srgbClr val="5643E2"/>
-                </a:solidFill>
-              </a:rPr>
-              <a:t>년 기준으로 </a:t>
-            </a:r>
-            <a:r>
-              <a:rPr lang="en-US" altLang="ko-KR" sz="2400" b="1" spc="-100" dirty="0">
-                <a:solidFill>
-                  <a:srgbClr val="5643E2"/>
-                </a:solidFill>
-              </a:rPr>
-              <a:t>2021</a:t>
-            </a:r>
-            <a:r>
-              <a:rPr lang="ko-KR" altLang="en-US" sz="2400" b="1" spc="-100" dirty="0">
-                <a:solidFill>
-                  <a:srgbClr val="5643E2"/>
-                </a:solidFill>
-              </a:rPr>
-              <a:t>년을 예측</a:t>
-            </a:r>
-            <a:endParaRPr lang="en-US" altLang="ko-KR" sz="2400" b="1" spc="-100" dirty="0">
-              <a:solidFill>
-                <a:srgbClr val="5643E2"/>
-              </a:solidFill>
-            </a:endParaRPr>
-          </a:p>
-          <a:p>
-            <a:pPr algn="ctr"/>
-            <a:r>
-              <a:rPr lang="ko-KR" altLang="en-US" sz="2400" spc="-100" dirty="0">
-                <a:solidFill>
-                  <a:srgbClr val="525252"/>
-                </a:solidFill>
-              </a:rPr>
-              <a:t>이용률을 고려한 경로당 수를 도출했기 때문에 </a:t>
-            </a:r>
-            <a:r>
-              <a:rPr lang="ko-KR" altLang="en-US" sz="2400" b="1" spc="-100" dirty="0">
-                <a:solidFill>
-                  <a:srgbClr val="525252"/>
-                </a:solidFill>
-              </a:rPr>
-              <a:t>예측 값 과 현재의 적절한 경로당 수 비교 </a:t>
-            </a:r>
-          </a:p>
-        </p:txBody>
-      </p:sp>
-      <p:grpSp>
-        <p:nvGrpSpPr>
-          <p:cNvPr id="13" name="그룹 12">
-            <a:extLst>
-              <a:ext uri="{FF2B5EF4-FFF2-40B4-BE49-F238E27FC236}">
-                <a16:creationId xmlns:a16="http://schemas.microsoft.com/office/drawing/2014/main" id="{E62B86D7-1EEF-400F-8188-0CA319BBEFA3}"/>
-              </a:ext>
-            </a:extLst>
-          </p:cNvPr>
-          <p:cNvGrpSpPr/>
-          <p:nvPr/>
-        </p:nvGrpSpPr>
-        <p:grpSpPr>
-          <a:xfrm>
-            <a:off x="3143249" y="2398609"/>
-            <a:ext cx="5895979" cy="3343551"/>
-            <a:chOff x="3143249" y="2398609"/>
-            <a:chExt cx="5895979" cy="3343551"/>
-          </a:xfrm>
-        </p:grpSpPr>
-        <p:sp>
-          <p:nvSpPr>
-            <p:cNvPr id="12" name="object 25">
-              <a:extLst>
-                <a:ext uri="{FF2B5EF4-FFF2-40B4-BE49-F238E27FC236}">
-                  <a16:creationId xmlns:a16="http://schemas.microsoft.com/office/drawing/2014/main" id="{DA48C299-832E-465F-9F42-729F0022044A}"/>
-                </a:ext>
-              </a:extLst>
-            </p:cNvPr>
-            <p:cNvSpPr/>
-            <p:nvPr/>
-          </p:nvSpPr>
-          <p:spPr>
-            <a:xfrm>
-              <a:off x="3143249" y="2398609"/>
-              <a:ext cx="2269113" cy="1143607"/>
-            </a:xfrm>
-            <a:custGeom>
-              <a:avLst/>
-              <a:gdLst/>
-              <a:ahLst/>
-              <a:cxnLst/>
-              <a:rect l="l" t="t" r="r" b="b"/>
-              <a:pathLst>
-                <a:path w="1363980" h="586739">
-                  <a:moveTo>
-                    <a:pt x="1266190" y="0"/>
-                  </a:moveTo>
-                  <a:lnTo>
-                    <a:pt x="0" y="0"/>
-                  </a:lnTo>
-                  <a:lnTo>
-                    <a:pt x="0" y="488950"/>
-                  </a:lnTo>
-                  <a:lnTo>
-                    <a:pt x="97790" y="586739"/>
-                  </a:lnTo>
-                  <a:lnTo>
-                    <a:pt x="1363980" y="586739"/>
-                  </a:lnTo>
-                  <a:lnTo>
-                    <a:pt x="1363980" y="97789"/>
-                  </a:lnTo>
-                  <a:lnTo>
-                    <a:pt x="1266190" y="0"/>
-                  </a:lnTo>
-                  <a:close/>
-                </a:path>
-              </a:pathLst>
-            </a:custGeom>
-            <a:solidFill>
-              <a:srgbClr val="5643E2">
-                <a:alpha val="90194"/>
-              </a:srgbClr>
-            </a:solidFill>
-          </p:spPr>
-          <p:txBody>
-            <a:bodyPr wrap="square" lIns="0" tIns="0" rIns="0" bIns="0" rtlCol="0"/>
-            <a:lstStyle/>
-            <a:p>
-              <a:endParaRPr spc="-100" dirty="0"/>
-            </a:p>
-          </p:txBody>
-        </p:sp>
-        <p:sp>
-          <p:nvSpPr>
-            <p:cNvPr id="5" name="TextBox 4">
-              <a:extLst>
-                <a:ext uri="{FF2B5EF4-FFF2-40B4-BE49-F238E27FC236}">
-                  <a16:creationId xmlns:a16="http://schemas.microsoft.com/office/drawing/2014/main" id="{45399E11-219E-401C-AA31-6D692BB6FD1E}"/>
-                </a:ext>
-              </a:extLst>
-            </p:cNvPr>
-            <p:cNvSpPr txBox="1"/>
-            <p:nvPr/>
-          </p:nvSpPr>
-          <p:spPr>
-            <a:xfrm>
-              <a:off x="3354195" y="2599732"/>
-              <a:ext cx="1857375" cy="707886"/>
-            </a:xfrm>
-            <a:prstGeom prst="rect">
-              <a:avLst/>
-            </a:prstGeom>
-            <a:noFill/>
-          </p:spPr>
-          <p:txBody>
-            <a:bodyPr wrap="square" rtlCol="0">
-              <a:spAutoFit/>
-            </a:bodyPr>
-            <a:lstStyle/>
-            <a:p>
-              <a:pPr algn="ctr"/>
-              <a:r>
-                <a:rPr lang="ko-KR" altLang="en-US" sz="2000" spc="-100" dirty="0">
-                  <a:solidFill>
-                    <a:schemeClr val="bg1"/>
-                  </a:solidFill>
-                </a:rPr>
-                <a:t>현재 년도</a:t>
-              </a:r>
-              <a:endParaRPr lang="en-US" altLang="ko-KR" sz="2000" spc="-100" dirty="0">
-                <a:solidFill>
-                  <a:schemeClr val="bg1"/>
-                </a:solidFill>
-              </a:endParaRPr>
-            </a:p>
-            <a:p>
-              <a:pPr algn="ctr"/>
-              <a:r>
-                <a:rPr lang="en-US" altLang="ko-KR" sz="2000" spc="-100" dirty="0">
-                  <a:solidFill>
-                    <a:schemeClr val="bg1"/>
-                  </a:solidFill>
-                </a:rPr>
-                <a:t>2015</a:t>
-              </a:r>
-              <a:r>
-                <a:rPr lang="ko-KR" altLang="en-US" sz="2000" spc="-100" dirty="0">
-                  <a:solidFill>
-                    <a:schemeClr val="bg1"/>
-                  </a:solidFill>
-                </a:rPr>
-                <a:t>년 </a:t>
-              </a:r>
-            </a:p>
-          </p:txBody>
-        </p:sp>
-        <p:sp>
-          <p:nvSpPr>
-            <p:cNvPr id="14" name="object 25">
-              <a:extLst>
-                <a:ext uri="{FF2B5EF4-FFF2-40B4-BE49-F238E27FC236}">
-                  <a16:creationId xmlns:a16="http://schemas.microsoft.com/office/drawing/2014/main" id="{C6B70676-BBAA-43D2-9198-D1563133494C}"/>
-                </a:ext>
-              </a:extLst>
-            </p:cNvPr>
-            <p:cNvSpPr/>
-            <p:nvPr/>
-          </p:nvSpPr>
-          <p:spPr>
-            <a:xfrm>
-              <a:off x="6770115" y="2398609"/>
-              <a:ext cx="2269113" cy="1143607"/>
-            </a:xfrm>
-            <a:custGeom>
-              <a:avLst/>
-              <a:gdLst/>
-              <a:ahLst/>
-              <a:cxnLst/>
-              <a:rect l="l" t="t" r="r" b="b"/>
-              <a:pathLst>
-                <a:path w="1363980" h="586739">
-                  <a:moveTo>
-                    <a:pt x="1266190" y="0"/>
-                  </a:moveTo>
-                  <a:lnTo>
-                    <a:pt x="0" y="0"/>
-                  </a:lnTo>
-                  <a:lnTo>
-                    <a:pt x="0" y="488950"/>
-                  </a:lnTo>
-                  <a:lnTo>
-                    <a:pt x="97790" y="586739"/>
-                  </a:lnTo>
-                  <a:lnTo>
-                    <a:pt x="1363980" y="586739"/>
-                  </a:lnTo>
-                  <a:lnTo>
-                    <a:pt x="1363980" y="97789"/>
-                  </a:lnTo>
-                  <a:lnTo>
-                    <a:pt x="1266190" y="0"/>
-                  </a:lnTo>
-                  <a:close/>
-                </a:path>
-              </a:pathLst>
-            </a:custGeom>
-            <a:solidFill>
-              <a:srgbClr val="5643E2">
-                <a:alpha val="90194"/>
-              </a:srgbClr>
-            </a:solidFill>
-          </p:spPr>
-          <p:txBody>
-            <a:bodyPr wrap="square" lIns="0" tIns="0" rIns="0" bIns="0" rtlCol="0"/>
-            <a:lstStyle/>
-            <a:p>
-              <a:endParaRPr spc="-100" dirty="0"/>
-            </a:p>
-          </p:txBody>
-        </p:sp>
-        <p:sp>
-          <p:nvSpPr>
-            <p:cNvPr id="15" name="TextBox 14">
-              <a:extLst>
-                <a:ext uri="{FF2B5EF4-FFF2-40B4-BE49-F238E27FC236}">
-                  <a16:creationId xmlns:a16="http://schemas.microsoft.com/office/drawing/2014/main" id="{E3511277-EE0F-4CED-8799-BE0FD5BED874}"/>
-                </a:ext>
-              </a:extLst>
-            </p:cNvPr>
-            <p:cNvSpPr txBox="1"/>
-            <p:nvPr/>
-          </p:nvSpPr>
-          <p:spPr>
-            <a:xfrm>
-              <a:off x="6975983" y="2599732"/>
-              <a:ext cx="1857375" cy="707886"/>
-            </a:xfrm>
-            <a:prstGeom prst="rect">
-              <a:avLst/>
-            </a:prstGeom>
-            <a:noFill/>
-          </p:spPr>
-          <p:txBody>
-            <a:bodyPr wrap="square" rtlCol="0">
-              <a:spAutoFit/>
-            </a:bodyPr>
-            <a:lstStyle/>
-            <a:p>
-              <a:pPr algn="ctr"/>
-              <a:r>
-                <a:rPr lang="ko-KR" altLang="en-US" sz="2000" spc="-100" dirty="0">
-                  <a:solidFill>
-                    <a:schemeClr val="bg1"/>
-                  </a:solidFill>
-                </a:rPr>
-                <a:t>예측 년도</a:t>
-              </a:r>
-              <a:endParaRPr lang="en-US" altLang="ko-KR" sz="2000" spc="-100" dirty="0">
-                <a:solidFill>
-                  <a:schemeClr val="bg1"/>
-                </a:solidFill>
-              </a:endParaRPr>
-            </a:p>
-            <a:p>
-              <a:pPr algn="ctr"/>
-              <a:r>
-                <a:rPr lang="en-US" altLang="ko-KR" sz="2000" spc="-100" dirty="0">
-                  <a:solidFill>
-                    <a:schemeClr val="bg1"/>
-                  </a:solidFill>
-                </a:rPr>
-                <a:t>2021</a:t>
-              </a:r>
-              <a:r>
-                <a:rPr lang="ko-KR" altLang="en-US" sz="2000" spc="-100" dirty="0">
-                  <a:solidFill>
-                    <a:schemeClr val="bg1"/>
-                  </a:solidFill>
-                </a:rPr>
-                <a:t>년</a:t>
-              </a:r>
-            </a:p>
-          </p:txBody>
-        </p:sp>
-        <p:pic>
-          <p:nvPicPr>
-            <p:cNvPr id="10" name="그림 9">
-              <a:extLst>
-                <a:ext uri="{FF2B5EF4-FFF2-40B4-BE49-F238E27FC236}">
-                  <a16:creationId xmlns:a16="http://schemas.microsoft.com/office/drawing/2014/main" id="{A0F122DA-2EAC-4FFB-978C-095BF2E2B556}"/>
-                </a:ext>
-              </a:extLst>
-            </p:cNvPr>
-            <p:cNvPicPr>
-              <a:picLocks noChangeAspect="1"/>
-            </p:cNvPicPr>
-            <p:nvPr/>
-          </p:nvPicPr>
-          <p:blipFill>
-            <a:blip r:embed="rId3">
-              <a:extLst>
-                <a:ext uri="{BEBA8EAE-BF5A-486C-A8C5-ECC9F3942E4B}">
-                  <a14:imgProps xmlns:a14="http://schemas.microsoft.com/office/drawing/2010/main">
-                    <a14:imgLayer r:embed="rId4">
-                      <a14:imgEffect>
-                        <a14:backgroundRemoval t="10000" b="90000" l="10000" r="90000"/>
-                      </a14:imgEffect>
-                    </a14:imgLayer>
-                  </a14:imgProps>
-                </a:ext>
-              </a:extLst>
-            </a:blip>
-            <a:stretch>
-              <a:fillRect/>
-            </a:stretch>
-          </p:blipFill>
-          <p:spPr>
-            <a:xfrm rot="5400000">
-              <a:off x="5414202" y="3358965"/>
-              <a:ext cx="1462088" cy="1144959"/>
-            </a:xfrm>
-            <a:prstGeom prst="rect">
-              <a:avLst/>
-            </a:prstGeom>
-          </p:spPr>
-        </p:pic>
-        <p:sp>
-          <p:nvSpPr>
-            <p:cNvPr id="23" name="object 25">
-              <a:extLst>
-                <a:ext uri="{FF2B5EF4-FFF2-40B4-BE49-F238E27FC236}">
-                  <a16:creationId xmlns:a16="http://schemas.microsoft.com/office/drawing/2014/main" id="{4B5F4934-FE45-4FD9-9766-18CB88A5B2D6}"/>
-                </a:ext>
-              </a:extLst>
-            </p:cNvPr>
-            <p:cNvSpPr/>
-            <p:nvPr/>
-          </p:nvSpPr>
-          <p:spPr>
-            <a:xfrm>
-              <a:off x="4961443" y="4598553"/>
-              <a:ext cx="2269113" cy="1143607"/>
-            </a:xfrm>
-            <a:custGeom>
-              <a:avLst/>
-              <a:gdLst/>
-              <a:ahLst/>
-              <a:cxnLst/>
-              <a:rect l="l" t="t" r="r" b="b"/>
-              <a:pathLst>
-                <a:path w="1363980" h="586739">
-                  <a:moveTo>
-                    <a:pt x="1266190" y="0"/>
-                  </a:moveTo>
-                  <a:lnTo>
-                    <a:pt x="0" y="0"/>
-                  </a:lnTo>
-                  <a:lnTo>
-                    <a:pt x="0" y="488950"/>
-                  </a:lnTo>
-                  <a:lnTo>
-                    <a:pt x="97790" y="586739"/>
-                  </a:lnTo>
-                  <a:lnTo>
-                    <a:pt x="1363980" y="586739"/>
-                  </a:lnTo>
-                  <a:lnTo>
-                    <a:pt x="1363980" y="97789"/>
-                  </a:lnTo>
-                  <a:lnTo>
-                    <a:pt x="1266190" y="0"/>
-                  </a:lnTo>
-                  <a:close/>
-                </a:path>
-              </a:pathLst>
-            </a:custGeom>
-            <a:solidFill>
-              <a:srgbClr val="5643E2">
-                <a:alpha val="90194"/>
-              </a:srgbClr>
-            </a:solidFill>
-          </p:spPr>
-          <p:txBody>
-            <a:bodyPr wrap="square" lIns="0" tIns="0" rIns="0" bIns="0" rtlCol="0"/>
-            <a:lstStyle/>
-            <a:p>
-              <a:endParaRPr spc="-100" dirty="0"/>
-            </a:p>
-          </p:txBody>
-        </p:sp>
-        <p:sp>
-          <p:nvSpPr>
-            <p:cNvPr id="26" name="TextBox 25">
-              <a:extLst>
-                <a:ext uri="{FF2B5EF4-FFF2-40B4-BE49-F238E27FC236}">
-                  <a16:creationId xmlns:a16="http://schemas.microsoft.com/office/drawing/2014/main" id="{7B3BCA76-EF45-47B7-A664-1B220FC6F1A8}"/>
-                </a:ext>
-              </a:extLst>
-            </p:cNvPr>
-            <p:cNvSpPr txBox="1"/>
-            <p:nvPr/>
-          </p:nvSpPr>
-          <p:spPr>
-            <a:xfrm>
-              <a:off x="5064376" y="4848381"/>
-              <a:ext cx="2063245" cy="707886"/>
-            </a:xfrm>
-            <a:prstGeom prst="rect">
-              <a:avLst/>
-            </a:prstGeom>
-            <a:noFill/>
-          </p:spPr>
-          <p:txBody>
-            <a:bodyPr wrap="square" rtlCol="0">
-              <a:spAutoFit/>
-            </a:bodyPr>
-            <a:lstStyle/>
-            <a:p>
-              <a:pPr algn="ctr"/>
-              <a:r>
-                <a:rPr lang="ko-KR" altLang="en-US" sz="2000" spc="-100" dirty="0">
-                  <a:solidFill>
-                    <a:schemeClr val="bg1"/>
-                  </a:solidFill>
-                </a:rPr>
-                <a:t>적절한 경로당 수</a:t>
-              </a:r>
-              <a:r>
-                <a:rPr lang="en-US" altLang="ko-KR" sz="2000" spc="-100" dirty="0">
-                  <a:solidFill>
-                    <a:schemeClr val="bg1"/>
-                  </a:solidFill>
-                </a:rPr>
-                <a:t> </a:t>
-              </a:r>
-              <a:r>
-                <a:rPr lang="ko-KR" altLang="en-US" sz="2000" spc="-100" dirty="0">
-                  <a:solidFill>
-                    <a:schemeClr val="bg1"/>
-                  </a:solidFill>
-                </a:rPr>
-                <a:t>비교</a:t>
-              </a:r>
-            </a:p>
-          </p:txBody>
-        </p:sp>
-      </p:grpSp>
-    </p:spTree>
-    <p:extLst>
-      <p:ext uri="{BB962C8B-B14F-4D97-AF65-F5344CB8AC3E}">
-        <p14:creationId xmlns:p14="http://schemas.microsoft.com/office/powerpoint/2010/main" val="754160104"/>
-      </p:ext>
-    </p:extLst>
-  </p:cSld>
-  <p:clrMapOvr>
-    <a:masterClrMapping/>
-  </p:clrMapOvr>
-</p:sld>
-</file>
-
-<file path=ppt/slides/slide17.xml><?xml version="1.0" encoding="utf-8"?>
-<p:sld xmlns:a="http://schemas.openxmlformats.org/drawingml/2006/main" xmlns:r="http://schemas.openxmlformats.org/officeDocument/2006/relationships" xmlns:p="http://schemas.openxmlformats.org/presentationml/2006/main">
-  <p:cSld>
-    <p:spTree>
-      <p:nvGrpSpPr>
-        <p:cNvPr id="1" name=""/>
-        <p:cNvGrpSpPr/>
-        <p:nvPr/>
-      </p:nvGrpSpPr>
-      <p:grpSpPr>
-        <a:xfrm>
-          <a:off x="0" y="0"/>
-          <a:ext cx="0" cy="0"/>
-          <a:chOff x="0" y="0"/>
-          <a:chExt cx="0" cy="0"/>
-        </a:xfrm>
-      </p:grpSpPr>
-      <p:grpSp>
-        <p:nvGrpSpPr>
-          <p:cNvPr id="53" name="그룹 52">
-            <a:extLst>
-              <a:ext uri="{FF2B5EF4-FFF2-40B4-BE49-F238E27FC236}">
-                <a16:creationId xmlns:a16="http://schemas.microsoft.com/office/drawing/2014/main" id="{3B41160F-8A74-4224-AE0C-F02EDD834366}"/>
-              </a:ext>
-            </a:extLst>
-          </p:cNvPr>
-          <p:cNvGrpSpPr/>
-          <p:nvPr/>
-        </p:nvGrpSpPr>
-        <p:grpSpPr>
-          <a:xfrm>
-            <a:off x="426258" y="321321"/>
-            <a:ext cx="11339483" cy="319052"/>
-            <a:chOff x="477962" y="320350"/>
-            <a:chExt cx="11339483" cy="319052"/>
-          </a:xfrm>
-        </p:grpSpPr>
-        <p:sp>
-          <p:nvSpPr>
-            <p:cNvPr id="54" name="TextBox 53">
-              <a:extLst>
-                <a:ext uri="{FF2B5EF4-FFF2-40B4-BE49-F238E27FC236}">
-                  <a16:creationId xmlns:a16="http://schemas.microsoft.com/office/drawing/2014/main" id="{61ECB29E-9213-4C84-8697-F933E966F697}"/>
-                </a:ext>
-              </a:extLst>
-            </p:cNvPr>
-            <p:cNvSpPr txBox="1"/>
-            <p:nvPr/>
-          </p:nvSpPr>
-          <p:spPr>
-            <a:xfrm>
-              <a:off x="477962" y="331625"/>
-              <a:ext cx="3332037" cy="307777"/>
-            </a:xfrm>
-            <a:prstGeom prst="rect">
-              <a:avLst/>
-            </a:prstGeom>
-            <a:noFill/>
-          </p:spPr>
-          <p:txBody>
-            <a:bodyPr wrap="square" rtlCol="0">
-              <a:spAutoFit/>
-            </a:bodyPr>
-            <a:lstStyle/>
-            <a:p>
-              <a:r>
-                <a:rPr lang="ko-KR" altLang="en-US" sz="1400" spc="-100">
-                  <a:solidFill>
-                    <a:srgbClr val="366CDD"/>
-                  </a:solidFill>
-                </a:rPr>
-                <a:t>예측 수식 </a:t>
-              </a:r>
-              <a:r>
-                <a:rPr lang="ko-KR" altLang="en-US" sz="1400" spc="-100" dirty="0">
-                  <a:solidFill>
-                    <a:srgbClr val="366CDD"/>
-                  </a:solidFill>
-                </a:rPr>
-                <a:t>평가</a:t>
-              </a:r>
-            </a:p>
-          </p:txBody>
-        </p:sp>
-        <p:sp>
-          <p:nvSpPr>
-            <p:cNvPr id="55" name="TextBox 54">
-              <a:extLst>
-                <a:ext uri="{FF2B5EF4-FFF2-40B4-BE49-F238E27FC236}">
-                  <a16:creationId xmlns:a16="http://schemas.microsoft.com/office/drawing/2014/main" id="{2E912AF3-995F-41D1-9775-205596E20957}"/>
-                </a:ext>
-              </a:extLst>
-            </p:cNvPr>
-            <p:cNvSpPr txBox="1"/>
-            <p:nvPr/>
-          </p:nvSpPr>
-          <p:spPr>
-            <a:xfrm>
-              <a:off x="10134600" y="320350"/>
-              <a:ext cx="1682845" cy="276999"/>
-            </a:xfrm>
-            <a:prstGeom prst="rect">
-              <a:avLst/>
-            </a:prstGeom>
-            <a:noFill/>
-          </p:spPr>
-          <p:txBody>
-            <a:bodyPr wrap="square" rtlCol="0">
-              <a:spAutoFit/>
-            </a:bodyPr>
-            <a:lstStyle/>
-            <a:p>
-              <a:r>
-                <a:rPr lang="ko-KR" altLang="en-US" sz="1200" spc="-100" dirty="0">
-                  <a:solidFill>
-                    <a:srgbClr val="366CDD"/>
-                  </a:solidFill>
-                </a:rPr>
-                <a:t>동아대학교 </a:t>
-              </a:r>
-              <a:r>
-                <a:rPr lang="en-US" altLang="ko-KR" sz="1200" spc="-100" dirty="0" err="1">
-                  <a:solidFill>
-                    <a:srgbClr val="366CDD"/>
-                  </a:solidFill>
-                </a:rPr>
-                <a:t>Dev_Day</a:t>
-              </a:r>
-              <a:endParaRPr lang="ko-KR" altLang="en-US" sz="1200" spc="-100" dirty="0">
-                <a:solidFill>
-                  <a:srgbClr val="366CDD"/>
-                </a:solidFill>
-              </a:endParaRPr>
-            </a:p>
-          </p:txBody>
-        </p:sp>
-      </p:grpSp>
-      <p:sp>
-        <p:nvSpPr>
-          <p:cNvPr id="65" name="바닥글 개체 틀 64">
-            <a:extLst>
-              <a:ext uri="{FF2B5EF4-FFF2-40B4-BE49-F238E27FC236}">
-                <a16:creationId xmlns:a16="http://schemas.microsoft.com/office/drawing/2014/main" id="{7273F5CE-B239-4804-A538-6F015CE1B6BA}"/>
-              </a:ext>
-            </a:extLst>
-          </p:cNvPr>
-          <p:cNvSpPr>
-            <a:spLocks noGrp="1"/>
-          </p:cNvSpPr>
-          <p:nvPr>
-            <p:ph type="ftr" sz="quarter" idx="5"/>
-          </p:nvPr>
-        </p:nvSpPr>
-        <p:spPr>
-          <a:xfrm>
-            <a:off x="4145280" y="6595205"/>
-            <a:ext cx="3901440" cy="169277"/>
-          </a:xfrm>
-          <a:prstGeom prst="rect">
-            <a:avLst/>
-          </a:prstGeom>
-        </p:spPr>
-        <p:txBody>
-          <a:bodyPr/>
-          <a:lstStyle/>
-          <a:p>
-            <a:r>
-              <a:rPr lang="en-US" altLang="ko-KR" spc="-100"/>
-              <a:t>Busan Senior Centre(BSC)</a:t>
-            </a:r>
-            <a:r>
-              <a:rPr lang="ko-KR" altLang="en-US" spc="-100"/>
-              <a:t>의 시급한 개선을 위한 입지 분석 모델</a:t>
-            </a:r>
-            <a:endParaRPr lang="en-US" spc="-100"/>
-          </a:p>
-        </p:txBody>
-      </p:sp>
-      <p:sp>
-        <p:nvSpPr>
-          <p:cNvPr id="66" name="슬라이드 번호 개체 틀 65">
-            <a:extLst>
-              <a:ext uri="{FF2B5EF4-FFF2-40B4-BE49-F238E27FC236}">
-                <a16:creationId xmlns:a16="http://schemas.microsoft.com/office/drawing/2014/main" id="{38F008A1-EED9-498D-AFAA-CFC3DED57F32}"/>
-              </a:ext>
-            </a:extLst>
-          </p:cNvPr>
-          <p:cNvSpPr>
-            <a:spLocks noGrp="1"/>
-          </p:cNvSpPr>
-          <p:nvPr>
-            <p:ph type="sldNum" sz="quarter" idx="7"/>
-          </p:nvPr>
-        </p:nvSpPr>
-        <p:spPr/>
-        <p:txBody>
-          <a:bodyPr/>
-          <a:lstStyle/>
-          <a:p>
-            <a:fld id="{B6F15528-21DE-4FAA-801E-634DDDAF4B2B}" type="slidenum">
-              <a:rPr lang="en-US" altLang="ko-KR" spc="-100" smtClean="0"/>
-              <a:t>16</a:t>
-            </a:fld>
-            <a:endParaRPr lang="ko-KR" altLang="en-US" spc="-100"/>
-          </a:p>
-        </p:txBody>
-      </p:sp>
-      <p:pic>
-        <p:nvPicPr>
-          <p:cNvPr id="3" name="그림 2">
-            <a:extLst>
-              <a:ext uri="{FF2B5EF4-FFF2-40B4-BE49-F238E27FC236}">
-                <a16:creationId xmlns:a16="http://schemas.microsoft.com/office/drawing/2014/main" id="{94876F9A-F570-4C9A-84A4-5578BFF95B9A}"/>
-              </a:ext>
-            </a:extLst>
-          </p:cNvPr>
-          <p:cNvPicPr>
-            <a:picLocks noChangeAspect="1"/>
-          </p:cNvPicPr>
-          <p:nvPr/>
-        </p:nvPicPr>
-        <p:blipFill>
-          <a:blip r:embed="rId3">
-            <a:extLst>
-              <a:ext uri="{28A0092B-C50C-407E-A947-70E740481C1C}">
-                <a14:useLocalDpi xmlns:a14="http://schemas.microsoft.com/office/drawing/2010/main" val="0"/>
-              </a:ext>
-            </a:extLst>
-          </a:blip>
-          <a:stretch>
-            <a:fillRect/>
-          </a:stretch>
-        </p:blipFill>
-        <p:spPr>
-          <a:xfrm>
-            <a:off x="304800" y="1295400"/>
-            <a:ext cx="4931792" cy="4643383"/>
-          </a:xfrm>
-          <a:prstGeom prst="rect">
-            <a:avLst/>
-          </a:prstGeom>
-        </p:spPr>
-      </p:pic>
-      <p:sp>
-        <p:nvSpPr>
-          <p:cNvPr id="4" name="직사각형 3">
-            <a:extLst>
-              <a:ext uri="{FF2B5EF4-FFF2-40B4-BE49-F238E27FC236}">
-                <a16:creationId xmlns:a16="http://schemas.microsoft.com/office/drawing/2014/main" id="{67E2F218-60CA-48B6-9DCB-A1000E1C1D8D}"/>
-              </a:ext>
-            </a:extLst>
-          </p:cNvPr>
-          <p:cNvSpPr/>
-          <p:nvPr/>
-        </p:nvSpPr>
-        <p:spPr>
-          <a:xfrm>
-            <a:off x="1447800" y="5562600"/>
-            <a:ext cx="3352800" cy="376183"/>
-          </a:xfrm>
-          <a:prstGeom prst="rect">
-            <a:avLst/>
-          </a:prstGeom>
-          <a:solidFill>
-            <a:schemeClr val="bg1"/>
-          </a:solidFill>
-          <a:ln>
-            <a:noFill/>
-          </a:ln>
-        </p:spPr>
-        <p:style>
-          <a:lnRef idx="2">
-            <a:schemeClr val="accent1">
-              <a:shade val="50000"/>
-            </a:schemeClr>
-          </a:lnRef>
-          <a:fillRef idx="1">
-            <a:schemeClr val="accent1"/>
-          </a:fillRef>
-          <a:effectRef idx="0">
-            <a:schemeClr val="accent1"/>
-          </a:effectRef>
-          <a:fontRef idx="minor">
-            <a:schemeClr val="lt1"/>
-          </a:fontRef>
-        </p:style>
-        <p:txBody>
-          <a:bodyPr rtlCol="0" anchor="ctr"/>
-          <a:lstStyle/>
-          <a:p>
-            <a:pPr algn="ctr"/>
-            <a:endParaRPr lang="ko-KR" altLang="en-US" spc="-100"/>
-          </a:p>
-        </p:txBody>
-      </p:sp>
-      <p:sp>
-        <p:nvSpPr>
-          <p:cNvPr id="5" name="TextBox 4">
-            <a:extLst>
-              <a:ext uri="{FF2B5EF4-FFF2-40B4-BE49-F238E27FC236}">
-                <a16:creationId xmlns:a16="http://schemas.microsoft.com/office/drawing/2014/main" id="{59FD7767-9390-49AA-944F-1358D6EFA442}"/>
-              </a:ext>
-            </a:extLst>
-          </p:cNvPr>
-          <p:cNvSpPr txBox="1"/>
-          <p:nvPr/>
-        </p:nvSpPr>
-        <p:spPr>
-          <a:xfrm>
-            <a:off x="2133600" y="5553075"/>
-            <a:ext cx="742950" cy="369332"/>
-          </a:xfrm>
-          <a:prstGeom prst="rect">
-            <a:avLst/>
-          </a:prstGeom>
-          <a:noFill/>
-        </p:spPr>
-        <p:txBody>
-          <a:bodyPr wrap="square" rtlCol="0">
-            <a:spAutoFit/>
-          </a:bodyPr>
-          <a:lstStyle/>
-          <a:p>
-            <a:pPr algn="ctr"/>
-            <a:r>
-              <a:rPr lang="ko-KR" altLang="en-US" spc="-100" dirty="0">
-                <a:solidFill>
-                  <a:srgbClr val="525252"/>
-                </a:solidFill>
-              </a:rPr>
-              <a:t>예측</a:t>
-            </a:r>
-          </a:p>
-        </p:txBody>
-      </p:sp>
-      <p:sp>
-        <p:nvSpPr>
-          <p:cNvPr id="13" name="TextBox 12">
-            <a:extLst>
-              <a:ext uri="{FF2B5EF4-FFF2-40B4-BE49-F238E27FC236}">
-                <a16:creationId xmlns:a16="http://schemas.microsoft.com/office/drawing/2014/main" id="{AE9592A4-3A1E-4C76-9F1E-3FBE85CB420D}"/>
-              </a:ext>
-            </a:extLst>
-          </p:cNvPr>
-          <p:cNvSpPr txBox="1"/>
-          <p:nvPr/>
-        </p:nvSpPr>
-        <p:spPr>
-          <a:xfrm>
-            <a:off x="3294571" y="5553075"/>
-            <a:ext cx="762000" cy="369332"/>
-          </a:xfrm>
-          <a:prstGeom prst="rect">
-            <a:avLst/>
-          </a:prstGeom>
-          <a:noFill/>
-        </p:spPr>
-        <p:txBody>
-          <a:bodyPr wrap="square" rtlCol="0">
-            <a:spAutoFit/>
-          </a:bodyPr>
-          <a:lstStyle/>
-          <a:p>
-            <a:pPr algn="ctr"/>
-            <a:r>
-              <a:rPr lang="ko-KR" altLang="en-US" spc="-100" dirty="0">
-                <a:solidFill>
-                  <a:srgbClr val="525252"/>
-                </a:solidFill>
-              </a:rPr>
-              <a:t>실제</a:t>
-            </a:r>
-          </a:p>
-        </p:txBody>
-      </p:sp>
-      <p:sp>
-        <p:nvSpPr>
-          <p:cNvPr id="14" name="사각형: 잘린 한쪽 모서리 13">
-            <a:extLst>
-              <a:ext uri="{FF2B5EF4-FFF2-40B4-BE49-F238E27FC236}">
-                <a16:creationId xmlns:a16="http://schemas.microsoft.com/office/drawing/2014/main" id="{C42725C2-89FA-4620-BF1A-CA22D1D7A2BB}"/>
-              </a:ext>
-            </a:extLst>
-          </p:cNvPr>
-          <p:cNvSpPr/>
-          <p:nvPr/>
-        </p:nvSpPr>
-        <p:spPr>
-          <a:xfrm flipH="1">
-            <a:off x="6282405" y="2263106"/>
-            <a:ext cx="5342190" cy="2660472"/>
-          </a:xfrm>
-          <a:prstGeom prst="snip1Rect">
-            <a:avLst/>
-          </a:prstGeom>
-          <a:solidFill>
-            <a:srgbClr val="366CDD">
-              <a:alpha val="20000"/>
-            </a:srgbClr>
-          </a:solidFill>
-        </p:spPr>
-        <p:txBody>
-          <a:bodyPr wrap="square" lIns="0" tIns="0" rIns="0" bIns="0" rtlCol="0"/>
-          <a:lstStyle/>
-          <a:p>
-            <a:endParaRPr lang="ko-KR" altLang="en-US" spc="-100">
-              <a:solidFill>
-                <a:schemeClr val="tx1"/>
-              </a:solidFill>
-            </a:endParaRPr>
-          </a:p>
-        </p:txBody>
-      </p:sp>
-      <p:sp>
-        <p:nvSpPr>
-          <p:cNvPr id="20" name="TextBox 19">
-            <a:extLst>
-              <a:ext uri="{FF2B5EF4-FFF2-40B4-BE49-F238E27FC236}">
-                <a16:creationId xmlns:a16="http://schemas.microsoft.com/office/drawing/2014/main" id="{70ABE0FD-B7BF-483F-8948-E349A662D04B}"/>
-              </a:ext>
-            </a:extLst>
-          </p:cNvPr>
-          <p:cNvSpPr txBox="1"/>
-          <p:nvPr/>
-        </p:nvSpPr>
-        <p:spPr>
-          <a:xfrm>
-            <a:off x="6553200" y="2697129"/>
-            <a:ext cx="4800600" cy="1754326"/>
-          </a:xfrm>
-          <a:prstGeom prst="rect">
-            <a:avLst/>
-          </a:prstGeom>
-          <a:noFill/>
-        </p:spPr>
-        <p:txBody>
-          <a:bodyPr wrap="square" rtlCol="0">
-            <a:spAutoFit/>
-          </a:bodyPr>
-          <a:lstStyle/>
-          <a:p>
-            <a:pPr algn="ctr"/>
-            <a:r>
-              <a:rPr lang="en-US" altLang="ko-KR" spc="-100" dirty="0">
-                <a:solidFill>
-                  <a:srgbClr val="676767"/>
-                </a:solidFill>
-              </a:rPr>
-              <a:t>2015</a:t>
-            </a:r>
-            <a:r>
-              <a:rPr lang="ko-KR" altLang="en-US" spc="-100" dirty="0">
-                <a:solidFill>
-                  <a:srgbClr val="676767"/>
-                </a:solidFill>
-              </a:rPr>
-              <a:t>년에서 예측한 </a:t>
-            </a:r>
-            <a:r>
-              <a:rPr lang="en-US" altLang="ko-KR" spc="-100" dirty="0">
-                <a:solidFill>
-                  <a:srgbClr val="676767"/>
-                </a:solidFill>
-              </a:rPr>
-              <a:t>2021</a:t>
-            </a:r>
-            <a:r>
-              <a:rPr lang="ko-KR" altLang="en-US" spc="-100" dirty="0">
-                <a:solidFill>
-                  <a:srgbClr val="676767"/>
-                </a:solidFill>
-              </a:rPr>
-              <a:t>년의 적절한 경로당 수와 </a:t>
-            </a:r>
-            <a:endParaRPr lang="en-US" altLang="ko-KR" spc="-100" dirty="0">
-              <a:solidFill>
-                <a:srgbClr val="676767"/>
-              </a:solidFill>
-            </a:endParaRPr>
-          </a:p>
-          <a:p>
-            <a:pPr algn="ctr"/>
-            <a:r>
-              <a:rPr lang="en-US" altLang="ko-KR" spc="-100" dirty="0">
-                <a:solidFill>
-                  <a:srgbClr val="676767"/>
-                </a:solidFill>
-              </a:rPr>
-              <a:t>2021</a:t>
-            </a:r>
-            <a:r>
-              <a:rPr lang="ko-KR" altLang="en-US" spc="-100" dirty="0">
-                <a:solidFill>
-                  <a:srgbClr val="676767"/>
-                </a:solidFill>
-              </a:rPr>
-              <a:t>년의 적절한 경로당 수를 비교한 결과 </a:t>
-            </a:r>
-            <a:endParaRPr lang="en-US" altLang="ko-KR" spc="-100" dirty="0">
-              <a:solidFill>
-                <a:srgbClr val="676767"/>
-              </a:solidFill>
-            </a:endParaRPr>
-          </a:p>
-          <a:p>
-            <a:pPr algn="ctr"/>
-            <a:r>
-              <a:rPr lang="ko-KR" altLang="en-US" b="1" spc="-100" dirty="0">
-                <a:solidFill>
-                  <a:srgbClr val="5643E2"/>
-                </a:solidFill>
-              </a:rPr>
-              <a:t>약 </a:t>
-            </a:r>
-            <a:r>
-              <a:rPr lang="en-US" altLang="ko-KR" b="1" spc="-100" dirty="0">
-                <a:solidFill>
-                  <a:srgbClr val="5643E2"/>
-                </a:solidFill>
-              </a:rPr>
-              <a:t>5% </a:t>
-            </a:r>
-            <a:r>
-              <a:rPr lang="ko-KR" altLang="en-US" b="1" spc="-100" dirty="0">
-                <a:solidFill>
-                  <a:srgbClr val="5643E2"/>
-                </a:solidFill>
-              </a:rPr>
-              <a:t>오차</a:t>
-            </a:r>
-            <a:r>
-              <a:rPr lang="ko-KR" altLang="en-US" spc="-100" dirty="0">
-                <a:solidFill>
-                  <a:srgbClr val="676767"/>
-                </a:solidFill>
-              </a:rPr>
-              <a:t>가 있었음</a:t>
-            </a:r>
-            <a:endParaRPr lang="en-US" altLang="ko-KR" spc="-100" dirty="0">
-              <a:solidFill>
-                <a:srgbClr val="676767"/>
-              </a:solidFill>
-            </a:endParaRPr>
-          </a:p>
-          <a:p>
-            <a:pPr algn="ctr"/>
-            <a:endParaRPr lang="en-US" altLang="ko-KR" spc="-100" dirty="0">
-              <a:solidFill>
-                <a:srgbClr val="676767"/>
-              </a:solidFill>
-            </a:endParaRPr>
-          </a:p>
-          <a:p>
-            <a:pPr algn="ctr"/>
-            <a:r>
-              <a:rPr lang="ko-KR" altLang="en-US" spc="-100" dirty="0">
-                <a:solidFill>
-                  <a:srgbClr val="676767"/>
-                </a:solidFill>
-              </a:rPr>
-              <a:t>따라서 우리의 수식은 </a:t>
-            </a:r>
-            <a:r>
-              <a:rPr lang="ko-KR" altLang="en-US" b="1" spc="-100" dirty="0">
-                <a:solidFill>
-                  <a:srgbClr val="5643E2"/>
-                </a:solidFill>
-              </a:rPr>
-              <a:t>간단하면서도</a:t>
-            </a:r>
-          </a:p>
-          <a:p>
-            <a:pPr algn="ctr"/>
-            <a:r>
-              <a:rPr lang="ko-KR" altLang="en-US" b="1" spc="-100" dirty="0">
-                <a:solidFill>
-                  <a:srgbClr val="5643E2"/>
-                </a:solidFill>
-              </a:rPr>
-              <a:t>신뢰할 수 있는 결과</a:t>
-            </a:r>
-            <a:r>
-              <a:rPr lang="ko-KR" altLang="en-US" spc="-100" dirty="0">
-                <a:solidFill>
-                  <a:srgbClr val="676767"/>
-                </a:solidFill>
-              </a:rPr>
-              <a:t>를 반환한다</a:t>
-            </a:r>
-            <a:r>
-              <a:rPr lang="en-US" altLang="ko-KR" spc="-100" dirty="0">
-                <a:solidFill>
-                  <a:srgbClr val="676767"/>
-                </a:solidFill>
-              </a:rPr>
-              <a:t>.</a:t>
-            </a:r>
-          </a:p>
-        </p:txBody>
-      </p:sp>
-      <p:pic>
-        <p:nvPicPr>
-          <p:cNvPr id="24" name="그림 23">
-            <a:extLst>
-              <a:ext uri="{FF2B5EF4-FFF2-40B4-BE49-F238E27FC236}">
-                <a16:creationId xmlns:a16="http://schemas.microsoft.com/office/drawing/2014/main" id="{7A1C64B8-653B-42C9-A5CB-9CC7A803A2FD}"/>
-              </a:ext>
-            </a:extLst>
-          </p:cNvPr>
-          <p:cNvPicPr>
-            <a:picLocks noChangeAspect="1"/>
-          </p:cNvPicPr>
-          <p:nvPr/>
-        </p:nvPicPr>
-        <p:blipFill>
-          <a:blip r:embed="rId4">
-            <a:extLst>
-              <a:ext uri="{BEBA8EAE-BF5A-486C-A8C5-ECC9F3942E4B}">
-                <a14:imgProps xmlns:a14="http://schemas.microsoft.com/office/drawing/2010/main">
-                  <a14:imgLayer r:embed="rId5">
-                    <a14:imgEffect>
-                      <a14:backgroundRemoval t="10000" b="90000" l="10000" r="90000"/>
-                    </a14:imgEffect>
-                  </a14:imgLayer>
-                </a14:imgProps>
-              </a:ext>
-            </a:extLst>
-          </a:blip>
-          <a:stretch>
-            <a:fillRect/>
-          </a:stretch>
-        </p:blipFill>
-        <p:spPr>
-          <a:xfrm>
-            <a:off x="7467600" y="458849"/>
-            <a:ext cx="2590800" cy="2765600"/>
-          </a:xfrm>
-          <a:prstGeom prst="rect">
-            <a:avLst/>
-          </a:prstGeom>
-        </p:spPr>
-      </p:pic>
-      <p:sp>
-        <p:nvSpPr>
-          <p:cNvPr id="6" name="직사각형 5">
-            <a:extLst>
-              <a:ext uri="{FF2B5EF4-FFF2-40B4-BE49-F238E27FC236}">
-                <a16:creationId xmlns:a16="http://schemas.microsoft.com/office/drawing/2014/main" id="{A32B8336-0EA3-4C37-B61F-ACD52262F368}"/>
-              </a:ext>
-            </a:extLst>
-          </p:cNvPr>
-          <p:cNvSpPr/>
-          <p:nvPr/>
-        </p:nvSpPr>
-        <p:spPr>
-          <a:xfrm>
-            <a:off x="4570236" y="1980693"/>
-            <a:ext cx="458964" cy="488581"/>
-          </a:xfrm>
-          <a:prstGeom prst="rect">
-            <a:avLst/>
-          </a:prstGeom>
-          <a:solidFill>
-            <a:srgbClr val="EAEAF2"/>
-          </a:solidFill>
-          <a:ln>
-            <a:noFill/>
-          </a:ln>
-        </p:spPr>
-        <p:style>
-          <a:lnRef idx="2">
-            <a:schemeClr val="accent1">
-              <a:shade val="50000"/>
-            </a:schemeClr>
-          </a:lnRef>
-          <a:fillRef idx="1">
-            <a:schemeClr val="accent1"/>
-          </a:fillRef>
-          <a:effectRef idx="0">
-            <a:schemeClr val="accent1"/>
-          </a:effectRef>
-          <a:fontRef idx="minor">
-            <a:schemeClr val="lt1"/>
-          </a:fontRef>
-        </p:style>
-        <p:txBody>
-          <a:bodyPr rtlCol="0" anchor="ctr"/>
-          <a:lstStyle/>
-          <a:p>
-            <a:pPr algn="ctr"/>
-            <a:endParaRPr lang="ko-KR" altLang="en-US" spc="-100"/>
-          </a:p>
-        </p:txBody>
-      </p:sp>
-      <p:sp>
-        <p:nvSpPr>
-          <p:cNvPr id="2" name="직사각형 1">
-            <a:extLst>
-              <a:ext uri="{FF2B5EF4-FFF2-40B4-BE49-F238E27FC236}">
-                <a16:creationId xmlns:a16="http://schemas.microsoft.com/office/drawing/2014/main" id="{CC31F459-7954-4C15-B064-8F27EF05314B}"/>
-              </a:ext>
-            </a:extLst>
-          </p:cNvPr>
-          <p:cNvSpPr/>
-          <p:nvPr/>
-        </p:nvSpPr>
-        <p:spPr>
-          <a:xfrm>
-            <a:off x="4468428" y="2339922"/>
-            <a:ext cx="1938536" cy="374963"/>
-          </a:xfrm>
-          <a:prstGeom prst="rect">
-            <a:avLst/>
-          </a:prstGeom>
-          <a:noFill/>
-          <a:ln>
-            <a:noFill/>
-          </a:ln>
-        </p:spPr>
-        <p:style>
-          <a:lnRef idx="2">
-            <a:schemeClr val="accent1">
-              <a:shade val="50000"/>
-            </a:schemeClr>
-          </a:lnRef>
-          <a:fillRef idx="1">
-            <a:schemeClr val="accent1"/>
-          </a:fillRef>
-          <a:effectRef idx="0">
-            <a:schemeClr val="accent1"/>
-          </a:effectRef>
-          <a:fontRef idx="minor">
-            <a:schemeClr val="lt1"/>
-          </a:fontRef>
-        </p:style>
-        <p:txBody>
-          <a:bodyPr rtlCol="0" anchor="ctr"/>
-          <a:lstStyle/>
-          <a:p>
-            <a:r>
-              <a:rPr lang="en-US" altLang="ko-KR" sz="1200" spc="-100" dirty="0">
-                <a:solidFill>
-                  <a:schemeClr val="tx1"/>
-                </a:solidFill>
-              </a:rPr>
-              <a:t>2015</a:t>
-            </a:r>
-            <a:r>
-              <a:rPr lang="ko-KR" altLang="en-US" sz="1200" spc="-100" dirty="0">
-                <a:solidFill>
-                  <a:schemeClr val="tx1"/>
-                </a:solidFill>
-              </a:rPr>
-              <a:t>년에서 </a:t>
-            </a:r>
-            <a:r>
-              <a:rPr lang="en-US" altLang="ko-KR" sz="1200" spc="-100" dirty="0">
-                <a:solidFill>
-                  <a:schemeClr val="tx1"/>
-                </a:solidFill>
-              </a:rPr>
-              <a:t>2021</a:t>
-            </a:r>
-            <a:r>
-              <a:rPr lang="ko-KR" altLang="en-US" sz="1200" spc="-100" dirty="0">
-                <a:solidFill>
-                  <a:schemeClr val="tx1"/>
-                </a:solidFill>
-              </a:rPr>
-              <a:t>년의 적절한 </a:t>
-            </a:r>
-            <a:endParaRPr lang="en-US" altLang="ko-KR" sz="1200" spc="-100" dirty="0">
-              <a:solidFill>
-                <a:schemeClr val="tx1"/>
-              </a:solidFill>
-            </a:endParaRPr>
-          </a:p>
-          <a:p>
-            <a:r>
-              <a:rPr lang="ko-KR" altLang="en-US" sz="1200" spc="-100" dirty="0">
-                <a:solidFill>
-                  <a:schemeClr val="tx1"/>
-                </a:solidFill>
-              </a:rPr>
-              <a:t>경로당 수 예측</a:t>
-            </a:r>
-            <a:endParaRPr lang="en-US" altLang="ko-KR" sz="1200" spc="-100" dirty="0">
-              <a:solidFill>
-                <a:schemeClr val="tx1"/>
-              </a:solidFill>
-            </a:endParaRPr>
-          </a:p>
-        </p:txBody>
-      </p:sp>
-      <p:sp>
-        <p:nvSpPr>
-          <p:cNvPr id="7" name="TextBox 6">
-            <a:extLst>
-              <a:ext uri="{FF2B5EF4-FFF2-40B4-BE49-F238E27FC236}">
-                <a16:creationId xmlns:a16="http://schemas.microsoft.com/office/drawing/2014/main" id="{2BFD21F3-C119-49C8-9A36-7813E560E498}"/>
-              </a:ext>
-            </a:extLst>
-          </p:cNvPr>
-          <p:cNvSpPr txBox="1"/>
-          <p:nvPr/>
-        </p:nvSpPr>
-        <p:spPr>
-          <a:xfrm>
-            <a:off x="1141290" y="1031883"/>
-            <a:ext cx="3893573" cy="584775"/>
-          </a:xfrm>
-          <a:prstGeom prst="rect">
-            <a:avLst/>
-          </a:prstGeom>
-          <a:solidFill>
-            <a:schemeClr val="bg1"/>
-          </a:solidFill>
-        </p:spPr>
-        <p:txBody>
-          <a:bodyPr wrap="square" rtlCol="0">
-            <a:spAutoFit/>
-          </a:bodyPr>
-          <a:lstStyle/>
-          <a:p>
-            <a:pPr algn="ctr"/>
-            <a:r>
-              <a:rPr lang="en-US" altLang="ko-KR" sz="1600" b="1" spc="-100" dirty="0">
-                <a:solidFill>
-                  <a:srgbClr val="5643E2"/>
-                </a:solidFill>
-              </a:rPr>
-              <a:t>2015</a:t>
-            </a:r>
-            <a:r>
-              <a:rPr lang="ko-KR" altLang="en-US" sz="1600" b="1" spc="-100" dirty="0">
-                <a:solidFill>
-                  <a:srgbClr val="5643E2"/>
-                </a:solidFill>
-              </a:rPr>
-              <a:t>년에서 예측</a:t>
-            </a:r>
-            <a:r>
-              <a:rPr lang="ko-KR" altLang="en-US" sz="1600" spc="-100" dirty="0"/>
-              <a:t>한 </a:t>
-            </a:r>
-            <a:r>
-              <a:rPr lang="en-US" altLang="ko-KR" sz="1600" spc="-100" dirty="0"/>
-              <a:t>2021</a:t>
-            </a:r>
-            <a:r>
-              <a:rPr lang="ko-KR" altLang="en-US" sz="1600" spc="-100" dirty="0"/>
-              <a:t>년 적절한 경로당 수 결과와 </a:t>
-            </a:r>
-            <a:r>
-              <a:rPr lang="en-US" altLang="ko-KR" sz="1600" spc="-100" dirty="0"/>
-              <a:t>2021</a:t>
-            </a:r>
-            <a:r>
-              <a:rPr lang="ko-KR" altLang="en-US" sz="1600" spc="-100" dirty="0"/>
-              <a:t>년의 적절한 경로당 수 비교</a:t>
-            </a:r>
-          </a:p>
-        </p:txBody>
-      </p:sp>
-      <p:cxnSp>
-        <p:nvCxnSpPr>
-          <p:cNvPr id="10" name="직선 연결선 9">
-            <a:extLst>
-              <a:ext uri="{FF2B5EF4-FFF2-40B4-BE49-F238E27FC236}">
-                <a16:creationId xmlns:a16="http://schemas.microsoft.com/office/drawing/2014/main" id="{B7D41BE5-EAAC-4DE3-8C11-F165FECD243C}"/>
-              </a:ext>
-            </a:extLst>
-          </p:cNvPr>
-          <p:cNvCxnSpPr>
-            <a:cxnSpLocks/>
-          </p:cNvCxnSpPr>
-          <p:nvPr/>
-        </p:nvCxnSpPr>
-        <p:spPr>
-          <a:xfrm>
-            <a:off x="1143000" y="1800553"/>
-            <a:ext cx="3002280" cy="13168"/>
-          </a:xfrm>
-          <a:prstGeom prst="line">
-            <a:avLst/>
-          </a:prstGeom>
-          <a:ln w="19050"/>
-        </p:spPr>
-        <p:style>
-          <a:lnRef idx="1">
-            <a:schemeClr val="dk1"/>
-          </a:lnRef>
-          <a:fillRef idx="0">
-            <a:schemeClr val="dk1"/>
-          </a:fillRef>
-          <a:effectRef idx="0">
-            <a:schemeClr val="dk1"/>
-          </a:effectRef>
-          <a:fontRef idx="minor">
-            <a:schemeClr val="tx1"/>
-          </a:fontRef>
-        </p:style>
-      </p:cxnSp>
-      <p:cxnSp>
-        <p:nvCxnSpPr>
-          <p:cNvPr id="23" name="직선 연결선 22">
-            <a:extLst>
-              <a:ext uri="{FF2B5EF4-FFF2-40B4-BE49-F238E27FC236}">
-                <a16:creationId xmlns:a16="http://schemas.microsoft.com/office/drawing/2014/main" id="{31E0F620-5279-4811-85DB-6FCD1655A470}"/>
-              </a:ext>
-            </a:extLst>
-          </p:cNvPr>
-          <p:cNvCxnSpPr>
-            <a:cxnSpLocks/>
-          </p:cNvCxnSpPr>
-          <p:nvPr/>
-        </p:nvCxnSpPr>
-        <p:spPr>
-          <a:xfrm>
-            <a:off x="1141290" y="1973501"/>
-            <a:ext cx="3002280" cy="13168"/>
-          </a:xfrm>
-          <a:prstGeom prst="line">
-            <a:avLst/>
-          </a:prstGeom>
-          <a:ln w="19050"/>
-        </p:spPr>
-        <p:style>
-          <a:lnRef idx="1">
-            <a:schemeClr val="dk1"/>
-          </a:lnRef>
-          <a:fillRef idx="0">
-            <a:schemeClr val="dk1"/>
-          </a:fillRef>
-          <a:effectRef idx="0">
-            <a:schemeClr val="dk1"/>
-          </a:effectRef>
-          <a:fontRef idx="minor">
-            <a:schemeClr val="tx1"/>
-          </a:fontRef>
-        </p:style>
-      </p:cxnSp>
-      <p:sp>
-        <p:nvSpPr>
-          <p:cNvPr id="19" name="TextBox 18">
-            <a:extLst>
-              <a:ext uri="{FF2B5EF4-FFF2-40B4-BE49-F238E27FC236}">
-                <a16:creationId xmlns:a16="http://schemas.microsoft.com/office/drawing/2014/main" id="{82BD96AB-80EE-47C4-8C90-159E631D13DD}"/>
-              </a:ext>
-            </a:extLst>
-          </p:cNvPr>
-          <p:cNvSpPr txBox="1"/>
-          <p:nvPr/>
-        </p:nvSpPr>
-        <p:spPr>
-          <a:xfrm>
-            <a:off x="5451382" y="1545625"/>
-            <a:ext cx="990600" cy="461665"/>
-          </a:xfrm>
-          <a:prstGeom prst="rect">
-            <a:avLst/>
-          </a:prstGeom>
-          <a:noFill/>
-        </p:spPr>
-        <p:txBody>
-          <a:bodyPr wrap="square" rtlCol="0">
-            <a:spAutoFit/>
-          </a:bodyPr>
-          <a:lstStyle/>
-          <a:p>
-            <a:r>
-              <a:rPr lang="ko-KR" altLang="en-US" sz="2400" b="1" dirty="0">
-                <a:solidFill>
-                  <a:srgbClr val="5643E2"/>
-                </a:solidFill>
-              </a:rPr>
-              <a:t>약</a:t>
-            </a:r>
-            <a:r>
-              <a:rPr lang="en-US" altLang="ko-KR" sz="2400" b="1" dirty="0">
-                <a:solidFill>
-                  <a:srgbClr val="5643E2"/>
-                </a:solidFill>
-              </a:rPr>
-              <a:t>5%</a:t>
-            </a:r>
-            <a:endParaRPr lang="ko-KR" altLang="en-US" sz="2400" b="1" dirty="0">
-              <a:solidFill>
-                <a:srgbClr val="5643E2"/>
-              </a:solidFill>
-            </a:endParaRPr>
-          </a:p>
-        </p:txBody>
-      </p:sp>
-      <p:pic>
-        <p:nvPicPr>
-          <p:cNvPr id="30" name="그림 29">
-            <a:extLst>
-              <a:ext uri="{FF2B5EF4-FFF2-40B4-BE49-F238E27FC236}">
-                <a16:creationId xmlns:a16="http://schemas.microsoft.com/office/drawing/2014/main" id="{113B0AAF-7698-47D3-98AD-D0EDB8C10C51}"/>
-              </a:ext>
-            </a:extLst>
-          </p:cNvPr>
-          <p:cNvPicPr>
-            <a:picLocks noChangeAspect="1"/>
-          </p:cNvPicPr>
-          <p:nvPr/>
-        </p:nvPicPr>
-        <p:blipFill rotWithShape="1">
-          <a:blip r:embed="rId3">
-            <a:extLst>
-              <a:ext uri="{28A0092B-C50C-407E-A947-70E740481C1C}">
-                <a14:useLocalDpi xmlns:a14="http://schemas.microsoft.com/office/drawing/2010/main" val="0"/>
-              </a:ext>
-            </a:extLst>
-          </a:blip>
-          <a:srcRect l="79357" t="14101" r="14370" b="75512"/>
-          <a:stretch/>
-        </p:blipFill>
-        <p:spPr>
-          <a:xfrm>
-            <a:off x="4174834" y="1987431"/>
-            <a:ext cx="362765" cy="565528"/>
-          </a:xfrm>
-          <a:prstGeom prst="rect">
-            <a:avLst/>
-          </a:prstGeom>
-        </p:spPr>
-      </p:pic>
-      <p:sp>
-        <p:nvSpPr>
-          <p:cNvPr id="21" name="직사각형 20">
-            <a:extLst>
-              <a:ext uri="{FF2B5EF4-FFF2-40B4-BE49-F238E27FC236}">
-                <a16:creationId xmlns:a16="http://schemas.microsoft.com/office/drawing/2014/main" id="{1ACDA3FE-19FC-4742-B666-A351983F5FB4}"/>
-              </a:ext>
-            </a:extLst>
-          </p:cNvPr>
-          <p:cNvSpPr/>
-          <p:nvPr/>
-        </p:nvSpPr>
-        <p:spPr>
-          <a:xfrm>
-            <a:off x="4290642" y="1675714"/>
-            <a:ext cx="675196" cy="364269"/>
-          </a:xfrm>
-          <a:prstGeom prst="rect">
-            <a:avLst/>
-          </a:prstGeom>
-          <a:solidFill>
-            <a:srgbClr val="EAEAF2"/>
-          </a:solidFill>
-          <a:ln>
-            <a:noFill/>
-          </a:ln>
-        </p:spPr>
-        <p:style>
-          <a:lnRef idx="2">
-            <a:schemeClr val="accent1">
-              <a:shade val="50000"/>
-            </a:schemeClr>
-          </a:lnRef>
-          <a:fillRef idx="1">
-            <a:schemeClr val="accent1"/>
-          </a:fillRef>
-          <a:effectRef idx="0">
-            <a:schemeClr val="accent1"/>
-          </a:effectRef>
-          <a:fontRef idx="minor">
-            <a:schemeClr val="lt1"/>
-          </a:fontRef>
-        </p:style>
-        <p:txBody>
-          <a:bodyPr rtlCol="0" anchor="ctr"/>
-          <a:lstStyle/>
-          <a:p>
-            <a:pPr algn="ctr"/>
-            <a:endParaRPr lang="ko-KR" altLang="en-US"/>
-          </a:p>
-        </p:txBody>
-      </p:sp>
-      <p:cxnSp>
-        <p:nvCxnSpPr>
-          <p:cNvPr id="18" name="직선 화살표 연결선 17">
-            <a:extLst>
-              <a:ext uri="{FF2B5EF4-FFF2-40B4-BE49-F238E27FC236}">
-                <a16:creationId xmlns:a16="http://schemas.microsoft.com/office/drawing/2014/main" id="{5083C88C-27FF-4099-A228-0140AAC800BB}"/>
-              </a:ext>
-            </a:extLst>
-          </p:cNvPr>
-          <p:cNvCxnSpPr>
-            <a:cxnSpLocks/>
-            <a:endCxn id="19" idx="1"/>
-          </p:cNvCxnSpPr>
-          <p:nvPr/>
-        </p:nvCxnSpPr>
-        <p:spPr>
-          <a:xfrm flipV="1">
-            <a:off x="3058800" y="1776458"/>
-            <a:ext cx="2392582" cy="128646"/>
-          </a:xfrm>
-          <a:prstGeom prst="straightConnector1">
-            <a:avLst/>
-          </a:prstGeom>
-          <a:ln w="19050">
-            <a:solidFill>
-              <a:srgbClr val="FF0000"/>
-            </a:solidFill>
-            <a:tailEnd type="triangle"/>
-          </a:ln>
-        </p:spPr>
-        <p:style>
-          <a:lnRef idx="1">
-            <a:schemeClr val="accent1"/>
-          </a:lnRef>
-          <a:fillRef idx="0">
-            <a:schemeClr val="accent1"/>
-          </a:fillRef>
-          <a:effectRef idx="0">
-            <a:schemeClr val="accent1"/>
-          </a:effectRef>
-          <a:fontRef idx="minor">
-            <a:schemeClr val="tx1"/>
-          </a:fontRef>
-        </p:style>
-      </p:cxnSp>
-      <p:cxnSp>
-        <p:nvCxnSpPr>
-          <p:cNvPr id="26" name="직선 연결선 25">
-            <a:extLst>
-              <a:ext uri="{FF2B5EF4-FFF2-40B4-BE49-F238E27FC236}">
-                <a16:creationId xmlns:a16="http://schemas.microsoft.com/office/drawing/2014/main" id="{459B5B18-03F9-4AED-98BC-9DCDEF064F04}"/>
-              </a:ext>
-            </a:extLst>
-          </p:cNvPr>
-          <p:cNvCxnSpPr/>
-          <p:nvPr/>
-        </p:nvCxnSpPr>
-        <p:spPr>
-          <a:xfrm>
-            <a:off x="4285382" y="1691589"/>
-            <a:ext cx="700643" cy="0"/>
-          </a:xfrm>
-          <a:prstGeom prst="line">
-            <a:avLst/>
-          </a:prstGeom>
-          <a:ln w="19050">
-            <a:solidFill>
-              <a:srgbClr val="D8D8DB"/>
-            </a:solidFill>
-          </a:ln>
-        </p:spPr>
-        <p:style>
-          <a:lnRef idx="1">
-            <a:schemeClr val="accent1"/>
-          </a:lnRef>
-          <a:fillRef idx="0">
-            <a:schemeClr val="accent1"/>
-          </a:fillRef>
-          <a:effectRef idx="0">
-            <a:schemeClr val="accent1"/>
-          </a:effectRef>
-          <a:fontRef idx="minor">
-            <a:schemeClr val="tx1"/>
-          </a:fontRef>
-        </p:style>
-      </p:cxnSp>
-      <p:sp>
-        <p:nvSpPr>
-          <p:cNvPr id="35" name="직사각형 34">
-            <a:extLst>
-              <a:ext uri="{FF2B5EF4-FFF2-40B4-BE49-F238E27FC236}">
-                <a16:creationId xmlns:a16="http://schemas.microsoft.com/office/drawing/2014/main" id="{50CB14D6-B518-445A-AB39-533A2F52493B}"/>
-              </a:ext>
-            </a:extLst>
-          </p:cNvPr>
-          <p:cNvSpPr/>
-          <p:nvPr/>
-        </p:nvSpPr>
-        <p:spPr>
-          <a:xfrm>
-            <a:off x="4476505" y="1947981"/>
-            <a:ext cx="1938536" cy="374963"/>
-          </a:xfrm>
-          <a:prstGeom prst="rect">
-            <a:avLst/>
-          </a:prstGeom>
-          <a:noFill/>
-          <a:ln>
-            <a:noFill/>
-          </a:ln>
-        </p:spPr>
-        <p:style>
-          <a:lnRef idx="2">
-            <a:schemeClr val="accent1">
-              <a:shade val="50000"/>
-            </a:schemeClr>
-          </a:lnRef>
-          <a:fillRef idx="1">
-            <a:schemeClr val="accent1"/>
-          </a:fillRef>
-          <a:effectRef idx="0">
-            <a:schemeClr val="accent1"/>
-          </a:effectRef>
-          <a:fontRef idx="minor">
-            <a:schemeClr val="lt1"/>
-          </a:fontRef>
-        </p:style>
-        <p:txBody>
-          <a:bodyPr rtlCol="0" anchor="ctr"/>
-          <a:lstStyle/>
-          <a:p>
-            <a:r>
-              <a:rPr lang="en-US" altLang="ko-KR" sz="1200" spc="-100" dirty="0">
-                <a:solidFill>
-                  <a:schemeClr val="tx1"/>
-                </a:solidFill>
-              </a:rPr>
-              <a:t>2021</a:t>
-            </a:r>
-            <a:r>
-              <a:rPr lang="ko-KR" altLang="en-US" sz="1200" spc="-100" dirty="0">
-                <a:solidFill>
-                  <a:schemeClr val="tx1"/>
-                </a:solidFill>
-              </a:rPr>
-              <a:t>년의 적절한 경로당 수</a:t>
-            </a:r>
-            <a:endParaRPr lang="en-US" altLang="ko-KR" sz="1200" spc="-100" dirty="0">
-              <a:solidFill>
-                <a:schemeClr val="tx1"/>
-              </a:solidFill>
-            </a:endParaRPr>
-          </a:p>
-        </p:txBody>
-      </p:sp>
-      <p:cxnSp>
-        <p:nvCxnSpPr>
-          <p:cNvPr id="37" name="직선 연결선 36">
-            <a:extLst>
-              <a:ext uri="{FF2B5EF4-FFF2-40B4-BE49-F238E27FC236}">
-                <a16:creationId xmlns:a16="http://schemas.microsoft.com/office/drawing/2014/main" id="{F462CB28-EB87-4EAF-AB5F-DA5946704110}"/>
-              </a:ext>
-            </a:extLst>
-          </p:cNvPr>
-          <p:cNvCxnSpPr/>
-          <p:nvPr/>
-        </p:nvCxnSpPr>
-        <p:spPr>
-          <a:xfrm>
-            <a:off x="3048000" y="1807137"/>
-            <a:ext cx="0" cy="172948"/>
-          </a:xfrm>
-          <a:prstGeom prst="line">
-            <a:avLst/>
-          </a:prstGeom>
-          <a:ln w="19050">
-            <a:solidFill>
-              <a:srgbClr val="FF0000"/>
-            </a:solidFill>
-          </a:ln>
-        </p:spPr>
-        <p:style>
-          <a:lnRef idx="1">
-            <a:schemeClr val="accent1"/>
-          </a:lnRef>
-          <a:fillRef idx="0">
-            <a:schemeClr val="accent1"/>
-          </a:fillRef>
-          <a:effectRef idx="0">
-            <a:schemeClr val="accent1"/>
-          </a:effectRef>
-          <a:fontRef idx="minor">
-            <a:schemeClr val="tx1"/>
-          </a:fontRef>
-        </p:style>
-      </p:cxnSp>
-      <p:sp>
-        <p:nvSpPr>
-          <p:cNvPr id="39" name="TextBox 38">
-            <a:extLst>
-              <a:ext uri="{FF2B5EF4-FFF2-40B4-BE49-F238E27FC236}">
-                <a16:creationId xmlns:a16="http://schemas.microsoft.com/office/drawing/2014/main" id="{B8B87727-B412-4E0B-BBD3-D09CF061B6B2}"/>
-              </a:ext>
-            </a:extLst>
-          </p:cNvPr>
-          <p:cNvSpPr txBox="1"/>
-          <p:nvPr/>
-        </p:nvSpPr>
-        <p:spPr>
-          <a:xfrm>
-            <a:off x="2116476" y="3429000"/>
-            <a:ext cx="889186" cy="369332"/>
-          </a:xfrm>
-          <a:prstGeom prst="rect">
-            <a:avLst/>
-          </a:prstGeom>
-          <a:noFill/>
-        </p:spPr>
-        <p:txBody>
-          <a:bodyPr wrap="square" rtlCol="0">
-            <a:spAutoFit/>
-          </a:bodyPr>
-          <a:lstStyle/>
-          <a:p>
-            <a:r>
-              <a:rPr lang="en-US" altLang="ko-KR" dirty="0"/>
-              <a:t>2893</a:t>
-            </a:r>
-            <a:r>
-              <a:rPr lang="ko-KR" altLang="en-US" dirty="0"/>
-              <a:t>개</a:t>
-            </a:r>
-          </a:p>
-        </p:txBody>
-      </p:sp>
-      <p:sp>
-        <p:nvSpPr>
-          <p:cNvPr id="46" name="TextBox 45">
-            <a:extLst>
-              <a:ext uri="{FF2B5EF4-FFF2-40B4-BE49-F238E27FC236}">
-                <a16:creationId xmlns:a16="http://schemas.microsoft.com/office/drawing/2014/main" id="{C5E75330-2C7F-453E-A025-F20A4720B332}"/>
-              </a:ext>
-            </a:extLst>
-          </p:cNvPr>
-          <p:cNvSpPr txBox="1"/>
-          <p:nvPr/>
-        </p:nvSpPr>
-        <p:spPr>
-          <a:xfrm>
-            <a:off x="3337881" y="3416113"/>
-            <a:ext cx="898078" cy="369332"/>
-          </a:xfrm>
-          <a:prstGeom prst="rect">
-            <a:avLst/>
-          </a:prstGeom>
-          <a:noFill/>
-        </p:spPr>
-        <p:txBody>
-          <a:bodyPr wrap="square" rtlCol="0">
-            <a:spAutoFit/>
-          </a:bodyPr>
-          <a:lstStyle/>
-          <a:p>
-            <a:r>
-              <a:rPr lang="en-US" altLang="ko-KR" dirty="0"/>
-              <a:t>2073</a:t>
-            </a:r>
-            <a:r>
-              <a:rPr lang="ko-KR" altLang="en-US" dirty="0"/>
-              <a:t>개</a:t>
-            </a:r>
-          </a:p>
-        </p:txBody>
-      </p:sp>
-    </p:spTree>
-    <p:extLst>
-      <p:ext uri="{BB962C8B-B14F-4D97-AF65-F5344CB8AC3E}">
-        <p14:creationId xmlns:p14="http://schemas.microsoft.com/office/powerpoint/2010/main" val="1710836859"/>
-      </p:ext>
-    </p:extLst>
-  </p:cSld>
-  <p:clrMapOvr>
-    <a:masterClrMapping/>
-  </p:clrMapOvr>
-</p:sld>
-</file>
-
-<file path=ppt/slides/slide18.xml><?xml version="1.0" encoding="utf-8"?>
 <p:sld xmlns:a="http://schemas.openxmlformats.org/drawingml/2006/main" xmlns:r="http://schemas.openxmlformats.org/officeDocument/2006/relationships" xmlns:p="http://schemas.openxmlformats.org/presentationml/2006/main" showMasterSp="0">
   <p:cSld>
     <p:spTree>
@@ -18958,7 +15181,7 @@
           <a:p>
             <a:fld id="{B6F15528-21DE-4FAA-801E-634DDDAF4B2B}" type="slidenum">
               <a:rPr lang="en-US" altLang="ko-KR" smtClean="0"/>
-              <a:t>17</a:t>
+              <a:t>15</a:t>
             </a:fld>
             <a:endParaRPr lang="ko-KR" altLang="en-US"/>
           </a:p>
@@ -19758,7 +15981,7 @@
 </p:sld>
 </file>
 
-<file path=ppt/slides/slide19.xml><?xml version="1.0" encoding="utf-8"?>
+<file path=ppt/slides/slide17.xml><?xml version="1.0" encoding="utf-8"?>
 <p:sld xmlns:a="http://schemas.openxmlformats.org/drawingml/2006/main" xmlns:r="http://schemas.openxmlformats.org/officeDocument/2006/relationships" xmlns:p="http://schemas.openxmlformats.org/presentationml/2006/main">
   <p:cSld>
     <p:spTree>
@@ -19798,7 +16021,7 @@
           <a:p>
             <a:fld id="{B6F15528-21DE-4FAA-801E-634DDDAF4B2B}" type="slidenum">
               <a:rPr lang="en-US" altLang="ko-KR" smtClean="0"/>
-              <a:t>18</a:t>
+              <a:t>16</a:t>
             </a:fld>
             <a:endParaRPr lang="ko-KR" altLang="en-US"/>
           </a:p>
@@ -20878,6 +17101,1183 @@
 </p:sld>
 </file>
 
+<file path=ppt/slides/slide18.xml><?xml version="1.0" encoding="utf-8"?>
+<p:sld xmlns:a="http://schemas.openxmlformats.org/drawingml/2006/main" xmlns:r="http://schemas.openxmlformats.org/officeDocument/2006/relationships" xmlns:p="http://schemas.openxmlformats.org/presentationml/2006/main" showMasterSp="0">
+  <p:cSld>
+    <p:spTree>
+      <p:nvGrpSpPr>
+        <p:cNvPr id="1" name=""/>
+        <p:cNvGrpSpPr/>
+        <p:nvPr/>
+      </p:nvGrpSpPr>
+      <p:grpSpPr>
+        <a:xfrm>
+          <a:off x="0" y="0"/>
+          <a:ext cx="0" cy="0"/>
+          <a:chOff x="0" y="0"/>
+          <a:chExt cx="0" cy="0"/>
+        </a:xfrm>
+      </p:grpSpPr>
+      <p:sp>
+        <p:nvSpPr>
+          <p:cNvPr id="33" name="바닥글 개체 틀 32">
+            <a:extLst>
+              <a:ext uri="{FF2B5EF4-FFF2-40B4-BE49-F238E27FC236}">
+                <a16:creationId xmlns:a16="http://schemas.microsoft.com/office/drawing/2014/main" id="{7F15BF86-57E6-43A3-BDE9-2A2C53D9ADDF}"/>
+              </a:ext>
+            </a:extLst>
+          </p:cNvPr>
+          <p:cNvSpPr>
+            <a:spLocks noGrp="1"/>
+          </p:cNvSpPr>
+          <p:nvPr>
+            <p:ph type="ftr" sz="quarter" idx="5"/>
+          </p:nvPr>
+        </p:nvSpPr>
+        <p:spPr>
+          <a:xfrm>
+            <a:off x="4145280" y="6595205"/>
+            <a:ext cx="3901440" cy="169277"/>
+          </a:xfrm>
+          <a:prstGeom prst="rect">
+            <a:avLst/>
+          </a:prstGeom>
+        </p:spPr>
+        <p:txBody>
+          <a:bodyPr/>
+          <a:lstStyle/>
+          <a:p>
+            <a:r>
+              <a:rPr lang="en-US" altLang="ko-KR"/>
+              <a:t>Busan Senior Centre(BSC)</a:t>
+            </a:r>
+            <a:r>
+              <a:rPr lang="ko-KR" altLang="en-US"/>
+              <a:t>의 시급한 개선을 위한 입지 분석 모델</a:t>
+            </a:r>
+            <a:endParaRPr lang="en-US"/>
+          </a:p>
+        </p:txBody>
+      </p:sp>
+      <p:sp>
+        <p:nvSpPr>
+          <p:cNvPr id="34" name="슬라이드 번호 개체 틀 33">
+            <a:extLst>
+              <a:ext uri="{FF2B5EF4-FFF2-40B4-BE49-F238E27FC236}">
+                <a16:creationId xmlns:a16="http://schemas.microsoft.com/office/drawing/2014/main" id="{8CD6D042-CB22-4EF3-BE31-019328406DDE}"/>
+              </a:ext>
+            </a:extLst>
+          </p:cNvPr>
+          <p:cNvSpPr>
+            <a:spLocks noGrp="1"/>
+          </p:cNvSpPr>
+          <p:nvPr>
+            <p:ph type="sldNum" sz="quarter" idx="7"/>
+          </p:nvPr>
+        </p:nvSpPr>
+        <p:spPr/>
+        <p:txBody>
+          <a:bodyPr/>
+          <a:lstStyle/>
+          <a:p>
+            <a:fld id="{B6F15528-21DE-4FAA-801E-634DDDAF4B2B}" type="slidenum">
+              <a:rPr lang="en-US" altLang="ko-KR" smtClean="0"/>
+              <a:t>17</a:t>
+            </a:fld>
+            <a:endParaRPr lang="ko-KR" altLang="en-US"/>
+          </a:p>
+        </p:txBody>
+      </p:sp>
+      <p:grpSp>
+        <p:nvGrpSpPr>
+          <p:cNvPr id="35" name="그룹 34">
+            <a:extLst>
+              <a:ext uri="{FF2B5EF4-FFF2-40B4-BE49-F238E27FC236}">
+                <a16:creationId xmlns:a16="http://schemas.microsoft.com/office/drawing/2014/main" id="{44AF5E58-63B6-4924-B4A9-DC3F305C9410}"/>
+              </a:ext>
+            </a:extLst>
+          </p:cNvPr>
+          <p:cNvGrpSpPr/>
+          <p:nvPr/>
+        </p:nvGrpSpPr>
+        <p:grpSpPr>
+          <a:xfrm>
+            <a:off x="477962" y="328427"/>
+            <a:ext cx="11236076" cy="310975"/>
+            <a:chOff x="477962" y="328427"/>
+            <a:chExt cx="11236076" cy="310975"/>
+          </a:xfrm>
+        </p:grpSpPr>
+        <p:sp>
+          <p:nvSpPr>
+            <p:cNvPr id="36" name="TextBox 35">
+              <a:extLst>
+                <a:ext uri="{FF2B5EF4-FFF2-40B4-BE49-F238E27FC236}">
+                  <a16:creationId xmlns:a16="http://schemas.microsoft.com/office/drawing/2014/main" id="{4FBE1861-A6F3-48C2-AF98-6830BDD873F3}"/>
+                </a:ext>
+              </a:extLst>
+            </p:cNvPr>
+            <p:cNvSpPr txBox="1"/>
+            <p:nvPr/>
+          </p:nvSpPr>
+          <p:spPr>
+            <a:xfrm>
+              <a:off x="477962" y="331625"/>
+              <a:ext cx="3484438" cy="307777"/>
+            </a:xfrm>
+            <a:prstGeom prst="rect">
+              <a:avLst/>
+            </a:prstGeom>
+            <a:noFill/>
+          </p:spPr>
+          <p:txBody>
+            <a:bodyPr wrap="square" rtlCol="0">
+              <a:spAutoFit/>
+            </a:bodyPr>
+            <a:lstStyle/>
+            <a:p>
+              <a:r>
+                <a:rPr lang="en-US" altLang="ko-KR" sz="1400" dirty="0">
+                  <a:solidFill>
+                    <a:srgbClr val="366CDD"/>
+                  </a:solidFill>
+                </a:rPr>
+                <a:t>Step4 - </a:t>
+              </a:r>
+              <a:r>
+                <a:rPr lang="ko-KR" altLang="en-US" sz="1400" dirty="0">
+                  <a:solidFill>
+                    <a:srgbClr val="366CDD"/>
+                  </a:solidFill>
+                </a:rPr>
+                <a:t>최적의 입지를</a:t>
+              </a:r>
+              <a:r>
+                <a:rPr lang="en-US" altLang="ko-KR" sz="1400" dirty="0">
+                  <a:solidFill>
+                    <a:srgbClr val="366CDD"/>
+                  </a:solidFill>
+                </a:rPr>
+                <a:t> </a:t>
+              </a:r>
+              <a:r>
+                <a:rPr lang="ko-KR" altLang="en-US" sz="1400" dirty="0">
+                  <a:solidFill>
+                    <a:srgbClr val="366CDD"/>
+                  </a:solidFill>
+                </a:rPr>
+                <a:t>위한 고려사항</a:t>
+              </a:r>
+            </a:p>
+          </p:txBody>
+        </p:sp>
+        <p:sp>
+          <p:nvSpPr>
+            <p:cNvPr id="37" name="TextBox 36">
+              <a:extLst>
+                <a:ext uri="{FF2B5EF4-FFF2-40B4-BE49-F238E27FC236}">
+                  <a16:creationId xmlns:a16="http://schemas.microsoft.com/office/drawing/2014/main" id="{5DAE4C27-7F10-4CFE-BAE8-D300C59609A3}"/>
+                </a:ext>
+              </a:extLst>
+            </p:cNvPr>
+            <p:cNvSpPr txBox="1"/>
+            <p:nvPr/>
+          </p:nvSpPr>
+          <p:spPr>
+            <a:xfrm>
+              <a:off x="10107393" y="328427"/>
+              <a:ext cx="1606645" cy="276999"/>
+            </a:xfrm>
+            <a:prstGeom prst="rect">
+              <a:avLst/>
+            </a:prstGeom>
+            <a:noFill/>
+          </p:spPr>
+          <p:txBody>
+            <a:bodyPr wrap="square" rtlCol="0">
+              <a:spAutoFit/>
+            </a:bodyPr>
+            <a:lstStyle/>
+            <a:p>
+              <a:r>
+                <a:rPr lang="ko-KR" altLang="en-US" sz="1200" dirty="0">
+                  <a:solidFill>
+                    <a:srgbClr val="366CDD"/>
+                  </a:solidFill>
+                </a:rPr>
+                <a:t>동아대학교 </a:t>
+              </a:r>
+              <a:r>
+                <a:rPr lang="en-US" altLang="ko-KR" sz="1200" dirty="0" err="1">
+                  <a:solidFill>
+                    <a:srgbClr val="366CDD"/>
+                  </a:solidFill>
+                </a:rPr>
+                <a:t>Dev_Day</a:t>
+              </a:r>
+              <a:endParaRPr lang="ko-KR" altLang="en-US" sz="1200" dirty="0">
+                <a:solidFill>
+                  <a:srgbClr val="366CDD"/>
+                </a:solidFill>
+              </a:endParaRPr>
+            </a:p>
+          </p:txBody>
+        </p:sp>
+      </p:grpSp>
+      <p:pic>
+        <p:nvPicPr>
+          <p:cNvPr id="39" name="그림 38" descr="테이블이(가) 표시된 사진&#10;&#10;자동 생성된 설명">
+            <a:extLst>
+              <a:ext uri="{FF2B5EF4-FFF2-40B4-BE49-F238E27FC236}">
+                <a16:creationId xmlns:a16="http://schemas.microsoft.com/office/drawing/2014/main" id="{92281BC2-0425-4BC0-827B-556EF7DBAC78}"/>
+              </a:ext>
+            </a:extLst>
+          </p:cNvPr>
+          <p:cNvPicPr>
+            <a:picLocks noChangeAspect="1"/>
+          </p:cNvPicPr>
+          <p:nvPr/>
+        </p:nvPicPr>
+        <p:blipFill rotWithShape="1">
+          <a:blip r:embed="rId3">
+            <a:extLst>
+              <a:ext uri="{BEBA8EAE-BF5A-486C-A8C5-ECC9F3942E4B}">
+                <a14:imgProps xmlns:a14="http://schemas.microsoft.com/office/drawing/2010/main">
+                  <a14:imgLayer r:embed="rId4">
+                    <a14:imgEffect>
+                      <a14:backgroundRemoval t="10000" b="90000" l="10000" r="90000"/>
+                    </a14:imgEffect>
+                  </a14:imgLayer>
+                </a14:imgProps>
+              </a:ext>
+              <a:ext uri="{28A0092B-C50C-407E-A947-70E740481C1C}">
+                <a14:useLocalDpi xmlns:a14="http://schemas.microsoft.com/office/drawing/2010/main" val="0"/>
+              </a:ext>
+            </a:extLst>
+          </a:blip>
+          <a:srcRect l="23125" t="23198" r="26875" b="13820"/>
+          <a:stretch/>
+        </p:blipFill>
+        <p:spPr>
+          <a:xfrm>
+            <a:off x="3311815" y="2605097"/>
+            <a:ext cx="5603585" cy="3292102"/>
+          </a:xfrm>
+          <a:prstGeom prst="rect">
+            <a:avLst/>
+          </a:prstGeom>
+        </p:spPr>
+      </p:pic>
+      <p:sp>
+        <p:nvSpPr>
+          <p:cNvPr id="40" name="TextBox 39">
+            <a:extLst>
+              <a:ext uri="{FF2B5EF4-FFF2-40B4-BE49-F238E27FC236}">
+                <a16:creationId xmlns:a16="http://schemas.microsoft.com/office/drawing/2014/main" id="{E320077A-4B30-4609-8937-A3D5FDAB6A85}"/>
+              </a:ext>
+            </a:extLst>
+          </p:cNvPr>
+          <p:cNvSpPr txBox="1"/>
+          <p:nvPr/>
+        </p:nvSpPr>
+        <p:spPr>
+          <a:xfrm>
+            <a:off x="3943350" y="5882335"/>
+            <a:ext cx="4267200" cy="246221"/>
+          </a:xfrm>
+          <a:prstGeom prst="rect">
+            <a:avLst/>
+          </a:prstGeom>
+          <a:noFill/>
+        </p:spPr>
+        <p:txBody>
+          <a:bodyPr wrap="square" rtlCol="0">
+            <a:spAutoFit/>
+          </a:bodyPr>
+          <a:lstStyle/>
+          <a:p>
+            <a:pPr algn="ctr"/>
+            <a:r>
+              <a:rPr lang="ko-KR" altLang="en-US" sz="1000" dirty="0">
+                <a:solidFill>
+                  <a:srgbClr val="525252"/>
+                </a:solidFill>
+              </a:rPr>
+              <a:t>자료 출처 </a:t>
+            </a:r>
+            <a:r>
+              <a:rPr lang="en-US" altLang="ko-KR" sz="1000" dirty="0">
+                <a:solidFill>
+                  <a:srgbClr val="525252"/>
+                </a:solidFill>
+              </a:rPr>
+              <a:t>: </a:t>
+            </a:r>
+            <a:r>
+              <a:rPr lang="ko-KR" altLang="en-US" sz="1000" dirty="0">
+                <a:solidFill>
+                  <a:srgbClr val="525252"/>
+                </a:solidFill>
+              </a:rPr>
+              <a:t>시니어라이프 비즈니스</a:t>
+            </a:r>
+          </a:p>
+        </p:txBody>
+      </p:sp>
+      <p:sp>
+        <p:nvSpPr>
+          <p:cNvPr id="41" name="사각형: 잘린 한쪽 모서리 40">
+            <a:extLst>
+              <a:ext uri="{FF2B5EF4-FFF2-40B4-BE49-F238E27FC236}">
+                <a16:creationId xmlns:a16="http://schemas.microsoft.com/office/drawing/2014/main" id="{6428F384-1046-4074-8077-FDE9E9D81B52}"/>
+              </a:ext>
+            </a:extLst>
+          </p:cNvPr>
+          <p:cNvSpPr/>
+          <p:nvPr/>
+        </p:nvSpPr>
+        <p:spPr>
+          <a:xfrm flipH="1">
+            <a:off x="1371600" y="1171812"/>
+            <a:ext cx="9082523" cy="1281700"/>
+          </a:xfrm>
+          <a:prstGeom prst="snip1Rect">
+            <a:avLst/>
+          </a:prstGeom>
+          <a:solidFill>
+            <a:srgbClr val="366CDD">
+              <a:alpha val="20000"/>
+            </a:srgbClr>
+          </a:solidFill>
+        </p:spPr>
+        <p:txBody>
+          <a:bodyPr wrap="square" lIns="0" tIns="0" rIns="0" bIns="0" rtlCol="0"/>
+          <a:lstStyle/>
+          <a:p>
+            <a:endParaRPr lang="ko-KR" altLang="en-US" spc="-100">
+              <a:solidFill>
+                <a:schemeClr val="tx1"/>
+              </a:solidFill>
+            </a:endParaRPr>
+          </a:p>
+        </p:txBody>
+      </p:sp>
+      <p:sp>
+        <p:nvSpPr>
+          <p:cNvPr id="3" name="TextBox 2">
+            <a:extLst>
+              <a:ext uri="{FF2B5EF4-FFF2-40B4-BE49-F238E27FC236}">
+                <a16:creationId xmlns:a16="http://schemas.microsoft.com/office/drawing/2014/main" id="{957DCA39-7E74-4103-BD92-8B3C86C6DCDC}"/>
+              </a:ext>
+            </a:extLst>
+          </p:cNvPr>
+          <p:cNvSpPr txBox="1"/>
+          <p:nvPr/>
+        </p:nvSpPr>
+        <p:spPr>
+          <a:xfrm>
+            <a:off x="1233607" y="1384315"/>
+            <a:ext cx="9525000" cy="830997"/>
+          </a:xfrm>
+          <a:prstGeom prst="rect">
+            <a:avLst/>
+          </a:prstGeom>
+          <a:noFill/>
+        </p:spPr>
+        <p:txBody>
+          <a:bodyPr wrap="square" rtlCol="0">
+            <a:spAutoFit/>
+          </a:bodyPr>
+          <a:lstStyle/>
+          <a:p>
+            <a:pPr algn="ctr"/>
+            <a:r>
+              <a:rPr lang="ko-KR" altLang="en-US" sz="2400" dirty="0"/>
+              <a:t>노인의 이동수단과 시간을 고려했을 때</a:t>
+            </a:r>
+            <a:endParaRPr lang="en-US" altLang="ko-KR" sz="2400" dirty="0"/>
+          </a:p>
+          <a:p>
+            <a:pPr algn="ctr"/>
+            <a:r>
+              <a:rPr lang="ko-KR" altLang="en-US" sz="2400" b="1" dirty="0">
+                <a:solidFill>
+                  <a:srgbClr val="5643E2"/>
+                </a:solidFill>
+              </a:rPr>
+              <a:t>걸어서 </a:t>
+            </a:r>
+            <a:r>
+              <a:rPr lang="en-US" altLang="ko-KR" sz="2400" b="1" dirty="0">
+                <a:solidFill>
+                  <a:srgbClr val="5643E2"/>
+                </a:solidFill>
+              </a:rPr>
+              <a:t>10</a:t>
+            </a:r>
+            <a:r>
+              <a:rPr lang="ko-KR" altLang="en-US" sz="2400" b="1" dirty="0">
+                <a:solidFill>
+                  <a:srgbClr val="5643E2"/>
+                </a:solidFill>
+              </a:rPr>
+              <a:t>분 이내의 위치가 최적 입지라고 선정</a:t>
+            </a:r>
+            <a:r>
+              <a:rPr lang="en-US" altLang="ko-KR" sz="2400" b="1" dirty="0">
+                <a:solidFill>
+                  <a:srgbClr val="5643E2"/>
+                </a:solidFill>
+              </a:rPr>
+              <a:t>.</a:t>
+            </a:r>
+            <a:endParaRPr lang="ko-KR" altLang="en-US" sz="2400" b="1" dirty="0">
+              <a:solidFill>
+                <a:srgbClr val="5643E2"/>
+              </a:solidFill>
+            </a:endParaRPr>
+          </a:p>
+        </p:txBody>
+      </p:sp>
+      <p:pic>
+        <p:nvPicPr>
+          <p:cNvPr id="4" name="그림 3">
+            <a:extLst>
+              <a:ext uri="{FF2B5EF4-FFF2-40B4-BE49-F238E27FC236}">
+                <a16:creationId xmlns:a16="http://schemas.microsoft.com/office/drawing/2014/main" id="{A38E5E2E-124C-480E-8C18-5E2AB5128A21}"/>
+              </a:ext>
+            </a:extLst>
+          </p:cNvPr>
+          <p:cNvPicPr>
+            <a:picLocks noChangeAspect="1"/>
+          </p:cNvPicPr>
+          <p:nvPr/>
+        </p:nvPicPr>
+        <p:blipFill>
+          <a:blip r:embed="rId5">
+            <a:extLst>
+              <a:ext uri="{BEBA8EAE-BF5A-486C-A8C5-ECC9F3942E4B}">
+                <a14:imgProps xmlns:a14="http://schemas.microsoft.com/office/drawing/2010/main">
+                  <a14:imgLayer r:embed="rId6">
+                    <a14:imgEffect>
+                      <a14:backgroundRemoval t="10000" b="90000" l="10000" r="90000"/>
+                    </a14:imgEffect>
+                  </a14:imgLayer>
+                </a14:imgProps>
+              </a:ext>
+            </a:extLst>
+          </a:blip>
+          <a:stretch>
+            <a:fillRect/>
+          </a:stretch>
+        </p:blipFill>
+        <p:spPr>
+          <a:xfrm>
+            <a:off x="4447770" y="4343686"/>
+            <a:ext cx="488830" cy="400737"/>
+          </a:xfrm>
+          <a:prstGeom prst="rect">
+            <a:avLst/>
+          </a:prstGeom>
+        </p:spPr>
+      </p:pic>
+      <p:pic>
+        <p:nvPicPr>
+          <p:cNvPr id="17" name="그림 16">
+            <a:extLst>
+              <a:ext uri="{FF2B5EF4-FFF2-40B4-BE49-F238E27FC236}">
+                <a16:creationId xmlns:a16="http://schemas.microsoft.com/office/drawing/2014/main" id="{CD783B50-841D-465C-94EB-BF6F62FC8948}"/>
+              </a:ext>
+            </a:extLst>
+          </p:cNvPr>
+          <p:cNvPicPr>
+            <a:picLocks noChangeAspect="1"/>
+          </p:cNvPicPr>
+          <p:nvPr/>
+        </p:nvPicPr>
+        <p:blipFill>
+          <a:blip r:embed="rId5">
+            <a:extLst>
+              <a:ext uri="{BEBA8EAE-BF5A-486C-A8C5-ECC9F3942E4B}">
+                <a14:imgProps xmlns:a14="http://schemas.microsoft.com/office/drawing/2010/main">
+                  <a14:imgLayer r:embed="rId6">
+                    <a14:imgEffect>
+                      <a14:backgroundRemoval t="10000" b="90000" l="10000" r="90000"/>
+                    </a14:imgEffect>
+                  </a14:imgLayer>
+                </a14:imgProps>
+              </a:ext>
+            </a:extLst>
+          </a:blip>
+          <a:stretch>
+            <a:fillRect/>
+          </a:stretch>
+        </p:blipFill>
+        <p:spPr>
+          <a:xfrm>
+            <a:off x="4447770" y="3152854"/>
+            <a:ext cx="488831" cy="400738"/>
+          </a:xfrm>
+          <a:prstGeom prst="rect">
+            <a:avLst/>
+          </a:prstGeom>
+        </p:spPr>
+      </p:pic>
+      <p:sp>
+        <p:nvSpPr>
+          <p:cNvPr id="2" name="직사각형 1">
+            <a:extLst>
+              <a:ext uri="{FF2B5EF4-FFF2-40B4-BE49-F238E27FC236}">
+                <a16:creationId xmlns:a16="http://schemas.microsoft.com/office/drawing/2014/main" id="{42AC9EA3-0F1D-491F-8DA2-FAB704B47C11}"/>
+              </a:ext>
+            </a:extLst>
+          </p:cNvPr>
+          <p:cNvSpPr/>
+          <p:nvPr/>
+        </p:nvSpPr>
+        <p:spPr>
+          <a:xfrm>
+            <a:off x="3310741" y="2529947"/>
+            <a:ext cx="3547259" cy="471322"/>
+          </a:xfrm>
+          <a:prstGeom prst="rect">
+            <a:avLst/>
+          </a:prstGeom>
+          <a:solidFill>
+            <a:schemeClr val="bg1"/>
+          </a:solidFill>
+          <a:ln>
+            <a:noFill/>
+          </a:ln>
+        </p:spPr>
+        <p:style>
+          <a:lnRef idx="2">
+            <a:schemeClr val="accent1">
+              <a:shade val="50000"/>
+            </a:schemeClr>
+          </a:lnRef>
+          <a:fillRef idx="1">
+            <a:schemeClr val="accent1"/>
+          </a:fillRef>
+          <a:effectRef idx="0">
+            <a:schemeClr val="accent1"/>
+          </a:effectRef>
+          <a:fontRef idx="minor">
+            <a:schemeClr val="lt1"/>
+          </a:fontRef>
+        </p:style>
+        <p:txBody>
+          <a:bodyPr rtlCol="0" anchor="ctr"/>
+          <a:lstStyle/>
+          <a:p>
+            <a:r>
+              <a:rPr lang="ko-KR" altLang="en-US" sz="1400" dirty="0">
+                <a:solidFill>
+                  <a:schemeClr val="tx1"/>
+                </a:solidFill>
+              </a:rPr>
+              <a:t>고령자 대상 경로당 접근성 설문조사 결과</a:t>
+            </a:r>
+          </a:p>
+        </p:txBody>
+      </p:sp>
+    </p:spTree>
+  </p:cSld>
+  <p:clrMapOvr>
+    <a:masterClrMapping/>
+  </p:clrMapOvr>
+</p:sld>
+</file>
+
+<file path=ppt/slides/slide19.xml><?xml version="1.0" encoding="utf-8"?>
+<p:sld xmlns:a="http://schemas.openxmlformats.org/drawingml/2006/main" xmlns:r="http://schemas.openxmlformats.org/officeDocument/2006/relationships" xmlns:p="http://schemas.openxmlformats.org/presentationml/2006/main" showMasterSp="0">
+  <p:cSld>
+    <p:spTree>
+      <p:nvGrpSpPr>
+        <p:cNvPr id="1" name=""/>
+        <p:cNvGrpSpPr/>
+        <p:nvPr/>
+      </p:nvGrpSpPr>
+      <p:grpSpPr>
+        <a:xfrm>
+          <a:off x="0" y="0"/>
+          <a:ext cx="0" cy="0"/>
+          <a:chOff x="0" y="0"/>
+          <a:chExt cx="0" cy="0"/>
+        </a:xfrm>
+      </p:grpSpPr>
+      <p:sp>
+        <p:nvSpPr>
+          <p:cNvPr id="108" name="바닥글 개체 틀 107">
+            <a:extLst>
+              <a:ext uri="{FF2B5EF4-FFF2-40B4-BE49-F238E27FC236}">
+                <a16:creationId xmlns:a16="http://schemas.microsoft.com/office/drawing/2014/main" id="{A857C854-4557-4A52-8D1F-928755B4EA2D}"/>
+              </a:ext>
+            </a:extLst>
+          </p:cNvPr>
+          <p:cNvSpPr>
+            <a:spLocks noGrp="1"/>
+          </p:cNvSpPr>
+          <p:nvPr>
+            <p:ph type="ftr" sz="quarter" idx="5"/>
+          </p:nvPr>
+        </p:nvSpPr>
+        <p:spPr>
+          <a:xfrm>
+            <a:off x="4145280" y="6595205"/>
+            <a:ext cx="3901440" cy="169277"/>
+          </a:xfrm>
+          <a:prstGeom prst="rect">
+            <a:avLst/>
+          </a:prstGeom>
+        </p:spPr>
+        <p:txBody>
+          <a:bodyPr/>
+          <a:lstStyle/>
+          <a:p>
+            <a:r>
+              <a:rPr lang="en-US" altLang="ko-KR"/>
+              <a:t>Busan Senior Centre(BSC)</a:t>
+            </a:r>
+            <a:r>
+              <a:rPr lang="ko-KR" altLang="en-US"/>
+              <a:t>의 시급한 개선을 위한 입지 분석 모델</a:t>
+            </a:r>
+            <a:endParaRPr lang="en-US"/>
+          </a:p>
+        </p:txBody>
+      </p:sp>
+      <p:sp>
+        <p:nvSpPr>
+          <p:cNvPr id="109" name="슬라이드 번호 개체 틀 108">
+            <a:extLst>
+              <a:ext uri="{FF2B5EF4-FFF2-40B4-BE49-F238E27FC236}">
+                <a16:creationId xmlns:a16="http://schemas.microsoft.com/office/drawing/2014/main" id="{58F92D4D-3984-4AEC-B80D-75A497CBA1DE}"/>
+              </a:ext>
+            </a:extLst>
+          </p:cNvPr>
+          <p:cNvSpPr>
+            <a:spLocks noGrp="1"/>
+          </p:cNvSpPr>
+          <p:nvPr>
+            <p:ph type="sldNum" sz="quarter" idx="7"/>
+          </p:nvPr>
+        </p:nvSpPr>
+        <p:spPr/>
+        <p:txBody>
+          <a:bodyPr/>
+          <a:lstStyle/>
+          <a:p>
+            <a:fld id="{B6F15528-21DE-4FAA-801E-634DDDAF4B2B}" type="slidenum">
+              <a:rPr lang="en-US" altLang="ko-KR" smtClean="0"/>
+              <a:t>18</a:t>
+            </a:fld>
+            <a:endParaRPr lang="ko-KR" altLang="en-US"/>
+          </a:p>
+        </p:txBody>
+      </p:sp>
+      <p:grpSp>
+        <p:nvGrpSpPr>
+          <p:cNvPr id="110" name="그룹 109">
+            <a:extLst>
+              <a:ext uri="{FF2B5EF4-FFF2-40B4-BE49-F238E27FC236}">
+                <a16:creationId xmlns:a16="http://schemas.microsoft.com/office/drawing/2014/main" id="{EBF0A3A9-9264-4A64-990E-E83C892BDCDB}"/>
+              </a:ext>
+            </a:extLst>
+          </p:cNvPr>
+          <p:cNvGrpSpPr/>
+          <p:nvPr/>
+        </p:nvGrpSpPr>
+        <p:grpSpPr>
+          <a:xfrm>
+            <a:off x="477962" y="310538"/>
+            <a:ext cx="11236076" cy="328864"/>
+            <a:chOff x="477962" y="310538"/>
+            <a:chExt cx="11236076" cy="328864"/>
+          </a:xfrm>
+        </p:grpSpPr>
+        <p:sp>
+          <p:nvSpPr>
+            <p:cNvPr id="111" name="TextBox 110">
+              <a:extLst>
+                <a:ext uri="{FF2B5EF4-FFF2-40B4-BE49-F238E27FC236}">
+                  <a16:creationId xmlns:a16="http://schemas.microsoft.com/office/drawing/2014/main" id="{650987B8-CFC9-4E35-A1B8-9B056A6B29EE}"/>
+                </a:ext>
+              </a:extLst>
+            </p:cNvPr>
+            <p:cNvSpPr txBox="1"/>
+            <p:nvPr/>
+          </p:nvSpPr>
+          <p:spPr>
+            <a:xfrm>
+              <a:off x="477962" y="331625"/>
+              <a:ext cx="3484438" cy="307777"/>
+            </a:xfrm>
+            <a:prstGeom prst="rect">
+              <a:avLst/>
+            </a:prstGeom>
+            <a:noFill/>
+          </p:spPr>
+          <p:txBody>
+            <a:bodyPr wrap="square" rtlCol="0">
+              <a:spAutoFit/>
+            </a:bodyPr>
+            <a:lstStyle/>
+            <a:p>
+              <a:r>
+                <a:rPr lang="en-US" altLang="ko-KR" sz="1400" dirty="0">
+                  <a:solidFill>
+                    <a:srgbClr val="366CDD"/>
+                  </a:solidFill>
+                </a:rPr>
+                <a:t>Step4 - </a:t>
+              </a:r>
+              <a:r>
+                <a:rPr lang="ko-KR" altLang="en-US" sz="1400" dirty="0">
+                  <a:solidFill>
+                    <a:srgbClr val="366CDD"/>
+                  </a:solidFill>
+                </a:rPr>
+                <a:t>최적 입지 </a:t>
+              </a:r>
+              <a:r>
+                <a:rPr lang="en-US" altLang="ko-KR" sz="1400" dirty="0">
+                  <a:solidFill>
+                    <a:srgbClr val="366CDD"/>
+                  </a:solidFill>
+                </a:rPr>
+                <a:t>-</a:t>
+              </a:r>
+              <a:r>
+                <a:rPr lang="ko-KR" altLang="en-US" sz="1400" dirty="0">
+                  <a:solidFill>
+                    <a:srgbClr val="366CDD"/>
+                  </a:solidFill>
+                </a:rPr>
+                <a:t> </a:t>
+              </a:r>
+              <a:r>
+                <a:rPr lang="ko-KR" altLang="en-US" sz="1400" dirty="0" err="1">
+                  <a:solidFill>
+                    <a:srgbClr val="366CDD"/>
+                  </a:solidFill>
+                </a:rPr>
+                <a:t>기장읍</a:t>
+              </a:r>
+              <a:endParaRPr lang="ko-KR" altLang="en-US" sz="1400" dirty="0">
+                <a:solidFill>
+                  <a:srgbClr val="366CDD"/>
+                </a:solidFill>
+              </a:endParaRPr>
+            </a:p>
+          </p:txBody>
+        </p:sp>
+        <p:sp>
+          <p:nvSpPr>
+            <p:cNvPr id="112" name="TextBox 111">
+              <a:extLst>
+                <a:ext uri="{FF2B5EF4-FFF2-40B4-BE49-F238E27FC236}">
+                  <a16:creationId xmlns:a16="http://schemas.microsoft.com/office/drawing/2014/main" id="{BD3B083D-3849-4A94-926F-7870F6889404}"/>
+                </a:ext>
+              </a:extLst>
+            </p:cNvPr>
+            <p:cNvSpPr txBox="1"/>
+            <p:nvPr/>
+          </p:nvSpPr>
+          <p:spPr>
+            <a:xfrm>
+              <a:off x="10107393" y="310538"/>
+              <a:ext cx="1606645" cy="276999"/>
+            </a:xfrm>
+            <a:prstGeom prst="rect">
+              <a:avLst/>
+            </a:prstGeom>
+            <a:noFill/>
+          </p:spPr>
+          <p:txBody>
+            <a:bodyPr wrap="square" rtlCol="0">
+              <a:spAutoFit/>
+            </a:bodyPr>
+            <a:lstStyle/>
+            <a:p>
+              <a:r>
+                <a:rPr lang="ko-KR" altLang="en-US" sz="1200" dirty="0">
+                  <a:solidFill>
+                    <a:srgbClr val="366CDD"/>
+                  </a:solidFill>
+                </a:rPr>
+                <a:t>동아대학교 </a:t>
+              </a:r>
+              <a:r>
+                <a:rPr lang="en-US" altLang="ko-KR" sz="1200" dirty="0" err="1">
+                  <a:solidFill>
+                    <a:srgbClr val="366CDD"/>
+                  </a:solidFill>
+                </a:rPr>
+                <a:t>Dev_Day</a:t>
+              </a:r>
+              <a:endParaRPr lang="ko-KR" altLang="en-US" sz="1200" dirty="0">
+                <a:solidFill>
+                  <a:srgbClr val="366CDD"/>
+                </a:solidFill>
+              </a:endParaRPr>
+            </a:p>
+          </p:txBody>
+        </p:sp>
+      </p:grpSp>
+      <p:pic>
+        <p:nvPicPr>
+          <p:cNvPr id="3" name="그림 2" descr="텍스트이(가) 표시된 사진&#10;&#10;자동 생성된 설명">
+            <a:extLst>
+              <a:ext uri="{FF2B5EF4-FFF2-40B4-BE49-F238E27FC236}">
+                <a16:creationId xmlns:a16="http://schemas.microsoft.com/office/drawing/2014/main" id="{57079E79-C479-4918-AF18-0FF5C157BE1F}"/>
+              </a:ext>
+            </a:extLst>
+          </p:cNvPr>
+          <p:cNvPicPr>
+            <a:picLocks noChangeAspect="1"/>
+          </p:cNvPicPr>
+          <p:nvPr/>
+        </p:nvPicPr>
+        <p:blipFill>
+          <a:blip r:embed="rId3">
+            <a:extLst>
+              <a:ext uri="{28A0092B-C50C-407E-A947-70E740481C1C}">
+                <a14:useLocalDpi xmlns:a14="http://schemas.microsoft.com/office/drawing/2010/main" val="0"/>
+              </a:ext>
+            </a:extLst>
+          </a:blip>
+          <a:stretch>
+            <a:fillRect/>
+          </a:stretch>
+        </p:blipFill>
+        <p:spPr>
+          <a:xfrm>
+            <a:off x="516508" y="1295400"/>
+            <a:ext cx="4627439" cy="4423604"/>
+          </a:xfrm>
+          <a:prstGeom prst="rect">
+            <a:avLst/>
+          </a:prstGeom>
+        </p:spPr>
+      </p:pic>
+      <p:pic>
+        <p:nvPicPr>
+          <p:cNvPr id="13" name="그림 12" descr="텍스트, 실내이(가) 표시된 사진&#10;&#10;자동 생성된 설명">
+            <a:extLst>
+              <a:ext uri="{FF2B5EF4-FFF2-40B4-BE49-F238E27FC236}">
+                <a16:creationId xmlns:a16="http://schemas.microsoft.com/office/drawing/2014/main" id="{1655C752-B99D-4913-ADBD-682577B12D4A}"/>
+              </a:ext>
+            </a:extLst>
+          </p:cNvPr>
+          <p:cNvPicPr>
+            <a:picLocks noChangeAspect="1"/>
+          </p:cNvPicPr>
+          <p:nvPr/>
+        </p:nvPicPr>
+        <p:blipFill rotWithShape="1">
+          <a:blip r:embed="rId4">
+            <a:extLst>
+              <a:ext uri="{28A0092B-C50C-407E-A947-70E740481C1C}">
+                <a14:useLocalDpi xmlns:a14="http://schemas.microsoft.com/office/drawing/2010/main" val="0"/>
+              </a:ext>
+            </a:extLst>
+          </a:blip>
+          <a:srcRect l="39409" t="1847" r="5593" b="37990"/>
+          <a:stretch/>
+        </p:blipFill>
+        <p:spPr>
+          <a:xfrm>
+            <a:off x="7029005" y="1391478"/>
+            <a:ext cx="4495800" cy="4231447"/>
+          </a:xfrm>
+          <a:prstGeom prst="rect">
+            <a:avLst/>
+          </a:prstGeom>
+        </p:spPr>
+      </p:pic>
+      <p:sp>
+        <p:nvSpPr>
+          <p:cNvPr id="2" name="TextBox 1">
+            <a:extLst>
+              <a:ext uri="{FF2B5EF4-FFF2-40B4-BE49-F238E27FC236}">
+                <a16:creationId xmlns:a16="http://schemas.microsoft.com/office/drawing/2014/main" id="{CDD336BF-D5D7-4EA8-BEF4-E5777CCCCBC0}"/>
+              </a:ext>
+            </a:extLst>
+          </p:cNvPr>
+          <p:cNvSpPr txBox="1"/>
+          <p:nvPr/>
+        </p:nvSpPr>
+        <p:spPr>
+          <a:xfrm>
+            <a:off x="609600" y="5791200"/>
+            <a:ext cx="4495800" cy="276999"/>
+          </a:xfrm>
+          <a:prstGeom prst="rect">
+            <a:avLst/>
+          </a:prstGeom>
+          <a:noFill/>
+        </p:spPr>
+        <p:txBody>
+          <a:bodyPr wrap="square" rtlCol="0">
+            <a:spAutoFit/>
+          </a:bodyPr>
+          <a:lstStyle/>
+          <a:p>
+            <a:pPr algn="ctr"/>
+            <a:r>
+              <a:rPr lang="ko-KR" altLang="en-US" sz="1200" dirty="0"/>
+              <a:t>도보 기준 도시 네트워크의 </a:t>
+            </a:r>
+            <a:r>
+              <a:rPr lang="ko-KR" altLang="en-US" sz="1200" dirty="0" err="1"/>
+              <a:t>중심성</a:t>
+            </a:r>
+            <a:r>
+              <a:rPr lang="ko-KR" altLang="en-US" sz="1200" dirty="0"/>
+              <a:t> 파악</a:t>
+            </a:r>
+          </a:p>
+        </p:txBody>
+      </p:sp>
+      <p:sp>
+        <p:nvSpPr>
+          <p:cNvPr id="12" name="TextBox 11">
+            <a:extLst>
+              <a:ext uri="{FF2B5EF4-FFF2-40B4-BE49-F238E27FC236}">
+                <a16:creationId xmlns:a16="http://schemas.microsoft.com/office/drawing/2014/main" id="{D9419AD4-0B89-4643-9291-305EB111674B}"/>
+              </a:ext>
+            </a:extLst>
+          </p:cNvPr>
+          <p:cNvSpPr txBox="1"/>
+          <p:nvPr/>
+        </p:nvSpPr>
+        <p:spPr>
+          <a:xfrm>
+            <a:off x="7029005" y="5791199"/>
+            <a:ext cx="4495800" cy="276999"/>
+          </a:xfrm>
+          <a:prstGeom prst="rect">
+            <a:avLst/>
+          </a:prstGeom>
+          <a:noFill/>
+        </p:spPr>
+        <p:txBody>
+          <a:bodyPr wrap="square" rtlCol="0">
+            <a:spAutoFit/>
+          </a:bodyPr>
+          <a:lstStyle/>
+          <a:p>
+            <a:pPr algn="ctr"/>
+            <a:r>
+              <a:rPr lang="ko-KR" altLang="en-US" sz="1200" dirty="0"/>
+              <a:t>이동 거리에 따른 영역 시각화</a:t>
+            </a:r>
+          </a:p>
+        </p:txBody>
+      </p:sp>
+      <p:sp>
+        <p:nvSpPr>
+          <p:cNvPr id="14" name="직사각형 13">
+            <a:extLst>
+              <a:ext uri="{FF2B5EF4-FFF2-40B4-BE49-F238E27FC236}">
+                <a16:creationId xmlns:a16="http://schemas.microsoft.com/office/drawing/2014/main" id="{4A62AAC4-24DE-4D3B-93D4-F202BFFC126D}"/>
+              </a:ext>
+            </a:extLst>
+          </p:cNvPr>
+          <p:cNvSpPr/>
+          <p:nvPr/>
+        </p:nvSpPr>
+        <p:spPr>
+          <a:xfrm>
+            <a:off x="609600" y="1382223"/>
+            <a:ext cx="1189978" cy="304800"/>
+          </a:xfrm>
+          <a:prstGeom prst="rect">
+            <a:avLst/>
+          </a:prstGeom>
+          <a:noFill/>
+          <a:ln>
+            <a:solidFill>
+              <a:srgbClr val="111111"/>
+            </a:solidFill>
+          </a:ln>
+        </p:spPr>
+        <p:style>
+          <a:lnRef idx="2">
+            <a:schemeClr val="accent1">
+              <a:shade val="50000"/>
+            </a:schemeClr>
+          </a:lnRef>
+          <a:fillRef idx="1">
+            <a:schemeClr val="accent1"/>
+          </a:fillRef>
+          <a:effectRef idx="0">
+            <a:schemeClr val="accent1"/>
+          </a:effectRef>
+          <a:fontRef idx="minor">
+            <a:schemeClr val="lt1"/>
+          </a:fontRef>
+        </p:style>
+        <p:txBody>
+          <a:bodyPr lIns="0" tIns="0" rIns="0" bIns="0" rtlCol="0" anchor="ctr"/>
+          <a:lstStyle/>
+          <a:p>
+            <a:r>
+              <a:rPr lang="ko-KR" altLang="en-US" sz="1400" b="1" spc="-100" dirty="0">
+                <a:solidFill>
+                  <a:srgbClr val="FFFF00"/>
+                </a:solidFill>
+              </a:rPr>
+              <a:t>기장군 </a:t>
+            </a:r>
+            <a:r>
+              <a:rPr lang="ko-KR" altLang="en-US" sz="1400" b="1" spc="-100" dirty="0" err="1">
+                <a:solidFill>
+                  <a:srgbClr val="FFFF00"/>
+                </a:solidFill>
+              </a:rPr>
+              <a:t>기장읍</a:t>
+            </a:r>
+            <a:endParaRPr lang="ko-KR" altLang="en-US" sz="1400" b="1" spc="-100" dirty="0">
+              <a:solidFill>
+                <a:srgbClr val="FFFF00"/>
+              </a:solidFill>
+            </a:endParaRPr>
+          </a:p>
+        </p:txBody>
+      </p:sp>
+      <p:sp>
+        <p:nvSpPr>
+          <p:cNvPr id="15" name="직사각형 14">
+            <a:extLst>
+              <a:ext uri="{FF2B5EF4-FFF2-40B4-BE49-F238E27FC236}">
+                <a16:creationId xmlns:a16="http://schemas.microsoft.com/office/drawing/2014/main" id="{F77A241D-6501-4D11-894A-D6D2E9F70B6F}"/>
+              </a:ext>
+            </a:extLst>
+          </p:cNvPr>
+          <p:cNvSpPr/>
+          <p:nvPr/>
+        </p:nvSpPr>
+        <p:spPr>
+          <a:xfrm>
+            <a:off x="7057580" y="1447800"/>
+            <a:ext cx="1189978" cy="304800"/>
+          </a:xfrm>
+          <a:prstGeom prst="rect">
+            <a:avLst/>
+          </a:prstGeom>
+          <a:noFill/>
+          <a:ln>
+            <a:solidFill>
+              <a:srgbClr val="111111"/>
+            </a:solidFill>
+          </a:ln>
+        </p:spPr>
+        <p:style>
+          <a:lnRef idx="2">
+            <a:schemeClr val="accent1">
+              <a:shade val="50000"/>
+            </a:schemeClr>
+          </a:lnRef>
+          <a:fillRef idx="1">
+            <a:schemeClr val="accent1"/>
+          </a:fillRef>
+          <a:effectRef idx="0">
+            <a:schemeClr val="accent1"/>
+          </a:effectRef>
+          <a:fontRef idx="minor">
+            <a:schemeClr val="lt1"/>
+          </a:fontRef>
+        </p:style>
+        <p:txBody>
+          <a:bodyPr lIns="0" tIns="0" rIns="0" bIns="0" rtlCol="0" anchor="ctr"/>
+          <a:lstStyle/>
+          <a:p>
+            <a:r>
+              <a:rPr lang="ko-KR" altLang="en-US" sz="1400" b="1" spc="-100" dirty="0">
+                <a:solidFill>
+                  <a:srgbClr val="FFFF00"/>
+                </a:solidFill>
+              </a:rPr>
+              <a:t>기장군 </a:t>
+            </a:r>
+            <a:r>
+              <a:rPr lang="ko-KR" altLang="en-US" sz="1400" b="1" spc="-100" dirty="0" err="1">
+                <a:solidFill>
+                  <a:srgbClr val="FFFF00"/>
+                </a:solidFill>
+              </a:rPr>
+              <a:t>기장읍</a:t>
+            </a:r>
+            <a:endParaRPr lang="ko-KR" altLang="en-US" sz="1400" b="1" spc="-100" dirty="0">
+              <a:solidFill>
+                <a:srgbClr val="FFFF00"/>
+              </a:solidFill>
+            </a:endParaRPr>
+          </a:p>
+        </p:txBody>
+      </p:sp>
+      <p:sp>
+        <p:nvSpPr>
+          <p:cNvPr id="4" name="화살표: 오른쪽 3">
+            <a:extLst>
+              <a:ext uri="{FF2B5EF4-FFF2-40B4-BE49-F238E27FC236}">
+                <a16:creationId xmlns:a16="http://schemas.microsoft.com/office/drawing/2014/main" id="{902B5971-A295-4248-8775-1522B45788E0}"/>
+              </a:ext>
+            </a:extLst>
+          </p:cNvPr>
+          <p:cNvSpPr/>
+          <p:nvPr/>
+        </p:nvSpPr>
+        <p:spPr>
+          <a:xfrm>
+            <a:off x="5467352" y="2985365"/>
+            <a:ext cx="1295400" cy="914394"/>
+          </a:xfrm>
+          <a:prstGeom prst="rightArrow">
+            <a:avLst/>
+          </a:prstGeom>
+          <a:solidFill>
+            <a:srgbClr val="366CDD"/>
+          </a:solidFill>
+          <a:ln>
+            <a:noFill/>
+          </a:ln>
+        </p:spPr>
+        <p:style>
+          <a:lnRef idx="2">
+            <a:schemeClr val="accent1">
+              <a:shade val="50000"/>
+            </a:schemeClr>
+          </a:lnRef>
+          <a:fillRef idx="1">
+            <a:schemeClr val="accent1"/>
+          </a:fillRef>
+          <a:effectRef idx="0">
+            <a:schemeClr val="accent1"/>
+          </a:effectRef>
+          <a:fontRef idx="minor">
+            <a:schemeClr val="lt1"/>
+          </a:fontRef>
+        </p:style>
+        <p:txBody>
+          <a:bodyPr rtlCol="0" anchor="ctr"/>
+          <a:lstStyle/>
+          <a:p>
+            <a:pPr algn="ctr"/>
+            <a:endParaRPr lang="ko-KR" altLang="en-US"/>
+          </a:p>
+        </p:txBody>
+      </p:sp>
+    </p:spTree>
+  </p:cSld>
+  <p:clrMapOvr>
+    <a:masterClrMapping/>
+  </p:clrMapOvr>
+</p:sld>
+</file>
+
 <file path=ppt/slides/slide2.xml><?xml version="1.0" encoding="utf-8"?>
 <p:sld xmlns:a="http://schemas.openxmlformats.org/drawingml/2006/main" xmlns:r="http://schemas.openxmlformats.org/officeDocument/2006/relationships" xmlns:p="http://schemas.openxmlformats.org/presentationml/2006/main" showMasterSp="0">
   <p:cSld>
@@ -20895,156 +18295,6 @@
           <a:chExt cx="0" cy="0"/>
         </a:xfrm>
       </p:grpSpPr>
-      <p:grpSp>
-        <p:nvGrpSpPr>
-          <p:cNvPr id="2" name="object 2"/>
-          <p:cNvGrpSpPr/>
-          <p:nvPr/>
-        </p:nvGrpSpPr>
-        <p:grpSpPr>
-          <a:xfrm>
-            <a:off x="0" y="0"/>
-            <a:ext cx="6096000" cy="6858000"/>
-            <a:chOff x="0" y="0"/>
-            <a:chExt cx="6096000" cy="6858000"/>
-          </a:xfrm>
-        </p:grpSpPr>
-        <p:pic>
-          <p:nvPicPr>
-            <p:cNvPr id="3" name="object 3"/>
-            <p:cNvPicPr/>
-            <p:nvPr/>
-          </p:nvPicPr>
-          <p:blipFill>
-            <a:blip r:embed="rId3" cstate="print"/>
-            <a:stretch>
-              <a:fillRect/>
-            </a:stretch>
-          </p:blipFill>
-          <p:spPr>
-            <a:xfrm>
-              <a:off x="0" y="0"/>
-              <a:ext cx="6019800" cy="6857998"/>
-            </a:xfrm>
-            <a:prstGeom prst="rect">
-              <a:avLst/>
-            </a:prstGeom>
-          </p:spPr>
-        </p:pic>
-        <p:sp>
-          <p:nvSpPr>
-            <p:cNvPr id="4" name="object 4"/>
-            <p:cNvSpPr/>
-            <p:nvPr/>
-          </p:nvSpPr>
-          <p:spPr>
-            <a:xfrm>
-              <a:off x="0" y="0"/>
-              <a:ext cx="495300" cy="6299200"/>
-            </a:xfrm>
-            <a:custGeom>
-              <a:avLst/>
-              <a:gdLst/>
-              <a:ahLst/>
-              <a:cxnLst/>
-              <a:rect l="l" t="t" r="r" b="b"/>
-              <a:pathLst>
-                <a:path w="495300" h="6299200">
-                  <a:moveTo>
-                    <a:pt x="495300" y="0"/>
-                  </a:moveTo>
-                  <a:lnTo>
-                    <a:pt x="0" y="0"/>
-                  </a:lnTo>
-                  <a:lnTo>
-                    <a:pt x="0" y="113030"/>
-                  </a:lnTo>
-                  <a:lnTo>
-                    <a:pt x="0" y="6299200"/>
-                  </a:lnTo>
-                  <a:lnTo>
-                    <a:pt x="106565" y="6299200"/>
-                  </a:lnTo>
-                  <a:lnTo>
-                    <a:pt x="106565" y="113030"/>
-                  </a:lnTo>
-                  <a:lnTo>
-                    <a:pt x="495300" y="113030"/>
-                  </a:lnTo>
-                  <a:lnTo>
-                    <a:pt x="495300" y="0"/>
-                  </a:lnTo>
-                  <a:close/>
-                </a:path>
-              </a:pathLst>
-            </a:custGeom>
-            <a:solidFill>
-              <a:srgbClr val="0ACCCD">
-                <a:alpha val="50195"/>
-              </a:srgbClr>
-            </a:solidFill>
-          </p:spPr>
-          <p:txBody>
-            <a:bodyPr wrap="square" lIns="0" tIns="0" rIns="0" bIns="0" rtlCol="0"/>
-            <a:lstStyle/>
-            <a:p>
-              <a:endParaRPr/>
-            </a:p>
-          </p:txBody>
-        </p:sp>
-        <p:sp>
-          <p:nvSpPr>
-            <p:cNvPr id="5" name="object 5"/>
-            <p:cNvSpPr/>
-            <p:nvPr/>
-          </p:nvSpPr>
-          <p:spPr>
-            <a:xfrm>
-              <a:off x="5931408" y="559307"/>
-              <a:ext cx="165100" cy="6299200"/>
-            </a:xfrm>
-            <a:custGeom>
-              <a:avLst/>
-              <a:gdLst/>
-              <a:ahLst/>
-              <a:cxnLst/>
-              <a:rect l="l" t="t" r="r" b="b"/>
-              <a:pathLst>
-                <a:path w="165100" h="6299200">
-                  <a:moveTo>
-                    <a:pt x="164591" y="0"/>
-                  </a:moveTo>
-                  <a:lnTo>
-                    <a:pt x="0" y="0"/>
-                  </a:lnTo>
-                  <a:lnTo>
-                    <a:pt x="0" y="6298692"/>
-                  </a:lnTo>
-                  <a:lnTo>
-                    <a:pt x="164591" y="6298692"/>
-                  </a:lnTo>
-                  <a:lnTo>
-                    <a:pt x="164591" y="0"/>
-                  </a:lnTo>
-                  <a:close/>
-                </a:path>
-              </a:pathLst>
-            </a:custGeom>
-            <a:solidFill>
-              <a:srgbClr val="7901F8">
-                <a:alpha val="50195"/>
-              </a:srgbClr>
-            </a:solidFill>
-          </p:spPr>
-          <p:txBody>
-            <a:bodyPr wrap="square" lIns="0" tIns="0" rIns="0" bIns="0" rtlCol="0"/>
-            <a:lstStyle/>
-            <a:p>
-              <a:endParaRPr/>
-            </a:p>
-          </p:txBody>
-        </p:sp>
-      </p:grpSp>
       <p:grpSp>
         <p:nvGrpSpPr>
           <p:cNvPr id="15" name="object 15"/>
@@ -21799,7 +19049,7 @@
           <p:nvPr/>
         </p:nvPicPr>
         <p:blipFill>
-          <a:blip r:embed="rId4" cstate="print"/>
+          <a:blip r:embed="rId3" cstate="print"/>
           <a:stretch>
             <a:fillRect/>
           </a:stretch>
@@ -22804,1183 +20054,6 @@
 </file>
 
 <file path=ppt/slides/slide20.xml><?xml version="1.0" encoding="utf-8"?>
-<p:sld xmlns:a="http://schemas.openxmlformats.org/drawingml/2006/main" xmlns:r="http://schemas.openxmlformats.org/officeDocument/2006/relationships" xmlns:p="http://schemas.openxmlformats.org/presentationml/2006/main" showMasterSp="0">
-  <p:cSld>
-    <p:spTree>
-      <p:nvGrpSpPr>
-        <p:cNvPr id="1" name=""/>
-        <p:cNvGrpSpPr/>
-        <p:nvPr/>
-      </p:nvGrpSpPr>
-      <p:grpSpPr>
-        <a:xfrm>
-          <a:off x="0" y="0"/>
-          <a:ext cx="0" cy="0"/>
-          <a:chOff x="0" y="0"/>
-          <a:chExt cx="0" cy="0"/>
-        </a:xfrm>
-      </p:grpSpPr>
-      <p:sp>
-        <p:nvSpPr>
-          <p:cNvPr id="33" name="바닥글 개체 틀 32">
-            <a:extLst>
-              <a:ext uri="{FF2B5EF4-FFF2-40B4-BE49-F238E27FC236}">
-                <a16:creationId xmlns:a16="http://schemas.microsoft.com/office/drawing/2014/main" id="{7F15BF86-57E6-43A3-BDE9-2A2C53D9ADDF}"/>
-              </a:ext>
-            </a:extLst>
-          </p:cNvPr>
-          <p:cNvSpPr>
-            <a:spLocks noGrp="1"/>
-          </p:cNvSpPr>
-          <p:nvPr>
-            <p:ph type="ftr" sz="quarter" idx="5"/>
-          </p:nvPr>
-        </p:nvSpPr>
-        <p:spPr>
-          <a:xfrm>
-            <a:off x="4145280" y="6595205"/>
-            <a:ext cx="3901440" cy="169277"/>
-          </a:xfrm>
-          <a:prstGeom prst="rect">
-            <a:avLst/>
-          </a:prstGeom>
-        </p:spPr>
-        <p:txBody>
-          <a:bodyPr/>
-          <a:lstStyle/>
-          <a:p>
-            <a:r>
-              <a:rPr lang="en-US" altLang="ko-KR"/>
-              <a:t>Busan Senior Centre(BSC)</a:t>
-            </a:r>
-            <a:r>
-              <a:rPr lang="ko-KR" altLang="en-US"/>
-              <a:t>의 시급한 개선을 위한 입지 분석 모델</a:t>
-            </a:r>
-            <a:endParaRPr lang="en-US"/>
-          </a:p>
-        </p:txBody>
-      </p:sp>
-      <p:sp>
-        <p:nvSpPr>
-          <p:cNvPr id="34" name="슬라이드 번호 개체 틀 33">
-            <a:extLst>
-              <a:ext uri="{FF2B5EF4-FFF2-40B4-BE49-F238E27FC236}">
-                <a16:creationId xmlns:a16="http://schemas.microsoft.com/office/drawing/2014/main" id="{8CD6D042-CB22-4EF3-BE31-019328406DDE}"/>
-              </a:ext>
-            </a:extLst>
-          </p:cNvPr>
-          <p:cNvSpPr>
-            <a:spLocks noGrp="1"/>
-          </p:cNvSpPr>
-          <p:nvPr>
-            <p:ph type="sldNum" sz="quarter" idx="7"/>
-          </p:nvPr>
-        </p:nvSpPr>
-        <p:spPr/>
-        <p:txBody>
-          <a:bodyPr/>
-          <a:lstStyle/>
-          <a:p>
-            <a:fld id="{B6F15528-21DE-4FAA-801E-634DDDAF4B2B}" type="slidenum">
-              <a:rPr lang="en-US" altLang="ko-KR" smtClean="0"/>
-              <a:t>19</a:t>
-            </a:fld>
-            <a:endParaRPr lang="ko-KR" altLang="en-US"/>
-          </a:p>
-        </p:txBody>
-      </p:sp>
-      <p:grpSp>
-        <p:nvGrpSpPr>
-          <p:cNvPr id="35" name="그룹 34">
-            <a:extLst>
-              <a:ext uri="{FF2B5EF4-FFF2-40B4-BE49-F238E27FC236}">
-                <a16:creationId xmlns:a16="http://schemas.microsoft.com/office/drawing/2014/main" id="{44AF5E58-63B6-4924-B4A9-DC3F305C9410}"/>
-              </a:ext>
-            </a:extLst>
-          </p:cNvPr>
-          <p:cNvGrpSpPr/>
-          <p:nvPr/>
-        </p:nvGrpSpPr>
-        <p:grpSpPr>
-          <a:xfrm>
-            <a:off x="477962" y="328427"/>
-            <a:ext cx="11236076" cy="310975"/>
-            <a:chOff x="477962" y="328427"/>
-            <a:chExt cx="11236076" cy="310975"/>
-          </a:xfrm>
-        </p:grpSpPr>
-        <p:sp>
-          <p:nvSpPr>
-            <p:cNvPr id="36" name="TextBox 35">
-              <a:extLst>
-                <a:ext uri="{FF2B5EF4-FFF2-40B4-BE49-F238E27FC236}">
-                  <a16:creationId xmlns:a16="http://schemas.microsoft.com/office/drawing/2014/main" id="{4FBE1861-A6F3-48C2-AF98-6830BDD873F3}"/>
-                </a:ext>
-              </a:extLst>
-            </p:cNvPr>
-            <p:cNvSpPr txBox="1"/>
-            <p:nvPr/>
-          </p:nvSpPr>
-          <p:spPr>
-            <a:xfrm>
-              <a:off x="477962" y="331625"/>
-              <a:ext cx="3484438" cy="307777"/>
-            </a:xfrm>
-            <a:prstGeom prst="rect">
-              <a:avLst/>
-            </a:prstGeom>
-            <a:noFill/>
-          </p:spPr>
-          <p:txBody>
-            <a:bodyPr wrap="square" rtlCol="0">
-              <a:spAutoFit/>
-            </a:bodyPr>
-            <a:lstStyle/>
-            <a:p>
-              <a:r>
-                <a:rPr lang="en-US" altLang="ko-KR" sz="1400" dirty="0">
-                  <a:solidFill>
-                    <a:srgbClr val="366CDD"/>
-                  </a:solidFill>
-                </a:rPr>
-                <a:t>Step4 - </a:t>
-              </a:r>
-              <a:r>
-                <a:rPr lang="ko-KR" altLang="en-US" sz="1400" dirty="0">
-                  <a:solidFill>
-                    <a:srgbClr val="366CDD"/>
-                  </a:solidFill>
-                </a:rPr>
-                <a:t>최적의 입지를</a:t>
-              </a:r>
-              <a:r>
-                <a:rPr lang="en-US" altLang="ko-KR" sz="1400" dirty="0">
-                  <a:solidFill>
-                    <a:srgbClr val="366CDD"/>
-                  </a:solidFill>
-                </a:rPr>
-                <a:t> </a:t>
-              </a:r>
-              <a:r>
-                <a:rPr lang="ko-KR" altLang="en-US" sz="1400" dirty="0">
-                  <a:solidFill>
-                    <a:srgbClr val="366CDD"/>
-                  </a:solidFill>
-                </a:rPr>
-                <a:t>위한 고려사항</a:t>
-              </a:r>
-            </a:p>
-          </p:txBody>
-        </p:sp>
-        <p:sp>
-          <p:nvSpPr>
-            <p:cNvPr id="37" name="TextBox 36">
-              <a:extLst>
-                <a:ext uri="{FF2B5EF4-FFF2-40B4-BE49-F238E27FC236}">
-                  <a16:creationId xmlns:a16="http://schemas.microsoft.com/office/drawing/2014/main" id="{5DAE4C27-7F10-4CFE-BAE8-D300C59609A3}"/>
-                </a:ext>
-              </a:extLst>
-            </p:cNvPr>
-            <p:cNvSpPr txBox="1"/>
-            <p:nvPr/>
-          </p:nvSpPr>
-          <p:spPr>
-            <a:xfrm>
-              <a:off x="10107393" y="328427"/>
-              <a:ext cx="1606645" cy="276999"/>
-            </a:xfrm>
-            <a:prstGeom prst="rect">
-              <a:avLst/>
-            </a:prstGeom>
-            <a:noFill/>
-          </p:spPr>
-          <p:txBody>
-            <a:bodyPr wrap="square" rtlCol="0">
-              <a:spAutoFit/>
-            </a:bodyPr>
-            <a:lstStyle/>
-            <a:p>
-              <a:r>
-                <a:rPr lang="ko-KR" altLang="en-US" sz="1200" dirty="0">
-                  <a:solidFill>
-                    <a:srgbClr val="366CDD"/>
-                  </a:solidFill>
-                </a:rPr>
-                <a:t>동아대학교 </a:t>
-              </a:r>
-              <a:r>
-                <a:rPr lang="en-US" altLang="ko-KR" sz="1200" dirty="0" err="1">
-                  <a:solidFill>
-                    <a:srgbClr val="366CDD"/>
-                  </a:solidFill>
-                </a:rPr>
-                <a:t>Dev_Day</a:t>
-              </a:r>
-              <a:endParaRPr lang="ko-KR" altLang="en-US" sz="1200" dirty="0">
-                <a:solidFill>
-                  <a:srgbClr val="366CDD"/>
-                </a:solidFill>
-              </a:endParaRPr>
-            </a:p>
-          </p:txBody>
-        </p:sp>
-      </p:grpSp>
-      <p:pic>
-        <p:nvPicPr>
-          <p:cNvPr id="39" name="그림 38" descr="테이블이(가) 표시된 사진&#10;&#10;자동 생성된 설명">
-            <a:extLst>
-              <a:ext uri="{FF2B5EF4-FFF2-40B4-BE49-F238E27FC236}">
-                <a16:creationId xmlns:a16="http://schemas.microsoft.com/office/drawing/2014/main" id="{92281BC2-0425-4BC0-827B-556EF7DBAC78}"/>
-              </a:ext>
-            </a:extLst>
-          </p:cNvPr>
-          <p:cNvPicPr>
-            <a:picLocks noChangeAspect="1"/>
-          </p:cNvPicPr>
-          <p:nvPr/>
-        </p:nvPicPr>
-        <p:blipFill rotWithShape="1">
-          <a:blip r:embed="rId3">
-            <a:extLst>
-              <a:ext uri="{BEBA8EAE-BF5A-486C-A8C5-ECC9F3942E4B}">
-                <a14:imgProps xmlns:a14="http://schemas.microsoft.com/office/drawing/2010/main">
-                  <a14:imgLayer r:embed="rId4">
-                    <a14:imgEffect>
-                      <a14:backgroundRemoval t="10000" b="90000" l="10000" r="90000"/>
-                    </a14:imgEffect>
-                  </a14:imgLayer>
-                </a14:imgProps>
-              </a:ext>
-              <a:ext uri="{28A0092B-C50C-407E-A947-70E740481C1C}">
-                <a14:useLocalDpi xmlns:a14="http://schemas.microsoft.com/office/drawing/2010/main" val="0"/>
-              </a:ext>
-            </a:extLst>
-          </a:blip>
-          <a:srcRect l="23125" t="23198" r="26875" b="13820"/>
-          <a:stretch/>
-        </p:blipFill>
-        <p:spPr>
-          <a:xfrm>
-            <a:off x="3311815" y="2605097"/>
-            <a:ext cx="5603585" cy="3292102"/>
-          </a:xfrm>
-          <a:prstGeom prst="rect">
-            <a:avLst/>
-          </a:prstGeom>
-        </p:spPr>
-      </p:pic>
-      <p:sp>
-        <p:nvSpPr>
-          <p:cNvPr id="40" name="TextBox 39">
-            <a:extLst>
-              <a:ext uri="{FF2B5EF4-FFF2-40B4-BE49-F238E27FC236}">
-                <a16:creationId xmlns:a16="http://schemas.microsoft.com/office/drawing/2014/main" id="{E320077A-4B30-4609-8937-A3D5FDAB6A85}"/>
-              </a:ext>
-            </a:extLst>
-          </p:cNvPr>
-          <p:cNvSpPr txBox="1"/>
-          <p:nvPr/>
-        </p:nvSpPr>
-        <p:spPr>
-          <a:xfrm>
-            <a:off x="3943350" y="5882335"/>
-            <a:ext cx="4267200" cy="246221"/>
-          </a:xfrm>
-          <a:prstGeom prst="rect">
-            <a:avLst/>
-          </a:prstGeom>
-          <a:noFill/>
-        </p:spPr>
-        <p:txBody>
-          <a:bodyPr wrap="square" rtlCol="0">
-            <a:spAutoFit/>
-          </a:bodyPr>
-          <a:lstStyle/>
-          <a:p>
-            <a:pPr algn="ctr"/>
-            <a:r>
-              <a:rPr lang="ko-KR" altLang="en-US" sz="1000" dirty="0">
-                <a:solidFill>
-                  <a:srgbClr val="525252"/>
-                </a:solidFill>
-              </a:rPr>
-              <a:t>자료 출처 </a:t>
-            </a:r>
-            <a:r>
-              <a:rPr lang="en-US" altLang="ko-KR" sz="1000" dirty="0">
-                <a:solidFill>
-                  <a:srgbClr val="525252"/>
-                </a:solidFill>
-              </a:rPr>
-              <a:t>: </a:t>
-            </a:r>
-            <a:r>
-              <a:rPr lang="ko-KR" altLang="en-US" sz="1000" dirty="0">
-                <a:solidFill>
-                  <a:srgbClr val="525252"/>
-                </a:solidFill>
-              </a:rPr>
-              <a:t>시니어라이프 비즈니스</a:t>
-            </a:r>
-          </a:p>
-        </p:txBody>
-      </p:sp>
-      <p:sp>
-        <p:nvSpPr>
-          <p:cNvPr id="41" name="사각형: 잘린 한쪽 모서리 40">
-            <a:extLst>
-              <a:ext uri="{FF2B5EF4-FFF2-40B4-BE49-F238E27FC236}">
-                <a16:creationId xmlns:a16="http://schemas.microsoft.com/office/drawing/2014/main" id="{6428F384-1046-4074-8077-FDE9E9D81B52}"/>
-              </a:ext>
-            </a:extLst>
-          </p:cNvPr>
-          <p:cNvSpPr/>
-          <p:nvPr/>
-        </p:nvSpPr>
-        <p:spPr>
-          <a:xfrm flipH="1">
-            <a:off x="1371600" y="1171812"/>
-            <a:ext cx="9082523" cy="1281700"/>
-          </a:xfrm>
-          <a:prstGeom prst="snip1Rect">
-            <a:avLst/>
-          </a:prstGeom>
-          <a:solidFill>
-            <a:srgbClr val="366CDD">
-              <a:alpha val="20000"/>
-            </a:srgbClr>
-          </a:solidFill>
-        </p:spPr>
-        <p:txBody>
-          <a:bodyPr wrap="square" lIns="0" tIns="0" rIns="0" bIns="0" rtlCol="0"/>
-          <a:lstStyle/>
-          <a:p>
-            <a:endParaRPr lang="ko-KR" altLang="en-US" spc="-100">
-              <a:solidFill>
-                <a:schemeClr val="tx1"/>
-              </a:solidFill>
-            </a:endParaRPr>
-          </a:p>
-        </p:txBody>
-      </p:sp>
-      <p:sp>
-        <p:nvSpPr>
-          <p:cNvPr id="3" name="TextBox 2">
-            <a:extLst>
-              <a:ext uri="{FF2B5EF4-FFF2-40B4-BE49-F238E27FC236}">
-                <a16:creationId xmlns:a16="http://schemas.microsoft.com/office/drawing/2014/main" id="{957DCA39-7E74-4103-BD92-8B3C86C6DCDC}"/>
-              </a:ext>
-            </a:extLst>
-          </p:cNvPr>
-          <p:cNvSpPr txBox="1"/>
-          <p:nvPr/>
-        </p:nvSpPr>
-        <p:spPr>
-          <a:xfrm>
-            <a:off x="1233607" y="1384315"/>
-            <a:ext cx="9525000" cy="830997"/>
-          </a:xfrm>
-          <a:prstGeom prst="rect">
-            <a:avLst/>
-          </a:prstGeom>
-          <a:noFill/>
-        </p:spPr>
-        <p:txBody>
-          <a:bodyPr wrap="square" rtlCol="0">
-            <a:spAutoFit/>
-          </a:bodyPr>
-          <a:lstStyle/>
-          <a:p>
-            <a:pPr algn="ctr"/>
-            <a:r>
-              <a:rPr lang="ko-KR" altLang="en-US" sz="2400" dirty="0"/>
-              <a:t>노인의 이동수단과 시간을 고려했을 때</a:t>
-            </a:r>
-            <a:endParaRPr lang="en-US" altLang="ko-KR" sz="2400" dirty="0"/>
-          </a:p>
-          <a:p>
-            <a:pPr algn="ctr"/>
-            <a:r>
-              <a:rPr lang="ko-KR" altLang="en-US" sz="2400" b="1" dirty="0">
-                <a:solidFill>
-                  <a:srgbClr val="5643E2"/>
-                </a:solidFill>
-              </a:rPr>
-              <a:t>걸어서 </a:t>
-            </a:r>
-            <a:r>
-              <a:rPr lang="en-US" altLang="ko-KR" sz="2400" b="1" dirty="0">
-                <a:solidFill>
-                  <a:srgbClr val="5643E2"/>
-                </a:solidFill>
-              </a:rPr>
-              <a:t>10</a:t>
-            </a:r>
-            <a:r>
-              <a:rPr lang="ko-KR" altLang="en-US" sz="2400" b="1" dirty="0">
-                <a:solidFill>
-                  <a:srgbClr val="5643E2"/>
-                </a:solidFill>
-              </a:rPr>
-              <a:t>분 이내의 위치가 최적 입지라고 선정</a:t>
-            </a:r>
-            <a:r>
-              <a:rPr lang="en-US" altLang="ko-KR" sz="2400" b="1" dirty="0">
-                <a:solidFill>
-                  <a:srgbClr val="5643E2"/>
-                </a:solidFill>
-              </a:rPr>
-              <a:t>.</a:t>
-            </a:r>
-            <a:endParaRPr lang="ko-KR" altLang="en-US" sz="2400" b="1" dirty="0">
-              <a:solidFill>
-                <a:srgbClr val="5643E2"/>
-              </a:solidFill>
-            </a:endParaRPr>
-          </a:p>
-        </p:txBody>
-      </p:sp>
-      <p:pic>
-        <p:nvPicPr>
-          <p:cNvPr id="4" name="그림 3">
-            <a:extLst>
-              <a:ext uri="{FF2B5EF4-FFF2-40B4-BE49-F238E27FC236}">
-                <a16:creationId xmlns:a16="http://schemas.microsoft.com/office/drawing/2014/main" id="{A38E5E2E-124C-480E-8C18-5E2AB5128A21}"/>
-              </a:ext>
-            </a:extLst>
-          </p:cNvPr>
-          <p:cNvPicPr>
-            <a:picLocks noChangeAspect="1"/>
-          </p:cNvPicPr>
-          <p:nvPr/>
-        </p:nvPicPr>
-        <p:blipFill>
-          <a:blip r:embed="rId5">
-            <a:extLst>
-              <a:ext uri="{BEBA8EAE-BF5A-486C-A8C5-ECC9F3942E4B}">
-                <a14:imgProps xmlns:a14="http://schemas.microsoft.com/office/drawing/2010/main">
-                  <a14:imgLayer r:embed="rId6">
-                    <a14:imgEffect>
-                      <a14:backgroundRemoval t="10000" b="90000" l="10000" r="90000"/>
-                    </a14:imgEffect>
-                  </a14:imgLayer>
-                </a14:imgProps>
-              </a:ext>
-            </a:extLst>
-          </a:blip>
-          <a:stretch>
-            <a:fillRect/>
-          </a:stretch>
-        </p:blipFill>
-        <p:spPr>
-          <a:xfrm>
-            <a:off x="4447770" y="4343686"/>
-            <a:ext cx="488830" cy="400737"/>
-          </a:xfrm>
-          <a:prstGeom prst="rect">
-            <a:avLst/>
-          </a:prstGeom>
-        </p:spPr>
-      </p:pic>
-      <p:pic>
-        <p:nvPicPr>
-          <p:cNvPr id="17" name="그림 16">
-            <a:extLst>
-              <a:ext uri="{FF2B5EF4-FFF2-40B4-BE49-F238E27FC236}">
-                <a16:creationId xmlns:a16="http://schemas.microsoft.com/office/drawing/2014/main" id="{CD783B50-841D-465C-94EB-BF6F62FC8948}"/>
-              </a:ext>
-            </a:extLst>
-          </p:cNvPr>
-          <p:cNvPicPr>
-            <a:picLocks noChangeAspect="1"/>
-          </p:cNvPicPr>
-          <p:nvPr/>
-        </p:nvPicPr>
-        <p:blipFill>
-          <a:blip r:embed="rId5">
-            <a:extLst>
-              <a:ext uri="{BEBA8EAE-BF5A-486C-A8C5-ECC9F3942E4B}">
-                <a14:imgProps xmlns:a14="http://schemas.microsoft.com/office/drawing/2010/main">
-                  <a14:imgLayer r:embed="rId6">
-                    <a14:imgEffect>
-                      <a14:backgroundRemoval t="10000" b="90000" l="10000" r="90000"/>
-                    </a14:imgEffect>
-                  </a14:imgLayer>
-                </a14:imgProps>
-              </a:ext>
-            </a:extLst>
-          </a:blip>
-          <a:stretch>
-            <a:fillRect/>
-          </a:stretch>
-        </p:blipFill>
-        <p:spPr>
-          <a:xfrm>
-            <a:off x="4447770" y="3152854"/>
-            <a:ext cx="488831" cy="400738"/>
-          </a:xfrm>
-          <a:prstGeom prst="rect">
-            <a:avLst/>
-          </a:prstGeom>
-        </p:spPr>
-      </p:pic>
-      <p:sp>
-        <p:nvSpPr>
-          <p:cNvPr id="2" name="직사각형 1">
-            <a:extLst>
-              <a:ext uri="{FF2B5EF4-FFF2-40B4-BE49-F238E27FC236}">
-                <a16:creationId xmlns:a16="http://schemas.microsoft.com/office/drawing/2014/main" id="{42AC9EA3-0F1D-491F-8DA2-FAB704B47C11}"/>
-              </a:ext>
-            </a:extLst>
-          </p:cNvPr>
-          <p:cNvSpPr/>
-          <p:nvPr/>
-        </p:nvSpPr>
-        <p:spPr>
-          <a:xfrm>
-            <a:off x="3310741" y="2529947"/>
-            <a:ext cx="3547259" cy="471322"/>
-          </a:xfrm>
-          <a:prstGeom prst="rect">
-            <a:avLst/>
-          </a:prstGeom>
-          <a:solidFill>
-            <a:schemeClr val="bg1"/>
-          </a:solidFill>
-          <a:ln>
-            <a:noFill/>
-          </a:ln>
-        </p:spPr>
-        <p:style>
-          <a:lnRef idx="2">
-            <a:schemeClr val="accent1">
-              <a:shade val="50000"/>
-            </a:schemeClr>
-          </a:lnRef>
-          <a:fillRef idx="1">
-            <a:schemeClr val="accent1"/>
-          </a:fillRef>
-          <a:effectRef idx="0">
-            <a:schemeClr val="accent1"/>
-          </a:effectRef>
-          <a:fontRef idx="minor">
-            <a:schemeClr val="lt1"/>
-          </a:fontRef>
-        </p:style>
-        <p:txBody>
-          <a:bodyPr rtlCol="0" anchor="ctr"/>
-          <a:lstStyle/>
-          <a:p>
-            <a:r>
-              <a:rPr lang="ko-KR" altLang="en-US" sz="1400" dirty="0">
-                <a:solidFill>
-                  <a:schemeClr val="tx1"/>
-                </a:solidFill>
-              </a:rPr>
-              <a:t>고령자 대상 경로당 접근성 설문조사 결과</a:t>
-            </a:r>
-          </a:p>
-        </p:txBody>
-      </p:sp>
-    </p:spTree>
-  </p:cSld>
-  <p:clrMapOvr>
-    <a:masterClrMapping/>
-  </p:clrMapOvr>
-</p:sld>
-</file>
-
-<file path=ppt/slides/slide21.xml><?xml version="1.0" encoding="utf-8"?>
-<p:sld xmlns:a="http://schemas.openxmlformats.org/drawingml/2006/main" xmlns:r="http://schemas.openxmlformats.org/officeDocument/2006/relationships" xmlns:p="http://schemas.openxmlformats.org/presentationml/2006/main" showMasterSp="0">
-  <p:cSld>
-    <p:spTree>
-      <p:nvGrpSpPr>
-        <p:cNvPr id="1" name=""/>
-        <p:cNvGrpSpPr/>
-        <p:nvPr/>
-      </p:nvGrpSpPr>
-      <p:grpSpPr>
-        <a:xfrm>
-          <a:off x="0" y="0"/>
-          <a:ext cx="0" cy="0"/>
-          <a:chOff x="0" y="0"/>
-          <a:chExt cx="0" cy="0"/>
-        </a:xfrm>
-      </p:grpSpPr>
-      <p:sp>
-        <p:nvSpPr>
-          <p:cNvPr id="108" name="바닥글 개체 틀 107">
-            <a:extLst>
-              <a:ext uri="{FF2B5EF4-FFF2-40B4-BE49-F238E27FC236}">
-                <a16:creationId xmlns:a16="http://schemas.microsoft.com/office/drawing/2014/main" id="{A857C854-4557-4A52-8D1F-928755B4EA2D}"/>
-              </a:ext>
-            </a:extLst>
-          </p:cNvPr>
-          <p:cNvSpPr>
-            <a:spLocks noGrp="1"/>
-          </p:cNvSpPr>
-          <p:nvPr>
-            <p:ph type="ftr" sz="quarter" idx="5"/>
-          </p:nvPr>
-        </p:nvSpPr>
-        <p:spPr>
-          <a:xfrm>
-            <a:off x="4145280" y="6595205"/>
-            <a:ext cx="3901440" cy="169277"/>
-          </a:xfrm>
-          <a:prstGeom prst="rect">
-            <a:avLst/>
-          </a:prstGeom>
-        </p:spPr>
-        <p:txBody>
-          <a:bodyPr/>
-          <a:lstStyle/>
-          <a:p>
-            <a:r>
-              <a:rPr lang="en-US" altLang="ko-KR"/>
-              <a:t>Busan Senior Centre(BSC)</a:t>
-            </a:r>
-            <a:r>
-              <a:rPr lang="ko-KR" altLang="en-US"/>
-              <a:t>의 시급한 개선을 위한 입지 분석 모델</a:t>
-            </a:r>
-            <a:endParaRPr lang="en-US"/>
-          </a:p>
-        </p:txBody>
-      </p:sp>
-      <p:sp>
-        <p:nvSpPr>
-          <p:cNvPr id="109" name="슬라이드 번호 개체 틀 108">
-            <a:extLst>
-              <a:ext uri="{FF2B5EF4-FFF2-40B4-BE49-F238E27FC236}">
-                <a16:creationId xmlns:a16="http://schemas.microsoft.com/office/drawing/2014/main" id="{58F92D4D-3984-4AEC-B80D-75A497CBA1DE}"/>
-              </a:ext>
-            </a:extLst>
-          </p:cNvPr>
-          <p:cNvSpPr>
-            <a:spLocks noGrp="1"/>
-          </p:cNvSpPr>
-          <p:nvPr>
-            <p:ph type="sldNum" sz="quarter" idx="7"/>
-          </p:nvPr>
-        </p:nvSpPr>
-        <p:spPr/>
-        <p:txBody>
-          <a:bodyPr/>
-          <a:lstStyle/>
-          <a:p>
-            <a:fld id="{B6F15528-21DE-4FAA-801E-634DDDAF4B2B}" type="slidenum">
-              <a:rPr lang="en-US" altLang="ko-KR" smtClean="0"/>
-              <a:t>20</a:t>
-            </a:fld>
-            <a:endParaRPr lang="ko-KR" altLang="en-US"/>
-          </a:p>
-        </p:txBody>
-      </p:sp>
-      <p:grpSp>
-        <p:nvGrpSpPr>
-          <p:cNvPr id="110" name="그룹 109">
-            <a:extLst>
-              <a:ext uri="{FF2B5EF4-FFF2-40B4-BE49-F238E27FC236}">
-                <a16:creationId xmlns:a16="http://schemas.microsoft.com/office/drawing/2014/main" id="{EBF0A3A9-9264-4A64-990E-E83C892BDCDB}"/>
-              </a:ext>
-            </a:extLst>
-          </p:cNvPr>
-          <p:cNvGrpSpPr/>
-          <p:nvPr/>
-        </p:nvGrpSpPr>
-        <p:grpSpPr>
-          <a:xfrm>
-            <a:off x="477962" y="310538"/>
-            <a:ext cx="11236076" cy="328864"/>
-            <a:chOff x="477962" y="310538"/>
-            <a:chExt cx="11236076" cy="328864"/>
-          </a:xfrm>
-        </p:grpSpPr>
-        <p:sp>
-          <p:nvSpPr>
-            <p:cNvPr id="111" name="TextBox 110">
-              <a:extLst>
-                <a:ext uri="{FF2B5EF4-FFF2-40B4-BE49-F238E27FC236}">
-                  <a16:creationId xmlns:a16="http://schemas.microsoft.com/office/drawing/2014/main" id="{650987B8-CFC9-4E35-A1B8-9B056A6B29EE}"/>
-                </a:ext>
-              </a:extLst>
-            </p:cNvPr>
-            <p:cNvSpPr txBox="1"/>
-            <p:nvPr/>
-          </p:nvSpPr>
-          <p:spPr>
-            <a:xfrm>
-              <a:off x="477962" y="331625"/>
-              <a:ext cx="3484438" cy="307777"/>
-            </a:xfrm>
-            <a:prstGeom prst="rect">
-              <a:avLst/>
-            </a:prstGeom>
-            <a:noFill/>
-          </p:spPr>
-          <p:txBody>
-            <a:bodyPr wrap="square" rtlCol="0">
-              <a:spAutoFit/>
-            </a:bodyPr>
-            <a:lstStyle/>
-            <a:p>
-              <a:r>
-                <a:rPr lang="en-US" altLang="ko-KR" sz="1400" dirty="0">
-                  <a:solidFill>
-                    <a:srgbClr val="366CDD"/>
-                  </a:solidFill>
-                </a:rPr>
-                <a:t>Step4 - </a:t>
-              </a:r>
-              <a:r>
-                <a:rPr lang="ko-KR" altLang="en-US" sz="1400" dirty="0">
-                  <a:solidFill>
-                    <a:srgbClr val="366CDD"/>
-                  </a:solidFill>
-                </a:rPr>
-                <a:t>최적 입지 </a:t>
-              </a:r>
-              <a:r>
-                <a:rPr lang="en-US" altLang="ko-KR" sz="1400" dirty="0">
-                  <a:solidFill>
-                    <a:srgbClr val="366CDD"/>
-                  </a:solidFill>
-                </a:rPr>
-                <a:t>-</a:t>
-              </a:r>
-              <a:r>
-                <a:rPr lang="ko-KR" altLang="en-US" sz="1400" dirty="0">
-                  <a:solidFill>
-                    <a:srgbClr val="366CDD"/>
-                  </a:solidFill>
-                </a:rPr>
-                <a:t> </a:t>
-              </a:r>
-              <a:r>
-                <a:rPr lang="ko-KR" altLang="en-US" sz="1400" dirty="0" err="1">
-                  <a:solidFill>
-                    <a:srgbClr val="366CDD"/>
-                  </a:solidFill>
-                </a:rPr>
-                <a:t>기장읍</a:t>
-              </a:r>
-              <a:endParaRPr lang="ko-KR" altLang="en-US" sz="1400" dirty="0">
-                <a:solidFill>
-                  <a:srgbClr val="366CDD"/>
-                </a:solidFill>
-              </a:endParaRPr>
-            </a:p>
-          </p:txBody>
-        </p:sp>
-        <p:sp>
-          <p:nvSpPr>
-            <p:cNvPr id="112" name="TextBox 111">
-              <a:extLst>
-                <a:ext uri="{FF2B5EF4-FFF2-40B4-BE49-F238E27FC236}">
-                  <a16:creationId xmlns:a16="http://schemas.microsoft.com/office/drawing/2014/main" id="{BD3B083D-3849-4A94-926F-7870F6889404}"/>
-                </a:ext>
-              </a:extLst>
-            </p:cNvPr>
-            <p:cNvSpPr txBox="1"/>
-            <p:nvPr/>
-          </p:nvSpPr>
-          <p:spPr>
-            <a:xfrm>
-              <a:off x="10107393" y="310538"/>
-              <a:ext cx="1606645" cy="276999"/>
-            </a:xfrm>
-            <a:prstGeom prst="rect">
-              <a:avLst/>
-            </a:prstGeom>
-            <a:noFill/>
-          </p:spPr>
-          <p:txBody>
-            <a:bodyPr wrap="square" rtlCol="0">
-              <a:spAutoFit/>
-            </a:bodyPr>
-            <a:lstStyle/>
-            <a:p>
-              <a:r>
-                <a:rPr lang="ko-KR" altLang="en-US" sz="1200" dirty="0">
-                  <a:solidFill>
-                    <a:srgbClr val="366CDD"/>
-                  </a:solidFill>
-                </a:rPr>
-                <a:t>동아대학교 </a:t>
-              </a:r>
-              <a:r>
-                <a:rPr lang="en-US" altLang="ko-KR" sz="1200" dirty="0" err="1">
-                  <a:solidFill>
-                    <a:srgbClr val="366CDD"/>
-                  </a:solidFill>
-                </a:rPr>
-                <a:t>Dev_Day</a:t>
-              </a:r>
-              <a:endParaRPr lang="ko-KR" altLang="en-US" sz="1200" dirty="0">
-                <a:solidFill>
-                  <a:srgbClr val="366CDD"/>
-                </a:solidFill>
-              </a:endParaRPr>
-            </a:p>
-          </p:txBody>
-        </p:sp>
-      </p:grpSp>
-      <p:pic>
-        <p:nvPicPr>
-          <p:cNvPr id="3" name="그림 2" descr="텍스트이(가) 표시된 사진&#10;&#10;자동 생성된 설명">
-            <a:extLst>
-              <a:ext uri="{FF2B5EF4-FFF2-40B4-BE49-F238E27FC236}">
-                <a16:creationId xmlns:a16="http://schemas.microsoft.com/office/drawing/2014/main" id="{57079E79-C479-4918-AF18-0FF5C157BE1F}"/>
-              </a:ext>
-            </a:extLst>
-          </p:cNvPr>
-          <p:cNvPicPr>
-            <a:picLocks noChangeAspect="1"/>
-          </p:cNvPicPr>
-          <p:nvPr/>
-        </p:nvPicPr>
-        <p:blipFill>
-          <a:blip r:embed="rId3">
-            <a:extLst>
-              <a:ext uri="{28A0092B-C50C-407E-A947-70E740481C1C}">
-                <a14:useLocalDpi xmlns:a14="http://schemas.microsoft.com/office/drawing/2010/main" val="0"/>
-              </a:ext>
-            </a:extLst>
-          </a:blip>
-          <a:stretch>
-            <a:fillRect/>
-          </a:stretch>
-        </p:blipFill>
-        <p:spPr>
-          <a:xfrm>
-            <a:off x="516508" y="1295400"/>
-            <a:ext cx="4627439" cy="4423604"/>
-          </a:xfrm>
-          <a:prstGeom prst="rect">
-            <a:avLst/>
-          </a:prstGeom>
-        </p:spPr>
-      </p:pic>
-      <p:pic>
-        <p:nvPicPr>
-          <p:cNvPr id="13" name="그림 12" descr="텍스트, 실내이(가) 표시된 사진&#10;&#10;자동 생성된 설명">
-            <a:extLst>
-              <a:ext uri="{FF2B5EF4-FFF2-40B4-BE49-F238E27FC236}">
-                <a16:creationId xmlns:a16="http://schemas.microsoft.com/office/drawing/2014/main" id="{1655C752-B99D-4913-ADBD-682577B12D4A}"/>
-              </a:ext>
-            </a:extLst>
-          </p:cNvPr>
-          <p:cNvPicPr>
-            <a:picLocks noChangeAspect="1"/>
-          </p:cNvPicPr>
-          <p:nvPr/>
-        </p:nvPicPr>
-        <p:blipFill rotWithShape="1">
-          <a:blip r:embed="rId4">
-            <a:extLst>
-              <a:ext uri="{28A0092B-C50C-407E-A947-70E740481C1C}">
-                <a14:useLocalDpi xmlns:a14="http://schemas.microsoft.com/office/drawing/2010/main" val="0"/>
-              </a:ext>
-            </a:extLst>
-          </a:blip>
-          <a:srcRect l="39409" t="1847" r="5593" b="37990"/>
-          <a:stretch/>
-        </p:blipFill>
-        <p:spPr>
-          <a:xfrm>
-            <a:off x="7029005" y="1391478"/>
-            <a:ext cx="4495800" cy="4231447"/>
-          </a:xfrm>
-          <a:prstGeom prst="rect">
-            <a:avLst/>
-          </a:prstGeom>
-        </p:spPr>
-      </p:pic>
-      <p:sp>
-        <p:nvSpPr>
-          <p:cNvPr id="2" name="TextBox 1">
-            <a:extLst>
-              <a:ext uri="{FF2B5EF4-FFF2-40B4-BE49-F238E27FC236}">
-                <a16:creationId xmlns:a16="http://schemas.microsoft.com/office/drawing/2014/main" id="{CDD336BF-D5D7-4EA8-BEF4-E5777CCCCBC0}"/>
-              </a:ext>
-            </a:extLst>
-          </p:cNvPr>
-          <p:cNvSpPr txBox="1"/>
-          <p:nvPr/>
-        </p:nvSpPr>
-        <p:spPr>
-          <a:xfrm>
-            <a:off x="609600" y="5791200"/>
-            <a:ext cx="4495800" cy="276999"/>
-          </a:xfrm>
-          <a:prstGeom prst="rect">
-            <a:avLst/>
-          </a:prstGeom>
-          <a:noFill/>
-        </p:spPr>
-        <p:txBody>
-          <a:bodyPr wrap="square" rtlCol="0">
-            <a:spAutoFit/>
-          </a:bodyPr>
-          <a:lstStyle/>
-          <a:p>
-            <a:pPr algn="ctr"/>
-            <a:r>
-              <a:rPr lang="ko-KR" altLang="en-US" sz="1200" dirty="0"/>
-              <a:t>도보 기준 도시 네트워크의 </a:t>
-            </a:r>
-            <a:r>
-              <a:rPr lang="ko-KR" altLang="en-US" sz="1200" dirty="0" err="1"/>
-              <a:t>중심성</a:t>
-            </a:r>
-            <a:r>
-              <a:rPr lang="ko-KR" altLang="en-US" sz="1200" dirty="0"/>
-              <a:t> 파악</a:t>
-            </a:r>
-          </a:p>
-        </p:txBody>
-      </p:sp>
-      <p:sp>
-        <p:nvSpPr>
-          <p:cNvPr id="12" name="TextBox 11">
-            <a:extLst>
-              <a:ext uri="{FF2B5EF4-FFF2-40B4-BE49-F238E27FC236}">
-                <a16:creationId xmlns:a16="http://schemas.microsoft.com/office/drawing/2014/main" id="{D9419AD4-0B89-4643-9291-305EB111674B}"/>
-              </a:ext>
-            </a:extLst>
-          </p:cNvPr>
-          <p:cNvSpPr txBox="1"/>
-          <p:nvPr/>
-        </p:nvSpPr>
-        <p:spPr>
-          <a:xfrm>
-            <a:off x="7029005" y="5791199"/>
-            <a:ext cx="4495800" cy="276999"/>
-          </a:xfrm>
-          <a:prstGeom prst="rect">
-            <a:avLst/>
-          </a:prstGeom>
-          <a:noFill/>
-        </p:spPr>
-        <p:txBody>
-          <a:bodyPr wrap="square" rtlCol="0">
-            <a:spAutoFit/>
-          </a:bodyPr>
-          <a:lstStyle/>
-          <a:p>
-            <a:pPr algn="ctr"/>
-            <a:r>
-              <a:rPr lang="ko-KR" altLang="en-US" sz="1200" dirty="0"/>
-              <a:t>이동 거리에 따른 영역 시각화</a:t>
-            </a:r>
-          </a:p>
-        </p:txBody>
-      </p:sp>
-      <p:sp>
-        <p:nvSpPr>
-          <p:cNvPr id="14" name="직사각형 13">
-            <a:extLst>
-              <a:ext uri="{FF2B5EF4-FFF2-40B4-BE49-F238E27FC236}">
-                <a16:creationId xmlns:a16="http://schemas.microsoft.com/office/drawing/2014/main" id="{4A62AAC4-24DE-4D3B-93D4-F202BFFC126D}"/>
-              </a:ext>
-            </a:extLst>
-          </p:cNvPr>
-          <p:cNvSpPr/>
-          <p:nvPr/>
-        </p:nvSpPr>
-        <p:spPr>
-          <a:xfrm>
-            <a:off x="609600" y="1382223"/>
-            <a:ext cx="1189978" cy="304800"/>
-          </a:xfrm>
-          <a:prstGeom prst="rect">
-            <a:avLst/>
-          </a:prstGeom>
-          <a:noFill/>
-          <a:ln>
-            <a:solidFill>
-              <a:srgbClr val="111111"/>
-            </a:solidFill>
-          </a:ln>
-        </p:spPr>
-        <p:style>
-          <a:lnRef idx="2">
-            <a:schemeClr val="accent1">
-              <a:shade val="50000"/>
-            </a:schemeClr>
-          </a:lnRef>
-          <a:fillRef idx="1">
-            <a:schemeClr val="accent1"/>
-          </a:fillRef>
-          <a:effectRef idx="0">
-            <a:schemeClr val="accent1"/>
-          </a:effectRef>
-          <a:fontRef idx="minor">
-            <a:schemeClr val="lt1"/>
-          </a:fontRef>
-        </p:style>
-        <p:txBody>
-          <a:bodyPr lIns="0" tIns="0" rIns="0" bIns="0" rtlCol="0" anchor="ctr"/>
-          <a:lstStyle/>
-          <a:p>
-            <a:r>
-              <a:rPr lang="ko-KR" altLang="en-US" sz="1400" b="1" spc="-100" dirty="0">
-                <a:solidFill>
-                  <a:srgbClr val="FFFF00"/>
-                </a:solidFill>
-              </a:rPr>
-              <a:t>기장군 </a:t>
-            </a:r>
-            <a:r>
-              <a:rPr lang="ko-KR" altLang="en-US" sz="1400" b="1" spc="-100" dirty="0" err="1">
-                <a:solidFill>
-                  <a:srgbClr val="FFFF00"/>
-                </a:solidFill>
-              </a:rPr>
-              <a:t>기장읍</a:t>
-            </a:r>
-            <a:endParaRPr lang="ko-KR" altLang="en-US" sz="1400" b="1" spc="-100" dirty="0">
-              <a:solidFill>
-                <a:srgbClr val="FFFF00"/>
-              </a:solidFill>
-            </a:endParaRPr>
-          </a:p>
-        </p:txBody>
-      </p:sp>
-      <p:sp>
-        <p:nvSpPr>
-          <p:cNvPr id="15" name="직사각형 14">
-            <a:extLst>
-              <a:ext uri="{FF2B5EF4-FFF2-40B4-BE49-F238E27FC236}">
-                <a16:creationId xmlns:a16="http://schemas.microsoft.com/office/drawing/2014/main" id="{F77A241D-6501-4D11-894A-D6D2E9F70B6F}"/>
-              </a:ext>
-            </a:extLst>
-          </p:cNvPr>
-          <p:cNvSpPr/>
-          <p:nvPr/>
-        </p:nvSpPr>
-        <p:spPr>
-          <a:xfrm>
-            <a:off x="7057580" y="1447800"/>
-            <a:ext cx="1189978" cy="304800"/>
-          </a:xfrm>
-          <a:prstGeom prst="rect">
-            <a:avLst/>
-          </a:prstGeom>
-          <a:noFill/>
-          <a:ln>
-            <a:solidFill>
-              <a:srgbClr val="111111"/>
-            </a:solidFill>
-          </a:ln>
-        </p:spPr>
-        <p:style>
-          <a:lnRef idx="2">
-            <a:schemeClr val="accent1">
-              <a:shade val="50000"/>
-            </a:schemeClr>
-          </a:lnRef>
-          <a:fillRef idx="1">
-            <a:schemeClr val="accent1"/>
-          </a:fillRef>
-          <a:effectRef idx="0">
-            <a:schemeClr val="accent1"/>
-          </a:effectRef>
-          <a:fontRef idx="minor">
-            <a:schemeClr val="lt1"/>
-          </a:fontRef>
-        </p:style>
-        <p:txBody>
-          <a:bodyPr lIns="0" tIns="0" rIns="0" bIns="0" rtlCol="0" anchor="ctr"/>
-          <a:lstStyle/>
-          <a:p>
-            <a:r>
-              <a:rPr lang="ko-KR" altLang="en-US" sz="1400" b="1" spc="-100" dirty="0">
-                <a:solidFill>
-                  <a:srgbClr val="FFFF00"/>
-                </a:solidFill>
-              </a:rPr>
-              <a:t>기장군 </a:t>
-            </a:r>
-            <a:r>
-              <a:rPr lang="ko-KR" altLang="en-US" sz="1400" b="1" spc="-100" dirty="0" err="1">
-                <a:solidFill>
-                  <a:srgbClr val="FFFF00"/>
-                </a:solidFill>
-              </a:rPr>
-              <a:t>기장읍</a:t>
-            </a:r>
-            <a:endParaRPr lang="ko-KR" altLang="en-US" sz="1400" b="1" spc="-100" dirty="0">
-              <a:solidFill>
-                <a:srgbClr val="FFFF00"/>
-              </a:solidFill>
-            </a:endParaRPr>
-          </a:p>
-        </p:txBody>
-      </p:sp>
-      <p:sp>
-        <p:nvSpPr>
-          <p:cNvPr id="4" name="화살표: 오른쪽 3">
-            <a:extLst>
-              <a:ext uri="{FF2B5EF4-FFF2-40B4-BE49-F238E27FC236}">
-                <a16:creationId xmlns:a16="http://schemas.microsoft.com/office/drawing/2014/main" id="{902B5971-A295-4248-8775-1522B45788E0}"/>
-              </a:ext>
-            </a:extLst>
-          </p:cNvPr>
-          <p:cNvSpPr/>
-          <p:nvPr/>
-        </p:nvSpPr>
-        <p:spPr>
-          <a:xfrm>
-            <a:off x="5467352" y="2985365"/>
-            <a:ext cx="1295400" cy="914394"/>
-          </a:xfrm>
-          <a:prstGeom prst="rightArrow">
-            <a:avLst/>
-          </a:prstGeom>
-          <a:solidFill>
-            <a:srgbClr val="366CDD"/>
-          </a:solidFill>
-          <a:ln>
-            <a:noFill/>
-          </a:ln>
-        </p:spPr>
-        <p:style>
-          <a:lnRef idx="2">
-            <a:schemeClr val="accent1">
-              <a:shade val="50000"/>
-            </a:schemeClr>
-          </a:lnRef>
-          <a:fillRef idx="1">
-            <a:schemeClr val="accent1"/>
-          </a:fillRef>
-          <a:effectRef idx="0">
-            <a:schemeClr val="accent1"/>
-          </a:effectRef>
-          <a:fontRef idx="minor">
-            <a:schemeClr val="lt1"/>
-          </a:fontRef>
-        </p:style>
-        <p:txBody>
-          <a:bodyPr rtlCol="0" anchor="ctr"/>
-          <a:lstStyle/>
-          <a:p>
-            <a:pPr algn="ctr"/>
-            <a:endParaRPr lang="ko-KR" altLang="en-US"/>
-          </a:p>
-        </p:txBody>
-      </p:sp>
-    </p:spTree>
-  </p:cSld>
-  <p:clrMapOvr>
-    <a:masterClrMapping/>
-  </p:clrMapOvr>
-</p:sld>
-</file>
-
-<file path=ppt/slides/slide22.xml><?xml version="1.0" encoding="utf-8"?>
 <p:sld xmlns:a="http://schemas.openxmlformats.org/drawingml/2006/main" xmlns:r="http://schemas.openxmlformats.org/officeDocument/2006/relationships" xmlns:p="http://schemas.openxmlformats.org/presentationml/2006/main">
   <p:cSld>
     <p:spTree>
@@ -24061,7 +20134,7 @@
           <a:p>
             <a:fld id="{B6F15528-21DE-4FAA-801E-634DDDAF4B2B}" type="slidenum">
               <a:rPr lang="en-US" altLang="ko-KR" smtClean="0"/>
-              <a:t>21</a:t>
+              <a:t>19</a:t>
             </a:fld>
             <a:endParaRPr lang="ko-KR" altLang="en-US"/>
           </a:p>
@@ -24573,7 +20646,7 @@
 </p:sld>
 </file>
 
-<file path=ppt/slides/slide23.xml><?xml version="1.0" encoding="utf-8"?>
+<file path=ppt/slides/slide21.xml><?xml version="1.0" encoding="utf-8"?>
 <p:sld xmlns:a="http://schemas.openxmlformats.org/drawingml/2006/main" xmlns:r="http://schemas.openxmlformats.org/officeDocument/2006/relationships" xmlns:p="http://schemas.openxmlformats.org/presentationml/2006/main">
   <p:cSld>
     <p:spTree>
@@ -24654,7 +20727,7 @@
           <a:p>
             <a:fld id="{B6F15528-21DE-4FAA-801E-634DDDAF4B2B}" type="slidenum">
               <a:rPr lang="en-US" altLang="ko-KR" smtClean="0"/>
-              <a:t>22</a:t>
+              <a:t>20</a:t>
             </a:fld>
             <a:endParaRPr lang="ko-KR" altLang="en-US"/>
           </a:p>
@@ -25171,7 +21244,7 @@
 </p:sld>
 </file>
 
-<file path=ppt/slides/slide24.xml><?xml version="1.0" encoding="utf-8"?>
+<file path=ppt/slides/slide22.xml><?xml version="1.0" encoding="utf-8"?>
 <p:sld xmlns:a="http://schemas.openxmlformats.org/drawingml/2006/main" xmlns:r="http://schemas.openxmlformats.org/officeDocument/2006/relationships" xmlns:p="http://schemas.openxmlformats.org/presentationml/2006/main">
   <p:cSld>
     <p:spTree>
@@ -25252,7 +21325,7 @@
           <a:p>
             <a:fld id="{B6F15528-21DE-4FAA-801E-634DDDAF4B2B}" type="slidenum">
               <a:rPr lang="en-US" altLang="ko-KR" smtClean="0"/>
-              <a:t>23</a:t>
+              <a:t>21</a:t>
             </a:fld>
             <a:endParaRPr lang="ko-KR" altLang="en-US"/>
           </a:p>
@@ -25916,7 +21989,7 @@
 </p:sld>
 </file>
 
-<file path=ppt/slides/slide25.xml><?xml version="1.0" encoding="utf-8"?>
+<file path=ppt/slides/slide23.xml><?xml version="1.0" encoding="utf-8"?>
 <p:sld xmlns:a="http://schemas.openxmlformats.org/drawingml/2006/main" xmlns:r="http://schemas.openxmlformats.org/officeDocument/2006/relationships" xmlns:p="http://schemas.openxmlformats.org/presentationml/2006/main">
   <p:cSld>
     <p:spTree>
@@ -25997,7 +22070,7 @@
           <a:p>
             <a:fld id="{B6F15528-21DE-4FAA-801E-634DDDAF4B2B}" type="slidenum">
               <a:rPr lang="en-US" altLang="ko-KR" smtClean="0"/>
-              <a:t>24</a:t>
+              <a:t>22</a:t>
             </a:fld>
             <a:endParaRPr lang="ko-KR" altLang="en-US"/>
           </a:p>
@@ -26438,8 +22511,8 @@
 </p:sld>
 </file>
 
-<file path=ppt/slides/slide26.xml><?xml version="1.0" encoding="utf-8"?>
-<p:sld xmlns:a="http://schemas.openxmlformats.org/drawingml/2006/main" xmlns:r="http://schemas.openxmlformats.org/officeDocument/2006/relationships" xmlns:p="http://schemas.openxmlformats.org/presentationml/2006/main" showMasterSp="0">
+<file path=ppt/slides/slide24.xml><?xml version="1.0" encoding="utf-8"?>
+<p:sld xmlns:a="http://schemas.openxmlformats.org/drawingml/2006/main" xmlns:r="http://schemas.openxmlformats.org/officeDocument/2006/relationships" xmlns:p="http://schemas.openxmlformats.org/presentationml/2006/main">
   <p:cSld>
     <p:spTree>
       <p:nvGrpSpPr>
@@ -26457,10 +22530,220 @@
       </p:grpSpPr>
       <p:sp>
         <p:nvSpPr>
-          <p:cNvPr id="53" name="바닥글 개체 틀 52">
+          <p:cNvPr id="6" name="제목 5">
             <a:extLst>
               <a:ext uri="{FF2B5EF4-FFF2-40B4-BE49-F238E27FC236}">
-                <a16:creationId xmlns:a16="http://schemas.microsoft.com/office/drawing/2014/main" id="{FFA53714-27B5-4008-8677-6369EA8A6EFA}"/>
+                <a16:creationId xmlns:a16="http://schemas.microsoft.com/office/drawing/2014/main" id="{928F4021-7365-45BE-8488-6F2DC5D34C2E}"/>
+              </a:ext>
+            </a:extLst>
+          </p:cNvPr>
+          <p:cNvSpPr>
+            <a:spLocks noGrp="1"/>
+          </p:cNvSpPr>
+          <p:nvPr>
+            <p:ph type="title"/>
+          </p:nvPr>
+        </p:nvSpPr>
+        <p:spPr>
+          <a:xfrm>
+            <a:off x="609600" y="508158"/>
+            <a:ext cx="10972800" cy="492443"/>
+          </a:xfrm>
+        </p:spPr>
+        <p:txBody>
+          <a:bodyPr/>
+          <a:lstStyle/>
+          <a:p>
+            <a:r>
+              <a:rPr lang="ko-KR" altLang="en-US" sz="3200" dirty="0"/>
+              <a:t>요구사항</a:t>
+            </a:r>
+          </a:p>
+        </p:txBody>
+      </p:sp>
+      <p:sp>
+        <p:nvSpPr>
+          <p:cNvPr id="7" name="텍스트 개체 틀 6">
+            <a:extLst>
+              <a:ext uri="{FF2B5EF4-FFF2-40B4-BE49-F238E27FC236}">
+                <a16:creationId xmlns:a16="http://schemas.microsoft.com/office/drawing/2014/main" id="{23E50AAD-68C1-4C2F-B6E0-A778A5C7CF4F}"/>
+              </a:ext>
+            </a:extLst>
+          </p:cNvPr>
+          <p:cNvSpPr>
+            <a:spLocks noGrp="1"/>
+          </p:cNvSpPr>
+          <p:nvPr>
+            <p:ph type="body" idx="1"/>
+          </p:nvPr>
+        </p:nvSpPr>
+        <p:spPr>
+          <a:xfrm>
+            <a:off x="609600" y="1951672"/>
+            <a:ext cx="10972800" cy="4431983"/>
+          </a:xfrm>
+        </p:spPr>
+        <p:txBody>
+          <a:bodyPr/>
+          <a:lstStyle/>
+          <a:p>
+            <a:pPr marL="457200" indent="-457200">
+              <a:buAutoNum type="arabicPeriod"/>
+            </a:pPr>
+            <a:r>
+              <a:rPr lang="ko-KR" altLang="en-US" sz="2400" dirty="0"/>
+              <a:t>인구 예측 수식 고도화</a:t>
+            </a:r>
+            <a:endParaRPr lang="en-US" altLang="ko-KR" sz="2400" dirty="0"/>
+          </a:p>
+          <a:p>
+            <a:pPr marL="800100" lvl="1" indent="-342900">
+              <a:buFontTx/>
+              <a:buChar char="-"/>
+            </a:pPr>
+            <a:r>
+              <a:rPr lang="ko-KR" altLang="en-US" sz="2400" dirty="0"/>
+              <a:t>인구 예측 수식은 신빙성이 낮음</a:t>
+            </a:r>
+            <a:r>
+              <a:rPr lang="en-US" altLang="ko-KR" sz="2400" dirty="0"/>
+              <a:t>.</a:t>
+            </a:r>
+          </a:p>
+          <a:p>
+            <a:pPr marL="800100" lvl="1" indent="-342900">
+              <a:buFontTx/>
+              <a:buChar char="-"/>
+            </a:pPr>
+            <a:r>
+              <a:rPr lang="ko-KR" altLang="en-US" sz="2400" dirty="0"/>
+              <a:t>예측 모델을 활용하여 산출 등 여러 방법 모색이 필요</a:t>
+            </a:r>
+            <a:endParaRPr lang="en-US" altLang="ko-KR" sz="2400" dirty="0"/>
+          </a:p>
+          <a:p>
+            <a:pPr lvl="1"/>
+            <a:endParaRPr lang="en-US" altLang="ko-KR" sz="2400" dirty="0"/>
+          </a:p>
+          <a:p>
+            <a:pPr marL="457200" indent="-457200">
+              <a:buAutoNum type="arabicPeriod"/>
+            </a:pPr>
+            <a:r>
+              <a:rPr lang="ko-KR" altLang="en-US" sz="2400" dirty="0"/>
+              <a:t>이용률 </a:t>
+            </a:r>
+            <a:r>
+              <a:rPr lang="en-US" altLang="ko-KR" sz="2400" dirty="0"/>
+              <a:t>=&gt; </a:t>
+            </a:r>
+            <a:r>
+              <a:rPr lang="ko-KR" altLang="en-US" sz="2400" dirty="0"/>
+              <a:t>사회적 참여 요소로 대체 가능한가</a:t>
+            </a:r>
+            <a:r>
+              <a:rPr lang="en-US" altLang="ko-KR" sz="2400" dirty="0"/>
+              <a:t>?</a:t>
+            </a:r>
+          </a:p>
+          <a:p>
+            <a:pPr marL="800100" lvl="1" indent="-342900">
+              <a:buFontTx/>
+              <a:buChar char="-"/>
+            </a:pPr>
+            <a:r>
+              <a:rPr lang="ko-KR" altLang="en-US" sz="2400" dirty="0"/>
+              <a:t>현재는 </a:t>
+            </a:r>
+            <a:r>
+              <a:rPr lang="en-US" altLang="ko-KR" sz="2400" dirty="0"/>
+              <a:t>2019</a:t>
+            </a:r>
+            <a:r>
+              <a:rPr lang="ko-KR" altLang="en-US" sz="2400" dirty="0"/>
+              <a:t>년도의 이용률에 대한 데이터만 존재함</a:t>
+            </a:r>
+            <a:endParaRPr lang="en-US" altLang="ko-KR" sz="2400" dirty="0"/>
+          </a:p>
+          <a:p>
+            <a:pPr marL="800100" lvl="1" indent="-342900">
+              <a:buFontTx/>
+              <a:buChar char="-"/>
+            </a:pPr>
+            <a:r>
+              <a:rPr lang="en-US" altLang="ko-KR" sz="2400" dirty="0"/>
+              <a:t>‘</a:t>
+            </a:r>
+            <a:r>
+              <a:rPr lang="ko-KR" altLang="en-US" sz="2400" dirty="0"/>
+              <a:t>사회적 참여를 높이면 이용률 증가</a:t>
+            </a:r>
+            <a:r>
+              <a:rPr lang="en-US" altLang="ko-KR" sz="2400" dirty="0"/>
+              <a:t>’ </a:t>
+            </a:r>
+            <a:r>
+              <a:rPr lang="ko-KR" altLang="en-US" sz="2400" dirty="0"/>
+              <a:t>형태의 아이디어 필요</a:t>
+            </a:r>
+            <a:endParaRPr lang="en-US" altLang="ko-KR" sz="2400" dirty="0"/>
+          </a:p>
+          <a:p>
+            <a:pPr lvl="1"/>
+            <a:endParaRPr lang="en-US" altLang="ko-KR" sz="2400" dirty="0"/>
+          </a:p>
+          <a:p>
+            <a:pPr lvl="1"/>
+            <a:endParaRPr lang="en-US" altLang="ko-KR" sz="2400" dirty="0"/>
+          </a:p>
+          <a:p>
+            <a:pPr lvl="1"/>
+            <a:endParaRPr lang="en-US" altLang="ko-KR" sz="2400" dirty="0"/>
+          </a:p>
+          <a:p>
+            <a:pPr lvl="1"/>
+            <a:endParaRPr lang="en-US" altLang="ko-KR" sz="1600" dirty="0"/>
+          </a:p>
+          <a:p>
+            <a:pPr lvl="1"/>
+            <a:endParaRPr lang="en-US" altLang="ko-KR" sz="1600" dirty="0"/>
+          </a:p>
+          <a:p>
+            <a:pPr lvl="1"/>
+            <a:r>
+              <a:rPr lang="en-US" altLang="ko-KR" sz="1600" dirty="0"/>
+              <a:t>* </a:t>
+            </a:r>
+            <a:r>
+              <a:rPr lang="ko-KR" altLang="en-US" sz="1600" dirty="0"/>
+              <a:t>사회적 참여 요소 </a:t>
+            </a:r>
+            <a:r>
+              <a:rPr lang="en-US" altLang="ko-KR" sz="1600" dirty="0"/>
+              <a:t>: </a:t>
+            </a:r>
+            <a:r>
+              <a:rPr lang="ko-KR" altLang="en-US" sz="1600" dirty="0"/>
+              <a:t>경로당에서 운영하는 프로그램</a:t>
+            </a:r>
+            <a:r>
+              <a:rPr lang="en-US" altLang="ko-KR" sz="1600" dirty="0"/>
+              <a:t> </a:t>
+            </a:r>
+            <a:r>
+              <a:rPr lang="ko-KR" altLang="en-US" sz="1600" dirty="0"/>
+              <a:t>등</a:t>
+            </a:r>
+            <a:endParaRPr lang="ko-KR" altLang="en-US" sz="2400" dirty="0"/>
+          </a:p>
+        </p:txBody>
+      </p:sp>
+      <p:sp>
+        <p:nvSpPr>
+          <p:cNvPr id="2" name="바닥글 개체 틀 1">
+            <a:extLst>
+              <a:ext uri="{FF2B5EF4-FFF2-40B4-BE49-F238E27FC236}">
+                <a16:creationId xmlns:a16="http://schemas.microsoft.com/office/drawing/2014/main" id="{558A0A5C-6E3A-4B61-A02A-353FB243A34A}"/>
               </a:ext>
             </a:extLst>
           </p:cNvPr>
@@ -26471,15 +22754,7 @@
             <p:ph type="ftr" sz="quarter" idx="5"/>
           </p:nvPr>
         </p:nvSpPr>
-        <p:spPr>
-          <a:xfrm>
-            <a:off x="4145280" y="6595205"/>
-            <a:ext cx="3901440" cy="169277"/>
-          </a:xfrm>
-          <a:prstGeom prst="rect">
-            <a:avLst/>
-          </a:prstGeom>
-        </p:spPr>
+        <p:spPr/>
         <p:txBody>
           <a:bodyPr/>
           <a:lstStyle/>
@@ -26492,16 +22767,16 @@
               <a:rPr lang="ko-KR" altLang="en-US"/>
               <a:t>의 시급한 개선을 위한 입지 분석 모델</a:t>
             </a:r>
-            <a:endParaRPr lang="en-US"/>
+            <a:endParaRPr lang="en-US" dirty="0"/>
           </a:p>
         </p:txBody>
       </p:sp>
       <p:sp>
         <p:nvSpPr>
-          <p:cNvPr id="54" name="슬라이드 번호 개체 틀 53">
+          <p:cNvPr id="3" name="슬라이드 번호 개체 틀 2">
             <a:extLst>
               <a:ext uri="{FF2B5EF4-FFF2-40B4-BE49-F238E27FC236}">
-                <a16:creationId xmlns:a16="http://schemas.microsoft.com/office/drawing/2014/main" id="{40501435-38C7-4A1E-BC08-5C66D893D568}"/>
+                <a16:creationId xmlns:a16="http://schemas.microsoft.com/office/drawing/2014/main" id="{BC9B62B5-C607-4814-B9D4-46067ECA7D9F}"/>
               </a:ext>
             </a:extLst>
           </p:cNvPr>
@@ -26519,365 +22794,82 @@
           <a:p>
             <a:fld id="{B6F15528-21DE-4FAA-801E-634DDDAF4B2B}" type="slidenum">
               <a:rPr lang="en-US" altLang="ko-KR" smtClean="0"/>
-              <a:t>25</a:t>
+              <a:t>23</a:t>
             </a:fld>
-            <a:endParaRPr lang="ko-KR" altLang="en-US"/>
+            <a:endParaRPr lang="ko-KR" altLang="en-US" dirty="0"/>
           </a:p>
         </p:txBody>
       </p:sp>
-      <p:grpSp>
-        <p:nvGrpSpPr>
-          <p:cNvPr id="67" name="그룹 66">
+      <p:sp>
+        <p:nvSpPr>
+          <p:cNvPr id="8" name="object 25">
             <a:extLst>
               <a:ext uri="{FF2B5EF4-FFF2-40B4-BE49-F238E27FC236}">
-                <a16:creationId xmlns:a16="http://schemas.microsoft.com/office/drawing/2014/main" id="{BFE96F1A-BF92-459D-80B4-EC8E396DAE69}"/>
+                <a16:creationId xmlns:a16="http://schemas.microsoft.com/office/drawing/2014/main" id="{6A1ED049-7D14-401F-9544-CAB36E0F5563}"/>
               </a:ext>
             </a:extLst>
           </p:cNvPr>
-          <p:cNvGrpSpPr/>
+          <p:cNvSpPr/>
           <p:nvPr/>
-        </p:nvGrpSpPr>
-        <p:grpSpPr>
+        </p:nvSpPr>
+        <p:spPr>
           <a:xfrm>
-            <a:off x="477962" y="310825"/>
-            <a:ext cx="11450560" cy="328577"/>
-            <a:chOff x="477962" y="310825"/>
-            <a:chExt cx="11450560" cy="328577"/>
+            <a:off x="1563191" y="4650385"/>
+            <a:ext cx="1828800" cy="915007"/>
           </a:xfrm>
-        </p:grpSpPr>
-        <p:sp>
-          <p:nvSpPr>
-            <p:cNvPr id="68" name="TextBox 67">
-              <a:extLst>
-                <a:ext uri="{FF2B5EF4-FFF2-40B4-BE49-F238E27FC236}">
-                  <a16:creationId xmlns:a16="http://schemas.microsoft.com/office/drawing/2014/main" id="{4CF311A2-190A-45CB-9506-6EB554476645}"/>
-                </a:ext>
-              </a:extLst>
-            </p:cNvPr>
-            <p:cNvSpPr txBox="1"/>
-            <p:nvPr/>
-          </p:nvSpPr>
-          <p:spPr>
-            <a:xfrm>
-              <a:off x="477962" y="331625"/>
-              <a:ext cx="3484438" cy="307777"/>
-            </a:xfrm>
-            <a:prstGeom prst="rect">
-              <a:avLst/>
-            </a:prstGeom>
-            <a:noFill/>
-          </p:spPr>
-          <p:txBody>
-            <a:bodyPr wrap="square" rtlCol="0">
-              <a:spAutoFit/>
-            </a:bodyPr>
-            <a:lstStyle/>
-            <a:p>
-              <a:r>
-                <a:rPr lang="ko-KR" altLang="en-US" sz="1400" dirty="0">
-                  <a:solidFill>
-                    <a:srgbClr val="8D80EB"/>
-                  </a:solidFill>
-                </a:rPr>
-                <a:t>분석 툴 </a:t>
-              </a:r>
-              <a:r>
-                <a:rPr lang="en-US" altLang="ko-KR" sz="1400" dirty="0">
-                  <a:solidFill>
-                    <a:srgbClr val="8D80EB"/>
-                  </a:solidFill>
-                </a:rPr>
-                <a:t>/ </a:t>
-              </a:r>
-              <a:r>
-                <a:rPr lang="ko-KR" altLang="en-US" sz="1400" dirty="0">
-                  <a:solidFill>
-                    <a:srgbClr val="8D80EB"/>
-                  </a:solidFill>
-                </a:rPr>
-                <a:t>분석 데이터</a:t>
-              </a:r>
-            </a:p>
-          </p:txBody>
-        </p:sp>
-        <p:sp>
-          <p:nvSpPr>
-            <p:cNvPr id="69" name="TextBox 68">
-              <a:extLst>
-                <a:ext uri="{FF2B5EF4-FFF2-40B4-BE49-F238E27FC236}">
-                  <a16:creationId xmlns:a16="http://schemas.microsoft.com/office/drawing/2014/main" id="{6E949806-3255-4027-8DFE-0AD7EA6FD407}"/>
-                </a:ext>
-              </a:extLst>
-            </p:cNvPr>
-            <p:cNvSpPr txBox="1"/>
-            <p:nvPr/>
-          </p:nvSpPr>
-          <p:spPr>
-            <a:xfrm>
-              <a:off x="10169477" y="310825"/>
-              <a:ext cx="1759045" cy="276999"/>
-            </a:xfrm>
-            <a:prstGeom prst="rect">
-              <a:avLst/>
-            </a:prstGeom>
-            <a:noFill/>
-          </p:spPr>
-          <p:txBody>
-            <a:bodyPr wrap="square" rtlCol="0">
-              <a:spAutoFit/>
-            </a:bodyPr>
-            <a:lstStyle/>
-            <a:p>
-              <a:r>
-                <a:rPr lang="ko-KR" altLang="en-US" sz="1200" dirty="0">
-                  <a:solidFill>
-                    <a:srgbClr val="8D80EB"/>
-                  </a:solidFill>
-                </a:rPr>
-                <a:t>동아대학교 </a:t>
-              </a:r>
-              <a:r>
-                <a:rPr lang="en-US" altLang="ko-KR" sz="1200" dirty="0" err="1">
-                  <a:solidFill>
-                    <a:srgbClr val="8D80EB"/>
-                  </a:solidFill>
-                </a:rPr>
-                <a:t>Dev_Day</a:t>
-              </a:r>
-              <a:endParaRPr lang="ko-KR" altLang="en-US" sz="1200" dirty="0">
-                <a:solidFill>
-                  <a:srgbClr val="8D80EB"/>
-                </a:solidFill>
-              </a:endParaRPr>
-            </a:p>
-          </p:txBody>
-        </p:sp>
-      </p:grpSp>
-      <p:pic>
-        <p:nvPicPr>
-          <p:cNvPr id="9" name="그래픽 8">
+          <a:custGeom>
+            <a:avLst/>
+            <a:gdLst/>
+            <a:ahLst/>
+            <a:cxnLst/>
+            <a:rect l="l" t="t" r="r" b="b"/>
+            <a:pathLst>
+              <a:path w="1363980" h="586739">
+                <a:moveTo>
+                  <a:pt x="1266190" y="0"/>
+                </a:moveTo>
+                <a:lnTo>
+                  <a:pt x="0" y="0"/>
+                </a:lnTo>
+                <a:lnTo>
+                  <a:pt x="0" y="488950"/>
+                </a:lnTo>
+                <a:lnTo>
+                  <a:pt x="97790" y="586739"/>
+                </a:lnTo>
+                <a:lnTo>
+                  <a:pt x="1363980" y="586739"/>
+                </a:lnTo>
+                <a:lnTo>
+                  <a:pt x="1363980" y="97789"/>
+                </a:lnTo>
+                <a:lnTo>
+                  <a:pt x="1266190" y="0"/>
+                </a:lnTo>
+                <a:close/>
+              </a:path>
+            </a:pathLst>
+          </a:custGeom>
+          <a:solidFill>
+            <a:srgbClr val="5643E2">
+              <a:alpha val="90194"/>
+            </a:srgbClr>
+          </a:solidFill>
+        </p:spPr>
+        <p:txBody>
+          <a:bodyPr wrap="square" lIns="0" tIns="0" rIns="0" bIns="0" rtlCol="0"/>
+          <a:lstStyle/>
+          <a:p>
+            <a:endParaRPr dirty="0"/>
+          </a:p>
+        </p:txBody>
+      </p:sp>
+      <p:sp>
+        <p:nvSpPr>
+          <p:cNvPr id="9" name="TextBox 8">
             <a:extLst>
               <a:ext uri="{FF2B5EF4-FFF2-40B4-BE49-F238E27FC236}">
-                <a16:creationId xmlns:a16="http://schemas.microsoft.com/office/drawing/2014/main" id="{4557EBBF-161E-4FBD-9C1A-201BA35446B0}"/>
-              </a:ext>
-            </a:extLst>
-          </p:cNvPr>
-          <p:cNvPicPr>
-            <a:picLocks noChangeAspect="1"/>
-          </p:cNvPicPr>
-          <p:nvPr/>
-        </p:nvPicPr>
-        <p:blipFill>
-          <a:blip r:embed="rId3" cstate="print">
-            <a:extLst>
-              <a:ext uri="{28A0092B-C50C-407E-A947-70E740481C1C}">
-                <a14:useLocalDpi xmlns:a14="http://schemas.microsoft.com/office/drawing/2010/main" val="0"/>
-              </a:ext>
-              <a:ext uri="{96DAC541-7B7A-43D3-8B79-37D633B846F1}">
-                <asvg:svgBlip xmlns:asvg="http://schemas.microsoft.com/office/drawing/2016/SVG/main" r:embed="rId4"/>
-              </a:ext>
-            </a:extLst>
-          </a:blip>
-          <a:stretch>
-            <a:fillRect/>
-          </a:stretch>
-        </p:blipFill>
-        <p:spPr>
-          <a:xfrm>
-            <a:off x="4038600" y="1295400"/>
-            <a:ext cx="2987510" cy="1207406"/>
-          </a:xfrm>
-          <a:prstGeom prst="rect">
-            <a:avLst/>
-          </a:prstGeom>
-        </p:spPr>
-      </p:pic>
-      <p:pic>
-        <p:nvPicPr>
-          <p:cNvPr id="11" name="그래픽 10">
-            <a:extLst>
-              <a:ext uri="{FF2B5EF4-FFF2-40B4-BE49-F238E27FC236}">
-                <a16:creationId xmlns:a16="http://schemas.microsoft.com/office/drawing/2014/main" id="{8EEAED6A-CBAD-4614-AE25-A799CA1DA161}"/>
-              </a:ext>
-            </a:extLst>
-          </p:cNvPr>
-          <p:cNvPicPr>
-            <a:picLocks noChangeAspect="1"/>
-          </p:cNvPicPr>
-          <p:nvPr/>
-        </p:nvPicPr>
-        <p:blipFill>
-          <a:blip r:embed="rId5" cstate="print">
-            <a:extLst>
-              <a:ext uri="{28A0092B-C50C-407E-A947-70E740481C1C}">
-                <a14:useLocalDpi xmlns:a14="http://schemas.microsoft.com/office/drawing/2010/main" val="0"/>
-              </a:ext>
-              <a:ext uri="{96DAC541-7B7A-43D3-8B79-37D633B846F1}">
-                <asvg:svgBlip xmlns:asvg="http://schemas.microsoft.com/office/drawing/2016/SVG/main" r:embed="rId6"/>
-              </a:ext>
-            </a:extLst>
-          </a:blip>
-          <a:stretch>
-            <a:fillRect/>
-          </a:stretch>
-        </p:blipFill>
-        <p:spPr>
-          <a:xfrm>
-            <a:off x="4029075" y="2502806"/>
-            <a:ext cx="3276600" cy="982999"/>
-          </a:xfrm>
-          <a:prstGeom prst="rect">
-            <a:avLst/>
-          </a:prstGeom>
-        </p:spPr>
-      </p:pic>
-      <p:pic>
-        <p:nvPicPr>
-          <p:cNvPr id="1026" name="Picture 2" descr="Event: #Maptime Detroit – OpenStreetMap | DETROITography">
-            <a:extLst>
-              <a:ext uri="{FF2B5EF4-FFF2-40B4-BE49-F238E27FC236}">
-                <a16:creationId xmlns:a16="http://schemas.microsoft.com/office/drawing/2014/main" id="{38957A21-A736-4D53-ABF6-C82A73C6D48F}"/>
-              </a:ext>
-            </a:extLst>
-          </p:cNvPr>
-          <p:cNvPicPr>
-            <a:picLocks noChangeAspect="1" noChangeArrowheads="1"/>
-          </p:cNvPicPr>
-          <p:nvPr/>
-        </p:nvPicPr>
-        <p:blipFill>
-          <a:blip r:embed="rId7">
-            <a:extLst>
-              <a:ext uri="{28A0092B-C50C-407E-A947-70E740481C1C}">
-                <a14:useLocalDpi xmlns:a14="http://schemas.microsoft.com/office/drawing/2010/main" val="0"/>
-              </a:ext>
-            </a:extLst>
-          </a:blip>
-          <a:srcRect/>
-          <a:stretch>
-            <a:fillRect/>
-          </a:stretch>
-        </p:blipFill>
-        <p:spPr bwMode="auto">
-          <a:xfrm>
-            <a:off x="1859515" y="1485900"/>
-            <a:ext cx="2082925" cy="1704975"/>
-          </a:xfrm>
-          <a:prstGeom prst="rect">
-            <a:avLst/>
-          </a:prstGeom>
-          <a:noFill/>
-          <a:extLst>
-            <a:ext uri="{909E8E84-426E-40DD-AFC4-6F175D3DCCD1}">
-              <a14:hiddenFill xmlns:a14="http://schemas.microsoft.com/office/drawing/2010/main">
-                <a:solidFill>
-                  <a:srgbClr val="FFFFFF"/>
-                </a:solidFill>
-              </a14:hiddenFill>
-            </a:ext>
-          </a:extLst>
-        </p:spPr>
-      </p:pic>
-      <p:pic>
-        <p:nvPicPr>
-          <p:cNvPr id="1028" name="Picture 4" descr="파이썬2 마지막 버전 공개…3.0 전환 필요 - 지디넷코리아">
-            <a:extLst>
-              <a:ext uri="{FF2B5EF4-FFF2-40B4-BE49-F238E27FC236}">
-                <a16:creationId xmlns:a16="http://schemas.microsoft.com/office/drawing/2014/main" id="{442515C1-9741-4DA7-8FC9-9A89C6DCEE45}"/>
-              </a:ext>
-            </a:extLst>
-          </p:cNvPr>
-          <p:cNvPicPr>
-            <a:picLocks noChangeAspect="1" noChangeArrowheads="1"/>
-          </p:cNvPicPr>
-          <p:nvPr/>
-        </p:nvPicPr>
-        <p:blipFill>
-          <a:blip r:embed="rId8">
-            <a:extLst>
-              <a:ext uri="{28A0092B-C50C-407E-A947-70E740481C1C}">
-                <a14:useLocalDpi xmlns:a14="http://schemas.microsoft.com/office/drawing/2010/main" val="0"/>
-              </a:ext>
-            </a:extLst>
-          </a:blip>
-          <a:srcRect/>
-          <a:stretch>
-            <a:fillRect/>
-          </a:stretch>
-        </p:blipFill>
-        <p:spPr bwMode="auto">
-          <a:xfrm>
-            <a:off x="7122270" y="1295400"/>
-            <a:ext cx="3594355" cy="1207406"/>
-          </a:xfrm>
-          <a:prstGeom prst="rect">
-            <a:avLst/>
-          </a:prstGeom>
-          <a:noFill/>
-          <a:extLst>
-            <a:ext uri="{909E8E84-426E-40DD-AFC4-6F175D3DCCD1}">
-              <a14:hiddenFill xmlns:a14="http://schemas.microsoft.com/office/drawing/2010/main">
-                <a:solidFill>
-                  <a:srgbClr val="FFFFFF"/>
-                </a:solidFill>
-              </a14:hiddenFill>
-            </a:ext>
-          </a:extLst>
-        </p:spPr>
-      </p:pic>
-      <p:pic>
-        <p:nvPicPr>
-          <p:cNvPr id="1030" name="Picture 6" descr="Colab x PyTorch] 이미지 분류(Image Classification)">
-            <a:extLst>
-              <a:ext uri="{FF2B5EF4-FFF2-40B4-BE49-F238E27FC236}">
-                <a16:creationId xmlns:a16="http://schemas.microsoft.com/office/drawing/2014/main" id="{8CAFD9F5-6FD9-4D80-B724-C3400E09052A}"/>
-              </a:ext>
-            </a:extLst>
-          </p:cNvPr>
-          <p:cNvPicPr>
-            <a:picLocks noChangeAspect="1" noChangeArrowheads="1"/>
-          </p:cNvPicPr>
-          <p:nvPr/>
-        </p:nvPicPr>
-        <p:blipFill>
-          <a:blip r:embed="rId9">
-            <a:extLst>
-              <a:ext uri="{28A0092B-C50C-407E-A947-70E740481C1C}">
-                <a14:useLocalDpi xmlns:a14="http://schemas.microsoft.com/office/drawing/2010/main" val="0"/>
-              </a:ext>
-            </a:extLst>
-          </a:blip>
-          <a:srcRect/>
-          <a:stretch>
-            <a:fillRect/>
-          </a:stretch>
-        </p:blipFill>
-        <p:spPr bwMode="auto">
-          <a:xfrm>
-            <a:off x="7492600" y="2362071"/>
-            <a:ext cx="2738947" cy="1207406"/>
-          </a:xfrm>
-          <a:prstGeom prst="rect">
-            <a:avLst/>
-          </a:prstGeom>
-          <a:noFill/>
-          <a:extLst>
-            <a:ext uri="{909E8E84-426E-40DD-AFC4-6F175D3DCCD1}">
-              <a14:hiddenFill xmlns:a14="http://schemas.microsoft.com/office/drawing/2010/main">
-                <a:solidFill>
-                  <a:srgbClr val="FFFFFF"/>
-                </a:solidFill>
-              </a14:hiddenFill>
-            </a:ext>
-          </a:extLst>
-        </p:spPr>
-      </p:pic>
-      <p:sp>
-        <p:nvSpPr>
-          <p:cNvPr id="2" name="TextBox 1">
-            <a:extLst>
-              <a:ext uri="{FF2B5EF4-FFF2-40B4-BE49-F238E27FC236}">
-                <a16:creationId xmlns:a16="http://schemas.microsoft.com/office/drawing/2014/main" id="{16F321F1-387F-4755-8A94-85B3C9E93E06}"/>
+                <a16:creationId xmlns:a16="http://schemas.microsoft.com/office/drawing/2014/main" id="{968DEEFA-975B-4209-A435-A588E05FD54D}"/>
               </a:ext>
             </a:extLst>
           </p:cNvPr>
@@ -26886,8 +22878,8 @@
         </p:nvSpPr>
         <p:spPr>
           <a:xfrm>
-            <a:off x="1371599" y="3722009"/>
-            <a:ext cx="9677400" cy="2031325"/>
+            <a:off x="1691311" y="4846278"/>
+            <a:ext cx="1572560" cy="523220"/>
           </a:xfrm>
           <a:prstGeom prst="rect">
             <a:avLst/>
@@ -26902,131 +22894,978 @@
           <a:p>
             <a:pPr algn="ctr"/>
             <a:r>
-              <a:rPr lang="en-US" altLang="ko-KR" dirty="0"/>
-              <a:t>2021</a:t>
-            </a:r>
-            <a:r>
-              <a:rPr lang="ko-KR" altLang="en-US" dirty="0"/>
-              <a:t>년 부산광역시 인구 데이터 </a:t>
-            </a:r>
-            <a:r>
-              <a:rPr lang="en-US" altLang="ko-KR" dirty="0"/>
-              <a:t>: KOSIS</a:t>
-            </a:r>
+              <a:rPr lang="ko-KR" altLang="en-US" sz="1400" b="1" dirty="0">
+                <a:solidFill>
+                  <a:schemeClr val="bg1"/>
+                </a:solidFill>
+              </a:rPr>
+              <a:t>사회적 참여</a:t>
+            </a:r>
+            <a:endParaRPr lang="en-US" altLang="ko-KR" sz="1400" b="1" dirty="0">
+              <a:solidFill>
+                <a:schemeClr val="bg1"/>
+              </a:solidFill>
+            </a:endParaRPr>
           </a:p>
           <a:p>
             <a:pPr algn="ctr"/>
             <a:r>
-              <a:rPr lang="en-US" altLang="ko-KR" dirty="0"/>
-              <a:t>2021</a:t>
-            </a:r>
-            <a:r>
-              <a:rPr lang="ko-KR" altLang="en-US" dirty="0"/>
-              <a:t>년 부산광역시 경로당 현황 </a:t>
-            </a:r>
-            <a:r>
-              <a:rPr lang="en-US" altLang="ko-KR" dirty="0"/>
-              <a:t>: KOSIS</a:t>
-            </a:r>
-          </a:p>
+              <a:rPr lang="ko-KR" altLang="en-US" sz="1400" b="1" dirty="0">
+                <a:solidFill>
+                  <a:schemeClr val="bg1"/>
+                </a:solidFill>
+              </a:rPr>
+              <a:t>증가</a:t>
+            </a:r>
+            <a:endParaRPr lang="en-US" altLang="ko-KR" sz="1400" b="1" dirty="0">
+              <a:solidFill>
+                <a:schemeClr val="bg1"/>
+              </a:solidFill>
+            </a:endParaRPr>
+          </a:p>
+        </p:txBody>
+      </p:sp>
+      <p:sp>
+        <p:nvSpPr>
+          <p:cNvPr id="10" name="object 25">
+            <a:extLst>
+              <a:ext uri="{FF2B5EF4-FFF2-40B4-BE49-F238E27FC236}">
+                <a16:creationId xmlns:a16="http://schemas.microsoft.com/office/drawing/2014/main" id="{D7BB3F72-E86D-4D69-B5BA-145678293711}"/>
+              </a:ext>
+            </a:extLst>
+          </p:cNvPr>
+          <p:cNvSpPr/>
+          <p:nvPr/>
+        </p:nvSpPr>
+        <p:spPr>
+          <a:xfrm>
+            <a:off x="6648989" y="4650385"/>
+            <a:ext cx="1828800" cy="915007"/>
+          </a:xfrm>
+          <a:custGeom>
+            <a:avLst/>
+            <a:gdLst/>
+            <a:ahLst/>
+            <a:cxnLst/>
+            <a:rect l="l" t="t" r="r" b="b"/>
+            <a:pathLst>
+              <a:path w="1363980" h="586739">
+                <a:moveTo>
+                  <a:pt x="1266190" y="0"/>
+                </a:moveTo>
+                <a:lnTo>
+                  <a:pt x="0" y="0"/>
+                </a:lnTo>
+                <a:lnTo>
+                  <a:pt x="0" y="488950"/>
+                </a:lnTo>
+                <a:lnTo>
+                  <a:pt x="97790" y="586739"/>
+                </a:lnTo>
+                <a:lnTo>
+                  <a:pt x="1363980" y="586739"/>
+                </a:lnTo>
+                <a:lnTo>
+                  <a:pt x="1363980" y="97789"/>
+                </a:lnTo>
+                <a:lnTo>
+                  <a:pt x="1266190" y="0"/>
+                </a:lnTo>
+                <a:close/>
+              </a:path>
+            </a:pathLst>
+          </a:custGeom>
+          <a:solidFill>
+            <a:srgbClr val="5643E2">
+              <a:alpha val="90194"/>
+            </a:srgbClr>
+          </a:solidFill>
+        </p:spPr>
+        <p:txBody>
+          <a:bodyPr wrap="square" lIns="0" tIns="0" rIns="0" bIns="0" rtlCol="0"/>
+          <a:lstStyle/>
+          <a:p>
+            <a:endParaRPr dirty="0"/>
+          </a:p>
+        </p:txBody>
+      </p:sp>
+      <p:sp>
+        <p:nvSpPr>
+          <p:cNvPr id="11" name="TextBox 10">
+            <a:extLst>
+              <a:ext uri="{FF2B5EF4-FFF2-40B4-BE49-F238E27FC236}">
+                <a16:creationId xmlns:a16="http://schemas.microsoft.com/office/drawing/2014/main" id="{53239687-2451-4458-A21A-CE891F784ECB}"/>
+              </a:ext>
+            </a:extLst>
+          </p:cNvPr>
+          <p:cNvSpPr txBox="1"/>
+          <p:nvPr/>
+        </p:nvSpPr>
+        <p:spPr>
+          <a:xfrm>
+            <a:off x="6777109" y="4846278"/>
+            <a:ext cx="1572560" cy="523220"/>
+          </a:xfrm>
+          <a:prstGeom prst="rect">
+            <a:avLst/>
+          </a:prstGeom>
+          <a:noFill/>
+        </p:spPr>
+        <p:txBody>
+          <a:bodyPr wrap="square" rtlCol="0">
+            <a:spAutoFit/>
+          </a:bodyPr>
+          <a:lstStyle/>
           <a:p>
             <a:pPr algn="ctr"/>
             <a:r>
-              <a:rPr lang="en-US" altLang="ko-KR" dirty="0"/>
-              <a:t>2015</a:t>
-            </a:r>
-            <a:r>
-              <a:rPr lang="ko-KR" altLang="en-US" dirty="0"/>
-              <a:t>년 부산광역시 인구 데이터 </a:t>
-            </a:r>
-            <a:r>
-              <a:rPr lang="en-US" altLang="ko-KR" dirty="0"/>
-              <a:t>: KOSIS</a:t>
-            </a:r>
+              <a:rPr lang="ko-KR" altLang="en-US" sz="1400" b="1" dirty="0">
+                <a:solidFill>
+                  <a:schemeClr val="bg1"/>
+                </a:solidFill>
+              </a:rPr>
+              <a:t>경로당 이용률</a:t>
+            </a:r>
+            <a:endParaRPr lang="en-US" altLang="ko-KR" sz="1400" b="1" dirty="0">
+              <a:solidFill>
+                <a:schemeClr val="bg1"/>
+              </a:solidFill>
+            </a:endParaRPr>
           </a:p>
           <a:p>
             <a:pPr algn="ctr"/>
             <a:r>
-              <a:rPr lang="en-US" altLang="ko-KR" dirty="0"/>
-              <a:t>2015</a:t>
-            </a:r>
-            <a:r>
-              <a:rPr lang="ko-KR" altLang="en-US" dirty="0"/>
-              <a:t>년 부산광역시 경로당 현황 </a:t>
-            </a:r>
-            <a:r>
-              <a:rPr lang="en-US" altLang="ko-KR" dirty="0"/>
-              <a:t>: KOSIS</a:t>
-            </a:r>
-          </a:p>
+              <a:rPr lang="ko-KR" altLang="en-US" sz="1400" b="1" dirty="0">
+                <a:solidFill>
+                  <a:schemeClr val="bg1"/>
+                </a:solidFill>
+              </a:rPr>
+              <a:t>증가</a:t>
+            </a:r>
+            <a:endParaRPr lang="en-US" altLang="ko-KR" sz="1400" b="1" dirty="0">
+              <a:solidFill>
+                <a:schemeClr val="bg1"/>
+              </a:solidFill>
+            </a:endParaRPr>
+          </a:p>
+        </p:txBody>
+      </p:sp>
+      <p:sp>
+        <p:nvSpPr>
+          <p:cNvPr id="12" name="화살표: 오른쪽 11">
+            <a:extLst>
+              <a:ext uri="{FF2B5EF4-FFF2-40B4-BE49-F238E27FC236}">
+                <a16:creationId xmlns:a16="http://schemas.microsoft.com/office/drawing/2014/main" id="{1F43911D-1E77-4985-8A89-1C4F5D8CA075}"/>
+              </a:ext>
+            </a:extLst>
+          </p:cNvPr>
+          <p:cNvSpPr/>
+          <p:nvPr/>
+        </p:nvSpPr>
+        <p:spPr>
+          <a:xfrm>
+            <a:off x="4493630" y="4646031"/>
+            <a:ext cx="1295400" cy="914394"/>
+          </a:xfrm>
+          <a:prstGeom prst="rightArrow">
+            <a:avLst/>
+          </a:prstGeom>
+          <a:solidFill>
+            <a:srgbClr val="366CDD"/>
+          </a:solidFill>
+          <a:ln>
+            <a:noFill/>
+          </a:ln>
+        </p:spPr>
+        <p:style>
+          <a:lnRef idx="2">
+            <a:schemeClr val="accent1">
+              <a:shade val="50000"/>
+            </a:schemeClr>
+          </a:lnRef>
+          <a:fillRef idx="1">
+            <a:schemeClr val="accent1"/>
+          </a:fillRef>
+          <a:effectRef idx="0">
+            <a:schemeClr val="accent1"/>
+          </a:effectRef>
+          <a:fontRef idx="minor">
+            <a:schemeClr val="lt1"/>
+          </a:fontRef>
+        </p:style>
+        <p:txBody>
+          <a:bodyPr rtlCol="0" anchor="ctr"/>
+          <a:lstStyle/>
           <a:p>
             <a:pPr algn="ctr"/>
-            <a:r>
-              <a:rPr lang="en-US" altLang="ko-KR" dirty="0"/>
-              <a:t>2001</a:t>
-            </a:r>
-            <a:r>
-              <a:rPr lang="ko-KR" altLang="en-US" dirty="0"/>
-              <a:t>년</a:t>
-            </a:r>
-            <a:r>
-              <a:rPr lang="en-US" altLang="ko-KR" dirty="0"/>
-              <a:t>~2020</a:t>
-            </a:r>
-            <a:r>
-              <a:rPr lang="ko-KR" altLang="en-US" dirty="0"/>
-              <a:t>년 고령인구 증가율  </a:t>
-            </a:r>
-            <a:r>
-              <a:rPr lang="en-US" altLang="ko-KR" dirty="0"/>
-              <a:t>: KOSIS</a:t>
-            </a:r>
-          </a:p>
-          <a:p>
-            <a:pPr algn="ctr"/>
-            <a:r>
-              <a:rPr lang="ko-KR" altLang="en-US" dirty="0"/>
-              <a:t>부산광역시 행정 구 현황  </a:t>
-            </a:r>
-            <a:r>
-              <a:rPr lang="en-US" altLang="ko-KR" dirty="0"/>
-              <a:t>: KOSIS</a:t>
-            </a:r>
-          </a:p>
-          <a:p>
-            <a:pPr algn="ctr"/>
-            <a:r>
-              <a:rPr lang="en-US" altLang="ko-KR" dirty="0"/>
-              <a:t>2019</a:t>
-            </a:r>
-            <a:r>
-              <a:rPr lang="ko-KR" altLang="en-US" dirty="0"/>
-              <a:t>년 부산광역시 경로당 이용률 현황 </a:t>
-            </a:r>
-            <a:r>
-              <a:rPr lang="en-US" altLang="ko-KR" dirty="0"/>
-              <a:t>: </a:t>
-            </a:r>
-            <a:r>
-              <a:rPr lang="ko-KR" altLang="en-US" dirty="0"/>
-              <a:t>부산 경로당 광역 지원센터</a:t>
-            </a:r>
-            <a:r>
-              <a:rPr lang="en-US" altLang="ko-KR" dirty="0"/>
-              <a:t>(</a:t>
-            </a:r>
-            <a:r>
-              <a:rPr lang="ko-KR" altLang="en-US" dirty="0"/>
-              <a:t>오프라인</a:t>
-            </a:r>
-            <a:r>
-              <a:rPr lang="en-US" altLang="ko-KR" dirty="0"/>
-              <a:t>)</a:t>
-            </a:r>
+            <a:endParaRPr lang="ko-KR" altLang="en-US"/>
           </a:p>
         </p:txBody>
       </p:sp>
     </p:spTree>
+    <p:extLst>
+      <p:ext uri="{BB962C8B-B14F-4D97-AF65-F5344CB8AC3E}">
+        <p14:creationId xmlns:p14="http://schemas.microsoft.com/office/powerpoint/2010/main" val="16167141"/>
+      </p:ext>
+    </p:extLst>
+  </p:cSld>
+  <p:clrMapOvr>
+    <a:masterClrMapping/>
+  </p:clrMapOvr>
+</p:sld>
+</file>
+
+<file path=ppt/slides/slide25.xml><?xml version="1.0" encoding="utf-8"?>
+<p:sld xmlns:a="http://schemas.openxmlformats.org/drawingml/2006/main" xmlns:r="http://schemas.openxmlformats.org/officeDocument/2006/relationships" xmlns:p="http://schemas.openxmlformats.org/presentationml/2006/main">
+  <p:cSld>
+    <p:spTree>
+      <p:nvGrpSpPr>
+        <p:cNvPr id="1" name=""/>
+        <p:cNvGrpSpPr/>
+        <p:nvPr/>
+      </p:nvGrpSpPr>
+      <p:grpSpPr>
+        <a:xfrm>
+          <a:off x="0" y="0"/>
+          <a:ext cx="0" cy="0"/>
+          <a:chOff x="0" y="0"/>
+          <a:chExt cx="0" cy="0"/>
+        </a:xfrm>
+      </p:grpSpPr>
+      <p:sp>
+        <p:nvSpPr>
+          <p:cNvPr id="6" name="제목 5">
+            <a:extLst>
+              <a:ext uri="{FF2B5EF4-FFF2-40B4-BE49-F238E27FC236}">
+                <a16:creationId xmlns:a16="http://schemas.microsoft.com/office/drawing/2014/main" id="{928F4021-7365-45BE-8488-6F2DC5D34C2E}"/>
+              </a:ext>
+            </a:extLst>
+          </p:cNvPr>
+          <p:cNvSpPr>
+            <a:spLocks noGrp="1"/>
+          </p:cNvSpPr>
+          <p:nvPr>
+            <p:ph type="title"/>
+          </p:nvPr>
+        </p:nvSpPr>
+        <p:spPr>
+          <a:xfrm>
+            <a:off x="609600" y="508158"/>
+            <a:ext cx="10972800" cy="492443"/>
+          </a:xfrm>
+        </p:spPr>
+        <p:txBody>
+          <a:bodyPr/>
+          <a:lstStyle/>
+          <a:p>
+            <a:r>
+              <a:rPr lang="ko-KR" altLang="en-US" sz="3200" dirty="0"/>
+              <a:t>요구사항</a:t>
+            </a:r>
+          </a:p>
+        </p:txBody>
+      </p:sp>
+      <p:sp>
+        <p:nvSpPr>
+          <p:cNvPr id="7" name="텍스트 개체 틀 6">
+            <a:extLst>
+              <a:ext uri="{FF2B5EF4-FFF2-40B4-BE49-F238E27FC236}">
+                <a16:creationId xmlns:a16="http://schemas.microsoft.com/office/drawing/2014/main" id="{23E50AAD-68C1-4C2F-B6E0-A778A5C7CF4F}"/>
+              </a:ext>
+            </a:extLst>
+          </p:cNvPr>
+          <p:cNvSpPr>
+            <a:spLocks noGrp="1"/>
+          </p:cNvSpPr>
+          <p:nvPr>
+            <p:ph type="body" idx="1"/>
+          </p:nvPr>
+        </p:nvSpPr>
+        <p:spPr>
+          <a:xfrm>
+            <a:off x="609600" y="1951672"/>
+            <a:ext cx="10972800" cy="3693319"/>
+          </a:xfrm>
+        </p:spPr>
+        <p:txBody>
+          <a:bodyPr/>
+          <a:lstStyle/>
+          <a:p>
+            <a:r>
+              <a:rPr lang="en-US" altLang="ko-KR" sz="2400" dirty="0"/>
+              <a:t>3. </a:t>
+            </a:r>
+            <a:r>
+              <a:rPr lang="ko-KR" altLang="en-US" sz="2400" dirty="0"/>
+              <a:t>코드 간결화</a:t>
+            </a:r>
+            <a:endParaRPr lang="en-US" altLang="ko-KR" sz="2400" dirty="0"/>
+          </a:p>
+          <a:p>
+            <a:pPr lvl="1"/>
+            <a:r>
+              <a:rPr lang="en-US" altLang="ko-KR" sz="2400" dirty="0"/>
+              <a:t>- pandas, </a:t>
+            </a:r>
+            <a:r>
+              <a:rPr lang="en-US" altLang="ko-KR" sz="2400" dirty="0" err="1"/>
+              <a:t>numpy</a:t>
+            </a:r>
+            <a:r>
+              <a:rPr lang="en-US" altLang="ko-KR" sz="2400" dirty="0"/>
+              <a:t> </a:t>
+            </a:r>
+            <a:r>
+              <a:rPr lang="ko-KR" altLang="en-US" sz="2400" dirty="0"/>
+              <a:t>메서드 적극 활용</a:t>
+            </a:r>
+            <a:endParaRPr lang="en-US" altLang="ko-KR" sz="2400" dirty="0"/>
+          </a:p>
+          <a:p>
+            <a:pPr lvl="1"/>
+            <a:r>
+              <a:rPr lang="en-US" altLang="ko-KR" sz="2400" dirty="0"/>
+              <a:t>- </a:t>
+            </a:r>
+            <a:r>
+              <a:rPr lang="ko-KR" altLang="en-US" sz="2400" dirty="0"/>
+              <a:t>코드 함수화 </a:t>
+            </a:r>
+            <a:endParaRPr lang="en-US" altLang="ko-KR" sz="2400" dirty="0"/>
+          </a:p>
+          <a:p>
+            <a:endParaRPr lang="en-US" altLang="ko-KR" sz="2400" dirty="0"/>
+          </a:p>
+          <a:p>
+            <a:r>
+              <a:rPr lang="en-US" altLang="ko-KR" sz="2400" dirty="0"/>
+              <a:t>4. </a:t>
+            </a:r>
+            <a:r>
+              <a:rPr lang="ko-KR" altLang="en-US" sz="2400" dirty="0"/>
+              <a:t>접근성에 대해  부동산</a:t>
+            </a:r>
+            <a:r>
+              <a:rPr lang="en-US" altLang="ko-KR" sz="2400" dirty="0"/>
+              <a:t>, </a:t>
+            </a:r>
+            <a:r>
+              <a:rPr lang="ko-KR" altLang="en-US" sz="2400" dirty="0"/>
+              <a:t>고도</a:t>
+            </a:r>
+            <a:r>
+              <a:rPr lang="en-US" altLang="ko-KR" sz="2400" dirty="0"/>
+              <a:t>(Google elevation API) </a:t>
+            </a:r>
+            <a:r>
+              <a:rPr lang="ko-KR" altLang="en-US" sz="2400" dirty="0"/>
+              <a:t>등 다양한 변수 사용</a:t>
+            </a:r>
+            <a:endParaRPr lang="en-US" altLang="ko-KR" sz="2400" dirty="0"/>
+          </a:p>
+          <a:p>
+            <a:pPr marL="800100" lvl="1" indent="-342900">
+              <a:buFontTx/>
+              <a:buChar char="-"/>
+            </a:pPr>
+            <a:r>
+              <a:rPr lang="ko-KR" altLang="en-US" sz="2400" dirty="0"/>
+              <a:t>현재 이동거리에 따른 시간에 대해서 접근성 판단함</a:t>
+            </a:r>
+            <a:endParaRPr lang="en-US" altLang="ko-KR" sz="2400" dirty="0"/>
+          </a:p>
+          <a:p>
+            <a:pPr marL="800100" lvl="1" indent="-342900">
+              <a:buFontTx/>
+              <a:buChar char="-"/>
+            </a:pPr>
+            <a:r>
+              <a:rPr lang="ko-KR" altLang="en-US" sz="2400" dirty="0"/>
+              <a:t>구체적으로 이동거리</a:t>
+            </a:r>
+            <a:r>
+              <a:rPr lang="en-US" altLang="ko-KR" sz="2400" dirty="0"/>
+              <a:t> </a:t>
+            </a:r>
+            <a:r>
+              <a:rPr lang="ko-KR" altLang="en-US" sz="2400" dirty="0"/>
+              <a:t>및 시간</a:t>
+            </a:r>
+            <a:r>
+              <a:rPr lang="en-US" altLang="ko-KR" sz="2400" dirty="0"/>
+              <a:t>, </a:t>
+            </a:r>
+            <a:r>
+              <a:rPr lang="ko-KR" altLang="en-US" sz="2400" dirty="0"/>
+              <a:t>부동산</a:t>
+            </a:r>
+            <a:r>
+              <a:rPr lang="en-US" altLang="ko-KR" sz="2400" dirty="0"/>
+              <a:t>, </a:t>
+            </a:r>
+            <a:r>
+              <a:rPr lang="ko-KR" altLang="en-US" sz="2400" dirty="0"/>
+              <a:t>고도를 고려하여 수치로 표현</a:t>
+            </a:r>
+            <a:endParaRPr lang="en-US" altLang="ko-KR" sz="2400" dirty="0"/>
+          </a:p>
+          <a:p>
+            <a:pPr marL="800100" lvl="1" indent="-342900">
+              <a:buFontTx/>
+              <a:buChar char="-"/>
+            </a:pPr>
+            <a:endParaRPr lang="en-US" altLang="ko-KR" sz="2400" dirty="0"/>
+          </a:p>
+          <a:p>
+            <a:r>
+              <a:rPr lang="en-US" altLang="ko-KR" sz="2400" dirty="0"/>
+              <a:t>5. </a:t>
+            </a:r>
+            <a:r>
+              <a:rPr lang="ko-KR" altLang="en-US" sz="2400" dirty="0"/>
+              <a:t>사소한 사항이라도 주석은 반드시</a:t>
+            </a:r>
+            <a:endParaRPr lang="en-US" altLang="ko-KR" sz="2400" dirty="0"/>
+          </a:p>
+          <a:p>
+            <a:pPr marL="800100" lvl="1" indent="-342900">
+              <a:buFontTx/>
+              <a:buChar char="-"/>
+            </a:pPr>
+            <a:endParaRPr lang="en-US" altLang="ko-KR" sz="2400" dirty="0"/>
+          </a:p>
+        </p:txBody>
+      </p:sp>
+      <p:sp>
+        <p:nvSpPr>
+          <p:cNvPr id="2" name="바닥글 개체 틀 1">
+            <a:extLst>
+              <a:ext uri="{FF2B5EF4-FFF2-40B4-BE49-F238E27FC236}">
+                <a16:creationId xmlns:a16="http://schemas.microsoft.com/office/drawing/2014/main" id="{558A0A5C-6E3A-4B61-A02A-353FB243A34A}"/>
+              </a:ext>
+            </a:extLst>
+          </p:cNvPr>
+          <p:cNvSpPr>
+            <a:spLocks noGrp="1"/>
+          </p:cNvSpPr>
+          <p:nvPr>
+            <p:ph type="ftr" sz="quarter" idx="5"/>
+          </p:nvPr>
+        </p:nvSpPr>
+        <p:spPr/>
+        <p:txBody>
+          <a:bodyPr/>
+          <a:lstStyle/>
+          <a:p>
+            <a:r>
+              <a:rPr lang="en-US" altLang="ko-KR"/>
+              <a:t>Busan Senior Centre(BSC)</a:t>
+            </a:r>
+            <a:r>
+              <a:rPr lang="ko-KR" altLang="en-US"/>
+              <a:t>의 시급한 개선을 위한 입지 분석 모델</a:t>
+            </a:r>
+            <a:endParaRPr lang="en-US" dirty="0"/>
+          </a:p>
+        </p:txBody>
+      </p:sp>
+      <p:sp>
+        <p:nvSpPr>
+          <p:cNvPr id="3" name="슬라이드 번호 개체 틀 2">
+            <a:extLst>
+              <a:ext uri="{FF2B5EF4-FFF2-40B4-BE49-F238E27FC236}">
+                <a16:creationId xmlns:a16="http://schemas.microsoft.com/office/drawing/2014/main" id="{BC9B62B5-C607-4814-B9D4-46067ECA7D9F}"/>
+              </a:ext>
+            </a:extLst>
+          </p:cNvPr>
+          <p:cNvSpPr>
+            <a:spLocks noGrp="1"/>
+          </p:cNvSpPr>
+          <p:nvPr>
+            <p:ph type="sldNum" sz="quarter" idx="7"/>
+          </p:nvPr>
+        </p:nvSpPr>
+        <p:spPr/>
+        <p:txBody>
+          <a:bodyPr/>
+          <a:lstStyle/>
+          <a:p>
+            <a:fld id="{B6F15528-21DE-4FAA-801E-634DDDAF4B2B}" type="slidenum">
+              <a:rPr lang="en-US" altLang="ko-KR" smtClean="0"/>
+              <a:t>24</a:t>
+            </a:fld>
+            <a:endParaRPr lang="ko-KR" altLang="en-US"/>
+          </a:p>
+        </p:txBody>
+      </p:sp>
+    </p:spTree>
+    <p:extLst>
+      <p:ext uri="{BB962C8B-B14F-4D97-AF65-F5344CB8AC3E}">
+        <p14:creationId xmlns:p14="http://schemas.microsoft.com/office/powerpoint/2010/main" val="591540078"/>
+      </p:ext>
+    </p:extLst>
+  </p:cSld>
+  <p:clrMapOvr>
+    <a:masterClrMapping/>
+  </p:clrMapOvr>
+</p:sld>
+</file>
+
+<file path=ppt/slides/slide26.xml><?xml version="1.0" encoding="utf-8"?>
+<p:sld xmlns:a="http://schemas.openxmlformats.org/drawingml/2006/main" xmlns:r="http://schemas.openxmlformats.org/officeDocument/2006/relationships" xmlns:p="http://schemas.openxmlformats.org/presentationml/2006/main">
+  <p:cSld>
+    <p:spTree>
+      <p:nvGrpSpPr>
+        <p:cNvPr id="1" name=""/>
+        <p:cNvGrpSpPr/>
+        <p:nvPr/>
+      </p:nvGrpSpPr>
+      <p:grpSpPr>
+        <a:xfrm>
+          <a:off x="0" y="0"/>
+          <a:ext cx="0" cy="0"/>
+          <a:chOff x="0" y="0"/>
+          <a:chExt cx="0" cy="0"/>
+        </a:xfrm>
+      </p:grpSpPr>
+      <p:sp>
+        <p:nvSpPr>
+          <p:cNvPr id="6" name="제목 5">
+            <a:extLst>
+              <a:ext uri="{FF2B5EF4-FFF2-40B4-BE49-F238E27FC236}">
+                <a16:creationId xmlns:a16="http://schemas.microsoft.com/office/drawing/2014/main" id="{928F4021-7365-45BE-8488-6F2DC5D34C2E}"/>
+              </a:ext>
+            </a:extLst>
+          </p:cNvPr>
+          <p:cNvSpPr>
+            <a:spLocks noGrp="1"/>
+          </p:cNvSpPr>
+          <p:nvPr>
+            <p:ph type="title"/>
+          </p:nvPr>
+        </p:nvSpPr>
+        <p:spPr>
+          <a:xfrm>
+            <a:off x="396240" y="609600"/>
+            <a:ext cx="10972800" cy="492443"/>
+          </a:xfrm>
+        </p:spPr>
+        <p:txBody>
+          <a:bodyPr/>
+          <a:lstStyle/>
+          <a:p>
+            <a:r>
+              <a:rPr lang="ko-KR" altLang="en-US" sz="3200" dirty="0"/>
+              <a:t>참고사항</a:t>
+            </a:r>
+          </a:p>
+        </p:txBody>
+      </p:sp>
+      <p:sp>
+        <p:nvSpPr>
+          <p:cNvPr id="7" name="텍스트 개체 틀 6">
+            <a:extLst>
+              <a:ext uri="{FF2B5EF4-FFF2-40B4-BE49-F238E27FC236}">
+                <a16:creationId xmlns:a16="http://schemas.microsoft.com/office/drawing/2014/main" id="{23E50AAD-68C1-4C2F-B6E0-A778A5C7CF4F}"/>
+              </a:ext>
+            </a:extLst>
+          </p:cNvPr>
+          <p:cNvSpPr>
+            <a:spLocks noGrp="1"/>
+          </p:cNvSpPr>
+          <p:nvPr>
+            <p:ph type="body" idx="1"/>
+          </p:nvPr>
+        </p:nvSpPr>
+        <p:spPr>
+          <a:xfrm>
+            <a:off x="396240" y="1676400"/>
+            <a:ext cx="11125200" cy="5478423"/>
+          </a:xfrm>
+        </p:spPr>
+        <p:txBody>
+          <a:bodyPr/>
+          <a:lstStyle/>
+          <a:p>
+            <a:r>
+              <a:rPr lang="ko-KR" altLang="en-US" sz="2400" dirty="0"/>
+              <a:t>부산 경로당 광역지원센터 </a:t>
+            </a:r>
+            <a:r>
+              <a:rPr lang="en-US" altLang="ko-KR" sz="2400" dirty="0"/>
+              <a:t>: </a:t>
+            </a:r>
+            <a:r>
+              <a:rPr lang="en-US" altLang="ko-KR" sz="2400" dirty="0">
+                <a:hlinkClick r:id="rId2"/>
+              </a:rPr>
+              <a:t>http://www.busansenior.or.kr/05centeredu/00.php</a:t>
+            </a:r>
+            <a:endParaRPr lang="en-US" altLang="ko-KR" sz="2400" dirty="0"/>
+          </a:p>
+          <a:p>
+            <a:endParaRPr lang="en-US" altLang="ko-KR" sz="2400" dirty="0"/>
+          </a:p>
+          <a:p>
+            <a:r>
+              <a:rPr lang="ko-KR" altLang="en-US" sz="2400" dirty="0"/>
+              <a:t>부산 노인종합복지관 </a:t>
+            </a:r>
+            <a:r>
+              <a:rPr lang="en-US" altLang="ko-KR" sz="2400" dirty="0"/>
+              <a:t>: </a:t>
+            </a:r>
+            <a:r>
+              <a:rPr lang="en-US" altLang="ko-KR" sz="2000" dirty="0">
+                <a:hlinkClick r:id="rId3"/>
+              </a:rPr>
+              <a:t>http://www.youngsilver.or.kr/theme/grape/mobile/page/sub02.php</a:t>
+            </a:r>
+            <a:endParaRPr lang="en-US" altLang="ko-KR" sz="2000" dirty="0"/>
+          </a:p>
+          <a:p>
+            <a:endParaRPr lang="en-US" altLang="ko-KR" sz="2000" dirty="0"/>
+          </a:p>
+          <a:p>
+            <a:r>
+              <a:rPr lang="ko-KR" altLang="en-US" sz="2400" dirty="0"/>
+              <a:t>부산복지개발원 </a:t>
+            </a:r>
+            <a:r>
+              <a:rPr lang="en-US" altLang="ko-KR" sz="2400" dirty="0"/>
+              <a:t>: </a:t>
+            </a:r>
+            <a:r>
+              <a:rPr lang="en-US" altLang="ko-KR" sz="2400" dirty="0">
+                <a:hlinkClick r:id="rId4"/>
+              </a:rPr>
+              <a:t>http://afc.bswdi.re.kr/Main.do</a:t>
+            </a:r>
+            <a:endParaRPr lang="en-US" altLang="ko-KR" sz="2400" dirty="0"/>
+          </a:p>
+          <a:p>
+            <a:endParaRPr lang="en-US" altLang="ko-KR" sz="2400" dirty="0"/>
+          </a:p>
+          <a:p>
+            <a:r>
+              <a:rPr lang="en-US" altLang="ko-KR" sz="2400" dirty="0" err="1"/>
+              <a:t>OSMnx</a:t>
+            </a:r>
+            <a:r>
+              <a:rPr lang="en-US" altLang="ko-KR" sz="2400" dirty="0"/>
+              <a:t> </a:t>
+            </a:r>
+            <a:r>
+              <a:rPr lang="ko-KR" altLang="en-US" sz="2400" dirty="0"/>
+              <a:t>고도 정보 관련 메서드 </a:t>
+            </a:r>
+            <a:r>
+              <a:rPr lang="en-US" altLang="ko-KR" sz="2400" dirty="0"/>
+              <a:t>: </a:t>
+            </a:r>
+            <a:r>
+              <a:rPr lang="en-US" altLang="ko-KR" sz="2400" dirty="0">
+                <a:hlinkClick r:id="rId5"/>
+              </a:rPr>
+              <a:t>https://osmnx.readthedocs.io/en/latest/osmnx.html#module-osmnx.elevation</a:t>
+            </a:r>
+            <a:endParaRPr lang="en-US" altLang="ko-KR" sz="2400" dirty="0"/>
+          </a:p>
+          <a:p>
+            <a:endParaRPr lang="en-US" altLang="ko-KR" sz="2400" dirty="0"/>
+          </a:p>
+          <a:p>
+            <a:r>
+              <a:rPr lang="ko-KR" altLang="en-US" sz="2400" dirty="0"/>
+              <a:t>부산시 표준공시지가 정보 </a:t>
+            </a:r>
+            <a:r>
+              <a:rPr lang="en-US" altLang="ko-KR" sz="2400" dirty="0"/>
+              <a:t>: </a:t>
+            </a:r>
+            <a:r>
+              <a:rPr lang="en-US" altLang="ko-KR" sz="2400" dirty="0">
+                <a:hlinkClick r:id="rId6"/>
+              </a:rPr>
+              <a:t>http://openapi.nsdi.go.kr/nsdi/eios/ServiceDetail.do?svcSe=F&amp;svcId=F013&amp;provOrg=NIDO</a:t>
+            </a:r>
+            <a:endParaRPr lang="en-US" altLang="ko-KR" sz="2400" dirty="0"/>
+          </a:p>
+          <a:p>
+            <a:endParaRPr lang="en-US" altLang="ko-KR" sz="2400" dirty="0"/>
+          </a:p>
+          <a:p>
+            <a:endParaRPr lang="en-US" altLang="ko-KR" sz="2400" dirty="0"/>
+          </a:p>
+          <a:p>
+            <a:endParaRPr lang="ko-KR" altLang="en-US" sz="2400" dirty="0"/>
+          </a:p>
+        </p:txBody>
+      </p:sp>
+      <p:sp>
+        <p:nvSpPr>
+          <p:cNvPr id="2" name="바닥글 개체 틀 1">
+            <a:extLst>
+              <a:ext uri="{FF2B5EF4-FFF2-40B4-BE49-F238E27FC236}">
+                <a16:creationId xmlns:a16="http://schemas.microsoft.com/office/drawing/2014/main" id="{558A0A5C-6E3A-4B61-A02A-353FB243A34A}"/>
+              </a:ext>
+            </a:extLst>
+          </p:cNvPr>
+          <p:cNvSpPr>
+            <a:spLocks noGrp="1"/>
+          </p:cNvSpPr>
+          <p:nvPr>
+            <p:ph type="ftr" sz="quarter" idx="5"/>
+          </p:nvPr>
+        </p:nvSpPr>
+        <p:spPr/>
+        <p:txBody>
+          <a:bodyPr/>
+          <a:lstStyle/>
+          <a:p>
+            <a:r>
+              <a:rPr lang="en-US" altLang="ko-KR"/>
+              <a:t>Busan Senior Centre(BSC)</a:t>
+            </a:r>
+            <a:r>
+              <a:rPr lang="ko-KR" altLang="en-US"/>
+              <a:t>의 시급한 개선을 위한 입지 분석 모델</a:t>
+            </a:r>
+            <a:endParaRPr lang="en-US" dirty="0"/>
+          </a:p>
+        </p:txBody>
+      </p:sp>
+      <p:sp>
+        <p:nvSpPr>
+          <p:cNvPr id="3" name="슬라이드 번호 개체 틀 2">
+            <a:extLst>
+              <a:ext uri="{FF2B5EF4-FFF2-40B4-BE49-F238E27FC236}">
+                <a16:creationId xmlns:a16="http://schemas.microsoft.com/office/drawing/2014/main" id="{BC9B62B5-C607-4814-B9D4-46067ECA7D9F}"/>
+              </a:ext>
+            </a:extLst>
+          </p:cNvPr>
+          <p:cNvSpPr>
+            <a:spLocks noGrp="1"/>
+          </p:cNvSpPr>
+          <p:nvPr>
+            <p:ph type="sldNum" sz="quarter" idx="7"/>
+          </p:nvPr>
+        </p:nvSpPr>
+        <p:spPr/>
+        <p:txBody>
+          <a:bodyPr/>
+          <a:lstStyle/>
+          <a:p>
+            <a:fld id="{B6F15528-21DE-4FAA-801E-634DDDAF4B2B}" type="slidenum">
+              <a:rPr lang="en-US" altLang="ko-KR" smtClean="0"/>
+              <a:t>25</a:t>
+            </a:fld>
+            <a:endParaRPr lang="ko-KR" altLang="en-US"/>
+          </a:p>
+        </p:txBody>
+      </p:sp>
+    </p:spTree>
+    <p:extLst>
+      <p:ext uri="{BB962C8B-B14F-4D97-AF65-F5344CB8AC3E}">
+        <p14:creationId xmlns:p14="http://schemas.microsoft.com/office/powerpoint/2010/main" val="4141625347"/>
+      </p:ext>
+    </p:extLst>
+  </p:cSld>
+  <p:clrMapOvr>
+    <a:masterClrMapping/>
+  </p:clrMapOvr>
+</p:sld>
+</file>
+
+<file path=ppt/slides/slide27.xml><?xml version="1.0" encoding="utf-8"?>
+<p:sld xmlns:a="http://schemas.openxmlformats.org/drawingml/2006/main" xmlns:r="http://schemas.openxmlformats.org/officeDocument/2006/relationships" xmlns:p="http://schemas.openxmlformats.org/presentationml/2006/main">
+  <p:cSld>
+    <p:spTree>
+      <p:nvGrpSpPr>
+        <p:cNvPr id="1" name=""/>
+        <p:cNvGrpSpPr/>
+        <p:nvPr/>
+      </p:nvGrpSpPr>
+      <p:grpSpPr>
+        <a:xfrm>
+          <a:off x="0" y="0"/>
+          <a:ext cx="0" cy="0"/>
+          <a:chOff x="0" y="0"/>
+          <a:chExt cx="0" cy="0"/>
+        </a:xfrm>
+      </p:grpSpPr>
+      <p:sp>
+        <p:nvSpPr>
+          <p:cNvPr id="3" name="텍스트 개체 틀 2">
+            <a:extLst>
+              <a:ext uri="{FF2B5EF4-FFF2-40B4-BE49-F238E27FC236}">
+                <a16:creationId xmlns:a16="http://schemas.microsoft.com/office/drawing/2014/main" id="{60EE6300-7927-4CFA-8698-7177A82C977E}"/>
+              </a:ext>
+            </a:extLst>
+          </p:cNvPr>
+          <p:cNvSpPr>
+            <a:spLocks noGrp="1"/>
+          </p:cNvSpPr>
+          <p:nvPr>
+            <p:ph type="body" idx="1"/>
+          </p:nvPr>
+        </p:nvSpPr>
+        <p:spPr>
+          <a:xfrm>
+            <a:off x="609600" y="1165860"/>
+            <a:ext cx="10972800" cy="4924425"/>
+          </a:xfrm>
+        </p:spPr>
+        <p:txBody>
+          <a:bodyPr/>
+          <a:lstStyle/>
+          <a:p>
+            <a:pPr algn="ctr"/>
+            <a:r>
+              <a:rPr lang="ko-KR" altLang="en-US" sz="3200" dirty="0"/>
+              <a:t>문의 방법</a:t>
+            </a:r>
+            <a:endParaRPr lang="en-US" altLang="ko-KR" sz="3200" dirty="0"/>
+          </a:p>
+          <a:p>
+            <a:endParaRPr lang="en-US" altLang="ko-KR" sz="3200" dirty="0"/>
+          </a:p>
+          <a:p>
+            <a:pPr algn="ctr"/>
+            <a:r>
+              <a:rPr lang="ko-KR" altLang="en-US" sz="3200" dirty="0"/>
+              <a:t>전화번호 </a:t>
+            </a:r>
+            <a:r>
+              <a:rPr lang="en-US" altLang="ko-KR" sz="3200" dirty="0"/>
+              <a:t>: 010 4917 3781</a:t>
+            </a:r>
+          </a:p>
+          <a:p>
+            <a:pPr algn="ctr"/>
+            <a:r>
+              <a:rPr lang="en-US" altLang="ko-KR" sz="3200" dirty="0"/>
+              <a:t>Email : </a:t>
+            </a:r>
+            <a:r>
+              <a:rPr lang="en-US" altLang="ko-KR" sz="3200" dirty="0">
+                <a:hlinkClick r:id="rId2"/>
+              </a:rPr>
+              <a:t>pwjdgus1017@gmail.com</a:t>
+            </a:r>
+            <a:endParaRPr lang="en-US" altLang="ko-KR" sz="3200" dirty="0"/>
+          </a:p>
+          <a:p>
+            <a:pPr algn="ctr"/>
+            <a:endParaRPr lang="en-US" altLang="ko-KR" sz="3200" dirty="0"/>
+          </a:p>
+          <a:p>
+            <a:pPr algn="ctr"/>
+            <a:r>
+              <a:rPr lang="en-US" altLang="ko-KR" sz="3200" dirty="0"/>
+              <a:t>OR</a:t>
+            </a:r>
+          </a:p>
+          <a:p>
+            <a:pPr algn="ctr"/>
+            <a:endParaRPr lang="en-US" altLang="ko-KR" sz="3200" dirty="0"/>
+          </a:p>
+          <a:p>
+            <a:pPr algn="ctr"/>
+            <a:r>
+              <a:rPr lang="en-US" altLang="ko-KR" sz="3200" dirty="0"/>
+              <a:t>LMS </a:t>
+            </a:r>
+            <a:r>
+              <a:rPr lang="ko-KR" altLang="en-US" sz="3200" dirty="0"/>
+              <a:t>문의 게시판</a:t>
+            </a:r>
+            <a:endParaRPr lang="en-US" altLang="ko-KR" sz="3200" dirty="0"/>
+          </a:p>
+          <a:p>
+            <a:pPr algn="ctr"/>
+            <a:r>
+              <a:rPr lang="en-US" altLang="ko-KR" sz="3200" dirty="0"/>
+              <a:t>Git-hub issue </a:t>
+            </a:r>
+            <a:r>
+              <a:rPr lang="ko-KR" altLang="en-US" sz="3200" dirty="0"/>
+              <a:t>등록 </a:t>
+            </a:r>
+            <a:endParaRPr lang="en-US" altLang="ko-KR" sz="3200" dirty="0"/>
+          </a:p>
+          <a:p>
+            <a:endParaRPr lang="ko-KR" altLang="en-US" sz="3200" dirty="0"/>
+          </a:p>
+        </p:txBody>
+      </p:sp>
+      <p:sp>
+        <p:nvSpPr>
+          <p:cNvPr id="4" name="바닥글 개체 틀 3">
+            <a:extLst>
+              <a:ext uri="{FF2B5EF4-FFF2-40B4-BE49-F238E27FC236}">
+                <a16:creationId xmlns:a16="http://schemas.microsoft.com/office/drawing/2014/main" id="{D634BC88-D874-42FB-A850-7C5C7B1434F1}"/>
+              </a:ext>
+            </a:extLst>
+          </p:cNvPr>
+          <p:cNvSpPr>
+            <a:spLocks noGrp="1"/>
+          </p:cNvSpPr>
+          <p:nvPr>
+            <p:ph type="ftr" sz="quarter" idx="5"/>
+          </p:nvPr>
+        </p:nvSpPr>
+        <p:spPr/>
+        <p:txBody>
+          <a:bodyPr/>
+          <a:lstStyle/>
+          <a:p>
+            <a:r>
+              <a:rPr lang="en-US" altLang="ko-KR"/>
+              <a:t>Busan Senior Centre(BSC)</a:t>
+            </a:r>
+            <a:r>
+              <a:rPr lang="ko-KR" altLang="en-US"/>
+              <a:t>의 시급한 개선을 위한 입지 분석 모델</a:t>
+            </a:r>
+          </a:p>
+        </p:txBody>
+      </p:sp>
+      <p:sp>
+        <p:nvSpPr>
+          <p:cNvPr id="5" name="슬라이드 번호 개체 틀 4">
+            <a:extLst>
+              <a:ext uri="{FF2B5EF4-FFF2-40B4-BE49-F238E27FC236}">
+                <a16:creationId xmlns:a16="http://schemas.microsoft.com/office/drawing/2014/main" id="{297A1B18-1897-4758-B23B-214442FE2BF8}"/>
+              </a:ext>
+            </a:extLst>
+          </p:cNvPr>
+          <p:cNvSpPr>
+            <a:spLocks noGrp="1"/>
+          </p:cNvSpPr>
+          <p:nvPr>
+            <p:ph type="sldNum" sz="quarter" idx="7"/>
+          </p:nvPr>
+        </p:nvSpPr>
+        <p:spPr/>
+        <p:txBody>
+          <a:bodyPr/>
+          <a:lstStyle/>
+          <a:p>
+            <a:fld id="{B6F15528-21DE-4FAA-801E-634DDDAF4B2B}" type="slidenum">
+              <a:rPr lang="en-US" altLang="ko-KR" smtClean="0"/>
+              <a:t>26</a:t>
+            </a:fld>
+            <a:endParaRPr lang="ko-KR" altLang="en-US"/>
+          </a:p>
+        </p:txBody>
+      </p:sp>
+    </p:spTree>
+    <p:extLst>
+      <p:ext uri="{BB962C8B-B14F-4D97-AF65-F5344CB8AC3E}">
+        <p14:creationId xmlns:p14="http://schemas.microsoft.com/office/powerpoint/2010/main" val="430713533"/>
+      </p:ext>
+    </p:extLst>
   </p:cSld>
   <p:clrMapOvr>
     <a:masterClrMapping/>

--- a/PPT/Busan_Senior_Center(BSC)의_시급한_개선을_위한_입지_분석_모델_발표.pptx
+++ b/PPT/Busan_Senior_Center(BSC)의_시급한_개선을_위한_입지_분석_모델_발표.pptx
@@ -151,6 +151,9 @@
         </p15:guide>
       </p15:sldGuideLst>
     </p:ext>
+    <p:ext uri="{2D200454-40CA-4A62-9FC3-DE9A4176ACB9}">
+      <p15:notesGuideLst xmlns:p15="http://schemas.microsoft.com/office/powerpoint/2012/main"/>
+    </p:ext>
   </p:extLst>
 </p:presentation>
 </file>
@@ -249,7 +252,7 @@
           <a:p>
             <a:fld id="{78A1DF82-54BC-4D6A-9B8E-C3D0E147951C}" type="datetimeFigureOut">
               <a:rPr lang="ko-KR" altLang="en-US" smtClean="0"/>
-              <a:t>2022-03-23</a:t>
+              <a:t>2022-04-16</a:t>
             </a:fld>
             <a:endParaRPr lang="ko-KR" altLang="en-US"/>
           </a:p>
@@ -426,7 +429,7 @@
           <a:p>
             <a:fld id="{C1F9CF4F-CF52-4055-A1E0-4CE72C4FC77B}" type="datetimeFigureOut">
               <a:rPr lang="ko-KR" altLang="en-US" smtClean="0"/>
-              <a:t>2022-03-23</a:t>
+              <a:t>2022-04-16</a:t>
             </a:fld>
             <a:endParaRPr lang="ko-KR" altLang="en-US"/>
           </a:p>
@@ -17370,62 +17373,6 @@
       </p:pic>
       <p:sp>
         <p:nvSpPr>
-          <p:cNvPr id="40" name="TextBox 39">
-            <a:extLst>
-              <a:ext uri="{FF2B5EF4-FFF2-40B4-BE49-F238E27FC236}">
-                <a16:creationId xmlns:a16="http://schemas.microsoft.com/office/drawing/2014/main" id="{E320077A-4B30-4609-8937-A3D5FDAB6A85}"/>
-              </a:ext>
-            </a:extLst>
-          </p:cNvPr>
-          <p:cNvSpPr txBox="1"/>
-          <p:nvPr/>
-        </p:nvSpPr>
-        <p:spPr>
-          <a:xfrm>
-            <a:off x="3943350" y="5882335"/>
-            <a:ext cx="4267200" cy="246221"/>
-          </a:xfrm>
-          <a:prstGeom prst="rect">
-            <a:avLst/>
-          </a:prstGeom>
-          <a:noFill/>
-        </p:spPr>
-        <p:txBody>
-          <a:bodyPr wrap="square" rtlCol="0">
-            <a:spAutoFit/>
-          </a:bodyPr>
-          <a:lstStyle/>
-          <a:p>
-            <a:pPr algn="ctr"/>
-            <a:r>
-              <a:rPr lang="ko-KR" altLang="en-US" sz="1000" dirty="0">
-                <a:solidFill>
-                  <a:srgbClr val="525252"/>
-                </a:solidFill>
-              </a:rPr>
-              <a:t>자료 출처 </a:t>
-            </a:r>
-            <a:r>
-              <a:rPr lang="en-US" altLang="ko-KR" sz="1000" dirty="0">
-                <a:solidFill>
-                  <a:srgbClr val="525252"/>
-                </a:solidFill>
-              </a:rPr>
-              <a:t>: </a:t>
-            </a:r>
-            <a:r>
-              <a:rPr lang="ko-KR" altLang="en-US" sz="1000" dirty="0">
-                <a:solidFill>
-                  <a:srgbClr val="525252"/>
-                </a:solidFill>
-              </a:rPr>
-              <a:t>시니어라이프 비즈니스</a:t>
-            </a:r>
-          </a:p>
-        </p:txBody>
-      </p:sp>
-      <p:sp>
-        <p:nvSpPr>
           <p:cNvPr id="41" name="사각형: 잘린 한쪽 모서리 40">
             <a:extLst>
               <a:ext uri="{FF2B5EF4-FFF2-40B4-BE49-F238E27FC236}">
